--- a/services/documentation/content/1-getting-started/1-getting-started-as-a-user/1-module-digital-service/media/screenshot.pptx
+++ b/services/documentation/content/1-getting-started/1-getting-started-as-a-user/1-module-digital-service/media/screenshot.pptx
@@ -5,36 +5,35 @@
     <p:sldMasterId id="2147483648" r:id="rId1"/>
   </p:sldMasterIdLst>
   <p:sldIdLst>
-    <p:sldId id="256" r:id="rId2"/>
-    <p:sldId id="287" r:id="rId3"/>
-    <p:sldId id="258" r:id="rId4"/>
+    <p:sldId id="288" r:id="rId2"/>
+    <p:sldId id="289" r:id="rId3"/>
+    <p:sldId id="290" r:id="rId4"/>
     <p:sldId id="259" r:id="rId5"/>
-    <p:sldId id="260" r:id="rId6"/>
-    <p:sldId id="261" r:id="rId7"/>
+    <p:sldId id="291" r:id="rId6"/>
+    <p:sldId id="292" r:id="rId7"/>
     <p:sldId id="262" r:id="rId8"/>
-    <p:sldId id="263" r:id="rId9"/>
-    <p:sldId id="264" r:id="rId10"/>
-    <p:sldId id="265" r:id="rId11"/>
-    <p:sldId id="267" r:id="rId12"/>
-    <p:sldId id="266" r:id="rId13"/>
-    <p:sldId id="268" r:id="rId14"/>
-    <p:sldId id="270" r:id="rId15"/>
-    <p:sldId id="269" r:id="rId16"/>
-    <p:sldId id="271" r:id="rId17"/>
-    <p:sldId id="281" r:id="rId18"/>
+    <p:sldId id="293" r:id="rId9"/>
+    <p:sldId id="263" r:id="rId10"/>
+    <p:sldId id="264" r:id="rId11"/>
+    <p:sldId id="265" r:id="rId12"/>
+    <p:sldId id="267" r:id="rId13"/>
+    <p:sldId id="266" r:id="rId14"/>
+    <p:sldId id="268" r:id="rId15"/>
+    <p:sldId id="270" r:id="rId16"/>
+    <p:sldId id="269" r:id="rId17"/>
+    <p:sldId id="294" r:id="rId18"/>
     <p:sldId id="282" r:id="rId19"/>
-    <p:sldId id="283" r:id="rId20"/>
-    <p:sldId id="272" r:id="rId21"/>
-    <p:sldId id="273" r:id="rId22"/>
+    <p:sldId id="295" r:id="rId20"/>
+    <p:sldId id="296" r:id="rId21"/>
+    <p:sldId id="297" r:id="rId22"/>
     <p:sldId id="286" r:id="rId23"/>
-    <p:sldId id="275" r:id="rId24"/>
-    <p:sldId id="276" r:id="rId25"/>
-    <p:sldId id="277" r:id="rId26"/>
-    <p:sldId id="278" r:id="rId27"/>
-    <p:sldId id="279" r:id="rId28"/>
-    <p:sldId id="280" r:id="rId29"/>
-    <p:sldId id="284" r:id="rId30"/>
-    <p:sldId id="285" r:id="rId31"/>
+    <p:sldId id="276" r:id="rId24"/>
+    <p:sldId id="300" r:id="rId25"/>
+    <p:sldId id="279" r:id="rId26"/>
+    <p:sldId id="301" r:id="rId27"/>
+    <p:sldId id="280" r:id="rId28"/>
+    <p:sldId id="284" r:id="rId29"/>
+    <p:sldId id="285" r:id="rId30"/>
   </p:sldIdLst>
   <p:sldSz cx="12192000" cy="6858000"/>
   <p:notesSz cx="6858000" cy="9144000"/>
@@ -290,7 +289,7 @@
           <a:p>
             <a:fld id="{D4BB6D88-5075-48D7-BD79-A331FE34B533}" type="datetimeFigureOut">
               <a:rPr lang="en-GB" smtClean="0"/>
-              <a:t>28/04/2025</a:t>
+              <a:t>26/05/2025</a:t>
             </a:fld>
             <a:endParaRPr lang="en-GB"/>
           </a:p>
@@ -490,7 +489,7 @@
           <a:p>
             <a:fld id="{D4BB6D88-5075-48D7-BD79-A331FE34B533}" type="datetimeFigureOut">
               <a:rPr lang="en-GB" smtClean="0"/>
-              <a:t>28/04/2025</a:t>
+              <a:t>26/05/2025</a:t>
             </a:fld>
             <a:endParaRPr lang="en-GB"/>
           </a:p>
@@ -700,7 +699,7 @@
           <a:p>
             <a:fld id="{D4BB6D88-5075-48D7-BD79-A331FE34B533}" type="datetimeFigureOut">
               <a:rPr lang="en-GB" smtClean="0"/>
-              <a:t>28/04/2025</a:t>
+              <a:t>26/05/2025</a:t>
             </a:fld>
             <a:endParaRPr lang="en-GB"/>
           </a:p>
@@ -900,7 +899,7 @@
           <a:p>
             <a:fld id="{D4BB6D88-5075-48D7-BD79-A331FE34B533}" type="datetimeFigureOut">
               <a:rPr lang="en-GB" smtClean="0"/>
-              <a:t>28/04/2025</a:t>
+              <a:t>26/05/2025</a:t>
             </a:fld>
             <a:endParaRPr lang="en-GB"/>
           </a:p>
@@ -1176,7 +1175,7 @@
           <a:p>
             <a:fld id="{D4BB6D88-5075-48D7-BD79-A331FE34B533}" type="datetimeFigureOut">
               <a:rPr lang="en-GB" smtClean="0"/>
-              <a:t>28/04/2025</a:t>
+              <a:t>26/05/2025</a:t>
             </a:fld>
             <a:endParaRPr lang="en-GB"/>
           </a:p>
@@ -1444,7 +1443,7 @@
           <a:p>
             <a:fld id="{D4BB6D88-5075-48D7-BD79-A331FE34B533}" type="datetimeFigureOut">
               <a:rPr lang="en-GB" smtClean="0"/>
-              <a:t>28/04/2025</a:t>
+              <a:t>26/05/2025</a:t>
             </a:fld>
             <a:endParaRPr lang="en-GB"/>
           </a:p>
@@ -1859,7 +1858,7 @@
           <a:p>
             <a:fld id="{D4BB6D88-5075-48D7-BD79-A331FE34B533}" type="datetimeFigureOut">
               <a:rPr lang="en-GB" smtClean="0"/>
-              <a:t>28/04/2025</a:t>
+              <a:t>26/05/2025</a:t>
             </a:fld>
             <a:endParaRPr lang="en-GB"/>
           </a:p>
@@ -2001,7 +2000,7 @@
           <a:p>
             <a:fld id="{D4BB6D88-5075-48D7-BD79-A331FE34B533}" type="datetimeFigureOut">
               <a:rPr lang="en-GB" smtClean="0"/>
-              <a:t>28/04/2025</a:t>
+              <a:t>26/05/2025</a:t>
             </a:fld>
             <a:endParaRPr lang="en-GB"/>
           </a:p>
@@ -2114,7 +2113,7 @@
           <a:p>
             <a:fld id="{D4BB6D88-5075-48D7-BD79-A331FE34B533}" type="datetimeFigureOut">
               <a:rPr lang="en-GB" smtClean="0"/>
-              <a:t>28/04/2025</a:t>
+              <a:t>26/05/2025</a:t>
             </a:fld>
             <a:endParaRPr lang="en-GB"/>
           </a:p>
@@ -2427,7 +2426,7 @@
           <a:p>
             <a:fld id="{D4BB6D88-5075-48D7-BD79-A331FE34B533}" type="datetimeFigureOut">
               <a:rPr lang="en-GB" smtClean="0"/>
-              <a:t>28/04/2025</a:t>
+              <a:t>26/05/2025</a:t>
             </a:fld>
             <a:endParaRPr lang="en-GB"/>
           </a:p>
@@ -2716,7 +2715,7 @@
           <a:p>
             <a:fld id="{D4BB6D88-5075-48D7-BD79-A331FE34B533}" type="datetimeFigureOut">
               <a:rPr lang="en-GB" smtClean="0"/>
-              <a:t>28/04/2025</a:t>
+              <a:t>26/05/2025</a:t>
             </a:fld>
             <a:endParaRPr lang="en-GB"/>
           </a:p>
@@ -2959,7 +2958,7 @@
           <a:p>
             <a:fld id="{D4BB6D88-5075-48D7-BD79-A331FE34B533}" type="datetimeFigureOut">
               <a:rPr lang="en-GB" smtClean="0"/>
-              <a:t>28/04/2025</a:t>
+              <a:t>26/05/2025</a:t>
             </a:fld>
             <a:endParaRPr lang="en-GB"/>
           </a:p>
@@ -3424,62 +3423,12 @@
           <a:chExt cx="0" cy="0"/>
         </a:xfrm>
       </p:grpSpPr>
-      <p:sp>
-        <p:nvSpPr>
-          <p:cNvPr id="2" name="Titre 1">
-            <a:extLst>
-              <a:ext uri="{FF2B5EF4-FFF2-40B4-BE49-F238E27FC236}">
-                <a16:creationId xmlns:a16="http://schemas.microsoft.com/office/drawing/2014/main" id="{26B3AEC3-42E5-9B70-B7B9-7282E17BADDA}"/>
-              </a:ext>
-            </a:extLst>
-          </p:cNvPr>
-          <p:cNvSpPr>
-            <a:spLocks noGrp="1"/>
-          </p:cNvSpPr>
-          <p:nvPr>
-            <p:ph type="ctrTitle"/>
-          </p:nvPr>
-        </p:nvSpPr>
-        <p:spPr/>
-        <p:txBody>
-          <a:bodyPr/>
-          <a:lstStyle/>
-          <a:p>
-            <a:endParaRPr lang="en-GB"/>
-          </a:p>
-        </p:txBody>
-      </p:sp>
-      <p:sp>
-        <p:nvSpPr>
-          <p:cNvPr id="3" name="Sous-titre 2">
-            <a:extLst>
-              <a:ext uri="{FF2B5EF4-FFF2-40B4-BE49-F238E27FC236}">
-                <a16:creationId xmlns:a16="http://schemas.microsoft.com/office/drawing/2014/main" id="{673CA12F-5AB8-B7E4-581D-5C40854018D7}"/>
-              </a:ext>
-            </a:extLst>
-          </p:cNvPr>
-          <p:cNvSpPr>
-            <a:spLocks noGrp="1"/>
-          </p:cNvSpPr>
-          <p:nvPr>
-            <p:ph type="subTitle" idx="1"/>
-          </p:nvPr>
-        </p:nvSpPr>
-        <p:spPr/>
-        <p:txBody>
-          <a:bodyPr/>
-          <a:lstStyle/>
-          <a:p>
-            <a:endParaRPr lang="en-GB"/>
-          </a:p>
-        </p:txBody>
-      </p:sp>
       <p:pic>
         <p:nvPicPr>
-          <p:cNvPr id="5" name="Image 4">
-            <a:extLst>
-              <a:ext uri="{FF2B5EF4-FFF2-40B4-BE49-F238E27FC236}">
-                <a16:creationId xmlns:a16="http://schemas.microsoft.com/office/drawing/2014/main" id="{E4BA72EB-277C-20A4-11E9-49B0FD8618BD}"/>
+          <p:cNvPr id="2" name="Picture 1">
+            <a:extLst>
+              <a:ext uri="{FF2B5EF4-FFF2-40B4-BE49-F238E27FC236}">
+                <a16:creationId xmlns:a16="http://schemas.microsoft.com/office/drawing/2014/main" id="{392E5726-01AC-6C02-6BA8-9A03EB1359E7}"/>
               </a:ext>
             </a:extLst>
           </p:cNvPr>
@@ -3489,20 +3438,15 @@
           <p:nvPr/>
         </p:nvPicPr>
         <p:blipFill>
-          <a:blip r:embed="rId2">
-            <a:extLst>
-              <a:ext uri="{28A0092B-C50C-407E-A947-70E740481C1C}">
-                <a14:useLocalDpi xmlns:a14="http://schemas.microsoft.com/office/drawing/2010/main" val="0"/>
-              </a:ext>
-            </a:extLst>
-          </a:blip>
-          <a:srcRect/>
-          <a:stretch/>
+          <a:blip r:embed="rId2"/>
+          <a:stretch>
+            <a:fillRect/>
+          </a:stretch>
         </p:blipFill>
         <p:spPr>
           <a:xfrm>
-            <a:off x="299698" y="687547"/>
-            <a:ext cx="11592604" cy="5482906"/>
+            <a:off x="237698" y="1089584"/>
+            <a:ext cx="11954302" cy="4294020"/>
           </a:xfrm>
           <a:prstGeom prst="rect">
             <a:avLst/>
@@ -3511,10 +3455,10 @@
       </p:pic>
       <p:sp>
         <p:nvSpPr>
-          <p:cNvPr id="4" name="Rectangle : coins arrondis 3">
-            <a:extLst>
-              <a:ext uri="{FF2B5EF4-FFF2-40B4-BE49-F238E27FC236}">
-                <a16:creationId xmlns:a16="http://schemas.microsoft.com/office/drawing/2014/main" id="{2210FF96-F89A-35B7-B867-81B727C41EA5}"/>
+          <p:cNvPr id="3" name="Rectangle : coins arrondis 3">
+            <a:extLst>
+              <a:ext uri="{FF2B5EF4-FFF2-40B4-BE49-F238E27FC236}">
+                <a16:creationId xmlns:a16="http://schemas.microsoft.com/office/drawing/2014/main" id="{F76CE240-831A-31FB-B785-2E0B60A2F410}"/>
               </a:ext>
             </a:extLst>
           </p:cNvPr>
@@ -3523,8 +3467,8 @@
         </p:nvSpPr>
         <p:spPr>
           <a:xfrm>
-            <a:off x="164592" y="3293652"/>
-            <a:ext cx="868680" cy="720563"/>
+            <a:off x="92386" y="4263746"/>
+            <a:ext cx="797442" cy="720563"/>
           </a:xfrm>
           <a:prstGeom prst="roundRect">
             <a:avLst/>
@@ -3562,7 +3506,7 @@
     </p:spTree>
     <p:extLst>
       <p:ext uri="{BB962C8B-B14F-4D97-AF65-F5344CB8AC3E}">
-        <p14:creationId xmlns:p14="http://schemas.microsoft.com/office/powerpoint/2010/main" val="2117575524"/>
+        <p14:creationId xmlns:p14="http://schemas.microsoft.com/office/powerpoint/2010/main" val="608166529"/>
       </p:ext>
     </p:extLst>
   </p:cSld>
@@ -3594,7 +3538,7 @@
           <p:cNvPr id="2" name="Titre 1">
             <a:extLst>
               <a:ext uri="{FF2B5EF4-FFF2-40B4-BE49-F238E27FC236}">
-                <a16:creationId xmlns:a16="http://schemas.microsoft.com/office/drawing/2014/main" id="{A1124309-CB4D-EF49-696F-6E59BC4CF83A}"/>
+                <a16:creationId xmlns:a16="http://schemas.microsoft.com/office/drawing/2014/main" id="{A27C1B2B-7379-F0ED-0512-6CF69F8E8B7A}"/>
               </a:ext>
             </a:extLst>
           </p:cNvPr>
@@ -3619,7 +3563,7 @@
           <p:cNvPr id="3" name="Espace réservé du contenu 2">
             <a:extLst>
               <a:ext uri="{FF2B5EF4-FFF2-40B4-BE49-F238E27FC236}">
-                <a16:creationId xmlns:a16="http://schemas.microsoft.com/office/drawing/2014/main" id="{1171007C-E0EE-9794-9AE2-9EA62753892D}"/>
+                <a16:creationId xmlns:a16="http://schemas.microsoft.com/office/drawing/2014/main" id="{6130CE15-D0D2-C310-95E7-D25A9CC0AC2B}"/>
               </a:ext>
             </a:extLst>
           </p:cNvPr>
@@ -3644,7 +3588,7 @@
           <p:cNvPr id="5" name="Image 4">
             <a:extLst>
               <a:ext uri="{FF2B5EF4-FFF2-40B4-BE49-F238E27FC236}">
-                <a16:creationId xmlns:a16="http://schemas.microsoft.com/office/drawing/2014/main" id="{C190A28D-6F73-01FB-4C84-22CCAD4241AD}"/>
+                <a16:creationId xmlns:a16="http://schemas.microsoft.com/office/drawing/2014/main" id="{EF3EF153-B87B-8030-A193-604B638A15C9}"/>
               </a:ext>
             </a:extLst>
           </p:cNvPr>
@@ -3666,8 +3610,8 @@
         </p:blipFill>
         <p:spPr>
           <a:xfrm>
-            <a:off x="-68826" y="655646"/>
-            <a:ext cx="12260826" cy="5791611"/>
+            <a:off x="-35558" y="589150"/>
+            <a:ext cx="12227558" cy="5782271"/>
           </a:xfrm>
           <a:prstGeom prst="rect">
             <a:avLst/>
@@ -3679,7 +3623,7 @@
           <p:cNvPr id="4" name="Rectangle : coins arrondis 3">
             <a:extLst>
               <a:ext uri="{FF2B5EF4-FFF2-40B4-BE49-F238E27FC236}">
-                <a16:creationId xmlns:a16="http://schemas.microsoft.com/office/drawing/2014/main" id="{0E256310-8F6E-D0DF-7365-49498E7E9216}"/>
+                <a16:creationId xmlns:a16="http://schemas.microsoft.com/office/drawing/2014/main" id="{993EAA36-3A30-AA8A-64A9-3B03878A0378}"/>
               </a:ext>
             </a:extLst>
           </p:cNvPr>
@@ -3688,7 +3632,7 @@
         </p:nvSpPr>
         <p:spPr>
           <a:xfrm>
-            <a:off x="5574889" y="1359008"/>
+            <a:off x="5574889" y="1140317"/>
             <a:ext cx="6331976" cy="673870"/>
           </a:xfrm>
           <a:prstGeom prst="roundRect">
@@ -3729,7 +3673,7 @@
           <p:cNvPr id="6" name="Rectangle : coins arrondis 5">
             <a:extLst>
               <a:ext uri="{FF2B5EF4-FFF2-40B4-BE49-F238E27FC236}">
-                <a16:creationId xmlns:a16="http://schemas.microsoft.com/office/drawing/2014/main" id="{9480E477-AE13-8CB1-3688-80CBA3543FD2}"/>
+                <a16:creationId xmlns:a16="http://schemas.microsoft.com/office/drawing/2014/main" id="{C443BA1D-8DA0-5FC7-AAF4-75565CC5DB92}"/>
               </a:ext>
             </a:extLst>
           </p:cNvPr>
@@ -3738,8 +3682,8 @@
         </p:nvSpPr>
         <p:spPr>
           <a:xfrm>
-            <a:off x="5574889" y="2263588"/>
-            <a:ext cx="3087330" cy="597599"/>
+            <a:off x="5574889" y="1835656"/>
+            <a:ext cx="2045111" cy="525581"/>
           </a:xfrm>
           <a:prstGeom prst="roundRect">
             <a:avLst/>
@@ -3779,7 +3723,7 @@
           <p:cNvPr id="7" name="Graphique 6" descr="Badge 1 contour">
             <a:extLst>
               <a:ext uri="{FF2B5EF4-FFF2-40B4-BE49-F238E27FC236}">
-                <a16:creationId xmlns:a16="http://schemas.microsoft.com/office/drawing/2014/main" id="{A9886F1C-DC4D-A28A-B993-4F6A405A2183}"/>
+                <a16:creationId xmlns:a16="http://schemas.microsoft.com/office/drawing/2014/main" id="{050EE2DE-BDAA-19F4-22F1-AE5A98FF002E}"/>
               </a:ext>
             </a:extLst>
           </p:cNvPr>
@@ -3802,7 +3746,7 @@
         </p:blipFill>
         <p:spPr>
           <a:xfrm>
-            <a:off x="4933503" y="1375250"/>
+            <a:off x="4933503" y="1239524"/>
             <a:ext cx="641386" cy="641386"/>
           </a:xfrm>
           <a:prstGeom prst="rect">
@@ -3810,12 +3754,48 @@
           </a:prstGeom>
         </p:spPr>
       </p:pic>
-      <p:sp>
-        <p:nvSpPr>
-          <p:cNvPr id="8" name="Rectangle : coins arrondis 7">
-            <a:extLst>
-              <a:ext uri="{FF2B5EF4-FFF2-40B4-BE49-F238E27FC236}">
-                <a16:creationId xmlns:a16="http://schemas.microsoft.com/office/drawing/2014/main" id="{3B0C626A-66D6-C090-208E-D68DB492AB78}"/>
+      <p:pic>
+        <p:nvPicPr>
+          <p:cNvPr id="8" name="Graphique 7" descr="Badge contour">
+            <a:extLst>
+              <a:ext uri="{FF2B5EF4-FFF2-40B4-BE49-F238E27FC236}">
+                <a16:creationId xmlns:a16="http://schemas.microsoft.com/office/drawing/2014/main" id="{E06806AA-B4E5-D4A9-9E6B-EBF4E98B7633}"/>
+              </a:ext>
+            </a:extLst>
+          </p:cNvPr>
+          <p:cNvPicPr>
+            <a:picLocks noChangeAspect="1"/>
+          </p:cNvPicPr>
+          <p:nvPr/>
+        </p:nvPicPr>
+        <p:blipFill>
+          <a:blip r:embed="rId5">
+            <a:extLst>
+              <a:ext uri="{96DAC541-7B7A-43D3-8B79-37D633B846F1}">
+                <asvg:svgBlip xmlns:asvg="http://schemas.microsoft.com/office/drawing/2016/SVG/main" r:embed="rId6"/>
+              </a:ext>
+            </a:extLst>
+          </a:blip>
+          <a:stretch>
+            <a:fillRect/>
+          </a:stretch>
+        </p:blipFill>
+        <p:spPr>
+          <a:xfrm>
+            <a:off x="6276750" y="2361237"/>
+            <a:ext cx="641387" cy="641387"/>
+          </a:xfrm>
+          <a:prstGeom prst="rect">
+            <a:avLst/>
+          </a:prstGeom>
+        </p:spPr>
+      </p:pic>
+      <p:sp>
+        <p:nvSpPr>
+          <p:cNvPr id="9" name="Rectangle : coins arrondis 8">
+            <a:extLst>
+              <a:ext uri="{FF2B5EF4-FFF2-40B4-BE49-F238E27FC236}">
+                <a16:creationId xmlns:a16="http://schemas.microsoft.com/office/drawing/2014/main" id="{10AE07AC-165A-FD1A-AD76-301D8D6870BE}"/>
               </a:ext>
             </a:extLst>
           </p:cNvPr>
@@ -3824,8 +3804,8 @@
         </p:nvSpPr>
         <p:spPr>
           <a:xfrm>
-            <a:off x="8705323" y="2263588"/>
-            <a:ext cx="1500562" cy="597599"/>
+            <a:off x="7659328" y="1835656"/>
+            <a:ext cx="2045111" cy="525581"/>
           </a:xfrm>
           <a:prstGeom prst="roundRect">
             <a:avLst/>
@@ -3862,10 +3842,10 @@
       </p:sp>
       <p:pic>
         <p:nvPicPr>
-          <p:cNvPr id="9" name="Graphique 8" descr="Badge 3 contour">
-            <a:extLst>
-              <a:ext uri="{FF2B5EF4-FFF2-40B4-BE49-F238E27FC236}">
-                <a16:creationId xmlns:a16="http://schemas.microsoft.com/office/drawing/2014/main" id="{CC9274A5-080F-C3B1-AD45-A262220DEA04}"/>
+          <p:cNvPr id="10" name="Graphique 9" descr="Badge 3 contour">
+            <a:extLst>
+              <a:ext uri="{FF2B5EF4-FFF2-40B4-BE49-F238E27FC236}">
+                <a16:creationId xmlns:a16="http://schemas.microsoft.com/office/drawing/2014/main" id="{77667AD4-901E-D011-3C2C-CC33B8507E78}"/>
               </a:ext>
             </a:extLst>
           </p:cNvPr>
@@ -3875,10 +3855,10 @@
           <p:nvPr/>
         </p:nvPicPr>
         <p:blipFill>
-          <a:blip r:embed="rId5">
+          <a:blip r:embed="rId7">
             <a:extLst>
               <a:ext uri="{96DAC541-7B7A-43D3-8B79-37D633B846F1}">
-                <asvg:svgBlip xmlns:asvg="http://schemas.microsoft.com/office/drawing/2016/SVG/main" r:embed="rId6"/>
+                <asvg:svgBlip xmlns:asvg="http://schemas.microsoft.com/office/drawing/2016/SVG/main" r:embed="rId8"/>
               </a:ext>
             </a:extLst>
           </a:blip>
@@ -3888,215 +3868,7 @@
         </p:blipFill>
         <p:spPr>
           <a:xfrm>
-            <a:off x="10241450" y="2236043"/>
-            <a:ext cx="641386" cy="641386"/>
-          </a:xfrm>
-          <a:prstGeom prst="rect">
-            <a:avLst/>
-          </a:prstGeom>
-        </p:spPr>
-      </p:pic>
-      <p:sp>
-        <p:nvSpPr>
-          <p:cNvPr id="10" name="Rectangle : coins arrondis 9">
-            <a:extLst>
-              <a:ext uri="{FF2B5EF4-FFF2-40B4-BE49-F238E27FC236}">
-                <a16:creationId xmlns:a16="http://schemas.microsoft.com/office/drawing/2014/main" id="{C865320F-15AE-955B-CDAA-EB5AE85A8898}"/>
-              </a:ext>
-            </a:extLst>
-          </p:cNvPr>
-          <p:cNvSpPr/>
-          <p:nvPr/>
-        </p:nvSpPr>
-        <p:spPr>
-          <a:xfrm>
-            <a:off x="5568832" y="2861187"/>
-            <a:ext cx="6259374" cy="1135627"/>
-          </a:xfrm>
-          <a:prstGeom prst="roundRect">
-            <a:avLst/>
-          </a:prstGeom>
-          <a:noFill/>
-          <a:ln w="57150">
-            <a:solidFill>
-              <a:srgbClr val="FF0000"/>
-            </a:solidFill>
-          </a:ln>
-        </p:spPr>
-        <p:style>
-          <a:lnRef idx="2">
-            <a:schemeClr val="accent2"/>
-          </a:lnRef>
-          <a:fillRef idx="1">
-            <a:schemeClr val="lt1"/>
-          </a:fillRef>
-          <a:effectRef idx="0">
-            <a:schemeClr val="accent2"/>
-          </a:effectRef>
-          <a:fontRef idx="minor">
-            <a:schemeClr val="dk1"/>
-          </a:fontRef>
-        </p:style>
-        <p:txBody>
-          <a:bodyPr rtlCol="0" anchor="ctr"/>
-          <a:lstStyle/>
-          <a:p>
-            <a:pPr algn="ctr"/>
-            <a:endParaRPr lang="en-GB"/>
-          </a:p>
-        </p:txBody>
-      </p:sp>
-      <p:pic>
-        <p:nvPicPr>
-          <p:cNvPr id="11" name="Graphique 10" descr="Badge contour">
-            <a:extLst>
-              <a:ext uri="{FF2B5EF4-FFF2-40B4-BE49-F238E27FC236}">
-                <a16:creationId xmlns:a16="http://schemas.microsoft.com/office/drawing/2014/main" id="{5420150C-EB6B-DB09-0C9A-41453697CCC6}"/>
-              </a:ext>
-            </a:extLst>
-          </p:cNvPr>
-          <p:cNvPicPr>
-            <a:picLocks noChangeAspect="1"/>
-          </p:cNvPicPr>
-          <p:nvPr/>
-        </p:nvPicPr>
-        <p:blipFill>
-          <a:blip r:embed="rId7">
-            <a:extLst>
-              <a:ext uri="{96DAC541-7B7A-43D3-8B79-37D633B846F1}">
-                <asvg:svgBlip xmlns:asvg="http://schemas.microsoft.com/office/drawing/2016/SVG/main" r:embed="rId8"/>
-              </a:ext>
-            </a:extLst>
-          </a:blip>
-          <a:stretch>
-            <a:fillRect/>
-          </a:stretch>
-        </p:blipFill>
-        <p:spPr>
-          <a:xfrm>
-            <a:off x="4930473" y="2241693"/>
-            <a:ext cx="641387" cy="641387"/>
-          </a:xfrm>
-          <a:prstGeom prst="rect">
-            <a:avLst/>
-          </a:prstGeom>
-        </p:spPr>
-      </p:pic>
-      <p:sp>
-        <p:nvSpPr>
-          <p:cNvPr id="12" name="Rectangle : coins arrondis 11">
-            <a:extLst>
-              <a:ext uri="{FF2B5EF4-FFF2-40B4-BE49-F238E27FC236}">
-                <a16:creationId xmlns:a16="http://schemas.microsoft.com/office/drawing/2014/main" id="{8106CF95-0622-847D-E2C8-D684B137F1AB}"/>
-              </a:ext>
-            </a:extLst>
-          </p:cNvPr>
-          <p:cNvSpPr/>
-          <p:nvPr/>
-        </p:nvSpPr>
-        <p:spPr>
-          <a:xfrm>
-            <a:off x="8933264" y="5861320"/>
-            <a:ext cx="3077497" cy="582408"/>
-          </a:xfrm>
-          <a:prstGeom prst="roundRect">
-            <a:avLst/>
-          </a:prstGeom>
-          <a:noFill/>
-          <a:ln w="57150">
-            <a:solidFill>
-              <a:srgbClr val="FF0000"/>
-            </a:solidFill>
-          </a:ln>
-        </p:spPr>
-        <p:style>
-          <a:lnRef idx="2">
-            <a:schemeClr val="accent2"/>
-          </a:lnRef>
-          <a:fillRef idx="1">
-            <a:schemeClr val="lt1"/>
-          </a:fillRef>
-          <a:effectRef idx="0">
-            <a:schemeClr val="accent2"/>
-          </a:effectRef>
-          <a:fontRef idx="minor">
-            <a:schemeClr val="dk1"/>
-          </a:fontRef>
-        </p:style>
-        <p:txBody>
-          <a:bodyPr rtlCol="0" anchor="ctr"/>
-          <a:lstStyle/>
-          <a:p>
-            <a:pPr algn="ctr"/>
-            <a:endParaRPr lang="en-GB"/>
-          </a:p>
-        </p:txBody>
-      </p:sp>
-      <p:pic>
-        <p:nvPicPr>
-          <p:cNvPr id="14" name="Graphique 13" descr="Badge 5 contour">
-            <a:extLst>
-              <a:ext uri="{FF2B5EF4-FFF2-40B4-BE49-F238E27FC236}">
-                <a16:creationId xmlns:a16="http://schemas.microsoft.com/office/drawing/2014/main" id="{8BC6C037-4BEF-D888-B50A-B04FA80511FA}"/>
-              </a:ext>
-            </a:extLst>
-          </p:cNvPr>
-          <p:cNvPicPr>
-            <a:picLocks noChangeAspect="1"/>
-          </p:cNvPicPr>
-          <p:nvPr/>
-        </p:nvPicPr>
-        <p:blipFill>
-          <a:blip r:embed="rId9">
-            <a:extLst>
-              <a:ext uri="{96DAC541-7B7A-43D3-8B79-37D633B846F1}">
-                <asvg:svgBlip xmlns:asvg="http://schemas.microsoft.com/office/drawing/2016/SVG/main" r:embed="rId10"/>
-              </a:ext>
-            </a:extLst>
-          </a:blip>
-          <a:stretch>
-            <a:fillRect/>
-          </a:stretch>
-        </p:blipFill>
-        <p:spPr>
-          <a:xfrm>
-            <a:off x="8138164" y="5782528"/>
-            <a:ext cx="641387" cy="641387"/>
-          </a:xfrm>
-          <a:prstGeom prst="rect">
-            <a:avLst/>
-          </a:prstGeom>
-        </p:spPr>
-      </p:pic>
-      <p:pic>
-        <p:nvPicPr>
-          <p:cNvPr id="15" name="Graphique 14" descr="Badge 4 contour">
-            <a:extLst>
-              <a:ext uri="{FF2B5EF4-FFF2-40B4-BE49-F238E27FC236}">
-                <a16:creationId xmlns:a16="http://schemas.microsoft.com/office/drawing/2014/main" id="{9978FA1B-B03C-BC7A-268B-058871A2BC6B}"/>
-              </a:ext>
-            </a:extLst>
-          </p:cNvPr>
-          <p:cNvPicPr>
-            <a:picLocks noChangeAspect="1"/>
-          </p:cNvPicPr>
-          <p:nvPr/>
-        </p:nvPicPr>
-        <p:blipFill>
-          <a:blip r:embed="rId11">
-            <a:extLst>
-              <a:ext uri="{96DAC541-7B7A-43D3-8B79-37D633B846F1}">
-                <asvg:svgBlip xmlns:asvg="http://schemas.microsoft.com/office/drawing/2016/SVG/main" r:embed="rId12"/>
-              </a:ext>
-            </a:extLst>
-          </a:blip>
-          <a:stretch>
-            <a:fillRect/>
-          </a:stretch>
-        </p:blipFill>
-        <p:spPr>
-          <a:xfrm>
-            <a:off x="4930473" y="3108137"/>
+            <a:off x="8361190" y="2371268"/>
             <a:ext cx="641386" cy="641386"/>
           </a:xfrm>
           <a:prstGeom prst="rect">
@@ -4107,7 +3879,7 @@
     </p:spTree>
     <p:extLst>
       <p:ext uri="{BB962C8B-B14F-4D97-AF65-F5344CB8AC3E}">
-        <p14:creationId xmlns:p14="http://schemas.microsoft.com/office/powerpoint/2010/main" val="3158169879"/>
+        <p14:creationId xmlns:p14="http://schemas.microsoft.com/office/powerpoint/2010/main" val="2387715804"/>
       </p:ext>
     </p:extLst>
   </p:cSld>
@@ -4139,7 +3911,7 @@
           <p:cNvPr id="2" name="Titre 1">
             <a:extLst>
               <a:ext uri="{FF2B5EF4-FFF2-40B4-BE49-F238E27FC236}">
-                <a16:creationId xmlns:a16="http://schemas.microsoft.com/office/drawing/2014/main" id="{7B44C756-F6B6-B06D-DD3A-4155DCE69B62}"/>
+                <a16:creationId xmlns:a16="http://schemas.microsoft.com/office/drawing/2014/main" id="{A1124309-CB4D-EF49-696F-6E59BC4CF83A}"/>
               </a:ext>
             </a:extLst>
           </p:cNvPr>
@@ -4164,7 +3936,7 @@
           <p:cNvPr id="3" name="Espace réservé du contenu 2">
             <a:extLst>
               <a:ext uri="{FF2B5EF4-FFF2-40B4-BE49-F238E27FC236}">
-                <a16:creationId xmlns:a16="http://schemas.microsoft.com/office/drawing/2014/main" id="{BCF3FE82-A5F6-CAD4-B30E-2CCA675C3568}"/>
+                <a16:creationId xmlns:a16="http://schemas.microsoft.com/office/drawing/2014/main" id="{1171007C-E0EE-9794-9AE2-9EA62753892D}"/>
               </a:ext>
             </a:extLst>
           </p:cNvPr>
@@ -4189,7 +3961,7 @@
           <p:cNvPr id="5" name="Image 4">
             <a:extLst>
               <a:ext uri="{FF2B5EF4-FFF2-40B4-BE49-F238E27FC236}">
-                <a16:creationId xmlns:a16="http://schemas.microsoft.com/office/drawing/2014/main" id="{0CEF68E0-6356-4F2A-E968-3180F5BF0050}"/>
+                <a16:creationId xmlns:a16="http://schemas.microsoft.com/office/drawing/2014/main" id="{C190A28D-6F73-01FB-4C84-22CCAD4241AD}"/>
               </a:ext>
             </a:extLst>
           </p:cNvPr>
@@ -4211,8 +3983,8 @@
         </p:blipFill>
         <p:spPr>
           <a:xfrm>
-            <a:off x="0" y="690724"/>
-            <a:ext cx="12192000" cy="5771812"/>
+            <a:off x="-68826" y="655646"/>
+            <a:ext cx="12260826" cy="5791611"/>
           </a:xfrm>
           <a:prstGeom prst="rect">
             <a:avLst/>
@@ -4224,7 +3996,7 @@
           <p:cNvPr id="4" name="Rectangle : coins arrondis 3">
             <a:extLst>
               <a:ext uri="{FF2B5EF4-FFF2-40B4-BE49-F238E27FC236}">
-                <a16:creationId xmlns:a16="http://schemas.microsoft.com/office/drawing/2014/main" id="{8EAF49F8-C3FB-CE0B-BA09-F06BF47773C3}"/>
+                <a16:creationId xmlns:a16="http://schemas.microsoft.com/office/drawing/2014/main" id="{0E256310-8F6E-D0DF-7365-49498E7E9216}"/>
               </a:ext>
             </a:extLst>
           </p:cNvPr>
@@ -4233,8 +4005,8 @@
         </p:nvSpPr>
         <p:spPr>
           <a:xfrm>
-            <a:off x="5513526" y="1190343"/>
-            <a:ext cx="6259374" cy="1325563"/>
+            <a:off x="5574889" y="1359008"/>
+            <a:ext cx="6331976" cy="673870"/>
           </a:xfrm>
           <a:prstGeom prst="roundRect">
             <a:avLst/>
@@ -4269,10 +4041,390 @@
           </a:p>
         </p:txBody>
       </p:sp>
+      <p:sp>
+        <p:nvSpPr>
+          <p:cNvPr id="6" name="Rectangle : coins arrondis 5">
+            <a:extLst>
+              <a:ext uri="{FF2B5EF4-FFF2-40B4-BE49-F238E27FC236}">
+                <a16:creationId xmlns:a16="http://schemas.microsoft.com/office/drawing/2014/main" id="{9480E477-AE13-8CB1-3688-80CBA3543FD2}"/>
+              </a:ext>
+            </a:extLst>
+          </p:cNvPr>
+          <p:cNvSpPr/>
+          <p:nvPr/>
+        </p:nvSpPr>
+        <p:spPr>
+          <a:xfrm>
+            <a:off x="5574889" y="2263588"/>
+            <a:ext cx="3087330" cy="597599"/>
+          </a:xfrm>
+          <a:prstGeom prst="roundRect">
+            <a:avLst/>
+          </a:prstGeom>
+          <a:noFill/>
+          <a:ln w="57150">
+            <a:solidFill>
+              <a:srgbClr val="FF0000"/>
+            </a:solidFill>
+          </a:ln>
+        </p:spPr>
+        <p:style>
+          <a:lnRef idx="2">
+            <a:schemeClr val="accent2"/>
+          </a:lnRef>
+          <a:fillRef idx="1">
+            <a:schemeClr val="lt1"/>
+          </a:fillRef>
+          <a:effectRef idx="0">
+            <a:schemeClr val="accent2"/>
+          </a:effectRef>
+          <a:fontRef idx="minor">
+            <a:schemeClr val="dk1"/>
+          </a:fontRef>
+        </p:style>
+        <p:txBody>
+          <a:bodyPr rtlCol="0" anchor="ctr"/>
+          <a:lstStyle/>
+          <a:p>
+            <a:pPr algn="ctr"/>
+            <a:endParaRPr lang="en-GB"/>
+          </a:p>
+        </p:txBody>
+      </p:sp>
+      <p:pic>
+        <p:nvPicPr>
+          <p:cNvPr id="7" name="Graphique 6" descr="Badge 1 contour">
+            <a:extLst>
+              <a:ext uri="{FF2B5EF4-FFF2-40B4-BE49-F238E27FC236}">
+                <a16:creationId xmlns:a16="http://schemas.microsoft.com/office/drawing/2014/main" id="{A9886F1C-DC4D-A28A-B993-4F6A405A2183}"/>
+              </a:ext>
+            </a:extLst>
+          </p:cNvPr>
+          <p:cNvPicPr>
+            <a:picLocks noChangeAspect="1"/>
+          </p:cNvPicPr>
+          <p:nvPr/>
+        </p:nvPicPr>
+        <p:blipFill>
+          <a:blip r:embed="rId3">
+            <a:extLst>
+              <a:ext uri="{96DAC541-7B7A-43D3-8B79-37D633B846F1}">
+                <asvg:svgBlip xmlns:asvg="http://schemas.microsoft.com/office/drawing/2016/SVG/main" r:embed="rId4"/>
+              </a:ext>
+            </a:extLst>
+          </a:blip>
+          <a:stretch>
+            <a:fillRect/>
+          </a:stretch>
+        </p:blipFill>
+        <p:spPr>
+          <a:xfrm>
+            <a:off x="4933503" y="1375250"/>
+            <a:ext cx="641386" cy="641386"/>
+          </a:xfrm>
+          <a:prstGeom prst="rect">
+            <a:avLst/>
+          </a:prstGeom>
+        </p:spPr>
+      </p:pic>
+      <p:sp>
+        <p:nvSpPr>
+          <p:cNvPr id="8" name="Rectangle : coins arrondis 7">
+            <a:extLst>
+              <a:ext uri="{FF2B5EF4-FFF2-40B4-BE49-F238E27FC236}">
+                <a16:creationId xmlns:a16="http://schemas.microsoft.com/office/drawing/2014/main" id="{3B0C626A-66D6-C090-208E-D68DB492AB78}"/>
+              </a:ext>
+            </a:extLst>
+          </p:cNvPr>
+          <p:cNvSpPr/>
+          <p:nvPr/>
+        </p:nvSpPr>
+        <p:spPr>
+          <a:xfrm>
+            <a:off x="8705323" y="2263588"/>
+            <a:ext cx="1500562" cy="597599"/>
+          </a:xfrm>
+          <a:prstGeom prst="roundRect">
+            <a:avLst/>
+          </a:prstGeom>
+          <a:noFill/>
+          <a:ln w="57150">
+            <a:solidFill>
+              <a:srgbClr val="FF0000"/>
+            </a:solidFill>
+          </a:ln>
+        </p:spPr>
+        <p:style>
+          <a:lnRef idx="2">
+            <a:schemeClr val="accent2"/>
+          </a:lnRef>
+          <a:fillRef idx="1">
+            <a:schemeClr val="lt1"/>
+          </a:fillRef>
+          <a:effectRef idx="0">
+            <a:schemeClr val="accent2"/>
+          </a:effectRef>
+          <a:fontRef idx="minor">
+            <a:schemeClr val="dk1"/>
+          </a:fontRef>
+        </p:style>
+        <p:txBody>
+          <a:bodyPr rtlCol="0" anchor="ctr"/>
+          <a:lstStyle/>
+          <a:p>
+            <a:pPr algn="ctr"/>
+            <a:endParaRPr lang="en-GB"/>
+          </a:p>
+        </p:txBody>
+      </p:sp>
+      <p:pic>
+        <p:nvPicPr>
+          <p:cNvPr id="9" name="Graphique 8" descr="Badge 3 contour">
+            <a:extLst>
+              <a:ext uri="{FF2B5EF4-FFF2-40B4-BE49-F238E27FC236}">
+                <a16:creationId xmlns:a16="http://schemas.microsoft.com/office/drawing/2014/main" id="{CC9274A5-080F-C3B1-AD45-A262220DEA04}"/>
+              </a:ext>
+            </a:extLst>
+          </p:cNvPr>
+          <p:cNvPicPr>
+            <a:picLocks noChangeAspect="1"/>
+          </p:cNvPicPr>
+          <p:nvPr/>
+        </p:nvPicPr>
+        <p:blipFill>
+          <a:blip r:embed="rId5">
+            <a:extLst>
+              <a:ext uri="{96DAC541-7B7A-43D3-8B79-37D633B846F1}">
+                <asvg:svgBlip xmlns:asvg="http://schemas.microsoft.com/office/drawing/2016/SVG/main" r:embed="rId6"/>
+              </a:ext>
+            </a:extLst>
+          </a:blip>
+          <a:stretch>
+            <a:fillRect/>
+          </a:stretch>
+        </p:blipFill>
+        <p:spPr>
+          <a:xfrm>
+            <a:off x="10241450" y="2236043"/>
+            <a:ext cx="641386" cy="641386"/>
+          </a:xfrm>
+          <a:prstGeom prst="rect">
+            <a:avLst/>
+          </a:prstGeom>
+        </p:spPr>
+      </p:pic>
+      <p:sp>
+        <p:nvSpPr>
+          <p:cNvPr id="10" name="Rectangle : coins arrondis 9">
+            <a:extLst>
+              <a:ext uri="{FF2B5EF4-FFF2-40B4-BE49-F238E27FC236}">
+                <a16:creationId xmlns:a16="http://schemas.microsoft.com/office/drawing/2014/main" id="{C865320F-15AE-955B-CDAA-EB5AE85A8898}"/>
+              </a:ext>
+            </a:extLst>
+          </p:cNvPr>
+          <p:cNvSpPr/>
+          <p:nvPr/>
+        </p:nvSpPr>
+        <p:spPr>
+          <a:xfrm>
+            <a:off x="5568832" y="2861187"/>
+            <a:ext cx="6259374" cy="1135627"/>
+          </a:xfrm>
+          <a:prstGeom prst="roundRect">
+            <a:avLst/>
+          </a:prstGeom>
+          <a:noFill/>
+          <a:ln w="57150">
+            <a:solidFill>
+              <a:srgbClr val="FF0000"/>
+            </a:solidFill>
+          </a:ln>
+        </p:spPr>
+        <p:style>
+          <a:lnRef idx="2">
+            <a:schemeClr val="accent2"/>
+          </a:lnRef>
+          <a:fillRef idx="1">
+            <a:schemeClr val="lt1"/>
+          </a:fillRef>
+          <a:effectRef idx="0">
+            <a:schemeClr val="accent2"/>
+          </a:effectRef>
+          <a:fontRef idx="minor">
+            <a:schemeClr val="dk1"/>
+          </a:fontRef>
+        </p:style>
+        <p:txBody>
+          <a:bodyPr rtlCol="0" anchor="ctr"/>
+          <a:lstStyle/>
+          <a:p>
+            <a:pPr algn="ctr"/>
+            <a:endParaRPr lang="en-GB"/>
+          </a:p>
+        </p:txBody>
+      </p:sp>
+      <p:pic>
+        <p:nvPicPr>
+          <p:cNvPr id="11" name="Graphique 10" descr="Badge contour">
+            <a:extLst>
+              <a:ext uri="{FF2B5EF4-FFF2-40B4-BE49-F238E27FC236}">
+                <a16:creationId xmlns:a16="http://schemas.microsoft.com/office/drawing/2014/main" id="{5420150C-EB6B-DB09-0C9A-41453697CCC6}"/>
+              </a:ext>
+            </a:extLst>
+          </p:cNvPr>
+          <p:cNvPicPr>
+            <a:picLocks noChangeAspect="1"/>
+          </p:cNvPicPr>
+          <p:nvPr/>
+        </p:nvPicPr>
+        <p:blipFill>
+          <a:blip r:embed="rId7">
+            <a:extLst>
+              <a:ext uri="{96DAC541-7B7A-43D3-8B79-37D633B846F1}">
+                <asvg:svgBlip xmlns:asvg="http://schemas.microsoft.com/office/drawing/2016/SVG/main" r:embed="rId8"/>
+              </a:ext>
+            </a:extLst>
+          </a:blip>
+          <a:stretch>
+            <a:fillRect/>
+          </a:stretch>
+        </p:blipFill>
+        <p:spPr>
+          <a:xfrm>
+            <a:off x="4930473" y="2241693"/>
+            <a:ext cx="641387" cy="641387"/>
+          </a:xfrm>
+          <a:prstGeom prst="rect">
+            <a:avLst/>
+          </a:prstGeom>
+        </p:spPr>
+      </p:pic>
+      <p:sp>
+        <p:nvSpPr>
+          <p:cNvPr id="12" name="Rectangle : coins arrondis 11">
+            <a:extLst>
+              <a:ext uri="{FF2B5EF4-FFF2-40B4-BE49-F238E27FC236}">
+                <a16:creationId xmlns:a16="http://schemas.microsoft.com/office/drawing/2014/main" id="{8106CF95-0622-847D-E2C8-D684B137F1AB}"/>
+              </a:ext>
+            </a:extLst>
+          </p:cNvPr>
+          <p:cNvSpPr/>
+          <p:nvPr/>
+        </p:nvSpPr>
+        <p:spPr>
+          <a:xfrm>
+            <a:off x="8933264" y="5861320"/>
+            <a:ext cx="3077497" cy="582408"/>
+          </a:xfrm>
+          <a:prstGeom prst="roundRect">
+            <a:avLst/>
+          </a:prstGeom>
+          <a:noFill/>
+          <a:ln w="57150">
+            <a:solidFill>
+              <a:srgbClr val="FF0000"/>
+            </a:solidFill>
+          </a:ln>
+        </p:spPr>
+        <p:style>
+          <a:lnRef idx="2">
+            <a:schemeClr val="accent2"/>
+          </a:lnRef>
+          <a:fillRef idx="1">
+            <a:schemeClr val="lt1"/>
+          </a:fillRef>
+          <a:effectRef idx="0">
+            <a:schemeClr val="accent2"/>
+          </a:effectRef>
+          <a:fontRef idx="minor">
+            <a:schemeClr val="dk1"/>
+          </a:fontRef>
+        </p:style>
+        <p:txBody>
+          <a:bodyPr rtlCol="0" anchor="ctr"/>
+          <a:lstStyle/>
+          <a:p>
+            <a:pPr algn="ctr"/>
+            <a:endParaRPr lang="en-GB"/>
+          </a:p>
+        </p:txBody>
+      </p:sp>
+      <p:pic>
+        <p:nvPicPr>
+          <p:cNvPr id="14" name="Graphique 13" descr="Badge 5 contour">
+            <a:extLst>
+              <a:ext uri="{FF2B5EF4-FFF2-40B4-BE49-F238E27FC236}">
+                <a16:creationId xmlns:a16="http://schemas.microsoft.com/office/drawing/2014/main" id="{8BC6C037-4BEF-D888-B50A-B04FA80511FA}"/>
+              </a:ext>
+            </a:extLst>
+          </p:cNvPr>
+          <p:cNvPicPr>
+            <a:picLocks noChangeAspect="1"/>
+          </p:cNvPicPr>
+          <p:nvPr/>
+        </p:nvPicPr>
+        <p:blipFill>
+          <a:blip r:embed="rId9">
+            <a:extLst>
+              <a:ext uri="{96DAC541-7B7A-43D3-8B79-37D633B846F1}">
+                <asvg:svgBlip xmlns:asvg="http://schemas.microsoft.com/office/drawing/2016/SVG/main" r:embed="rId10"/>
+              </a:ext>
+            </a:extLst>
+          </a:blip>
+          <a:stretch>
+            <a:fillRect/>
+          </a:stretch>
+        </p:blipFill>
+        <p:spPr>
+          <a:xfrm>
+            <a:off x="8138164" y="5782528"/>
+            <a:ext cx="641387" cy="641387"/>
+          </a:xfrm>
+          <a:prstGeom prst="rect">
+            <a:avLst/>
+          </a:prstGeom>
+        </p:spPr>
+      </p:pic>
+      <p:pic>
+        <p:nvPicPr>
+          <p:cNvPr id="15" name="Graphique 14" descr="Badge 4 contour">
+            <a:extLst>
+              <a:ext uri="{FF2B5EF4-FFF2-40B4-BE49-F238E27FC236}">
+                <a16:creationId xmlns:a16="http://schemas.microsoft.com/office/drawing/2014/main" id="{9978FA1B-B03C-BC7A-268B-058871A2BC6B}"/>
+              </a:ext>
+            </a:extLst>
+          </p:cNvPr>
+          <p:cNvPicPr>
+            <a:picLocks noChangeAspect="1"/>
+          </p:cNvPicPr>
+          <p:nvPr/>
+        </p:nvPicPr>
+        <p:blipFill>
+          <a:blip r:embed="rId11">
+            <a:extLst>
+              <a:ext uri="{96DAC541-7B7A-43D3-8B79-37D633B846F1}">
+                <asvg:svgBlip xmlns:asvg="http://schemas.microsoft.com/office/drawing/2016/SVG/main" r:embed="rId12"/>
+              </a:ext>
+            </a:extLst>
+          </a:blip>
+          <a:stretch>
+            <a:fillRect/>
+          </a:stretch>
+        </p:blipFill>
+        <p:spPr>
+          <a:xfrm>
+            <a:off x="4930473" y="3108137"/>
+            <a:ext cx="641386" cy="641386"/>
+          </a:xfrm>
+          <a:prstGeom prst="rect">
+            <a:avLst/>
+          </a:prstGeom>
+        </p:spPr>
+      </p:pic>
     </p:spTree>
     <p:extLst>
       <p:ext uri="{BB962C8B-B14F-4D97-AF65-F5344CB8AC3E}">
-        <p14:creationId xmlns:p14="http://schemas.microsoft.com/office/powerpoint/2010/main" val="3547061875"/>
+        <p14:creationId xmlns:p14="http://schemas.microsoft.com/office/powerpoint/2010/main" val="3158169879"/>
       </p:ext>
     </p:extLst>
   </p:cSld>
@@ -4304,7 +4456,7 @@
           <p:cNvPr id="2" name="Titre 1">
             <a:extLst>
               <a:ext uri="{FF2B5EF4-FFF2-40B4-BE49-F238E27FC236}">
-                <a16:creationId xmlns:a16="http://schemas.microsoft.com/office/drawing/2014/main" id="{6A045CE4-F60B-02E1-962A-F3DCBAD71D53}"/>
+                <a16:creationId xmlns:a16="http://schemas.microsoft.com/office/drawing/2014/main" id="{7B44C756-F6B6-B06D-DD3A-4155DCE69B62}"/>
               </a:ext>
             </a:extLst>
           </p:cNvPr>
@@ -4329,7 +4481,7 @@
           <p:cNvPr id="3" name="Espace réservé du contenu 2">
             <a:extLst>
               <a:ext uri="{FF2B5EF4-FFF2-40B4-BE49-F238E27FC236}">
-                <a16:creationId xmlns:a16="http://schemas.microsoft.com/office/drawing/2014/main" id="{324004F2-ABE4-0CEA-B801-92D7613189D6}"/>
+                <a16:creationId xmlns:a16="http://schemas.microsoft.com/office/drawing/2014/main" id="{BCF3FE82-A5F6-CAD4-B30E-2CCA675C3568}"/>
               </a:ext>
             </a:extLst>
           </p:cNvPr>
@@ -4354,7 +4506,7 @@
           <p:cNvPr id="5" name="Image 4">
             <a:extLst>
               <a:ext uri="{FF2B5EF4-FFF2-40B4-BE49-F238E27FC236}">
-                <a16:creationId xmlns:a16="http://schemas.microsoft.com/office/drawing/2014/main" id="{DF9415E4-9E2E-A9F2-92F3-A6B426418838}"/>
+                <a16:creationId xmlns:a16="http://schemas.microsoft.com/office/drawing/2014/main" id="{0CEF68E0-6356-4F2A-E968-3180F5BF0050}"/>
               </a:ext>
             </a:extLst>
           </p:cNvPr>
@@ -4364,55 +4516,80 @@
           <p:nvPr/>
         </p:nvPicPr>
         <p:blipFill>
-          <a:blip r:embed="rId2"/>
-          <a:stretch>
-            <a:fillRect/>
-          </a:stretch>
+          <a:blip r:embed="rId2">
+            <a:extLst>
+              <a:ext uri="{28A0092B-C50C-407E-A947-70E740481C1C}">
+                <a14:useLocalDpi xmlns:a14="http://schemas.microsoft.com/office/drawing/2010/main" val="0"/>
+              </a:ext>
+            </a:extLst>
+          </a:blip>
+          <a:srcRect/>
+          <a:stretch/>
         </p:blipFill>
         <p:spPr>
           <a:xfrm>
-            <a:off x="0" y="667048"/>
-            <a:ext cx="12192000" cy="5523904"/>
+            <a:off x="0" y="690724"/>
+            <a:ext cx="12192000" cy="5771812"/>
           </a:xfrm>
           <a:prstGeom prst="rect">
             <a:avLst/>
           </a:prstGeom>
         </p:spPr>
       </p:pic>
-      <p:pic>
-        <p:nvPicPr>
-          <p:cNvPr id="6" name="Picture 5">
-            <a:extLst>
-              <a:ext uri="{FF2B5EF4-FFF2-40B4-BE49-F238E27FC236}">
-                <a16:creationId xmlns:a16="http://schemas.microsoft.com/office/drawing/2014/main" id="{0A02150C-68BF-BA3E-57B0-7A38A7B62F13}"/>
-              </a:ext>
-            </a:extLst>
-          </p:cNvPr>
-          <p:cNvPicPr>
-            <a:picLocks noChangeAspect="1"/>
-          </p:cNvPicPr>
-          <p:nvPr/>
-        </p:nvPicPr>
-        <p:blipFill>
-          <a:blip r:embed="rId3"/>
-          <a:stretch>
-            <a:fillRect/>
-          </a:stretch>
-        </p:blipFill>
-        <p:spPr>
-          <a:xfrm>
-            <a:off x="0" y="546272"/>
-            <a:ext cx="12192000" cy="5765456"/>
-          </a:xfrm>
-          <a:prstGeom prst="rect">
-            <a:avLst/>
-          </a:prstGeom>
-        </p:spPr>
-      </p:pic>
+      <p:sp>
+        <p:nvSpPr>
+          <p:cNvPr id="4" name="Rectangle : coins arrondis 3">
+            <a:extLst>
+              <a:ext uri="{FF2B5EF4-FFF2-40B4-BE49-F238E27FC236}">
+                <a16:creationId xmlns:a16="http://schemas.microsoft.com/office/drawing/2014/main" id="{8EAF49F8-C3FB-CE0B-BA09-F06BF47773C3}"/>
+              </a:ext>
+            </a:extLst>
+          </p:cNvPr>
+          <p:cNvSpPr/>
+          <p:nvPr/>
+        </p:nvSpPr>
+        <p:spPr>
+          <a:xfrm>
+            <a:off x="5513526" y="1190343"/>
+            <a:ext cx="6259374" cy="1325563"/>
+          </a:xfrm>
+          <a:prstGeom prst="roundRect">
+            <a:avLst/>
+          </a:prstGeom>
+          <a:noFill/>
+          <a:ln w="57150">
+            <a:solidFill>
+              <a:srgbClr val="FF0000"/>
+            </a:solidFill>
+          </a:ln>
+        </p:spPr>
+        <p:style>
+          <a:lnRef idx="2">
+            <a:schemeClr val="accent2"/>
+          </a:lnRef>
+          <a:fillRef idx="1">
+            <a:schemeClr val="lt1"/>
+          </a:fillRef>
+          <a:effectRef idx="0">
+            <a:schemeClr val="accent2"/>
+          </a:effectRef>
+          <a:fontRef idx="minor">
+            <a:schemeClr val="dk1"/>
+          </a:fontRef>
+        </p:style>
+        <p:txBody>
+          <a:bodyPr rtlCol="0" anchor="ctr"/>
+          <a:lstStyle/>
+          <a:p>
+            <a:pPr algn="ctr"/>
+            <a:endParaRPr lang="en-GB"/>
+          </a:p>
+        </p:txBody>
+      </p:sp>
     </p:spTree>
     <p:extLst>
       <p:ext uri="{BB962C8B-B14F-4D97-AF65-F5344CB8AC3E}">
-        <p14:creationId xmlns:p14="http://schemas.microsoft.com/office/powerpoint/2010/main" val="1215158441"/>
+        <p14:creationId xmlns:p14="http://schemas.microsoft.com/office/powerpoint/2010/main" val="3547061875"/>
       </p:ext>
     </p:extLst>
   </p:cSld>
@@ -4444,7 +4621,7 @@
           <p:cNvPr id="2" name="Titre 1">
             <a:extLst>
               <a:ext uri="{FF2B5EF4-FFF2-40B4-BE49-F238E27FC236}">
-                <a16:creationId xmlns:a16="http://schemas.microsoft.com/office/drawing/2014/main" id="{FC170120-3033-ADD7-DADB-77188F726619}"/>
+                <a16:creationId xmlns:a16="http://schemas.microsoft.com/office/drawing/2014/main" id="{6A045CE4-F60B-02E1-962A-F3DCBAD71D53}"/>
               </a:ext>
             </a:extLst>
           </p:cNvPr>
@@ -4469,7 +4646,7 @@
           <p:cNvPr id="3" name="Espace réservé du contenu 2">
             <a:extLst>
               <a:ext uri="{FF2B5EF4-FFF2-40B4-BE49-F238E27FC236}">
-                <a16:creationId xmlns:a16="http://schemas.microsoft.com/office/drawing/2014/main" id="{67472E4D-39F7-9DE4-1B92-48284A4AEC3E}"/>
+                <a16:creationId xmlns:a16="http://schemas.microsoft.com/office/drawing/2014/main" id="{324004F2-ABE4-0CEA-B801-92D7613189D6}"/>
               </a:ext>
             </a:extLst>
           </p:cNvPr>
@@ -4494,7 +4671,7 @@
           <p:cNvPr id="5" name="Image 4">
             <a:extLst>
               <a:ext uri="{FF2B5EF4-FFF2-40B4-BE49-F238E27FC236}">
-                <a16:creationId xmlns:a16="http://schemas.microsoft.com/office/drawing/2014/main" id="{58120F2F-9F3D-A37F-BB1C-AB68B2D3D202}"/>
+                <a16:creationId xmlns:a16="http://schemas.microsoft.com/office/drawing/2014/main" id="{DF9415E4-9E2E-A9F2-92F3-A6B426418838}"/>
               </a:ext>
             </a:extLst>
           </p:cNvPr>
@@ -4511,8 +4688,38 @@
         </p:blipFill>
         <p:spPr>
           <a:xfrm>
-            <a:off x="0" y="681507"/>
-            <a:ext cx="12192000" cy="5494986"/>
+            <a:off x="0" y="667048"/>
+            <a:ext cx="12192000" cy="5523904"/>
+          </a:xfrm>
+          <a:prstGeom prst="rect">
+            <a:avLst/>
+          </a:prstGeom>
+        </p:spPr>
+      </p:pic>
+      <p:pic>
+        <p:nvPicPr>
+          <p:cNvPr id="6" name="Picture 5">
+            <a:extLst>
+              <a:ext uri="{FF2B5EF4-FFF2-40B4-BE49-F238E27FC236}">
+                <a16:creationId xmlns:a16="http://schemas.microsoft.com/office/drawing/2014/main" id="{0A02150C-68BF-BA3E-57B0-7A38A7B62F13}"/>
+              </a:ext>
+            </a:extLst>
+          </p:cNvPr>
+          <p:cNvPicPr>
+            <a:picLocks noChangeAspect="1"/>
+          </p:cNvPicPr>
+          <p:nvPr/>
+        </p:nvPicPr>
+        <p:blipFill>
+          <a:blip r:embed="rId3"/>
+          <a:stretch>
+            <a:fillRect/>
+          </a:stretch>
+        </p:blipFill>
+        <p:spPr>
+          <a:xfrm>
+            <a:off x="0" y="546272"/>
+            <a:ext cx="12192000" cy="5765456"/>
           </a:xfrm>
           <a:prstGeom prst="rect">
             <a:avLst/>
@@ -4522,7 +4729,7 @@
     </p:spTree>
     <p:extLst>
       <p:ext uri="{BB962C8B-B14F-4D97-AF65-F5344CB8AC3E}">
-        <p14:creationId xmlns:p14="http://schemas.microsoft.com/office/powerpoint/2010/main" val="697752615"/>
+        <p14:creationId xmlns:p14="http://schemas.microsoft.com/office/powerpoint/2010/main" val="1215158441"/>
       </p:ext>
     </p:extLst>
   </p:cSld>
@@ -4554,7 +4761,7 @@
           <p:cNvPr id="2" name="Titre 1">
             <a:extLst>
               <a:ext uri="{FF2B5EF4-FFF2-40B4-BE49-F238E27FC236}">
-                <a16:creationId xmlns:a16="http://schemas.microsoft.com/office/drawing/2014/main" id="{A29BACC0-02F6-BF61-3420-1D9A2BCBDBDF}"/>
+                <a16:creationId xmlns:a16="http://schemas.microsoft.com/office/drawing/2014/main" id="{FC170120-3033-ADD7-DADB-77188F726619}"/>
               </a:ext>
             </a:extLst>
           </p:cNvPr>
@@ -4579,7 +4786,7 @@
           <p:cNvPr id="3" name="Espace réservé du contenu 2">
             <a:extLst>
               <a:ext uri="{FF2B5EF4-FFF2-40B4-BE49-F238E27FC236}">
-                <a16:creationId xmlns:a16="http://schemas.microsoft.com/office/drawing/2014/main" id="{F480BCE8-C15C-7570-D795-45918B211DD9}"/>
+                <a16:creationId xmlns:a16="http://schemas.microsoft.com/office/drawing/2014/main" id="{67472E4D-39F7-9DE4-1B92-48284A4AEC3E}"/>
               </a:ext>
             </a:extLst>
           </p:cNvPr>
@@ -4604,7 +4811,7 @@
           <p:cNvPr id="5" name="Image 4">
             <a:extLst>
               <a:ext uri="{FF2B5EF4-FFF2-40B4-BE49-F238E27FC236}">
-                <a16:creationId xmlns:a16="http://schemas.microsoft.com/office/drawing/2014/main" id="{51E668E8-A080-DA2B-5FCD-2009C72A4E4B}"/>
+                <a16:creationId xmlns:a16="http://schemas.microsoft.com/office/drawing/2014/main" id="{58120F2F-9F3D-A37F-BB1C-AB68B2D3D202}"/>
               </a:ext>
             </a:extLst>
           </p:cNvPr>
@@ -4621,266 +4828,8 @@
         </p:blipFill>
         <p:spPr>
           <a:xfrm>
-            <a:off x="0" y="693900"/>
-            <a:ext cx="12192000" cy="5470199"/>
-          </a:xfrm>
-          <a:prstGeom prst="rect">
-            <a:avLst/>
-          </a:prstGeom>
-        </p:spPr>
-      </p:pic>
-      <p:sp>
-        <p:nvSpPr>
-          <p:cNvPr id="4" name="Rectangle : coins arrondis 3">
-            <a:extLst>
-              <a:ext uri="{FF2B5EF4-FFF2-40B4-BE49-F238E27FC236}">
-                <a16:creationId xmlns:a16="http://schemas.microsoft.com/office/drawing/2014/main" id="{A832729D-5211-B208-952C-0AFDD720BE9A}"/>
-              </a:ext>
-            </a:extLst>
-          </p:cNvPr>
-          <p:cNvSpPr/>
-          <p:nvPr/>
-        </p:nvSpPr>
-        <p:spPr>
-          <a:xfrm>
-            <a:off x="5624052" y="1248697"/>
-            <a:ext cx="6148847" cy="678425"/>
-          </a:xfrm>
-          <a:prstGeom prst="roundRect">
-            <a:avLst/>
-          </a:prstGeom>
-          <a:noFill/>
-          <a:ln w="57150">
-            <a:solidFill>
-              <a:srgbClr val="FF0000"/>
-            </a:solidFill>
-          </a:ln>
-        </p:spPr>
-        <p:style>
-          <a:lnRef idx="2">
-            <a:schemeClr val="accent2"/>
-          </a:lnRef>
-          <a:fillRef idx="1">
-            <a:schemeClr val="lt1"/>
-          </a:fillRef>
-          <a:effectRef idx="0">
-            <a:schemeClr val="accent2"/>
-          </a:effectRef>
-          <a:fontRef idx="minor">
-            <a:schemeClr val="dk1"/>
-          </a:fontRef>
-        </p:style>
-        <p:txBody>
-          <a:bodyPr rtlCol="0" anchor="ctr"/>
-          <a:lstStyle/>
-          <a:p>
-            <a:pPr algn="ctr"/>
-            <a:endParaRPr lang="en-GB"/>
-          </a:p>
-        </p:txBody>
-      </p:sp>
-      <p:sp>
-        <p:nvSpPr>
-          <p:cNvPr id="6" name="Rectangle : coins arrondis 5">
-            <a:extLst>
-              <a:ext uri="{FF2B5EF4-FFF2-40B4-BE49-F238E27FC236}">
-                <a16:creationId xmlns:a16="http://schemas.microsoft.com/office/drawing/2014/main" id="{EF56D352-E674-067E-01C4-C031C48D67A8}"/>
-              </a:ext>
-            </a:extLst>
-          </p:cNvPr>
-          <p:cNvSpPr/>
-          <p:nvPr/>
-        </p:nvSpPr>
-        <p:spPr>
-          <a:xfrm>
-            <a:off x="5624051" y="2255897"/>
-            <a:ext cx="6148847" cy="678425"/>
-          </a:xfrm>
-          <a:prstGeom prst="roundRect">
-            <a:avLst/>
-          </a:prstGeom>
-          <a:noFill/>
-          <a:ln w="57150">
-            <a:solidFill>
-              <a:srgbClr val="FF0000"/>
-            </a:solidFill>
-          </a:ln>
-        </p:spPr>
-        <p:style>
-          <a:lnRef idx="2">
-            <a:schemeClr val="accent2"/>
-          </a:lnRef>
-          <a:fillRef idx="1">
-            <a:schemeClr val="lt1"/>
-          </a:fillRef>
-          <a:effectRef idx="0">
-            <a:schemeClr val="accent2"/>
-          </a:effectRef>
-          <a:fontRef idx="minor">
-            <a:schemeClr val="dk1"/>
-          </a:fontRef>
-        </p:style>
-        <p:txBody>
-          <a:bodyPr rtlCol="0" anchor="ctr"/>
-          <a:lstStyle/>
-          <a:p>
-            <a:pPr algn="ctr"/>
-            <a:endParaRPr lang="en-GB"/>
-          </a:p>
-        </p:txBody>
-      </p:sp>
-      <p:sp>
-        <p:nvSpPr>
-          <p:cNvPr id="7" name="Rectangle : coins arrondis 6">
-            <a:extLst>
-              <a:ext uri="{FF2B5EF4-FFF2-40B4-BE49-F238E27FC236}">
-                <a16:creationId xmlns:a16="http://schemas.microsoft.com/office/drawing/2014/main" id="{EAA5EE6C-0E56-2992-3871-EC31B81FCAD7}"/>
-              </a:ext>
-            </a:extLst>
-          </p:cNvPr>
-          <p:cNvSpPr/>
-          <p:nvPr/>
-        </p:nvSpPr>
-        <p:spPr>
-          <a:xfrm>
-            <a:off x="10097729" y="5492106"/>
-            <a:ext cx="1940639" cy="678425"/>
-          </a:xfrm>
-          <a:prstGeom prst="roundRect">
-            <a:avLst/>
-          </a:prstGeom>
-          <a:noFill/>
-          <a:ln w="57150">
-            <a:solidFill>
-              <a:srgbClr val="FF0000"/>
-            </a:solidFill>
-          </a:ln>
-        </p:spPr>
-        <p:style>
-          <a:lnRef idx="2">
-            <a:schemeClr val="accent2"/>
-          </a:lnRef>
-          <a:fillRef idx="1">
-            <a:schemeClr val="lt1"/>
-          </a:fillRef>
-          <a:effectRef idx="0">
-            <a:schemeClr val="accent2"/>
-          </a:effectRef>
-          <a:fontRef idx="minor">
-            <a:schemeClr val="dk1"/>
-          </a:fontRef>
-        </p:style>
-        <p:txBody>
-          <a:bodyPr rtlCol="0" anchor="ctr"/>
-          <a:lstStyle/>
-          <a:p>
-            <a:pPr algn="ctr"/>
-            <a:endParaRPr lang="en-GB"/>
-          </a:p>
-        </p:txBody>
-      </p:sp>
-      <p:pic>
-        <p:nvPicPr>
-          <p:cNvPr id="8" name="Graphique 7" descr="Badge 1 contour">
-            <a:extLst>
-              <a:ext uri="{FF2B5EF4-FFF2-40B4-BE49-F238E27FC236}">
-                <a16:creationId xmlns:a16="http://schemas.microsoft.com/office/drawing/2014/main" id="{7C22598A-C75A-5F92-4214-F377C5793A6D}"/>
-              </a:ext>
-            </a:extLst>
-          </p:cNvPr>
-          <p:cNvPicPr>
-            <a:picLocks noChangeAspect="1"/>
-          </p:cNvPicPr>
-          <p:nvPr/>
-        </p:nvPicPr>
-        <p:blipFill>
-          <a:blip r:embed="rId3">
-            <a:extLst>
-              <a:ext uri="{96DAC541-7B7A-43D3-8B79-37D633B846F1}">
-                <asvg:svgBlip xmlns:asvg="http://schemas.microsoft.com/office/drawing/2016/SVG/main" r:embed="rId4"/>
-              </a:ext>
-            </a:extLst>
-          </a:blip>
-          <a:stretch>
-            <a:fillRect/>
-          </a:stretch>
-        </p:blipFill>
-        <p:spPr>
-          <a:xfrm>
-            <a:off x="4933503" y="1375250"/>
-            <a:ext cx="641386" cy="641386"/>
-          </a:xfrm>
-          <a:prstGeom prst="rect">
-            <a:avLst/>
-          </a:prstGeom>
-        </p:spPr>
-      </p:pic>
-      <p:pic>
-        <p:nvPicPr>
-          <p:cNvPr id="9" name="Graphique 8" descr="Badge 3 contour">
-            <a:extLst>
-              <a:ext uri="{FF2B5EF4-FFF2-40B4-BE49-F238E27FC236}">
-                <a16:creationId xmlns:a16="http://schemas.microsoft.com/office/drawing/2014/main" id="{14142F1E-1F88-EC07-C91F-EA014E080F89}"/>
-              </a:ext>
-            </a:extLst>
-          </p:cNvPr>
-          <p:cNvPicPr>
-            <a:picLocks noChangeAspect="1"/>
-          </p:cNvPicPr>
-          <p:nvPr/>
-        </p:nvPicPr>
-        <p:blipFill>
-          <a:blip r:embed="rId5">
-            <a:extLst>
-              <a:ext uri="{96DAC541-7B7A-43D3-8B79-37D633B846F1}">
-                <asvg:svgBlip xmlns:asvg="http://schemas.microsoft.com/office/drawing/2016/SVG/main" r:embed="rId6"/>
-              </a:ext>
-            </a:extLst>
-          </a:blip>
-          <a:stretch>
-            <a:fillRect/>
-          </a:stretch>
-        </p:blipFill>
-        <p:spPr>
-          <a:xfrm>
-            <a:off x="9413161" y="5510625"/>
-            <a:ext cx="641386" cy="641386"/>
-          </a:xfrm>
-          <a:prstGeom prst="rect">
-            <a:avLst/>
-          </a:prstGeom>
-        </p:spPr>
-      </p:pic>
-      <p:pic>
-        <p:nvPicPr>
-          <p:cNvPr id="10" name="Graphique 9" descr="Badge contour">
-            <a:extLst>
-              <a:ext uri="{FF2B5EF4-FFF2-40B4-BE49-F238E27FC236}">
-                <a16:creationId xmlns:a16="http://schemas.microsoft.com/office/drawing/2014/main" id="{A750B93F-8243-7D3D-9BF4-F1118D55B9D2}"/>
-              </a:ext>
-            </a:extLst>
-          </p:cNvPr>
-          <p:cNvPicPr>
-            <a:picLocks noChangeAspect="1"/>
-          </p:cNvPicPr>
-          <p:nvPr/>
-        </p:nvPicPr>
-        <p:blipFill>
-          <a:blip r:embed="rId7">
-            <a:extLst>
-              <a:ext uri="{96DAC541-7B7A-43D3-8B79-37D633B846F1}">
-                <asvg:svgBlip xmlns:asvg="http://schemas.microsoft.com/office/drawing/2016/SVG/main" r:embed="rId8"/>
-              </a:ext>
-            </a:extLst>
-          </a:blip>
-          <a:stretch>
-            <a:fillRect/>
-          </a:stretch>
-        </p:blipFill>
-        <p:spPr>
-          <a:xfrm>
-            <a:off x="4930473" y="2241693"/>
-            <a:ext cx="641387" cy="641387"/>
+            <a:off x="0" y="681507"/>
+            <a:ext cx="12192000" cy="5494986"/>
           </a:xfrm>
           <a:prstGeom prst="rect">
             <a:avLst/>
@@ -4890,7 +4839,7 @@
     </p:spTree>
     <p:extLst>
       <p:ext uri="{BB962C8B-B14F-4D97-AF65-F5344CB8AC3E}">
-        <p14:creationId xmlns:p14="http://schemas.microsoft.com/office/powerpoint/2010/main" val="218115422"/>
+        <p14:creationId xmlns:p14="http://schemas.microsoft.com/office/powerpoint/2010/main" val="697752615"/>
       </p:ext>
     </p:extLst>
   </p:cSld>
@@ -4922,7 +4871,7 @@
           <p:cNvPr id="2" name="Titre 1">
             <a:extLst>
               <a:ext uri="{FF2B5EF4-FFF2-40B4-BE49-F238E27FC236}">
-                <a16:creationId xmlns:a16="http://schemas.microsoft.com/office/drawing/2014/main" id="{62562062-0C6B-B935-FD67-4294E43578FD}"/>
+                <a16:creationId xmlns:a16="http://schemas.microsoft.com/office/drawing/2014/main" id="{A29BACC0-02F6-BF61-3420-1D9A2BCBDBDF}"/>
               </a:ext>
             </a:extLst>
           </p:cNvPr>
@@ -4947,7 +4896,7 @@
           <p:cNvPr id="3" name="Espace réservé du contenu 2">
             <a:extLst>
               <a:ext uri="{FF2B5EF4-FFF2-40B4-BE49-F238E27FC236}">
-                <a16:creationId xmlns:a16="http://schemas.microsoft.com/office/drawing/2014/main" id="{57CA57A1-869F-0195-C491-D58561733D28}"/>
+                <a16:creationId xmlns:a16="http://schemas.microsoft.com/office/drawing/2014/main" id="{F480BCE8-C15C-7570-D795-45918B211DD9}"/>
               </a:ext>
             </a:extLst>
           </p:cNvPr>
@@ -4972,7 +4921,7 @@
           <p:cNvPr id="5" name="Image 4">
             <a:extLst>
               <a:ext uri="{FF2B5EF4-FFF2-40B4-BE49-F238E27FC236}">
-                <a16:creationId xmlns:a16="http://schemas.microsoft.com/office/drawing/2014/main" id="{89AB6004-26BA-E2E6-7756-9C405E04924A}"/>
+                <a16:creationId xmlns:a16="http://schemas.microsoft.com/office/drawing/2014/main" id="{51E668E8-A080-DA2B-5FCD-2009C72A4E4B}"/>
               </a:ext>
             </a:extLst>
           </p:cNvPr>
@@ -4982,20 +4931,15 @@
           <p:nvPr/>
         </p:nvPicPr>
         <p:blipFill>
-          <a:blip r:embed="rId2">
-            <a:extLst>
-              <a:ext uri="{28A0092B-C50C-407E-A947-70E740481C1C}">
-                <a14:useLocalDpi xmlns:a14="http://schemas.microsoft.com/office/drawing/2010/main" val="0"/>
-              </a:ext>
-            </a:extLst>
-          </a:blip>
-          <a:srcRect/>
-          <a:stretch/>
+          <a:blip r:embed="rId2"/>
+          <a:stretch>
+            <a:fillRect/>
+          </a:stretch>
         </p:blipFill>
         <p:spPr>
           <a:xfrm>
-            <a:off x="-48547" y="681037"/>
-            <a:ext cx="12192000" cy="5783548"/>
+            <a:off x="0" y="693900"/>
+            <a:ext cx="12192000" cy="5470199"/>
           </a:xfrm>
           <a:prstGeom prst="rect">
             <a:avLst/>
@@ -5007,7 +4951,7 @@
           <p:cNvPr id="4" name="Rectangle : coins arrondis 3">
             <a:extLst>
               <a:ext uri="{FF2B5EF4-FFF2-40B4-BE49-F238E27FC236}">
-                <a16:creationId xmlns:a16="http://schemas.microsoft.com/office/drawing/2014/main" id="{81D630D7-73CF-07D2-FF61-BAD57A8AF6A3}"/>
+                <a16:creationId xmlns:a16="http://schemas.microsoft.com/office/drawing/2014/main" id="{A832729D-5211-B208-952C-0AFDD720BE9A}"/>
               </a:ext>
             </a:extLst>
           </p:cNvPr>
@@ -5016,8 +4960,8 @@
         </p:nvSpPr>
         <p:spPr>
           <a:xfrm>
-            <a:off x="10943302" y="1435510"/>
-            <a:ext cx="829597" cy="390115"/>
+            <a:off x="5624052" y="1248697"/>
+            <a:ext cx="6148847" cy="678425"/>
           </a:xfrm>
           <a:prstGeom prst="roundRect">
             <a:avLst/>
@@ -5057,7 +5001,7 @@
           <p:cNvPr id="6" name="Rectangle : coins arrondis 5">
             <a:extLst>
               <a:ext uri="{FF2B5EF4-FFF2-40B4-BE49-F238E27FC236}">
-                <a16:creationId xmlns:a16="http://schemas.microsoft.com/office/drawing/2014/main" id="{DDB924C3-9855-3C58-A349-B687CABE3151}"/>
+                <a16:creationId xmlns:a16="http://schemas.microsoft.com/office/drawing/2014/main" id="{EF56D352-E674-067E-01C4-C031C48D67A8}"/>
               </a:ext>
             </a:extLst>
           </p:cNvPr>
@@ -5066,8 +5010,8 @@
         </p:nvSpPr>
         <p:spPr>
           <a:xfrm>
-            <a:off x="10859728" y="2349911"/>
-            <a:ext cx="829597" cy="415558"/>
+            <a:off x="5624051" y="2255897"/>
+            <a:ext cx="6148847" cy="678425"/>
           </a:xfrm>
           <a:prstGeom prst="roundRect">
             <a:avLst/>
@@ -5107,7 +5051,7 @@
           <p:cNvPr id="7" name="Rectangle : coins arrondis 6">
             <a:extLst>
               <a:ext uri="{FF2B5EF4-FFF2-40B4-BE49-F238E27FC236}">
-                <a16:creationId xmlns:a16="http://schemas.microsoft.com/office/drawing/2014/main" id="{85557EFE-9100-711F-BA8A-3CE699C12222}"/>
+                <a16:creationId xmlns:a16="http://schemas.microsoft.com/office/drawing/2014/main" id="{EAA5EE6C-0E56-2992-3871-EC31B81FCAD7}"/>
               </a:ext>
             </a:extLst>
           </p:cNvPr>
@@ -5116,8 +5060,8 @@
         </p:nvSpPr>
         <p:spPr>
           <a:xfrm>
-            <a:off x="8809702" y="5789317"/>
-            <a:ext cx="3156155" cy="618493"/>
+            <a:off x="10097729" y="5492106"/>
+            <a:ext cx="1940639" cy="678425"/>
           </a:xfrm>
           <a:prstGeom prst="roundRect">
             <a:avLst/>
@@ -5157,7 +5101,7 @@
           <p:cNvPr id="8" name="Graphique 7" descr="Badge 1 contour">
             <a:extLst>
               <a:ext uri="{FF2B5EF4-FFF2-40B4-BE49-F238E27FC236}">
-                <a16:creationId xmlns:a16="http://schemas.microsoft.com/office/drawing/2014/main" id="{4D1F35E6-476C-DA19-510C-230712AE0545}"/>
+                <a16:creationId xmlns:a16="http://schemas.microsoft.com/office/drawing/2014/main" id="{7C22598A-C75A-5F92-4214-F377C5793A6D}"/>
               </a:ext>
             </a:extLst>
           </p:cNvPr>
@@ -5180,7 +5124,7 @@
         </p:blipFill>
         <p:spPr>
           <a:xfrm>
-            <a:off x="10301916" y="1306238"/>
+            <a:off x="4933503" y="1375250"/>
             <a:ext cx="641386" cy="641386"/>
           </a:xfrm>
           <a:prstGeom prst="rect">
@@ -5193,7 +5137,7 @@
           <p:cNvPr id="9" name="Graphique 8" descr="Badge 3 contour">
             <a:extLst>
               <a:ext uri="{FF2B5EF4-FFF2-40B4-BE49-F238E27FC236}">
-                <a16:creationId xmlns:a16="http://schemas.microsoft.com/office/drawing/2014/main" id="{CF3AA8AF-A99F-CED0-4E64-479C3E13BA31}"/>
+                <a16:creationId xmlns:a16="http://schemas.microsoft.com/office/drawing/2014/main" id="{14142F1E-1F88-EC07-C91F-EA014E080F89}"/>
               </a:ext>
             </a:extLst>
           </p:cNvPr>
@@ -5216,7 +5160,7 @@
         </p:blipFill>
         <p:spPr>
           <a:xfrm>
-            <a:off x="8069910" y="5766424"/>
+            <a:off x="9413161" y="5510625"/>
             <a:ext cx="641386" cy="641386"/>
           </a:xfrm>
           <a:prstGeom prst="rect">
@@ -5229,7 +5173,7 @@
           <p:cNvPr id="10" name="Graphique 9" descr="Badge contour">
             <a:extLst>
               <a:ext uri="{FF2B5EF4-FFF2-40B4-BE49-F238E27FC236}">
-                <a16:creationId xmlns:a16="http://schemas.microsoft.com/office/drawing/2014/main" id="{DC56DBC4-3535-B3BE-62CD-DE4DB87AAA86}"/>
+                <a16:creationId xmlns:a16="http://schemas.microsoft.com/office/drawing/2014/main" id="{A750B93F-8243-7D3D-9BF4-F1118D55B9D2}"/>
               </a:ext>
             </a:extLst>
           </p:cNvPr>
@@ -5252,7 +5196,7 @@
         </p:blipFill>
         <p:spPr>
           <a:xfrm>
-            <a:off x="10203509" y="2236996"/>
+            <a:off x="4930473" y="2241693"/>
             <a:ext cx="641387" cy="641387"/>
           </a:xfrm>
           <a:prstGeom prst="rect">
@@ -5263,7 +5207,7 @@
     </p:spTree>
     <p:extLst>
       <p:ext uri="{BB962C8B-B14F-4D97-AF65-F5344CB8AC3E}">
-        <p14:creationId xmlns:p14="http://schemas.microsoft.com/office/powerpoint/2010/main" val="3181194094"/>
+        <p14:creationId xmlns:p14="http://schemas.microsoft.com/office/powerpoint/2010/main" val="218115422"/>
       </p:ext>
     </p:extLst>
   </p:cSld>
@@ -5295,7 +5239,7 @@
           <p:cNvPr id="2" name="Titre 1">
             <a:extLst>
               <a:ext uri="{FF2B5EF4-FFF2-40B4-BE49-F238E27FC236}">
-                <a16:creationId xmlns:a16="http://schemas.microsoft.com/office/drawing/2014/main" id="{A27D6F11-D579-BD72-40EE-93F2A8FB0D73}"/>
+                <a16:creationId xmlns:a16="http://schemas.microsoft.com/office/drawing/2014/main" id="{62562062-0C6B-B935-FD67-4294E43578FD}"/>
               </a:ext>
             </a:extLst>
           </p:cNvPr>
@@ -5320,7 +5264,7 @@
           <p:cNvPr id="3" name="Espace réservé du contenu 2">
             <a:extLst>
               <a:ext uri="{FF2B5EF4-FFF2-40B4-BE49-F238E27FC236}">
-                <a16:creationId xmlns:a16="http://schemas.microsoft.com/office/drawing/2014/main" id="{E04B53BF-B94D-95F8-4062-CE6B973EA6C6}"/>
+                <a16:creationId xmlns:a16="http://schemas.microsoft.com/office/drawing/2014/main" id="{57CA57A1-869F-0195-C491-D58561733D28}"/>
               </a:ext>
             </a:extLst>
           </p:cNvPr>
@@ -5345,7 +5289,7 @@
           <p:cNvPr id="5" name="Image 4">
             <a:extLst>
               <a:ext uri="{FF2B5EF4-FFF2-40B4-BE49-F238E27FC236}">
-                <a16:creationId xmlns:a16="http://schemas.microsoft.com/office/drawing/2014/main" id="{F64E6AC7-7AAD-9C5D-3AE0-7856674BB06B}"/>
+                <a16:creationId xmlns:a16="http://schemas.microsoft.com/office/drawing/2014/main" id="{89AB6004-26BA-E2E6-7756-9C405E04924A}"/>
               </a:ext>
             </a:extLst>
           </p:cNvPr>
@@ -5355,15 +5299,278 @@
           <p:nvPr/>
         </p:nvPicPr>
         <p:blipFill>
-          <a:blip r:embed="rId2"/>
+          <a:blip r:embed="rId2">
+            <a:extLst>
+              <a:ext uri="{28A0092B-C50C-407E-A947-70E740481C1C}">
+                <a14:useLocalDpi xmlns:a14="http://schemas.microsoft.com/office/drawing/2010/main" val="0"/>
+              </a:ext>
+            </a:extLst>
+          </a:blip>
+          <a:srcRect/>
+          <a:stretch/>
+        </p:blipFill>
+        <p:spPr>
+          <a:xfrm>
+            <a:off x="-48547" y="681037"/>
+            <a:ext cx="12192000" cy="5783548"/>
+          </a:xfrm>
+          <a:prstGeom prst="rect">
+            <a:avLst/>
+          </a:prstGeom>
+        </p:spPr>
+      </p:pic>
+      <p:sp>
+        <p:nvSpPr>
+          <p:cNvPr id="4" name="Rectangle : coins arrondis 3">
+            <a:extLst>
+              <a:ext uri="{FF2B5EF4-FFF2-40B4-BE49-F238E27FC236}">
+                <a16:creationId xmlns:a16="http://schemas.microsoft.com/office/drawing/2014/main" id="{81D630D7-73CF-07D2-FF61-BAD57A8AF6A3}"/>
+              </a:ext>
+            </a:extLst>
+          </p:cNvPr>
+          <p:cNvSpPr/>
+          <p:nvPr/>
+        </p:nvSpPr>
+        <p:spPr>
+          <a:xfrm>
+            <a:off x="10943302" y="1435510"/>
+            <a:ext cx="829597" cy="390115"/>
+          </a:xfrm>
+          <a:prstGeom prst="roundRect">
+            <a:avLst/>
+          </a:prstGeom>
+          <a:noFill/>
+          <a:ln w="57150">
+            <a:solidFill>
+              <a:srgbClr val="FF0000"/>
+            </a:solidFill>
+          </a:ln>
+        </p:spPr>
+        <p:style>
+          <a:lnRef idx="2">
+            <a:schemeClr val="accent2"/>
+          </a:lnRef>
+          <a:fillRef idx="1">
+            <a:schemeClr val="lt1"/>
+          </a:fillRef>
+          <a:effectRef idx="0">
+            <a:schemeClr val="accent2"/>
+          </a:effectRef>
+          <a:fontRef idx="minor">
+            <a:schemeClr val="dk1"/>
+          </a:fontRef>
+        </p:style>
+        <p:txBody>
+          <a:bodyPr rtlCol="0" anchor="ctr"/>
+          <a:lstStyle/>
+          <a:p>
+            <a:pPr algn="ctr"/>
+            <a:endParaRPr lang="en-GB"/>
+          </a:p>
+        </p:txBody>
+      </p:sp>
+      <p:sp>
+        <p:nvSpPr>
+          <p:cNvPr id="6" name="Rectangle : coins arrondis 5">
+            <a:extLst>
+              <a:ext uri="{FF2B5EF4-FFF2-40B4-BE49-F238E27FC236}">
+                <a16:creationId xmlns:a16="http://schemas.microsoft.com/office/drawing/2014/main" id="{DDB924C3-9855-3C58-A349-B687CABE3151}"/>
+              </a:ext>
+            </a:extLst>
+          </p:cNvPr>
+          <p:cNvSpPr/>
+          <p:nvPr/>
+        </p:nvSpPr>
+        <p:spPr>
+          <a:xfrm>
+            <a:off x="10859728" y="2349911"/>
+            <a:ext cx="829597" cy="415558"/>
+          </a:xfrm>
+          <a:prstGeom prst="roundRect">
+            <a:avLst/>
+          </a:prstGeom>
+          <a:noFill/>
+          <a:ln w="57150">
+            <a:solidFill>
+              <a:srgbClr val="FF0000"/>
+            </a:solidFill>
+          </a:ln>
+        </p:spPr>
+        <p:style>
+          <a:lnRef idx="2">
+            <a:schemeClr val="accent2"/>
+          </a:lnRef>
+          <a:fillRef idx="1">
+            <a:schemeClr val="lt1"/>
+          </a:fillRef>
+          <a:effectRef idx="0">
+            <a:schemeClr val="accent2"/>
+          </a:effectRef>
+          <a:fontRef idx="minor">
+            <a:schemeClr val="dk1"/>
+          </a:fontRef>
+        </p:style>
+        <p:txBody>
+          <a:bodyPr rtlCol="0" anchor="ctr"/>
+          <a:lstStyle/>
+          <a:p>
+            <a:pPr algn="ctr"/>
+            <a:endParaRPr lang="en-GB"/>
+          </a:p>
+        </p:txBody>
+      </p:sp>
+      <p:sp>
+        <p:nvSpPr>
+          <p:cNvPr id="7" name="Rectangle : coins arrondis 6">
+            <a:extLst>
+              <a:ext uri="{FF2B5EF4-FFF2-40B4-BE49-F238E27FC236}">
+                <a16:creationId xmlns:a16="http://schemas.microsoft.com/office/drawing/2014/main" id="{85557EFE-9100-711F-BA8A-3CE699C12222}"/>
+              </a:ext>
+            </a:extLst>
+          </p:cNvPr>
+          <p:cNvSpPr/>
+          <p:nvPr/>
+        </p:nvSpPr>
+        <p:spPr>
+          <a:xfrm>
+            <a:off x="8809702" y="5789317"/>
+            <a:ext cx="3156155" cy="618493"/>
+          </a:xfrm>
+          <a:prstGeom prst="roundRect">
+            <a:avLst/>
+          </a:prstGeom>
+          <a:noFill/>
+          <a:ln w="57150">
+            <a:solidFill>
+              <a:srgbClr val="FF0000"/>
+            </a:solidFill>
+          </a:ln>
+        </p:spPr>
+        <p:style>
+          <a:lnRef idx="2">
+            <a:schemeClr val="accent2"/>
+          </a:lnRef>
+          <a:fillRef idx="1">
+            <a:schemeClr val="lt1"/>
+          </a:fillRef>
+          <a:effectRef idx="0">
+            <a:schemeClr val="accent2"/>
+          </a:effectRef>
+          <a:fontRef idx="minor">
+            <a:schemeClr val="dk1"/>
+          </a:fontRef>
+        </p:style>
+        <p:txBody>
+          <a:bodyPr rtlCol="0" anchor="ctr"/>
+          <a:lstStyle/>
+          <a:p>
+            <a:pPr algn="ctr"/>
+            <a:endParaRPr lang="en-GB"/>
+          </a:p>
+        </p:txBody>
+      </p:sp>
+      <p:pic>
+        <p:nvPicPr>
+          <p:cNvPr id="8" name="Graphique 7" descr="Badge 1 contour">
+            <a:extLst>
+              <a:ext uri="{FF2B5EF4-FFF2-40B4-BE49-F238E27FC236}">
+                <a16:creationId xmlns:a16="http://schemas.microsoft.com/office/drawing/2014/main" id="{4D1F35E6-476C-DA19-510C-230712AE0545}"/>
+              </a:ext>
+            </a:extLst>
+          </p:cNvPr>
+          <p:cNvPicPr>
+            <a:picLocks noChangeAspect="1"/>
+          </p:cNvPicPr>
+          <p:nvPr/>
+        </p:nvPicPr>
+        <p:blipFill>
+          <a:blip r:embed="rId3">
+            <a:extLst>
+              <a:ext uri="{96DAC541-7B7A-43D3-8B79-37D633B846F1}">
+                <asvg:svgBlip xmlns:asvg="http://schemas.microsoft.com/office/drawing/2016/SVG/main" r:embed="rId4"/>
+              </a:ext>
+            </a:extLst>
+          </a:blip>
           <a:stretch>
             <a:fillRect/>
           </a:stretch>
         </p:blipFill>
         <p:spPr>
           <a:xfrm>
-            <a:off x="0" y="671967"/>
-            <a:ext cx="12192000" cy="5514066"/>
+            <a:off x="10301916" y="1306238"/>
+            <a:ext cx="641386" cy="641386"/>
+          </a:xfrm>
+          <a:prstGeom prst="rect">
+            <a:avLst/>
+          </a:prstGeom>
+        </p:spPr>
+      </p:pic>
+      <p:pic>
+        <p:nvPicPr>
+          <p:cNvPr id="9" name="Graphique 8" descr="Badge 3 contour">
+            <a:extLst>
+              <a:ext uri="{FF2B5EF4-FFF2-40B4-BE49-F238E27FC236}">
+                <a16:creationId xmlns:a16="http://schemas.microsoft.com/office/drawing/2014/main" id="{CF3AA8AF-A99F-CED0-4E64-479C3E13BA31}"/>
+              </a:ext>
+            </a:extLst>
+          </p:cNvPr>
+          <p:cNvPicPr>
+            <a:picLocks noChangeAspect="1"/>
+          </p:cNvPicPr>
+          <p:nvPr/>
+        </p:nvPicPr>
+        <p:blipFill>
+          <a:blip r:embed="rId5">
+            <a:extLst>
+              <a:ext uri="{96DAC541-7B7A-43D3-8B79-37D633B846F1}">
+                <asvg:svgBlip xmlns:asvg="http://schemas.microsoft.com/office/drawing/2016/SVG/main" r:embed="rId6"/>
+              </a:ext>
+            </a:extLst>
+          </a:blip>
+          <a:stretch>
+            <a:fillRect/>
+          </a:stretch>
+        </p:blipFill>
+        <p:spPr>
+          <a:xfrm>
+            <a:off x="8069910" y="5766424"/>
+            <a:ext cx="641386" cy="641386"/>
+          </a:xfrm>
+          <a:prstGeom prst="rect">
+            <a:avLst/>
+          </a:prstGeom>
+        </p:spPr>
+      </p:pic>
+      <p:pic>
+        <p:nvPicPr>
+          <p:cNvPr id="10" name="Graphique 9" descr="Badge contour">
+            <a:extLst>
+              <a:ext uri="{FF2B5EF4-FFF2-40B4-BE49-F238E27FC236}">
+                <a16:creationId xmlns:a16="http://schemas.microsoft.com/office/drawing/2014/main" id="{DC56DBC4-3535-B3BE-62CD-DE4DB87AAA86}"/>
+              </a:ext>
+            </a:extLst>
+          </p:cNvPr>
+          <p:cNvPicPr>
+            <a:picLocks noChangeAspect="1"/>
+          </p:cNvPicPr>
+          <p:nvPr/>
+        </p:nvPicPr>
+        <p:blipFill>
+          <a:blip r:embed="rId7">
+            <a:extLst>
+              <a:ext uri="{96DAC541-7B7A-43D3-8B79-37D633B846F1}">
+                <asvg:svgBlip xmlns:asvg="http://schemas.microsoft.com/office/drawing/2016/SVG/main" r:embed="rId8"/>
+              </a:ext>
+            </a:extLst>
+          </a:blip>
+          <a:stretch>
+            <a:fillRect/>
+          </a:stretch>
+        </p:blipFill>
+        <p:spPr>
+          <a:xfrm>
+            <a:off x="10203509" y="2236996"/>
+            <a:ext cx="641387" cy="641387"/>
           </a:xfrm>
           <a:prstGeom prst="rect">
             <a:avLst/>
@@ -5373,7 +5580,7 @@
     </p:spTree>
     <p:extLst>
       <p:ext uri="{BB962C8B-B14F-4D97-AF65-F5344CB8AC3E}">
-        <p14:creationId xmlns:p14="http://schemas.microsoft.com/office/powerpoint/2010/main" val="397518065"/>
+        <p14:creationId xmlns:p14="http://schemas.microsoft.com/office/powerpoint/2010/main" val="3181194094"/>
       </p:ext>
     </p:extLst>
   </p:cSld>
@@ -5400,62 +5607,12 @@
           <a:chExt cx="0" cy="0"/>
         </a:xfrm>
       </p:grpSpPr>
-      <p:sp>
-        <p:nvSpPr>
-          <p:cNvPr id="2" name="Titre 1">
-            <a:extLst>
-              <a:ext uri="{FF2B5EF4-FFF2-40B4-BE49-F238E27FC236}">
-                <a16:creationId xmlns:a16="http://schemas.microsoft.com/office/drawing/2014/main" id="{BF70A1DA-A1BE-E092-724D-9A948C0FD8F1}"/>
-              </a:ext>
-            </a:extLst>
-          </p:cNvPr>
-          <p:cNvSpPr>
-            <a:spLocks noGrp="1"/>
-          </p:cNvSpPr>
-          <p:nvPr>
-            <p:ph type="title"/>
-          </p:nvPr>
-        </p:nvSpPr>
-        <p:spPr/>
-        <p:txBody>
-          <a:bodyPr/>
-          <a:lstStyle/>
-          <a:p>
-            <a:endParaRPr lang="en-GB"/>
-          </a:p>
-        </p:txBody>
-      </p:sp>
-      <p:sp>
-        <p:nvSpPr>
-          <p:cNvPr id="3" name="Espace réservé du contenu 2">
-            <a:extLst>
-              <a:ext uri="{FF2B5EF4-FFF2-40B4-BE49-F238E27FC236}">
-                <a16:creationId xmlns:a16="http://schemas.microsoft.com/office/drawing/2014/main" id="{1177874C-02CD-DDE3-E9C3-0C40CD6AA91D}"/>
-              </a:ext>
-            </a:extLst>
-          </p:cNvPr>
-          <p:cNvSpPr>
-            <a:spLocks noGrp="1"/>
-          </p:cNvSpPr>
-          <p:nvPr>
-            <p:ph idx="1"/>
-          </p:nvPr>
-        </p:nvSpPr>
-        <p:spPr/>
-        <p:txBody>
-          <a:bodyPr/>
-          <a:lstStyle/>
-          <a:p>
-            <a:endParaRPr lang="en-GB"/>
-          </a:p>
-        </p:txBody>
-      </p:sp>
       <p:pic>
         <p:nvPicPr>
-          <p:cNvPr id="5" name="Image 4">
-            <a:extLst>
-              <a:ext uri="{FF2B5EF4-FFF2-40B4-BE49-F238E27FC236}">
-                <a16:creationId xmlns:a16="http://schemas.microsoft.com/office/drawing/2014/main" id="{CF0A630D-101A-FD13-2612-0F05D543A894}"/>
+          <p:cNvPr id="2" name="Picture 1">
+            <a:extLst>
+              <a:ext uri="{FF2B5EF4-FFF2-40B4-BE49-F238E27FC236}">
+                <a16:creationId xmlns:a16="http://schemas.microsoft.com/office/drawing/2014/main" id="{6C1F6C14-8B3C-4990-C8C6-636AA25A7DC6}"/>
               </a:ext>
             </a:extLst>
           </p:cNvPr>
@@ -5465,20 +5622,15 @@
           <p:nvPr/>
         </p:nvPicPr>
         <p:blipFill>
-          <a:blip r:embed="rId2">
-            <a:extLst>
-              <a:ext uri="{28A0092B-C50C-407E-A947-70E740481C1C}">
-                <a14:useLocalDpi xmlns:a14="http://schemas.microsoft.com/office/drawing/2010/main" val="0"/>
-              </a:ext>
-            </a:extLst>
-          </a:blip>
-          <a:srcRect/>
-          <a:stretch/>
+          <a:blip r:embed="rId2"/>
+          <a:stretch>
+            <a:fillRect/>
+          </a:stretch>
         </p:blipFill>
         <p:spPr>
           <a:xfrm>
-            <a:off x="0" y="204337"/>
-            <a:ext cx="12192000" cy="5759100"/>
+            <a:off x="0" y="1150211"/>
+            <a:ext cx="12192000" cy="4557577"/>
           </a:xfrm>
           <a:prstGeom prst="rect">
             <a:avLst/>
@@ -5487,10 +5639,10 @@
       </p:pic>
       <p:sp>
         <p:nvSpPr>
-          <p:cNvPr id="8" name="Rectangle : coins arrondis 7">
-            <a:extLst>
-              <a:ext uri="{FF2B5EF4-FFF2-40B4-BE49-F238E27FC236}">
-                <a16:creationId xmlns:a16="http://schemas.microsoft.com/office/drawing/2014/main" id="{03C66444-A4B0-10B2-9E95-7F0D34C62FC7}"/>
+          <p:cNvPr id="3" name="Rectangle : coins arrondis 7">
+            <a:extLst>
+              <a:ext uri="{FF2B5EF4-FFF2-40B4-BE49-F238E27FC236}">
+                <a16:creationId xmlns:a16="http://schemas.microsoft.com/office/drawing/2014/main" id="{76958C85-1923-7B6E-2075-8D0832944B36}"/>
               </a:ext>
             </a:extLst>
           </p:cNvPr>
@@ -5499,7 +5651,7 @@
         </p:nvSpPr>
         <p:spPr>
           <a:xfrm>
-            <a:off x="10353369" y="2143432"/>
+            <a:off x="10403703" y="3045541"/>
             <a:ext cx="1573160" cy="383458"/>
           </a:xfrm>
           <a:prstGeom prst="roundRect">
@@ -5538,7 +5690,7 @@
     </p:spTree>
     <p:extLst>
       <p:ext uri="{BB962C8B-B14F-4D97-AF65-F5344CB8AC3E}">
-        <p14:creationId xmlns:p14="http://schemas.microsoft.com/office/powerpoint/2010/main" val="905769259"/>
+        <p14:creationId xmlns:p14="http://schemas.microsoft.com/office/powerpoint/2010/main" val="4092732045"/>
       </p:ext>
     </p:extLst>
   </p:cSld>
@@ -5938,62 +6090,12 @@
           <a:chExt cx="0" cy="0"/>
         </a:xfrm>
       </p:grpSpPr>
-      <p:sp>
-        <p:nvSpPr>
-          <p:cNvPr id="2" name="Titre 1">
-            <a:extLst>
-              <a:ext uri="{FF2B5EF4-FFF2-40B4-BE49-F238E27FC236}">
-                <a16:creationId xmlns:a16="http://schemas.microsoft.com/office/drawing/2014/main" id="{DB197C34-C983-34C4-632C-A5D6642121D6}"/>
-              </a:ext>
-            </a:extLst>
-          </p:cNvPr>
-          <p:cNvSpPr>
-            <a:spLocks noGrp="1"/>
-          </p:cNvSpPr>
-          <p:nvPr>
-            <p:ph type="title"/>
-          </p:nvPr>
-        </p:nvSpPr>
-        <p:spPr/>
-        <p:txBody>
-          <a:bodyPr/>
-          <a:lstStyle/>
-          <a:p>
-            <a:endParaRPr lang="en-GB" dirty="0"/>
-          </a:p>
-        </p:txBody>
-      </p:sp>
-      <p:sp>
-        <p:nvSpPr>
-          <p:cNvPr id="3" name="Espace réservé du contenu 2">
-            <a:extLst>
-              <a:ext uri="{FF2B5EF4-FFF2-40B4-BE49-F238E27FC236}">
-                <a16:creationId xmlns:a16="http://schemas.microsoft.com/office/drawing/2014/main" id="{5643F9B1-CFC8-92C1-2069-E55BA7B24D1B}"/>
-              </a:ext>
-            </a:extLst>
-          </p:cNvPr>
-          <p:cNvSpPr>
-            <a:spLocks noGrp="1"/>
-          </p:cNvSpPr>
-          <p:nvPr>
-            <p:ph idx="1"/>
-          </p:nvPr>
-        </p:nvSpPr>
-        <p:spPr/>
-        <p:txBody>
-          <a:bodyPr/>
-          <a:lstStyle/>
-          <a:p>
-            <a:endParaRPr lang="en-GB"/>
-          </a:p>
-        </p:txBody>
-      </p:sp>
       <p:pic>
         <p:nvPicPr>
-          <p:cNvPr id="5" name="Image 4">
-            <a:extLst>
-              <a:ext uri="{FF2B5EF4-FFF2-40B4-BE49-F238E27FC236}">
-                <a16:creationId xmlns:a16="http://schemas.microsoft.com/office/drawing/2014/main" id="{E06E5ABE-121E-4513-F89C-6957D5CBD057}"/>
+          <p:cNvPr id="4" name="Picture 3">
+            <a:extLst>
+              <a:ext uri="{FF2B5EF4-FFF2-40B4-BE49-F238E27FC236}">
+                <a16:creationId xmlns:a16="http://schemas.microsoft.com/office/drawing/2014/main" id="{AC2D2C0A-9C87-1C9C-C8DC-C692A9F134DE}"/>
               </a:ext>
             </a:extLst>
           </p:cNvPr>
@@ -6003,20 +6105,15 @@
           <p:nvPr/>
         </p:nvPicPr>
         <p:blipFill>
-          <a:blip r:embed="rId2">
-            <a:extLst>
-              <a:ext uri="{28A0092B-C50C-407E-A947-70E740481C1C}">
-                <a14:useLocalDpi xmlns:a14="http://schemas.microsoft.com/office/drawing/2010/main" val="0"/>
-              </a:ext>
-            </a:extLst>
-          </a:blip>
-          <a:srcRect/>
-          <a:stretch/>
+          <a:blip r:embed="rId2"/>
+          <a:stretch>
+            <a:fillRect/>
+          </a:stretch>
         </p:blipFill>
         <p:spPr>
           <a:xfrm>
-            <a:off x="1" y="258406"/>
-            <a:ext cx="12191999" cy="5797238"/>
+            <a:off x="0" y="1253452"/>
+            <a:ext cx="12192000" cy="4351096"/>
           </a:xfrm>
           <a:prstGeom prst="rect">
             <a:avLst/>
@@ -6025,10 +6122,10 @@
       </p:pic>
       <p:sp>
         <p:nvSpPr>
-          <p:cNvPr id="4" name="Rectangle : coins arrondis 3">
-            <a:extLst>
-              <a:ext uri="{FF2B5EF4-FFF2-40B4-BE49-F238E27FC236}">
-                <a16:creationId xmlns:a16="http://schemas.microsoft.com/office/drawing/2014/main" id="{9FE0A7CC-C4ED-505E-8A2A-9C6174A10352}"/>
+          <p:cNvPr id="3" name="Rectangle : coins arrondis 3">
+            <a:extLst>
+              <a:ext uri="{FF2B5EF4-FFF2-40B4-BE49-F238E27FC236}">
+                <a16:creationId xmlns:a16="http://schemas.microsoft.com/office/drawing/2014/main" id="{F61A23C4-2871-AF03-E8F3-6A2E4323A84B}"/>
               </a:ext>
             </a:extLst>
           </p:cNvPr>
@@ -6037,8 +6134,8 @@
         </p:nvSpPr>
         <p:spPr>
           <a:xfrm>
-            <a:off x="10196052" y="889494"/>
-            <a:ext cx="1331136" cy="534182"/>
+            <a:off x="9907398" y="1988452"/>
+            <a:ext cx="1217118" cy="528245"/>
           </a:xfrm>
           <a:prstGeom prst="roundRect">
             <a:avLst/>
@@ -6076,7 +6173,7 @@
     </p:spTree>
     <p:extLst>
       <p:ext uri="{BB962C8B-B14F-4D97-AF65-F5344CB8AC3E}">
-        <p14:creationId xmlns:p14="http://schemas.microsoft.com/office/powerpoint/2010/main" val="1270346106"/>
+        <p14:creationId xmlns:p14="http://schemas.microsoft.com/office/powerpoint/2010/main" val="880254573"/>
       </p:ext>
     </p:extLst>
   </p:cSld>
@@ -6094,7 +6191,7 @@
         <p:cNvPr id="1" name="">
           <a:extLst>
             <a:ext uri="{FF2B5EF4-FFF2-40B4-BE49-F238E27FC236}">
-              <a16:creationId xmlns:a16="http://schemas.microsoft.com/office/drawing/2014/main" id="{D2785929-E68B-A778-EF3A-61DBEEB9099D}"/>
+              <a16:creationId xmlns:a16="http://schemas.microsoft.com/office/drawing/2014/main" id="{35859062-C074-A184-CFEE-DD203F18949E}"/>
             </a:ext>
           </a:extLst>
         </p:cNvPr>
@@ -6109,62 +6206,12 @@
           <a:chExt cx="0" cy="0"/>
         </a:xfrm>
       </p:grpSpPr>
-      <p:sp>
-        <p:nvSpPr>
-          <p:cNvPr id="2" name="Titre 1">
-            <a:extLst>
-              <a:ext uri="{FF2B5EF4-FFF2-40B4-BE49-F238E27FC236}">
-                <a16:creationId xmlns:a16="http://schemas.microsoft.com/office/drawing/2014/main" id="{EE3E2FBB-FAF2-5C0D-DB89-72EBF47D1974}"/>
-              </a:ext>
-            </a:extLst>
-          </p:cNvPr>
-          <p:cNvSpPr>
-            <a:spLocks noGrp="1"/>
-          </p:cNvSpPr>
-          <p:nvPr>
-            <p:ph type="title"/>
-          </p:nvPr>
-        </p:nvSpPr>
-        <p:spPr/>
-        <p:txBody>
-          <a:bodyPr/>
-          <a:lstStyle/>
-          <a:p>
-            <a:endParaRPr lang="en-GB"/>
-          </a:p>
-        </p:txBody>
-      </p:sp>
-      <p:sp>
-        <p:nvSpPr>
-          <p:cNvPr id="3" name="Espace réservé du contenu 2">
-            <a:extLst>
-              <a:ext uri="{FF2B5EF4-FFF2-40B4-BE49-F238E27FC236}">
-                <a16:creationId xmlns:a16="http://schemas.microsoft.com/office/drawing/2014/main" id="{434827AF-D4A5-BACF-2CAC-EF4C483A45DF}"/>
-              </a:ext>
-            </a:extLst>
-          </p:cNvPr>
-          <p:cNvSpPr>
-            <a:spLocks noGrp="1"/>
-          </p:cNvSpPr>
-          <p:nvPr>
-            <p:ph idx="1"/>
-          </p:nvPr>
-        </p:nvSpPr>
-        <p:spPr/>
-        <p:txBody>
-          <a:bodyPr/>
-          <a:lstStyle/>
-          <a:p>
-            <a:endParaRPr lang="en-GB"/>
-          </a:p>
-        </p:txBody>
-      </p:sp>
       <p:pic>
         <p:nvPicPr>
-          <p:cNvPr id="5" name="Image 4">
-            <a:extLst>
-              <a:ext uri="{FF2B5EF4-FFF2-40B4-BE49-F238E27FC236}">
-                <a16:creationId xmlns:a16="http://schemas.microsoft.com/office/drawing/2014/main" id="{25EC8065-C512-2E1E-DD5F-D6D4B5C74995}"/>
+          <p:cNvPr id="4" name="Picture 3">
+            <a:extLst>
+              <a:ext uri="{FF2B5EF4-FFF2-40B4-BE49-F238E27FC236}">
+                <a16:creationId xmlns:a16="http://schemas.microsoft.com/office/drawing/2014/main" id="{C7366917-6640-1091-6BD6-BB0A3CE33453}"/>
               </a:ext>
             </a:extLst>
           </p:cNvPr>
@@ -6174,20 +6221,15 @@
           <p:nvPr/>
         </p:nvPicPr>
         <p:blipFill>
-          <a:blip r:embed="rId2">
-            <a:extLst>
-              <a:ext uri="{28A0092B-C50C-407E-A947-70E740481C1C}">
-                <a14:useLocalDpi xmlns:a14="http://schemas.microsoft.com/office/drawing/2010/main" val="0"/>
-              </a:ext>
-            </a:extLst>
-          </a:blip>
-          <a:srcRect/>
-          <a:stretch/>
+          <a:blip r:embed="rId2"/>
+          <a:stretch>
+            <a:fillRect/>
+          </a:stretch>
         </p:blipFill>
         <p:spPr>
           <a:xfrm>
-            <a:off x="0" y="182533"/>
-            <a:ext cx="12192000" cy="5765456"/>
+            <a:off x="237698" y="1089584"/>
+            <a:ext cx="11954302" cy="4294020"/>
           </a:xfrm>
           <a:prstGeom prst="rect">
             <a:avLst/>
@@ -6196,10 +6238,10 @@
       </p:pic>
       <p:sp>
         <p:nvSpPr>
-          <p:cNvPr id="4" name="Rectangle : coins arrondis 3">
-            <a:extLst>
-              <a:ext uri="{FF2B5EF4-FFF2-40B4-BE49-F238E27FC236}">
-                <a16:creationId xmlns:a16="http://schemas.microsoft.com/office/drawing/2014/main" id="{0CC7E3F1-A788-3F7E-9308-EFD96FC8DA72}"/>
+          <p:cNvPr id="5" name="Rectangle : coins arrondis 3">
+            <a:extLst>
+              <a:ext uri="{FF2B5EF4-FFF2-40B4-BE49-F238E27FC236}">
+                <a16:creationId xmlns:a16="http://schemas.microsoft.com/office/drawing/2014/main" id="{7739C16B-1208-A806-6766-1DA753707455}"/>
               </a:ext>
             </a:extLst>
           </p:cNvPr>
@@ -6208,8 +6250,8 @@
         </p:nvSpPr>
         <p:spPr>
           <a:xfrm>
-            <a:off x="9969910" y="757084"/>
-            <a:ext cx="1887793" cy="550606"/>
+            <a:off x="10026503" y="1607689"/>
+            <a:ext cx="1927800" cy="550606"/>
           </a:xfrm>
           <a:prstGeom prst="roundRect">
             <a:avLst/>
@@ -6247,7 +6289,7 @@
     </p:spTree>
     <p:extLst>
       <p:ext uri="{BB962C8B-B14F-4D97-AF65-F5344CB8AC3E}">
-        <p14:creationId xmlns:p14="http://schemas.microsoft.com/office/powerpoint/2010/main" val="1450567088"/>
+        <p14:creationId xmlns:p14="http://schemas.microsoft.com/office/powerpoint/2010/main" val="4212293882"/>
       </p:ext>
     </p:extLst>
   </p:cSld>
@@ -6274,62 +6316,12 @@
           <a:chExt cx="0" cy="0"/>
         </a:xfrm>
       </p:grpSpPr>
-      <p:sp>
-        <p:nvSpPr>
-          <p:cNvPr id="2" name="Titre 1">
-            <a:extLst>
-              <a:ext uri="{FF2B5EF4-FFF2-40B4-BE49-F238E27FC236}">
-                <a16:creationId xmlns:a16="http://schemas.microsoft.com/office/drawing/2014/main" id="{5B1129D3-D983-E779-0DDB-5510DB9E8E72}"/>
-              </a:ext>
-            </a:extLst>
-          </p:cNvPr>
-          <p:cNvSpPr>
-            <a:spLocks noGrp="1"/>
-          </p:cNvSpPr>
-          <p:nvPr>
-            <p:ph type="title"/>
-          </p:nvPr>
-        </p:nvSpPr>
-        <p:spPr/>
-        <p:txBody>
-          <a:bodyPr/>
-          <a:lstStyle/>
-          <a:p>
-            <a:endParaRPr lang="en-GB"/>
-          </a:p>
-        </p:txBody>
-      </p:sp>
-      <p:sp>
-        <p:nvSpPr>
-          <p:cNvPr id="3" name="Espace réservé du contenu 2">
-            <a:extLst>
-              <a:ext uri="{FF2B5EF4-FFF2-40B4-BE49-F238E27FC236}">
-                <a16:creationId xmlns:a16="http://schemas.microsoft.com/office/drawing/2014/main" id="{C93A7218-5ED9-FA23-D9BF-D5AA04988D8B}"/>
-              </a:ext>
-            </a:extLst>
-          </p:cNvPr>
-          <p:cNvSpPr>
-            <a:spLocks noGrp="1"/>
-          </p:cNvSpPr>
-          <p:nvPr>
-            <p:ph idx="1"/>
-          </p:nvPr>
-        </p:nvSpPr>
-        <p:spPr/>
-        <p:txBody>
-          <a:bodyPr/>
-          <a:lstStyle/>
-          <a:p>
-            <a:endParaRPr lang="en-GB"/>
-          </a:p>
-        </p:txBody>
-      </p:sp>
       <p:pic>
         <p:nvPicPr>
-          <p:cNvPr id="5" name="Image 4">
-            <a:extLst>
-              <a:ext uri="{FF2B5EF4-FFF2-40B4-BE49-F238E27FC236}">
-                <a16:creationId xmlns:a16="http://schemas.microsoft.com/office/drawing/2014/main" id="{9C0CA55C-1728-B5A7-2DB2-1537D76BC9CD}"/>
+          <p:cNvPr id="2" name="Picture 1">
+            <a:extLst>
+              <a:ext uri="{FF2B5EF4-FFF2-40B4-BE49-F238E27FC236}">
+                <a16:creationId xmlns:a16="http://schemas.microsoft.com/office/drawing/2014/main" id="{2421E4B7-C62F-D99F-FDBC-80E4E3CA7062}"/>
               </a:ext>
             </a:extLst>
           </p:cNvPr>
@@ -6339,20 +6331,15 @@
           <p:nvPr/>
         </p:nvPicPr>
         <p:blipFill>
-          <a:blip r:embed="rId2">
-            <a:extLst>
-              <a:ext uri="{28A0092B-C50C-407E-A947-70E740481C1C}">
-                <a14:useLocalDpi xmlns:a14="http://schemas.microsoft.com/office/drawing/2010/main" val="0"/>
-              </a:ext>
-            </a:extLst>
-          </a:blip>
-          <a:srcRect/>
-          <a:stretch/>
+          <a:blip r:embed="rId2"/>
+          <a:stretch>
+            <a:fillRect/>
+          </a:stretch>
         </p:blipFill>
         <p:spPr>
           <a:xfrm>
-            <a:off x="0" y="528869"/>
-            <a:ext cx="12191999" cy="5800262"/>
+            <a:off x="0" y="576772"/>
+            <a:ext cx="12192000" cy="5704455"/>
           </a:xfrm>
           <a:prstGeom prst="rect">
             <a:avLst/>
@@ -6361,10 +6348,10 @@
       </p:pic>
       <p:sp>
         <p:nvSpPr>
-          <p:cNvPr id="4" name="Rectangle : coins arrondis 3">
-            <a:extLst>
-              <a:ext uri="{FF2B5EF4-FFF2-40B4-BE49-F238E27FC236}">
-                <a16:creationId xmlns:a16="http://schemas.microsoft.com/office/drawing/2014/main" id="{95EA2AEF-4A3E-AF4A-A01E-FE1D8FB8D880}"/>
+          <p:cNvPr id="3" name="Rectangle : coins arrondis 3">
+            <a:extLst>
+              <a:ext uri="{FF2B5EF4-FFF2-40B4-BE49-F238E27FC236}">
+                <a16:creationId xmlns:a16="http://schemas.microsoft.com/office/drawing/2014/main" id="{266A90DA-F055-6778-853D-969DCD19CE58}"/>
               </a:ext>
             </a:extLst>
           </p:cNvPr>
@@ -6412,7 +6399,7 @@
     </p:spTree>
     <p:extLst>
       <p:ext uri="{BB962C8B-B14F-4D97-AF65-F5344CB8AC3E}">
-        <p14:creationId xmlns:p14="http://schemas.microsoft.com/office/powerpoint/2010/main" val="3560098909"/>
+        <p14:creationId xmlns:p14="http://schemas.microsoft.com/office/powerpoint/2010/main" val="2763015643"/>
       </p:ext>
     </p:extLst>
   </p:cSld>
@@ -6439,62 +6426,12 @@
           <a:chExt cx="0" cy="0"/>
         </a:xfrm>
       </p:grpSpPr>
-      <p:sp>
-        <p:nvSpPr>
-          <p:cNvPr id="2" name="Titre 1">
-            <a:extLst>
-              <a:ext uri="{FF2B5EF4-FFF2-40B4-BE49-F238E27FC236}">
-                <a16:creationId xmlns:a16="http://schemas.microsoft.com/office/drawing/2014/main" id="{F4E8AE1D-0C79-517A-C2B1-96CE83D14C84}"/>
-              </a:ext>
-            </a:extLst>
-          </p:cNvPr>
-          <p:cNvSpPr>
-            <a:spLocks noGrp="1"/>
-          </p:cNvSpPr>
-          <p:nvPr>
-            <p:ph type="title"/>
-          </p:nvPr>
-        </p:nvSpPr>
-        <p:spPr/>
-        <p:txBody>
-          <a:bodyPr/>
-          <a:lstStyle/>
-          <a:p>
-            <a:endParaRPr lang="en-GB"/>
-          </a:p>
-        </p:txBody>
-      </p:sp>
-      <p:sp>
-        <p:nvSpPr>
-          <p:cNvPr id="3" name="Espace réservé du contenu 2">
-            <a:extLst>
-              <a:ext uri="{FF2B5EF4-FFF2-40B4-BE49-F238E27FC236}">
-                <a16:creationId xmlns:a16="http://schemas.microsoft.com/office/drawing/2014/main" id="{3C3D4580-D1FA-74AD-723A-64081176A85A}"/>
-              </a:ext>
-            </a:extLst>
-          </p:cNvPr>
-          <p:cNvSpPr>
-            <a:spLocks noGrp="1"/>
-          </p:cNvSpPr>
-          <p:nvPr>
-            <p:ph idx="1"/>
-          </p:nvPr>
-        </p:nvSpPr>
-        <p:spPr/>
-        <p:txBody>
-          <a:bodyPr/>
-          <a:lstStyle/>
-          <a:p>
-            <a:endParaRPr lang="en-GB"/>
-          </a:p>
-        </p:txBody>
-      </p:sp>
       <p:pic>
         <p:nvPicPr>
-          <p:cNvPr id="7" name="Image 6">
-            <a:extLst>
-              <a:ext uri="{FF2B5EF4-FFF2-40B4-BE49-F238E27FC236}">
-                <a16:creationId xmlns:a16="http://schemas.microsoft.com/office/drawing/2014/main" id="{3E435E5E-516E-5EED-7E90-57A5E25D8A0F}"/>
+          <p:cNvPr id="2" name="Picture 1" descr="A screenshot of a computer&#10;&#10;AI-generated content may be incorrect.">
+            <a:extLst>
+              <a:ext uri="{FF2B5EF4-FFF2-40B4-BE49-F238E27FC236}">
+                <a16:creationId xmlns:a16="http://schemas.microsoft.com/office/drawing/2014/main" id="{C6082588-48AA-46A9-97DE-E301AC2B964C}"/>
               </a:ext>
             </a:extLst>
           </p:cNvPr>
@@ -6504,20 +6441,15 @@
           <p:nvPr/>
         </p:nvPicPr>
         <p:blipFill>
-          <a:blip r:embed="rId2">
-            <a:extLst>
-              <a:ext uri="{28A0092B-C50C-407E-A947-70E740481C1C}">
-                <a14:useLocalDpi xmlns:a14="http://schemas.microsoft.com/office/drawing/2010/main" val="0"/>
-              </a:ext>
-            </a:extLst>
-          </a:blip>
-          <a:srcRect/>
-          <a:stretch/>
+          <a:blip r:embed="rId2"/>
+          <a:stretch>
+            <a:fillRect/>
+          </a:stretch>
         </p:blipFill>
         <p:spPr>
           <a:xfrm>
-            <a:off x="-94059" y="260152"/>
-            <a:ext cx="12286059" cy="5809936"/>
+            <a:off x="0" y="549979"/>
+            <a:ext cx="12192000" cy="5758042"/>
           </a:xfrm>
           <a:prstGeom prst="rect">
             <a:avLst/>
@@ -6529,7 +6461,7 @@
           <p:cNvPr id="4" name="Rectangle : coins arrondis 3">
             <a:extLst>
               <a:ext uri="{FF2B5EF4-FFF2-40B4-BE49-F238E27FC236}">
-                <a16:creationId xmlns:a16="http://schemas.microsoft.com/office/drawing/2014/main" id="{9ACAF252-FE65-5DC7-23EA-2C9F3D46815B}"/>
+                <a16:creationId xmlns:a16="http://schemas.microsoft.com/office/drawing/2014/main" id="{972B079F-838A-5ED3-8389-D5C1AA4C1F6E}"/>
               </a:ext>
             </a:extLst>
           </p:cNvPr>
@@ -6538,8 +6470,8 @@
         </p:nvSpPr>
         <p:spPr>
           <a:xfrm>
-            <a:off x="570973" y="1892087"/>
-            <a:ext cx="3076796" cy="3250184"/>
+            <a:off x="537417" y="2181138"/>
+            <a:ext cx="3076796" cy="3556752"/>
           </a:xfrm>
           <a:prstGeom prst="roundRect">
             <a:avLst/>
@@ -6576,10 +6508,10 @@
       </p:sp>
       <p:sp>
         <p:nvSpPr>
-          <p:cNvPr id="5" name="Rectangle : coins arrondis 4">
-            <a:extLst>
-              <a:ext uri="{FF2B5EF4-FFF2-40B4-BE49-F238E27FC236}">
-                <a16:creationId xmlns:a16="http://schemas.microsoft.com/office/drawing/2014/main" id="{4638261B-B112-9682-8521-22B2C80C7E62}"/>
+          <p:cNvPr id="5" name="Rectangle : coins arrondis 3">
+            <a:extLst>
+              <a:ext uri="{FF2B5EF4-FFF2-40B4-BE49-F238E27FC236}">
+                <a16:creationId xmlns:a16="http://schemas.microsoft.com/office/drawing/2014/main" id="{FC3D19D0-426C-9C04-DF18-0911F5999605}"/>
               </a:ext>
             </a:extLst>
           </p:cNvPr>
@@ -6588,8 +6520,8 @@
         </p:nvSpPr>
         <p:spPr>
           <a:xfrm>
-            <a:off x="3647769" y="1890184"/>
-            <a:ext cx="4896464" cy="3250184"/>
+            <a:off x="3614213" y="2181138"/>
+            <a:ext cx="5074073" cy="3556752"/>
           </a:xfrm>
           <a:prstGeom prst="roundRect">
             <a:avLst/>
@@ -6626,10 +6558,10 @@
       </p:sp>
       <p:sp>
         <p:nvSpPr>
-          <p:cNvPr id="6" name="Rectangle : coins arrondis 5">
-            <a:extLst>
-              <a:ext uri="{FF2B5EF4-FFF2-40B4-BE49-F238E27FC236}">
-                <a16:creationId xmlns:a16="http://schemas.microsoft.com/office/drawing/2014/main" id="{E6ADBCF1-0D66-4034-326C-77D2D1661194}"/>
+          <p:cNvPr id="6" name="Rectangle : coins arrondis 3">
+            <a:extLst>
+              <a:ext uri="{FF2B5EF4-FFF2-40B4-BE49-F238E27FC236}">
+                <a16:creationId xmlns:a16="http://schemas.microsoft.com/office/drawing/2014/main" id="{755AC438-13BA-D355-DCB3-60B8EE2FB346}"/>
               </a:ext>
             </a:extLst>
           </p:cNvPr>
@@ -6638,8 +6570,8 @@
         </p:nvSpPr>
         <p:spPr>
           <a:xfrm>
-            <a:off x="8544233" y="1888281"/>
-            <a:ext cx="3228061" cy="3250184"/>
+            <a:off x="8688286" y="2582714"/>
+            <a:ext cx="3205861" cy="3070191"/>
           </a:xfrm>
           <a:prstGeom prst="roundRect">
             <a:avLst/>
@@ -6676,10 +6608,10 @@
       </p:sp>
       <p:sp>
         <p:nvSpPr>
-          <p:cNvPr id="8" name="Rectangle : coins arrondis 7">
-            <a:extLst>
-              <a:ext uri="{FF2B5EF4-FFF2-40B4-BE49-F238E27FC236}">
-                <a16:creationId xmlns:a16="http://schemas.microsoft.com/office/drawing/2014/main" id="{A3714C19-F159-B9CB-0B0D-6908FA45692E}"/>
+          <p:cNvPr id="7" name="Rectangle : coins arrondis 3">
+            <a:extLst>
+              <a:ext uri="{FF2B5EF4-FFF2-40B4-BE49-F238E27FC236}">
+                <a16:creationId xmlns:a16="http://schemas.microsoft.com/office/drawing/2014/main" id="{25B6FA9A-2C0C-EB93-3FF9-90B4C57DDA3E}"/>
               </a:ext>
             </a:extLst>
           </p:cNvPr>
@@ -6688,8 +6620,8 @@
         </p:nvSpPr>
         <p:spPr>
           <a:xfrm>
-            <a:off x="11257935" y="1504729"/>
-            <a:ext cx="855407" cy="381649"/>
+            <a:off x="7506706" y="2364731"/>
+            <a:ext cx="1071082" cy="435966"/>
           </a:xfrm>
           <a:prstGeom prst="roundRect">
             <a:avLst/>
@@ -6720,16 +6652,23 @@
           <a:lstStyle/>
           <a:p>
             <a:pPr algn="ctr"/>
-            <a:endParaRPr lang="en-GB"/>
+            <a:endParaRPr lang="en-GB">
+              <a:solidFill>
+                <a:srgbClr val="C00000"/>
+              </a:solidFill>
+              <a:highlight>
+                <a:srgbClr val="800000"/>
+              </a:highlight>
+            </a:endParaRPr>
           </a:p>
         </p:txBody>
       </p:sp>
       <p:pic>
         <p:nvPicPr>
-          <p:cNvPr id="9" name="Graphique 8" descr="Badge 1 contour">
-            <a:extLst>
-              <a:ext uri="{FF2B5EF4-FFF2-40B4-BE49-F238E27FC236}">
-                <a16:creationId xmlns:a16="http://schemas.microsoft.com/office/drawing/2014/main" id="{36219F37-C5E7-DD79-7424-33367DAAD041}"/>
+          <p:cNvPr id="8" name="Graphique 8" descr="Badge 1 contour">
+            <a:extLst>
+              <a:ext uri="{FF2B5EF4-FFF2-40B4-BE49-F238E27FC236}">
+                <a16:creationId xmlns:a16="http://schemas.microsoft.com/office/drawing/2014/main" id="{876BA99D-06CA-3245-A9CC-F2647C16F823}"/>
               </a:ext>
             </a:extLst>
           </p:cNvPr>
@@ -6752,7 +6691,7 @@
         </p:blipFill>
         <p:spPr>
           <a:xfrm>
-            <a:off x="1788678" y="5139392"/>
+            <a:off x="1503452" y="5702263"/>
             <a:ext cx="641386" cy="641386"/>
           </a:xfrm>
           <a:prstGeom prst="rect">
@@ -6762,10 +6701,10 @@
       </p:pic>
       <p:pic>
         <p:nvPicPr>
-          <p:cNvPr id="10" name="Graphique 9" descr="Badge 3 contour">
-            <a:extLst>
-              <a:ext uri="{FF2B5EF4-FFF2-40B4-BE49-F238E27FC236}">
-                <a16:creationId xmlns:a16="http://schemas.microsoft.com/office/drawing/2014/main" id="{F3B44002-17E5-7FDD-8877-21317495921A}"/>
+          <p:cNvPr id="9" name="Graphique 10" descr="Badge contour">
+            <a:extLst>
+              <a:ext uri="{FF2B5EF4-FFF2-40B4-BE49-F238E27FC236}">
+                <a16:creationId xmlns:a16="http://schemas.microsoft.com/office/drawing/2014/main" id="{C8F7EF9D-5B90-CD15-979D-329D1AA4B512}"/>
               </a:ext>
             </a:extLst>
           </p:cNvPr>
@@ -6788,8 +6727,8 @@
         </p:blipFill>
         <p:spPr>
           <a:xfrm>
-            <a:off x="9837570" y="5135586"/>
-            <a:ext cx="641386" cy="641386"/>
+            <a:off x="5775306" y="5737890"/>
+            <a:ext cx="641387" cy="641387"/>
           </a:xfrm>
           <a:prstGeom prst="rect">
             <a:avLst/>
@@ -6798,10 +6737,10 @@
       </p:pic>
       <p:pic>
         <p:nvPicPr>
-          <p:cNvPr id="11" name="Graphique 10" descr="Badge contour">
-            <a:extLst>
-              <a:ext uri="{FF2B5EF4-FFF2-40B4-BE49-F238E27FC236}">
-                <a16:creationId xmlns:a16="http://schemas.microsoft.com/office/drawing/2014/main" id="{8CEA3C5A-07FF-6BC7-0710-C4942DB1D0CD}"/>
+          <p:cNvPr id="10" name="Graphique 9" descr="Badge 3 contour">
+            <a:extLst>
+              <a:ext uri="{FF2B5EF4-FFF2-40B4-BE49-F238E27FC236}">
+                <a16:creationId xmlns:a16="http://schemas.microsoft.com/office/drawing/2014/main" id="{1AD3A701-DD04-D6D0-F77C-1C2DEF653A7D}"/>
               </a:ext>
             </a:extLst>
           </p:cNvPr>
@@ -6824,8 +6763,8 @@
         </p:blipFill>
         <p:spPr>
           <a:xfrm>
-            <a:off x="5775306" y="5139391"/>
-            <a:ext cx="641387" cy="641387"/>
+            <a:off x="9836968" y="5652905"/>
+            <a:ext cx="641386" cy="641386"/>
           </a:xfrm>
           <a:prstGeom prst="rect">
             <a:avLst/>
@@ -6834,10 +6773,10 @@
       </p:pic>
       <p:pic>
         <p:nvPicPr>
-          <p:cNvPr id="12" name="Graphique 11" descr="Badge 4 contour">
-            <a:extLst>
-              <a:ext uri="{FF2B5EF4-FFF2-40B4-BE49-F238E27FC236}">
-                <a16:creationId xmlns:a16="http://schemas.microsoft.com/office/drawing/2014/main" id="{814BCF7A-094E-440D-F017-F2A97F27BBE6}"/>
+          <p:cNvPr id="11" name="Graphique 13" descr="Badge 5 contour">
+            <a:extLst>
+              <a:ext uri="{FF2B5EF4-FFF2-40B4-BE49-F238E27FC236}">
+                <a16:creationId xmlns:a16="http://schemas.microsoft.com/office/drawing/2014/main" id="{687D2445-C2A4-E891-57C2-31542D755007}"/>
               </a:ext>
             </a:extLst>
           </p:cNvPr>
@@ -6860,7 +6799,43 @@
         </p:blipFill>
         <p:spPr>
           <a:xfrm>
-            <a:off x="10616549" y="1367116"/>
+            <a:off x="7721553" y="2765069"/>
+            <a:ext cx="641387" cy="641387"/>
+          </a:xfrm>
+          <a:prstGeom prst="rect">
+            <a:avLst/>
+          </a:prstGeom>
+        </p:spPr>
+      </p:pic>
+      <p:pic>
+        <p:nvPicPr>
+          <p:cNvPr id="12" name="Graphique 11" descr="Badge 4 contour">
+            <a:extLst>
+              <a:ext uri="{FF2B5EF4-FFF2-40B4-BE49-F238E27FC236}">
+                <a16:creationId xmlns:a16="http://schemas.microsoft.com/office/drawing/2014/main" id="{E155D1BC-E82C-BDE2-165F-50FC5DA441B9}"/>
+              </a:ext>
+            </a:extLst>
+          </p:cNvPr>
+          <p:cNvPicPr>
+            <a:picLocks noChangeAspect="1"/>
+          </p:cNvPicPr>
+          <p:nvPr/>
+        </p:nvPicPr>
+        <p:blipFill>
+          <a:blip r:embed="rId11">
+            <a:extLst>
+              <a:ext uri="{96DAC541-7B7A-43D3-8B79-37D633B846F1}">
+                <asvg:svgBlip xmlns:asvg="http://schemas.microsoft.com/office/drawing/2016/SVG/main" r:embed="rId12"/>
+              </a:ext>
+            </a:extLst>
+          </a:blip>
+          <a:stretch>
+            <a:fillRect/>
+          </a:stretch>
+        </p:blipFill>
+        <p:spPr>
+          <a:xfrm>
+            <a:off x="10826274" y="1740540"/>
             <a:ext cx="641386" cy="641386"/>
           </a:xfrm>
           <a:prstGeom prst="rect">
@@ -6870,10 +6845,10 @@
       </p:pic>
       <p:sp>
         <p:nvSpPr>
-          <p:cNvPr id="13" name="Rectangle : coins arrondis 12">
-            <a:extLst>
-              <a:ext uri="{FF2B5EF4-FFF2-40B4-BE49-F238E27FC236}">
-                <a16:creationId xmlns:a16="http://schemas.microsoft.com/office/drawing/2014/main" id="{41B8F30E-7BD9-726E-0CFB-DB7255DE51B6}"/>
+          <p:cNvPr id="13" name="Rectangle : coins arrondis 3">
+            <a:extLst>
+              <a:ext uri="{FF2B5EF4-FFF2-40B4-BE49-F238E27FC236}">
+                <a16:creationId xmlns:a16="http://schemas.microsoft.com/office/drawing/2014/main" id="{3ECF850E-E015-7B1D-A9B5-3DF2A01EDCB2}"/>
               </a:ext>
             </a:extLst>
           </p:cNvPr>
@@ -6882,8 +6857,8 @@
         </p:nvSpPr>
         <p:spPr>
           <a:xfrm>
-            <a:off x="7393857" y="2042584"/>
-            <a:ext cx="1302775" cy="376151"/>
+            <a:off x="11467660" y="1865612"/>
+            <a:ext cx="571461" cy="240025"/>
           </a:xfrm>
           <a:prstGeom prst="roundRect">
             <a:avLst/>
@@ -6914,50 +6889,21 @@
           <a:lstStyle/>
           <a:p>
             <a:pPr algn="ctr"/>
-            <a:endParaRPr lang="en-GB"/>
-          </a:p>
-        </p:txBody>
-      </p:sp>
-      <p:pic>
-        <p:nvPicPr>
-          <p:cNvPr id="14" name="Graphique 13" descr="Badge 5 contour">
-            <a:extLst>
-              <a:ext uri="{FF2B5EF4-FFF2-40B4-BE49-F238E27FC236}">
-                <a16:creationId xmlns:a16="http://schemas.microsoft.com/office/drawing/2014/main" id="{1C14AC9D-340F-1FA1-1902-D0490405DE0D}"/>
-              </a:ext>
-            </a:extLst>
-          </p:cNvPr>
-          <p:cNvPicPr>
-            <a:picLocks noChangeAspect="1"/>
-          </p:cNvPicPr>
-          <p:nvPr/>
-        </p:nvPicPr>
-        <p:blipFill>
-          <a:blip r:embed="rId11">
-            <a:extLst>
-              <a:ext uri="{96DAC541-7B7A-43D3-8B79-37D633B846F1}">
-                <asvg:svgBlip xmlns:asvg="http://schemas.microsoft.com/office/drawing/2016/SVG/main" r:embed="rId12"/>
-              </a:ext>
-            </a:extLst>
-          </a:blip>
-          <a:stretch>
-            <a:fillRect/>
-          </a:stretch>
-        </p:blipFill>
-        <p:spPr>
-          <a:xfrm>
-            <a:off x="6732806" y="1909965"/>
-            <a:ext cx="641387" cy="641387"/>
-          </a:xfrm>
-          <a:prstGeom prst="rect">
-            <a:avLst/>
-          </a:prstGeom>
-        </p:spPr>
-      </p:pic>
+            <a:endParaRPr lang="en-GB">
+              <a:solidFill>
+                <a:srgbClr val="C00000"/>
+              </a:solidFill>
+              <a:highlight>
+                <a:srgbClr val="800000"/>
+              </a:highlight>
+            </a:endParaRPr>
+          </a:p>
+        </p:txBody>
+      </p:sp>
     </p:spTree>
     <p:extLst>
       <p:ext uri="{BB962C8B-B14F-4D97-AF65-F5344CB8AC3E}">
-        <p14:creationId xmlns:p14="http://schemas.microsoft.com/office/powerpoint/2010/main" val="2042701422"/>
+        <p14:creationId xmlns:p14="http://schemas.microsoft.com/office/powerpoint/2010/main" val="1243950819"/>
       </p:ext>
     </p:extLst>
   </p:cSld>
@@ -6984,62 +6930,12 @@
           <a:chExt cx="0" cy="0"/>
         </a:xfrm>
       </p:grpSpPr>
-      <p:sp>
-        <p:nvSpPr>
-          <p:cNvPr id="2" name="Titre 1">
-            <a:extLst>
-              <a:ext uri="{FF2B5EF4-FFF2-40B4-BE49-F238E27FC236}">
-                <a16:creationId xmlns:a16="http://schemas.microsoft.com/office/drawing/2014/main" id="{7CBFECC0-6424-7AF8-CD53-9CD9DED6B73E}"/>
-              </a:ext>
-            </a:extLst>
-          </p:cNvPr>
-          <p:cNvSpPr>
-            <a:spLocks noGrp="1"/>
-          </p:cNvSpPr>
-          <p:nvPr>
-            <p:ph type="title"/>
-          </p:nvPr>
-        </p:nvSpPr>
-        <p:spPr/>
-        <p:txBody>
-          <a:bodyPr/>
-          <a:lstStyle/>
-          <a:p>
-            <a:endParaRPr lang="en-GB"/>
-          </a:p>
-        </p:txBody>
-      </p:sp>
-      <p:sp>
-        <p:nvSpPr>
-          <p:cNvPr id="3" name="Espace réservé du contenu 2">
-            <a:extLst>
-              <a:ext uri="{FF2B5EF4-FFF2-40B4-BE49-F238E27FC236}">
-                <a16:creationId xmlns:a16="http://schemas.microsoft.com/office/drawing/2014/main" id="{8E430577-5E61-3C5F-E711-B88BD9D9EB9B}"/>
-              </a:ext>
-            </a:extLst>
-          </p:cNvPr>
-          <p:cNvSpPr>
-            <a:spLocks noGrp="1"/>
-          </p:cNvSpPr>
-          <p:nvPr>
-            <p:ph idx="1"/>
-          </p:nvPr>
-        </p:nvSpPr>
-        <p:spPr/>
-        <p:txBody>
-          <a:bodyPr/>
-          <a:lstStyle/>
-          <a:p>
-            <a:endParaRPr lang="en-GB"/>
-          </a:p>
-        </p:txBody>
-      </p:sp>
       <p:pic>
         <p:nvPicPr>
-          <p:cNvPr id="5" name="Image 4">
-            <a:extLst>
-              <a:ext uri="{FF2B5EF4-FFF2-40B4-BE49-F238E27FC236}">
-                <a16:creationId xmlns:a16="http://schemas.microsoft.com/office/drawing/2014/main" id="{4DC1C35A-3A30-30F8-2676-284BD72B7281}"/>
+          <p:cNvPr id="7" name="Picture 6">
+            <a:extLst>
+              <a:ext uri="{FF2B5EF4-FFF2-40B4-BE49-F238E27FC236}">
+                <a16:creationId xmlns:a16="http://schemas.microsoft.com/office/drawing/2014/main" id="{671330C1-9E04-E106-A957-B001670E9FAF}"/>
               </a:ext>
             </a:extLst>
           </p:cNvPr>
@@ -7049,20 +6945,15 @@
           <p:nvPr/>
         </p:nvPicPr>
         <p:blipFill>
-          <a:blip r:embed="rId2">
-            <a:extLst>
-              <a:ext uri="{28A0092B-C50C-407E-A947-70E740481C1C}">
-                <a14:useLocalDpi xmlns:a14="http://schemas.microsoft.com/office/drawing/2010/main" val="0"/>
-              </a:ext>
-            </a:extLst>
-          </a:blip>
-          <a:srcRect/>
-          <a:stretch/>
+          <a:blip r:embed="rId2"/>
+          <a:stretch>
+            <a:fillRect/>
+          </a:stretch>
         </p:blipFill>
         <p:spPr>
           <a:xfrm>
-            <a:off x="0" y="292828"/>
-            <a:ext cx="12192000" cy="5797240"/>
+            <a:off x="0" y="551128"/>
+            <a:ext cx="12192000" cy="5755743"/>
           </a:xfrm>
           <a:prstGeom prst="rect">
             <a:avLst/>
@@ -7083,8 +6974,8 @@
         </p:nvSpPr>
         <p:spPr>
           <a:xfrm>
-            <a:off x="3647768" y="2011681"/>
-            <a:ext cx="4896464" cy="3250184"/>
+            <a:off x="3647768" y="2139192"/>
+            <a:ext cx="4896464" cy="3238149"/>
           </a:xfrm>
           <a:prstGeom prst="roundRect">
             <a:avLst/>
@@ -7133,8 +7024,8 @@
         </p:nvSpPr>
         <p:spPr>
           <a:xfrm>
-            <a:off x="8544232" y="2009778"/>
-            <a:ext cx="3228061" cy="3250184"/>
+            <a:off x="8544232" y="2137289"/>
+            <a:ext cx="3228061" cy="3240053"/>
           </a:xfrm>
           <a:prstGeom prst="roundRect">
             <a:avLst/>
@@ -7197,7 +7088,7 @@
         </p:blipFill>
         <p:spPr>
           <a:xfrm>
-            <a:off x="9837568" y="5259962"/>
+            <a:off x="9853541" y="5330931"/>
             <a:ext cx="641387" cy="641387"/>
           </a:xfrm>
           <a:prstGeom prst="rect">
@@ -7233,7 +7124,7 @@
         </p:blipFill>
         <p:spPr>
           <a:xfrm>
-            <a:off x="5775307" y="5259963"/>
+            <a:off x="5775307" y="5344793"/>
             <a:ext cx="641386" cy="641386"/>
           </a:xfrm>
           <a:prstGeom prst="rect">
@@ -7271,62 +7162,12 @@
           <a:chExt cx="0" cy="0"/>
         </a:xfrm>
       </p:grpSpPr>
-      <p:sp>
-        <p:nvSpPr>
-          <p:cNvPr id="2" name="Titre 1">
-            <a:extLst>
-              <a:ext uri="{FF2B5EF4-FFF2-40B4-BE49-F238E27FC236}">
-                <a16:creationId xmlns:a16="http://schemas.microsoft.com/office/drawing/2014/main" id="{E2A78592-CEA3-E0BF-4514-719FF576FE3E}"/>
-              </a:ext>
-            </a:extLst>
-          </p:cNvPr>
-          <p:cNvSpPr>
-            <a:spLocks noGrp="1"/>
-          </p:cNvSpPr>
-          <p:nvPr>
-            <p:ph type="title"/>
-          </p:nvPr>
-        </p:nvSpPr>
-        <p:spPr/>
-        <p:txBody>
-          <a:bodyPr/>
-          <a:lstStyle/>
-          <a:p>
-            <a:endParaRPr lang="en-GB"/>
-          </a:p>
-        </p:txBody>
-      </p:sp>
-      <p:sp>
-        <p:nvSpPr>
-          <p:cNvPr id="3" name="Espace réservé du contenu 2">
-            <a:extLst>
-              <a:ext uri="{FF2B5EF4-FFF2-40B4-BE49-F238E27FC236}">
-                <a16:creationId xmlns:a16="http://schemas.microsoft.com/office/drawing/2014/main" id="{1251FE3B-0AE8-B6BB-4CBC-0FA374FF9BDD}"/>
-              </a:ext>
-            </a:extLst>
-          </p:cNvPr>
-          <p:cNvSpPr>
-            <a:spLocks noGrp="1"/>
-          </p:cNvSpPr>
-          <p:nvPr>
-            <p:ph idx="1"/>
-          </p:nvPr>
-        </p:nvSpPr>
-        <p:spPr/>
-        <p:txBody>
-          <a:bodyPr/>
-          <a:lstStyle/>
-          <a:p>
-            <a:endParaRPr lang="en-GB"/>
-          </a:p>
-        </p:txBody>
-      </p:sp>
       <p:pic>
         <p:nvPicPr>
-          <p:cNvPr id="5" name="Image 4">
-            <a:extLst>
-              <a:ext uri="{FF2B5EF4-FFF2-40B4-BE49-F238E27FC236}">
-                <a16:creationId xmlns:a16="http://schemas.microsoft.com/office/drawing/2014/main" id="{1DDE6310-1790-68FC-1D93-F692F6EA0119}"/>
+          <p:cNvPr id="9" name="Picture 8">
+            <a:extLst>
+              <a:ext uri="{FF2B5EF4-FFF2-40B4-BE49-F238E27FC236}">
+                <a16:creationId xmlns:a16="http://schemas.microsoft.com/office/drawing/2014/main" id="{FC4BB542-E8FA-D5F5-B2F8-745CB3625370}"/>
               </a:ext>
             </a:extLst>
           </p:cNvPr>
@@ -7336,20 +7177,15 @@
           <p:nvPr/>
         </p:nvPicPr>
         <p:blipFill>
-          <a:blip r:embed="rId2">
-            <a:extLst>
-              <a:ext uri="{28A0092B-C50C-407E-A947-70E740481C1C}">
-                <a14:useLocalDpi xmlns:a14="http://schemas.microsoft.com/office/drawing/2010/main" val="0"/>
-              </a:ext>
-            </a:extLst>
-          </a:blip>
-          <a:srcRect/>
-          <a:stretch/>
+          <a:blip r:embed="rId2"/>
+          <a:stretch>
+            <a:fillRect/>
+          </a:stretch>
         </p:blipFill>
         <p:spPr>
           <a:xfrm>
-            <a:off x="0" y="392437"/>
-            <a:ext cx="12191999" cy="5784526"/>
+            <a:off x="0" y="552629"/>
+            <a:ext cx="12192000" cy="5752742"/>
           </a:xfrm>
           <a:prstGeom prst="rect">
             <a:avLst/>
@@ -7361,7 +7197,7 @@
           <p:cNvPr id="4" name="Rectangle : coins arrondis 3">
             <a:extLst>
               <a:ext uri="{FF2B5EF4-FFF2-40B4-BE49-F238E27FC236}">
-                <a16:creationId xmlns:a16="http://schemas.microsoft.com/office/drawing/2014/main" id="{11A2B0CB-6DAB-DA0A-6AB7-DF52ED0A73CC}"/>
+                <a16:creationId xmlns:a16="http://schemas.microsoft.com/office/drawing/2014/main" id="{7E4482BE-2900-60B2-03E4-28965B40F2B2}"/>
               </a:ext>
             </a:extLst>
           </p:cNvPr>
@@ -7370,8 +7206,8 @@
         </p:nvSpPr>
         <p:spPr>
           <a:xfrm>
-            <a:off x="3647768" y="2006415"/>
-            <a:ext cx="4896464" cy="3886788"/>
+            <a:off x="3506598" y="2006414"/>
+            <a:ext cx="5037634" cy="3941379"/>
           </a:xfrm>
           <a:prstGeom prst="roundRect">
             <a:avLst/>
@@ -7411,7 +7247,7 @@
           <p:cNvPr id="6" name="Rectangle : coins arrondis 5">
             <a:extLst>
               <a:ext uri="{FF2B5EF4-FFF2-40B4-BE49-F238E27FC236}">
-                <a16:creationId xmlns:a16="http://schemas.microsoft.com/office/drawing/2014/main" id="{13A24822-69CC-B8A3-0D1F-F577C43556E2}"/>
+                <a16:creationId xmlns:a16="http://schemas.microsoft.com/office/drawing/2014/main" id="{B7307162-E218-A53A-DC4E-7FEE3A2EB654}"/>
               </a:ext>
             </a:extLst>
           </p:cNvPr>
@@ -7421,7 +7257,7 @@
         <p:spPr>
           <a:xfrm>
             <a:off x="8544232" y="2004512"/>
-            <a:ext cx="3228061" cy="3422894"/>
+            <a:ext cx="3228061" cy="3305719"/>
           </a:xfrm>
           <a:prstGeom prst="roundRect">
             <a:avLst/>
@@ -7458,10 +7294,10 @@
       </p:sp>
       <p:pic>
         <p:nvPicPr>
-          <p:cNvPr id="8" name="Graphique 7" descr="Badge contour">
-            <a:extLst>
-              <a:ext uri="{FF2B5EF4-FFF2-40B4-BE49-F238E27FC236}">
-                <a16:creationId xmlns:a16="http://schemas.microsoft.com/office/drawing/2014/main" id="{B3158A0B-D9DA-4463-4861-5F408A3C4EEB}"/>
+          <p:cNvPr id="7" name="Graphique 6" descr="Badge contour">
+            <a:extLst>
+              <a:ext uri="{FF2B5EF4-FFF2-40B4-BE49-F238E27FC236}">
+                <a16:creationId xmlns:a16="http://schemas.microsoft.com/office/drawing/2014/main" id="{6A18248D-EB9E-5688-B49F-758A3191404F}"/>
               </a:ext>
             </a:extLst>
           </p:cNvPr>
@@ -7494,10 +7330,10 @@
       </p:pic>
       <p:pic>
         <p:nvPicPr>
-          <p:cNvPr id="9" name="Graphique 8" descr="Badge 1 contour">
-            <a:extLst>
-              <a:ext uri="{FF2B5EF4-FFF2-40B4-BE49-F238E27FC236}">
-                <a16:creationId xmlns:a16="http://schemas.microsoft.com/office/drawing/2014/main" id="{10B8EDC9-3D37-6EE6-B85F-F2462B0418E4}"/>
+          <p:cNvPr id="8" name="Graphique 7" descr="Badge 1 contour">
+            <a:extLst>
+              <a:ext uri="{FF2B5EF4-FFF2-40B4-BE49-F238E27FC236}">
+                <a16:creationId xmlns:a16="http://schemas.microsoft.com/office/drawing/2014/main" id="{296A0E45-ABCC-A9FD-1AF4-238EDB4E5FEB}"/>
               </a:ext>
             </a:extLst>
           </p:cNvPr>
@@ -7531,7 +7367,7 @@
     </p:spTree>
     <p:extLst>
       <p:ext uri="{BB962C8B-B14F-4D97-AF65-F5344CB8AC3E}">
-        <p14:creationId xmlns:p14="http://schemas.microsoft.com/office/powerpoint/2010/main" val="4169851367"/>
+        <p14:creationId xmlns:p14="http://schemas.microsoft.com/office/powerpoint/2010/main" val="3826323811"/>
       </p:ext>
     </p:extLst>
   </p:cSld>
@@ -7546,7 +7382,13 @@
   <p:cSld>
     <p:spTree>
       <p:nvGrpSpPr>
-        <p:cNvPr id="1" name=""/>
+        <p:cNvPr id="1" name="">
+          <a:extLst>
+            <a:ext uri="{FF2B5EF4-FFF2-40B4-BE49-F238E27FC236}">
+              <a16:creationId xmlns:a16="http://schemas.microsoft.com/office/drawing/2014/main" id="{74102BDF-D72E-2201-1A2E-6421BF6003CB}"/>
+            </a:ext>
+          </a:extLst>
+        </p:cNvPr>
         <p:cNvGrpSpPr/>
         <p:nvPr/>
       </p:nvGrpSpPr>
@@ -7558,62 +7400,12 @@
           <a:chExt cx="0" cy="0"/>
         </a:xfrm>
       </p:grpSpPr>
-      <p:sp>
-        <p:nvSpPr>
-          <p:cNvPr id="2" name="Titre 1">
-            <a:extLst>
-              <a:ext uri="{FF2B5EF4-FFF2-40B4-BE49-F238E27FC236}">
-                <a16:creationId xmlns:a16="http://schemas.microsoft.com/office/drawing/2014/main" id="{7D77D864-6E94-32B0-ACDF-C43F4F6A927B}"/>
-              </a:ext>
-            </a:extLst>
-          </p:cNvPr>
-          <p:cNvSpPr>
-            <a:spLocks noGrp="1"/>
-          </p:cNvSpPr>
-          <p:nvPr>
-            <p:ph type="title"/>
-          </p:nvPr>
-        </p:nvSpPr>
-        <p:spPr/>
-        <p:txBody>
-          <a:bodyPr/>
-          <a:lstStyle/>
-          <a:p>
-            <a:endParaRPr lang="en-GB"/>
-          </a:p>
-        </p:txBody>
-      </p:sp>
-      <p:sp>
-        <p:nvSpPr>
-          <p:cNvPr id="3" name="Espace réservé du contenu 2">
-            <a:extLst>
-              <a:ext uri="{FF2B5EF4-FFF2-40B4-BE49-F238E27FC236}">
-                <a16:creationId xmlns:a16="http://schemas.microsoft.com/office/drawing/2014/main" id="{1A0C3E33-D471-0852-B5C6-BC66B16B9BEF}"/>
-              </a:ext>
-            </a:extLst>
-          </p:cNvPr>
-          <p:cNvSpPr>
-            <a:spLocks noGrp="1"/>
-          </p:cNvSpPr>
-          <p:nvPr>
-            <p:ph idx="1"/>
-          </p:nvPr>
-        </p:nvSpPr>
-        <p:spPr/>
-        <p:txBody>
-          <a:bodyPr/>
-          <a:lstStyle/>
-          <a:p>
-            <a:endParaRPr lang="en-GB"/>
-          </a:p>
-        </p:txBody>
-      </p:sp>
       <p:pic>
         <p:nvPicPr>
-          <p:cNvPr id="5" name="Image 4">
-            <a:extLst>
-              <a:ext uri="{FF2B5EF4-FFF2-40B4-BE49-F238E27FC236}">
-                <a16:creationId xmlns:a16="http://schemas.microsoft.com/office/drawing/2014/main" id="{8AAD09C5-7B0D-67AA-0476-E1EB579A984D}"/>
+          <p:cNvPr id="10" name="Picture 9" descr="A screenshot of a computer&#10;&#10;AI-generated content may be incorrect.">
+            <a:extLst>
+              <a:ext uri="{FF2B5EF4-FFF2-40B4-BE49-F238E27FC236}">
+                <a16:creationId xmlns:a16="http://schemas.microsoft.com/office/drawing/2014/main" id="{E80325A0-F375-DBC2-F8EF-745797FFADD4}"/>
               </a:ext>
             </a:extLst>
           </p:cNvPr>
@@ -7630,8 +7422,8 @@
         </p:blipFill>
         <p:spPr>
           <a:xfrm>
-            <a:off x="0" y="687547"/>
-            <a:ext cx="12192000" cy="5482906"/>
+            <a:off x="0" y="560668"/>
+            <a:ext cx="12192000" cy="5736664"/>
           </a:xfrm>
           <a:prstGeom prst="rect">
             <a:avLst/>
@@ -7643,7 +7435,7 @@
           <p:cNvPr id="4" name="Rectangle : coins arrondis 3">
             <a:extLst>
               <a:ext uri="{FF2B5EF4-FFF2-40B4-BE49-F238E27FC236}">
-                <a16:creationId xmlns:a16="http://schemas.microsoft.com/office/drawing/2014/main" id="{7E4482BE-2900-60B2-03E4-28965B40F2B2}"/>
+                <a16:creationId xmlns:a16="http://schemas.microsoft.com/office/drawing/2014/main" id="{1CBD9402-39D7-3453-A0DB-770105DEA2CA}"/>
               </a:ext>
             </a:extLst>
           </p:cNvPr>
@@ -7652,8 +7444,8 @@
         </p:nvSpPr>
         <p:spPr>
           <a:xfrm>
-            <a:off x="3647768" y="2006415"/>
-            <a:ext cx="4896464" cy="3886788"/>
+            <a:off x="3481431" y="2006415"/>
+            <a:ext cx="5062801" cy="3756822"/>
           </a:xfrm>
           <a:prstGeom prst="roundRect">
             <a:avLst/>
@@ -7693,7 +7485,7 @@
           <p:cNvPr id="6" name="Rectangle : coins arrondis 5">
             <a:extLst>
               <a:ext uri="{FF2B5EF4-FFF2-40B4-BE49-F238E27FC236}">
-                <a16:creationId xmlns:a16="http://schemas.microsoft.com/office/drawing/2014/main" id="{B7307162-E218-A53A-DC4E-7FEE3A2EB654}"/>
+                <a16:creationId xmlns:a16="http://schemas.microsoft.com/office/drawing/2014/main" id="{3FD42991-6A48-3D62-0BF0-D5CB8B07A701}"/>
               </a:ext>
             </a:extLst>
           </p:cNvPr>
@@ -7703,7 +7495,7 @@
         <p:spPr>
           <a:xfrm>
             <a:off x="8544232" y="2004512"/>
-            <a:ext cx="3228061" cy="3422894"/>
+            <a:ext cx="3228061" cy="3555928"/>
           </a:xfrm>
           <a:prstGeom prst="roundRect">
             <a:avLst/>
@@ -7743,7 +7535,7 @@
           <p:cNvPr id="7" name="Graphique 6" descr="Badge contour">
             <a:extLst>
               <a:ext uri="{FF2B5EF4-FFF2-40B4-BE49-F238E27FC236}">
-                <a16:creationId xmlns:a16="http://schemas.microsoft.com/office/drawing/2014/main" id="{6A18248D-EB9E-5688-B49F-758A3191404F}"/>
+                <a16:creationId xmlns:a16="http://schemas.microsoft.com/office/drawing/2014/main" id="{59751215-4D20-8E86-AA96-8035E80A7281}"/>
               </a:ext>
             </a:extLst>
           </p:cNvPr>
@@ -7766,7 +7558,7 @@
         </p:blipFill>
         <p:spPr>
           <a:xfrm>
-            <a:off x="9837568" y="1348020"/>
+            <a:off x="10030384" y="1411925"/>
             <a:ext cx="641387" cy="641387"/>
           </a:xfrm>
           <a:prstGeom prst="rect">
@@ -7779,7 +7571,7 @@
           <p:cNvPr id="8" name="Graphique 7" descr="Badge 1 contour">
             <a:extLst>
               <a:ext uri="{FF2B5EF4-FFF2-40B4-BE49-F238E27FC236}">
-                <a16:creationId xmlns:a16="http://schemas.microsoft.com/office/drawing/2014/main" id="{296A0E45-ABCC-A9FD-1AF4-238EDB4E5FEB}"/>
+                <a16:creationId xmlns:a16="http://schemas.microsoft.com/office/drawing/2014/main" id="{C4AA839C-82DC-47C5-4E10-6CDDD1FB442E}"/>
               </a:ext>
             </a:extLst>
           </p:cNvPr>
@@ -7813,7 +7605,7 @@
     </p:spTree>
     <p:extLst>
       <p:ext uri="{BB962C8B-B14F-4D97-AF65-F5344CB8AC3E}">
-        <p14:creationId xmlns:p14="http://schemas.microsoft.com/office/powerpoint/2010/main" val="3826323811"/>
+        <p14:creationId xmlns:p14="http://schemas.microsoft.com/office/powerpoint/2010/main" val="951986831"/>
       </p:ext>
     </p:extLst>
   </p:cSld>
@@ -7840,62 +7632,12 @@
           <a:chExt cx="0" cy="0"/>
         </a:xfrm>
       </p:grpSpPr>
-      <p:sp>
-        <p:nvSpPr>
-          <p:cNvPr id="2" name="Titre 1">
-            <a:extLst>
-              <a:ext uri="{FF2B5EF4-FFF2-40B4-BE49-F238E27FC236}">
-                <a16:creationId xmlns:a16="http://schemas.microsoft.com/office/drawing/2014/main" id="{2E5527E6-5AC1-55EA-D305-7D6F2521FE1C}"/>
-              </a:ext>
-            </a:extLst>
-          </p:cNvPr>
-          <p:cNvSpPr>
-            <a:spLocks noGrp="1"/>
-          </p:cNvSpPr>
-          <p:nvPr>
-            <p:ph type="title"/>
-          </p:nvPr>
-        </p:nvSpPr>
-        <p:spPr/>
-        <p:txBody>
-          <a:bodyPr/>
-          <a:lstStyle/>
-          <a:p>
-            <a:endParaRPr lang="en-GB"/>
-          </a:p>
-        </p:txBody>
-      </p:sp>
-      <p:sp>
-        <p:nvSpPr>
-          <p:cNvPr id="3" name="Espace réservé du contenu 2">
-            <a:extLst>
-              <a:ext uri="{FF2B5EF4-FFF2-40B4-BE49-F238E27FC236}">
-                <a16:creationId xmlns:a16="http://schemas.microsoft.com/office/drawing/2014/main" id="{0AF2C0C0-2D61-ABF2-BA88-75A8DC58649F}"/>
-              </a:ext>
-            </a:extLst>
-          </p:cNvPr>
-          <p:cNvSpPr>
-            <a:spLocks noGrp="1"/>
-          </p:cNvSpPr>
-          <p:nvPr>
-            <p:ph idx="1"/>
-          </p:nvPr>
-        </p:nvSpPr>
-        <p:spPr/>
-        <p:txBody>
-          <a:bodyPr/>
-          <a:lstStyle/>
-          <a:p>
-            <a:endParaRPr lang="en-GB"/>
-          </a:p>
-        </p:txBody>
-      </p:sp>
       <p:pic>
         <p:nvPicPr>
-          <p:cNvPr id="5" name="Image 4">
-            <a:extLst>
-              <a:ext uri="{FF2B5EF4-FFF2-40B4-BE49-F238E27FC236}">
-                <a16:creationId xmlns:a16="http://schemas.microsoft.com/office/drawing/2014/main" id="{9D96805E-26E4-B52D-04BC-D761532275DA}"/>
+          <p:cNvPr id="9" name="Picture 8">
+            <a:extLst>
+              <a:ext uri="{FF2B5EF4-FFF2-40B4-BE49-F238E27FC236}">
+                <a16:creationId xmlns:a16="http://schemas.microsoft.com/office/drawing/2014/main" id="{008562F3-495E-DCA9-944A-98E132BD6E96}"/>
               </a:ext>
             </a:extLst>
           </p:cNvPr>
@@ -7905,20 +7647,15 @@
           <p:nvPr/>
         </p:nvPicPr>
         <p:blipFill>
-          <a:blip r:embed="rId2">
-            <a:extLst>
-              <a:ext uri="{28A0092B-C50C-407E-A947-70E740481C1C}">
-                <a14:useLocalDpi xmlns:a14="http://schemas.microsoft.com/office/drawing/2010/main" val="0"/>
-              </a:ext>
-            </a:extLst>
-          </a:blip>
-          <a:srcRect/>
-          <a:stretch/>
+          <a:blip r:embed="rId2"/>
+          <a:stretch>
+            <a:fillRect/>
+          </a:stretch>
         </p:blipFill>
         <p:spPr>
           <a:xfrm>
-            <a:off x="0" y="365125"/>
-            <a:ext cx="12192000" cy="5784526"/>
+            <a:off x="0" y="549450"/>
+            <a:ext cx="12192000" cy="5759099"/>
           </a:xfrm>
           <a:prstGeom prst="rect">
             <a:avLst/>
@@ -7930,7 +7667,7 @@
           <p:cNvPr id="4" name="Rectangle : coins arrondis 3">
             <a:extLst>
               <a:ext uri="{FF2B5EF4-FFF2-40B4-BE49-F238E27FC236}">
-                <a16:creationId xmlns:a16="http://schemas.microsoft.com/office/drawing/2014/main" id="{370BBAE1-1D19-BB47-61C8-720E32FC7FFD}"/>
+                <a16:creationId xmlns:a16="http://schemas.microsoft.com/office/drawing/2014/main" id="{A96D9C38-AF86-5689-9076-E04996A98CB4}"/>
               </a:ext>
             </a:extLst>
           </p:cNvPr>
@@ -7939,8 +7676,8 @@
         </p:nvSpPr>
         <p:spPr>
           <a:xfrm>
-            <a:off x="3647768" y="2006415"/>
-            <a:ext cx="4896464" cy="3555928"/>
+            <a:off x="3489820" y="2006415"/>
+            <a:ext cx="5054412" cy="3865879"/>
           </a:xfrm>
           <a:prstGeom prst="roundRect">
             <a:avLst/>
@@ -7980,7 +7717,7 @@
           <p:cNvPr id="6" name="Rectangle : coins arrondis 5">
             <a:extLst>
               <a:ext uri="{FF2B5EF4-FFF2-40B4-BE49-F238E27FC236}">
-                <a16:creationId xmlns:a16="http://schemas.microsoft.com/office/drawing/2014/main" id="{E1660E1F-68AE-EC20-7062-EE7938367A79}"/>
+                <a16:creationId xmlns:a16="http://schemas.microsoft.com/office/drawing/2014/main" id="{E8B674AE-FEE9-CDE1-16B8-9FCE3773DED3}"/>
               </a:ext>
             </a:extLst>
           </p:cNvPr>
@@ -7990,7 +7727,7 @@
         <p:spPr>
           <a:xfrm>
             <a:off x="8544232" y="2004512"/>
-            <a:ext cx="3228061" cy="3555928"/>
+            <a:ext cx="3228061" cy="3422894"/>
           </a:xfrm>
           <a:prstGeom prst="roundRect">
             <a:avLst/>
@@ -8030,7 +7767,7 @@
           <p:cNvPr id="7" name="Graphique 6" descr="Badge contour">
             <a:extLst>
               <a:ext uri="{FF2B5EF4-FFF2-40B4-BE49-F238E27FC236}">
-                <a16:creationId xmlns:a16="http://schemas.microsoft.com/office/drawing/2014/main" id="{1D94D4C4-D296-E356-374F-BE4631A8D3CD}"/>
+                <a16:creationId xmlns:a16="http://schemas.microsoft.com/office/drawing/2014/main" id="{51CBF1BF-AA17-1083-CFD2-403BB67CF6B8}"/>
               </a:ext>
             </a:extLst>
           </p:cNvPr>
@@ -8053,7 +7790,7 @@
         </p:blipFill>
         <p:spPr>
           <a:xfrm>
-            <a:off x="9837568" y="1348020"/>
+            <a:off x="10030384" y="1371898"/>
             <a:ext cx="641387" cy="641387"/>
           </a:xfrm>
           <a:prstGeom prst="rect">
@@ -8066,7 +7803,7 @@
           <p:cNvPr id="8" name="Graphique 7" descr="Badge 1 contour">
             <a:extLst>
               <a:ext uri="{FF2B5EF4-FFF2-40B4-BE49-F238E27FC236}">
-                <a16:creationId xmlns:a16="http://schemas.microsoft.com/office/drawing/2014/main" id="{44F7DC1E-131B-DC19-6C73-F18446C0BB59}"/>
+                <a16:creationId xmlns:a16="http://schemas.microsoft.com/office/drawing/2014/main" id="{B2C049A7-0B18-E4E0-62C6-2F31E0614C4F}"/>
               </a:ext>
             </a:extLst>
           </p:cNvPr>
@@ -8100,7 +7837,7 @@
     </p:spTree>
     <p:extLst>
       <p:ext uri="{BB962C8B-B14F-4D97-AF65-F5344CB8AC3E}">
-        <p14:creationId xmlns:p14="http://schemas.microsoft.com/office/powerpoint/2010/main" val="749827333"/>
+        <p14:creationId xmlns:p14="http://schemas.microsoft.com/office/powerpoint/2010/main" val="1195593571"/>
       </p:ext>
     </p:extLst>
   </p:cSld>
@@ -8115,7 +7852,13 @@
   <p:cSld>
     <p:spTree>
       <p:nvGrpSpPr>
-        <p:cNvPr id="1" name=""/>
+        <p:cNvPr id="1" name="">
+          <a:extLst>
+            <a:ext uri="{FF2B5EF4-FFF2-40B4-BE49-F238E27FC236}">
+              <a16:creationId xmlns:a16="http://schemas.microsoft.com/office/drawing/2014/main" id="{7E533EC0-9F59-6F90-388A-47B0D9ABD2B9}"/>
+            </a:ext>
+          </a:extLst>
+        </p:cNvPr>
         <p:cNvGrpSpPr/>
         <p:nvPr/>
       </p:nvGrpSpPr>
@@ -8127,62 +7870,12 @@
           <a:chExt cx="0" cy="0"/>
         </a:xfrm>
       </p:grpSpPr>
-      <p:sp>
-        <p:nvSpPr>
-          <p:cNvPr id="2" name="Titre 1">
-            <a:extLst>
-              <a:ext uri="{FF2B5EF4-FFF2-40B4-BE49-F238E27FC236}">
-                <a16:creationId xmlns:a16="http://schemas.microsoft.com/office/drawing/2014/main" id="{6F938DFB-1544-B986-F528-0FA1C67CF386}"/>
-              </a:ext>
-            </a:extLst>
-          </p:cNvPr>
-          <p:cNvSpPr>
-            <a:spLocks noGrp="1"/>
-          </p:cNvSpPr>
-          <p:nvPr>
-            <p:ph type="title"/>
-          </p:nvPr>
-        </p:nvSpPr>
-        <p:spPr/>
-        <p:txBody>
-          <a:bodyPr/>
-          <a:lstStyle/>
-          <a:p>
-            <a:endParaRPr lang="en-GB"/>
-          </a:p>
-        </p:txBody>
-      </p:sp>
-      <p:sp>
-        <p:nvSpPr>
-          <p:cNvPr id="3" name="Espace réservé du contenu 2">
-            <a:extLst>
-              <a:ext uri="{FF2B5EF4-FFF2-40B4-BE49-F238E27FC236}">
-                <a16:creationId xmlns:a16="http://schemas.microsoft.com/office/drawing/2014/main" id="{04615DF4-61B8-82D6-BB23-7FA20C36EE0C}"/>
-              </a:ext>
-            </a:extLst>
-          </p:cNvPr>
-          <p:cNvSpPr>
-            <a:spLocks noGrp="1"/>
-          </p:cNvSpPr>
-          <p:nvPr>
-            <p:ph idx="1"/>
-          </p:nvPr>
-        </p:nvSpPr>
-        <p:spPr/>
-        <p:txBody>
-          <a:bodyPr/>
-          <a:lstStyle/>
-          <a:p>
-            <a:endParaRPr lang="en-GB"/>
-          </a:p>
-        </p:txBody>
-      </p:sp>
       <p:pic>
         <p:nvPicPr>
-          <p:cNvPr id="5" name="Image 4">
-            <a:extLst>
-              <a:ext uri="{FF2B5EF4-FFF2-40B4-BE49-F238E27FC236}">
-                <a16:creationId xmlns:a16="http://schemas.microsoft.com/office/drawing/2014/main" id="{81A6435C-28E8-9F2E-8C96-A6AF66CA18C4}"/>
+          <p:cNvPr id="9" name="Picture 8">
+            <a:extLst>
+              <a:ext uri="{FF2B5EF4-FFF2-40B4-BE49-F238E27FC236}">
+                <a16:creationId xmlns:a16="http://schemas.microsoft.com/office/drawing/2014/main" id="{B519A0C4-BCDC-2E86-A5D7-F49993B5FACF}"/>
               </a:ext>
             </a:extLst>
           </p:cNvPr>
@@ -8192,20 +7885,15 @@
           <p:nvPr/>
         </p:nvPicPr>
         <p:blipFill>
-          <a:blip r:embed="rId2">
-            <a:extLst>
-              <a:ext uri="{28A0092B-C50C-407E-A947-70E740481C1C}">
-                <a14:useLocalDpi xmlns:a14="http://schemas.microsoft.com/office/drawing/2010/main" val="0"/>
-              </a:ext>
-            </a:extLst>
-          </a:blip>
-          <a:srcRect/>
-          <a:stretch/>
+          <a:blip r:embed="rId2"/>
+          <a:stretch>
+            <a:fillRect/>
+          </a:stretch>
         </p:blipFill>
         <p:spPr>
           <a:xfrm>
-            <a:off x="0" y="294113"/>
-            <a:ext cx="12192000" cy="5784527"/>
+            <a:off x="0" y="558985"/>
+            <a:ext cx="12192000" cy="5740029"/>
           </a:xfrm>
           <a:prstGeom prst="rect">
             <a:avLst/>
@@ -8217,7 +7905,7 @@
           <p:cNvPr id="4" name="Rectangle : coins arrondis 3">
             <a:extLst>
               <a:ext uri="{FF2B5EF4-FFF2-40B4-BE49-F238E27FC236}">
-                <a16:creationId xmlns:a16="http://schemas.microsoft.com/office/drawing/2014/main" id="{2AD27A04-E647-BCE3-1FCE-8C32E4EC13DD}"/>
+                <a16:creationId xmlns:a16="http://schemas.microsoft.com/office/drawing/2014/main" id="{F2168CC8-2DEF-9B13-9C16-D21684C2ECAC}"/>
               </a:ext>
             </a:extLst>
           </p:cNvPr>
@@ -8226,8 +7914,8 @@
         </p:nvSpPr>
         <p:spPr>
           <a:xfrm>
-            <a:off x="3647768" y="2006415"/>
-            <a:ext cx="4896464" cy="3479687"/>
+            <a:off x="3514987" y="2114025"/>
+            <a:ext cx="5029245" cy="3749879"/>
           </a:xfrm>
           <a:prstGeom prst="roundRect">
             <a:avLst/>
@@ -8267,7 +7955,7 @@
           <p:cNvPr id="6" name="Rectangle : coins arrondis 5">
             <a:extLst>
               <a:ext uri="{FF2B5EF4-FFF2-40B4-BE49-F238E27FC236}">
-                <a16:creationId xmlns:a16="http://schemas.microsoft.com/office/drawing/2014/main" id="{2A97B49A-FC26-3354-C99F-DF3DF91F957E}"/>
+                <a16:creationId xmlns:a16="http://schemas.microsoft.com/office/drawing/2014/main" id="{B2D35D89-790D-9F81-756A-601E6864DDB7}"/>
               </a:ext>
             </a:extLst>
           </p:cNvPr>
@@ -8276,8 +7964,8 @@
         </p:nvSpPr>
         <p:spPr>
           <a:xfrm>
-            <a:off x="8544232" y="2004512"/>
-            <a:ext cx="3228061" cy="3479686"/>
+            <a:off x="8544232" y="2676088"/>
+            <a:ext cx="3228061" cy="2751318"/>
           </a:xfrm>
           <a:prstGeom prst="roundRect">
             <a:avLst/>
@@ -8317,7 +8005,7 @@
           <p:cNvPr id="7" name="Graphique 6" descr="Badge contour">
             <a:extLst>
               <a:ext uri="{FF2B5EF4-FFF2-40B4-BE49-F238E27FC236}">
-                <a16:creationId xmlns:a16="http://schemas.microsoft.com/office/drawing/2014/main" id="{0F25903B-1F6D-60EA-EC7C-48DDA3568FDA}"/>
+                <a16:creationId xmlns:a16="http://schemas.microsoft.com/office/drawing/2014/main" id="{5E698E73-F134-D221-5CC1-5407E632CBE7}"/>
               </a:ext>
             </a:extLst>
           </p:cNvPr>
@@ -8340,7 +8028,7 @@
         </p:blipFill>
         <p:spPr>
           <a:xfrm>
-            <a:off x="9837568" y="1348020"/>
+            <a:off x="9837569" y="2013284"/>
             <a:ext cx="641387" cy="641387"/>
           </a:xfrm>
           <a:prstGeom prst="rect">
@@ -8353,7 +8041,7 @@
           <p:cNvPr id="8" name="Graphique 7" descr="Badge 1 contour">
             <a:extLst>
               <a:ext uri="{FF2B5EF4-FFF2-40B4-BE49-F238E27FC236}">
-                <a16:creationId xmlns:a16="http://schemas.microsoft.com/office/drawing/2014/main" id="{377223A9-62C2-AA6C-5E3B-52231A666884}"/>
+                <a16:creationId xmlns:a16="http://schemas.microsoft.com/office/drawing/2014/main" id="{FA46104B-EB13-BA68-EE84-D304CC5A29AB}"/>
               </a:ext>
             </a:extLst>
           </p:cNvPr>
@@ -8387,7 +8075,7 @@
     </p:spTree>
     <p:extLst>
       <p:ext uri="{BB962C8B-B14F-4D97-AF65-F5344CB8AC3E}">
-        <p14:creationId xmlns:p14="http://schemas.microsoft.com/office/powerpoint/2010/main" val="773630120"/>
+        <p14:creationId xmlns:p14="http://schemas.microsoft.com/office/powerpoint/2010/main" val="3630745803"/>
       </p:ext>
     </p:extLst>
   </p:cSld>
@@ -8414,62 +8102,12 @@
           <a:chExt cx="0" cy="0"/>
         </a:xfrm>
       </p:grpSpPr>
-      <p:sp>
-        <p:nvSpPr>
-          <p:cNvPr id="2" name="Titre 1">
-            <a:extLst>
-              <a:ext uri="{FF2B5EF4-FFF2-40B4-BE49-F238E27FC236}">
-                <a16:creationId xmlns:a16="http://schemas.microsoft.com/office/drawing/2014/main" id="{7AD1FE22-0756-5437-16EF-454190DD583F}"/>
-              </a:ext>
-            </a:extLst>
-          </p:cNvPr>
-          <p:cNvSpPr>
-            <a:spLocks noGrp="1"/>
-          </p:cNvSpPr>
-          <p:nvPr>
-            <p:ph type="title"/>
-          </p:nvPr>
-        </p:nvSpPr>
-        <p:spPr/>
-        <p:txBody>
-          <a:bodyPr/>
-          <a:lstStyle/>
-          <a:p>
-            <a:endParaRPr lang="en-GB"/>
-          </a:p>
-        </p:txBody>
-      </p:sp>
-      <p:sp>
-        <p:nvSpPr>
-          <p:cNvPr id="3" name="Espace réservé du contenu 2">
-            <a:extLst>
-              <a:ext uri="{FF2B5EF4-FFF2-40B4-BE49-F238E27FC236}">
-                <a16:creationId xmlns:a16="http://schemas.microsoft.com/office/drawing/2014/main" id="{BAFCD0E5-252A-CC19-D004-266CD0DDE9C1}"/>
-              </a:ext>
-            </a:extLst>
-          </p:cNvPr>
-          <p:cNvSpPr>
-            <a:spLocks noGrp="1"/>
-          </p:cNvSpPr>
-          <p:nvPr>
-            <p:ph idx="1"/>
-          </p:nvPr>
-        </p:nvSpPr>
-        <p:spPr/>
-        <p:txBody>
-          <a:bodyPr/>
-          <a:lstStyle/>
-          <a:p>
-            <a:endParaRPr lang="en-GB"/>
-          </a:p>
-        </p:txBody>
-      </p:sp>
       <p:pic>
         <p:nvPicPr>
-          <p:cNvPr id="5" name="Image 4">
-            <a:extLst>
-              <a:ext uri="{FF2B5EF4-FFF2-40B4-BE49-F238E27FC236}">
-                <a16:creationId xmlns:a16="http://schemas.microsoft.com/office/drawing/2014/main" id="{AF6ED355-9819-3C29-9698-11979AE8D831}"/>
+          <p:cNvPr id="10" name="Picture 9">
+            <a:extLst>
+              <a:ext uri="{FF2B5EF4-FFF2-40B4-BE49-F238E27FC236}">
+                <a16:creationId xmlns:a16="http://schemas.microsoft.com/office/drawing/2014/main" id="{E0E4B985-8ECD-BE09-79CD-6C8AD393CDDB}"/>
               </a:ext>
             </a:extLst>
           </p:cNvPr>
@@ -8479,20 +8117,15 @@
           <p:nvPr/>
         </p:nvPicPr>
         <p:blipFill>
-          <a:blip r:embed="rId2">
-            <a:extLst>
-              <a:ext uri="{28A0092B-C50C-407E-A947-70E740481C1C}">
-                <a14:useLocalDpi xmlns:a14="http://schemas.microsoft.com/office/drawing/2010/main" val="0"/>
-              </a:ext>
-            </a:extLst>
-          </a:blip>
-          <a:srcRect/>
-          <a:stretch/>
+          <a:blip r:embed="rId2"/>
+          <a:stretch>
+            <a:fillRect/>
+          </a:stretch>
         </p:blipFill>
         <p:spPr>
           <a:xfrm>
-            <a:off x="39329" y="296299"/>
-            <a:ext cx="12113342" cy="5734575"/>
+            <a:off x="0" y="562164"/>
+            <a:ext cx="12192000" cy="5733673"/>
           </a:xfrm>
           <a:prstGeom prst="rect">
             <a:avLst/>
@@ -8504,7 +8137,7 @@
           <p:cNvPr id="4" name="Rectangle : coins arrondis 3">
             <a:extLst>
               <a:ext uri="{FF2B5EF4-FFF2-40B4-BE49-F238E27FC236}">
-                <a16:creationId xmlns:a16="http://schemas.microsoft.com/office/drawing/2014/main" id="{A96D9C38-AF86-5689-9076-E04996A98CB4}"/>
+                <a16:creationId xmlns:a16="http://schemas.microsoft.com/office/drawing/2014/main" id="{38B92505-83E4-F681-7882-C3A96DF76D88}"/>
               </a:ext>
             </a:extLst>
           </p:cNvPr>
@@ -8513,8 +8146,8 @@
         </p:nvSpPr>
         <p:spPr>
           <a:xfrm>
-            <a:off x="3647768" y="2006415"/>
-            <a:ext cx="4896464" cy="3420991"/>
+            <a:off x="3573710" y="2006415"/>
+            <a:ext cx="4970522" cy="4134326"/>
           </a:xfrm>
           <a:prstGeom prst="roundRect">
             <a:avLst/>
@@ -8554,7 +8187,7 @@
           <p:cNvPr id="6" name="Rectangle : coins arrondis 5">
             <a:extLst>
               <a:ext uri="{FF2B5EF4-FFF2-40B4-BE49-F238E27FC236}">
-                <a16:creationId xmlns:a16="http://schemas.microsoft.com/office/drawing/2014/main" id="{E8B674AE-FEE9-CDE1-16B8-9FCE3773DED3}"/>
+                <a16:creationId xmlns:a16="http://schemas.microsoft.com/office/drawing/2014/main" id="{D6F3ADCD-E53E-3351-C048-DB03C3E18C95}"/>
               </a:ext>
             </a:extLst>
           </p:cNvPr>
@@ -8563,8 +8196,8 @@
         </p:nvSpPr>
         <p:spPr>
           <a:xfrm>
-            <a:off x="8544232" y="2004512"/>
-            <a:ext cx="3228061" cy="3422894"/>
+            <a:off x="8544232" y="2004511"/>
+            <a:ext cx="3228061" cy="3886787"/>
           </a:xfrm>
           <a:prstGeom prst="roundRect">
             <a:avLst/>
@@ -8604,7 +8237,7 @@
           <p:cNvPr id="7" name="Graphique 6" descr="Badge contour">
             <a:extLst>
               <a:ext uri="{FF2B5EF4-FFF2-40B4-BE49-F238E27FC236}">
-                <a16:creationId xmlns:a16="http://schemas.microsoft.com/office/drawing/2014/main" id="{51CBF1BF-AA17-1083-CFD2-403BB67CF6B8}"/>
+                <a16:creationId xmlns:a16="http://schemas.microsoft.com/office/drawing/2014/main" id="{C259EAB0-FFDA-27EA-6876-1D5054AF0263}"/>
               </a:ext>
             </a:extLst>
           </p:cNvPr>
@@ -8627,7 +8260,7 @@
         </p:blipFill>
         <p:spPr>
           <a:xfrm>
-            <a:off x="9837568" y="1348020"/>
+            <a:off x="10047422" y="1434374"/>
             <a:ext cx="641387" cy="641387"/>
           </a:xfrm>
           <a:prstGeom prst="rect">
@@ -8640,7 +8273,7 @@
           <p:cNvPr id="8" name="Graphique 7" descr="Badge 1 contour">
             <a:extLst>
               <a:ext uri="{FF2B5EF4-FFF2-40B4-BE49-F238E27FC236}">
-                <a16:creationId xmlns:a16="http://schemas.microsoft.com/office/drawing/2014/main" id="{B2C049A7-0B18-E4E0-62C6-2F31E0614C4F}"/>
+                <a16:creationId xmlns:a16="http://schemas.microsoft.com/office/drawing/2014/main" id="{BBD44A37-7465-5D29-32C4-CF4808977FF2}"/>
               </a:ext>
             </a:extLst>
           </p:cNvPr>
@@ -8674,7 +8307,7 @@
     </p:spTree>
     <p:extLst>
       <p:ext uri="{BB962C8B-B14F-4D97-AF65-F5344CB8AC3E}">
-        <p14:creationId xmlns:p14="http://schemas.microsoft.com/office/powerpoint/2010/main" val="1195593571"/>
+        <p14:creationId xmlns:p14="http://schemas.microsoft.com/office/powerpoint/2010/main" val="1485860441"/>
       </p:ext>
     </p:extLst>
   </p:cSld>
@@ -8701,62 +8334,12 @@
           <a:chExt cx="0" cy="0"/>
         </a:xfrm>
       </p:grpSpPr>
-      <p:sp>
-        <p:nvSpPr>
-          <p:cNvPr id="2" name="Titre 1">
-            <a:extLst>
-              <a:ext uri="{FF2B5EF4-FFF2-40B4-BE49-F238E27FC236}">
-                <a16:creationId xmlns:a16="http://schemas.microsoft.com/office/drawing/2014/main" id="{78C56FC1-B3D2-8678-DF76-6BE4F720D4EA}"/>
-              </a:ext>
-            </a:extLst>
-          </p:cNvPr>
-          <p:cNvSpPr>
-            <a:spLocks noGrp="1"/>
-          </p:cNvSpPr>
-          <p:nvPr>
-            <p:ph type="title"/>
-          </p:nvPr>
-        </p:nvSpPr>
-        <p:spPr/>
-        <p:txBody>
-          <a:bodyPr/>
-          <a:lstStyle/>
-          <a:p>
-            <a:endParaRPr lang="en-GB"/>
-          </a:p>
-        </p:txBody>
-      </p:sp>
-      <p:sp>
-        <p:nvSpPr>
-          <p:cNvPr id="3" name="Espace réservé du contenu 2">
-            <a:extLst>
-              <a:ext uri="{FF2B5EF4-FFF2-40B4-BE49-F238E27FC236}">
-                <a16:creationId xmlns:a16="http://schemas.microsoft.com/office/drawing/2014/main" id="{66E084FD-1104-DED5-88F1-C41CE2A70A52}"/>
-              </a:ext>
-            </a:extLst>
-          </p:cNvPr>
-          <p:cNvSpPr>
-            <a:spLocks noGrp="1"/>
-          </p:cNvSpPr>
-          <p:nvPr>
-            <p:ph idx="1"/>
-          </p:nvPr>
-        </p:nvSpPr>
-        <p:spPr/>
-        <p:txBody>
-          <a:bodyPr/>
-          <a:lstStyle/>
-          <a:p>
-            <a:endParaRPr lang="en-GB"/>
-          </a:p>
-        </p:txBody>
-      </p:sp>
       <p:pic>
         <p:nvPicPr>
-          <p:cNvPr id="5" name="Image 4">
-            <a:extLst>
-              <a:ext uri="{FF2B5EF4-FFF2-40B4-BE49-F238E27FC236}">
-                <a16:creationId xmlns:a16="http://schemas.microsoft.com/office/drawing/2014/main" id="{F78DEC37-3F94-8F36-85C7-F6E542071622}"/>
+          <p:cNvPr id="9" name="Picture 8">
+            <a:extLst>
+              <a:ext uri="{FF2B5EF4-FFF2-40B4-BE49-F238E27FC236}">
+                <a16:creationId xmlns:a16="http://schemas.microsoft.com/office/drawing/2014/main" id="{2CA8627D-A822-1011-58AC-911ED96B5078}"/>
               </a:ext>
             </a:extLst>
           </p:cNvPr>
@@ -8766,20 +8349,15 @@
           <p:nvPr/>
         </p:nvPicPr>
         <p:blipFill>
-          <a:blip r:embed="rId2">
-            <a:extLst>
-              <a:ext uri="{28A0092B-C50C-407E-A947-70E740481C1C}">
-                <a14:useLocalDpi xmlns:a14="http://schemas.microsoft.com/office/drawing/2010/main" val="0"/>
-              </a:ext>
-            </a:extLst>
-          </a:blip>
-          <a:srcRect/>
-          <a:stretch/>
+          <a:blip r:embed="rId2"/>
+          <a:stretch>
+            <a:fillRect/>
+          </a:stretch>
         </p:blipFill>
         <p:spPr>
           <a:xfrm>
-            <a:off x="0" y="379723"/>
-            <a:ext cx="12192000" cy="5797240"/>
+            <a:off x="0" y="533559"/>
+            <a:ext cx="12192000" cy="5790882"/>
           </a:xfrm>
           <a:prstGeom prst="rect">
             <a:avLst/>
@@ -8791,7 +8369,7 @@
           <p:cNvPr id="4" name="Rectangle : coins arrondis 3">
             <a:extLst>
               <a:ext uri="{FF2B5EF4-FFF2-40B4-BE49-F238E27FC236}">
-                <a16:creationId xmlns:a16="http://schemas.microsoft.com/office/drawing/2014/main" id="{38B92505-83E4-F681-7882-C3A96DF76D88}"/>
+                <a16:creationId xmlns:a16="http://schemas.microsoft.com/office/drawing/2014/main" id="{AE8E31C9-5B25-668C-88B8-7A51AD15802A}"/>
               </a:ext>
             </a:extLst>
           </p:cNvPr>
@@ -8800,8 +8378,8 @@
         </p:nvSpPr>
         <p:spPr>
           <a:xfrm>
-            <a:off x="3647768" y="2006415"/>
-            <a:ext cx="4896464" cy="3886788"/>
+            <a:off x="3548543" y="2006414"/>
+            <a:ext cx="4995689" cy="4042047"/>
           </a:xfrm>
           <a:prstGeom prst="roundRect">
             <a:avLst/>
@@ -8841,7 +8419,7 @@
           <p:cNvPr id="6" name="Rectangle : coins arrondis 5">
             <a:extLst>
               <a:ext uri="{FF2B5EF4-FFF2-40B4-BE49-F238E27FC236}">
-                <a16:creationId xmlns:a16="http://schemas.microsoft.com/office/drawing/2014/main" id="{D6F3ADCD-E53E-3351-C048-DB03C3E18C95}"/>
+                <a16:creationId xmlns:a16="http://schemas.microsoft.com/office/drawing/2014/main" id="{85EA41CB-387F-0980-9DF0-4D1A48199767}"/>
               </a:ext>
             </a:extLst>
           </p:cNvPr>
@@ -8891,7 +8469,7 @@
           <p:cNvPr id="7" name="Graphique 6" descr="Badge contour">
             <a:extLst>
               <a:ext uri="{FF2B5EF4-FFF2-40B4-BE49-F238E27FC236}">
-                <a16:creationId xmlns:a16="http://schemas.microsoft.com/office/drawing/2014/main" id="{C259EAB0-FFDA-27EA-6876-1D5054AF0263}"/>
+                <a16:creationId xmlns:a16="http://schemas.microsoft.com/office/drawing/2014/main" id="{47FE2F01-E024-DBE3-8C65-599AA52F8BDB}"/>
               </a:ext>
             </a:extLst>
           </p:cNvPr>
@@ -8914,7 +8492,7 @@
         </p:blipFill>
         <p:spPr>
           <a:xfrm>
-            <a:off x="9837568" y="1348020"/>
+            <a:off x="10030384" y="1371898"/>
             <a:ext cx="641387" cy="641387"/>
           </a:xfrm>
           <a:prstGeom prst="rect">
@@ -8927,7 +8505,7 @@
           <p:cNvPr id="8" name="Graphique 7" descr="Badge 1 contour">
             <a:extLst>
               <a:ext uri="{FF2B5EF4-FFF2-40B4-BE49-F238E27FC236}">
-                <a16:creationId xmlns:a16="http://schemas.microsoft.com/office/drawing/2014/main" id="{BBD44A37-7465-5D29-32C4-CF4808977FF2}"/>
+                <a16:creationId xmlns:a16="http://schemas.microsoft.com/office/drawing/2014/main" id="{E0F364D2-2A1E-46C4-3CE9-660FEBCDF33E}"/>
               </a:ext>
             </a:extLst>
           </p:cNvPr>
@@ -8961,7 +8539,7 @@
     </p:spTree>
     <p:extLst>
       <p:ext uri="{BB962C8B-B14F-4D97-AF65-F5344CB8AC3E}">
-        <p14:creationId xmlns:p14="http://schemas.microsoft.com/office/powerpoint/2010/main" val="1485860441"/>
+        <p14:creationId xmlns:p14="http://schemas.microsoft.com/office/powerpoint/2010/main" val="2100650217"/>
       </p:ext>
     </p:extLst>
   </p:cSld>
@@ -8988,62 +8566,12 @@
           <a:chExt cx="0" cy="0"/>
         </a:xfrm>
       </p:grpSpPr>
-      <p:sp>
-        <p:nvSpPr>
-          <p:cNvPr id="2" name="Titre 1">
-            <a:extLst>
-              <a:ext uri="{FF2B5EF4-FFF2-40B4-BE49-F238E27FC236}">
-                <a16:creationId xmlns:a16="http://schemas.microsoft.com/office/drawing/2014/main" id="{07061533-AC93-26F2-E499-68A4E4721803}"/>
-              </a:ext>
-            </a:extLst>
-          </p:cNvPr>
-          <p:cNvSpPr>
-            <a:spLocks noGrp="1"/>
-          </p:cNvSpPr>
-          <p:nvPr>
-            <p:ph type="title"/>
-          </p:nvPr>
-        </p:nvSpPr>
-        <p:spPr/>
-        <p:txBody>
-          <a:bodyPr/>
-          <a:lstStyle/>
-          <a:p>
-            <a:endParaRPr lang="en-GB"/>
-          </a:p>
-        </p:txBody>
-      </p:sp>
-      <p:sp>
-        <p:nvSpPr>
-          <p:cNvPr id="3" name="Espace réservé du contenu 2">
-            <a:extLst>
-              <a:ext uri="{FF2B5EF4-FFF2-40B4-BE49-F238E27FC236}">
-                <a16:creationId xmlns:a16="http://schemas.microsoft.com/office/drawing/2014/main" id="{4BB420C4-AE27-42CA-8AC3-7C37A613213E}"/>
-              </a:ext>
-            </a:extLst>
-          </p:cNvPr>
-          <p:cNvSpPr>
-            <a:spLocks noGrp="1"/>
-          </p:cNvSpPr>
-          <p:nvPr>
-            <p:ph idx="1"/>
-          </p:nvPr>
-        </p:nvSpPr>
-        <p:spPr/>
-        <p:txBody>
-          <a:bodyPr/>
-          <a:lstStyle/>
-          <a:p>
-            <a:endParaRPr lang="en-GB"/>
-          </a:p>
-        </p:txBody>
-      </p:sp>
       <p:pic>
         <p:nvPicPr>
-          <p:cNvPr id="5" name="Image 4">
-            <a:extLst>
-              <a:ext uri="{FF2B5EF4-FFF2-40B4-BE49-F238E27FC236}">
-                <a16:creationId xmlns:a16="http://schemas.microsoft.com/office/drawing/2014/main" id="{74690CEC-1E32-01A5-DB64-3C925F3EB680}"/>
+          <p:cNvPr id="9" name="Picture 8">
+            <a:extLst>
+              <a:ext uri="{FF2B5EF4-FFF2-40B4-BE49-F238E27FC236}">
+                <a16:creationId xmlns:a16="http://schemas.microsoft.com/office/drawing/2014/main" id="{C6195714-40B6-BE9E-3908-13A0806CDE1C}"/>
               </a:ext>
             </a:extLst>
           </p:cNvPr>
@@ -9053,20 +8581,15 @@
           <p:nvPr/>
         </p:nvPicPr>
         <p:blipFill>
-          <a:blip r:embed="rId2">
-            <a:extLst>
-              <a:ext uri="{28A0092B-C50C-407E-A947-70E740481C1C}">
-                <a14:useLocalDpi xmlns:a14="http://schemas.microsoft.com/office/drawing/2010/main" val="0"/>
-              </a:ext>
-            </a:extLst>
-          </a:blip>
-          <a:srcRect/>
-          <a:stretch/>
+          <a:blip r:embed="rId2"/>
+          <a:stretch>
+            <a:fillRect/>
+          </a:stretch>
         </p:blipFill>
         <p:spPr>
           <a:xfrm>
-            <a:off x="0" y="365125"/>
-            <a:ext cx="12192000" cy="5790882"/>
+            <a:off x="0" y="558985"/>
+            <a:ext cx="12192000" cy="5740029"/>
           </a:xfrm>
           <a:prstGeom prst="rect">
             <a:avLst/>
@@ -9078,7 +8601,7 @@
           <p:cNvPr id="4" name="Rectangle : coins arrondis 3">
             <a:extLst>
               <a:ext uri="{FF2B5EF4-FFF2-40B4-BE49-F238E27FC236}">
-                <a16:creationId xmlns:a16="http://schemas.microsoft.com/office/drawing/2014/main" id="{AE8E31C9-5B25-668C-88B8-7A51AD15802A}"/>
+                <a16:creationId xmlns:a16="http://schemas.microsoft.com/office/drawing/2014/main" id="{FB2D6B45-03EE-9ED7-82DE-8613C376FFBC}"/>
               </a:ext>
             </a:extLst>
           </p:cNvPr>
@@ -9087,8 +8610,8 @@
         </p:nvSpPr>
         <p:spPr>
           <a:xfrm>
-            <a:off x="3647768" y="2006415"/>
-            <a:ext cx="4896464" cy="3886788"/>
+            <a:off x="3540154" y="2006415"/>
+            <a:ext cx="5004078" cy="3714877"/>
           </a:xfrm>
           <a:prstGeom prst="roundRect">
             <a:avLst/>
@@ -9128,7 +8651,7 @@
           <p:cNvPr id="6" name="Rectangle : coins arrondis 5">
             <a:extLst>
               <a:ext uri="{FF2B5EF4-FFF2-40B4-BE49-F238E27FC236}">
-                <a16:creationId xmlns:a16="http://schemas.microsoft.com/office/drawing/2014/main" id="{85EA41CB-387F-0980-9DF0-4D1A48199767}"/>
+                <a16:creationId xmlns:a16="http://schemas.microsoft.com/office/drawing/2014/main" id="{7A13AAD2-177F-B20F-203B-CEB4ABAED529}"/>
               </a:ext>
             </a:extLst>
           </p:cNvPr>
@@ -9137,8 +8660,8 @@
         </p:nvSpPr>
         <p:spPr>
           <a:xfrm>
-            <a:off x="8544232" y="2004511"/>
-            <a:ext cx="3228061" cy="3886787"/>
+            <a:off x="8544232" y="2004512"/>
+            <a:ext cx="3228061" cy="3505468"/>
           </a:xfrm>
           <a:prstGeom prst="roundRect">
             <a:avLst/>
@@ -9178,7 +8701,7 @@
           <p:cNvPr id="7" name="Graphique 6" descr="Badge contour">
             <a:extLst>
               <a:ext uri="{FF2B5EF4-FFF2-40B4-BE49-F238E27FC236}">
-                <a16:creationId xmlns:a16="http://schemas.microsoft.com/office/drawing/2014/main" id="{47FE2F01-E024-DBE3-8C65-599AA52F8BDB}"/>
+                <a16:creationId xmlns:a16="http://schemas.microsoft.com/office/drawing/2014/main" id="{CC654531-4432-B8CE-A9A1-3CDC3EA06FEF}"/>
               </a:ext>
             </a:extLst>
           </p:cNvPr>
@@ -9201,7 +8724,7 @@
         </p:blipFill>
         <p:spPr>
           <a:xfrm>
-            <a:off x="9837568" y="1348020"/>
+            <a:off x="10137998" y="1395021"/>
             <a:ext cx="641387" cy="641387"/>
           </a:xfrm>
           <a:prstGeom prst="rect">
@@ -9214,7 +8737,7 @@
           <p:cNvPr id="8" name="Graphique 7" descr="Badge 1 contour">
             <a:extLst>
               <a:ext uri="{FF2B5EF4-FFF2-40B4-BE49-F238E27FC236}">
-                <a16:creationId xmlns:a16="http://schemas.microsoft.com/office/drawing/2014/main" id="{E0F364D2-2A1E-46C4-3CE9-660FEBCDF33E}"/>
+                <a16:creationId xmlns:a16="http://schemas.microsoft.com/office/drawing/2014/main" id="{3B06E1EC-6CEC-DFC2-B85C-2BEE46CB56C5}"/>
               </a:ext>
             </a:extLst>
           </p:cNvPr>
@@ -9248,7 +8771,7 @@
     </p:spTree>
     <p:extLst>
       <p:ext uri="{BB962C8B-B14F-4D97-AF65-F5344CB8AC3E}">
-        <p14:creationId xmlns:p14="http://schemas.microsoft.com/office/powerpoint/2010/main" val="2100650217"/>
+        <p14:creationId xmlns:p14="http://schemas.microsoft.com/office/powerpoint/2010/main" val="704837830"/>
       </p:ext>
     </p:extLst>
   </p:cSld>
@@ -9275,62 +8798,12 @@
           <a:chExt cx="0" cy="0"/>
         </a:xfrm>
       </p:grpSpPr>
-      <p:sp>
-        <p:nvSpPr>
-          <p:cNvPr id="2" name="Titre 1">
-            <a:extLst>
-              <a:ext uri="{FF2B5EF4-FFF2-40B4-BE49-F238E27FC236}">
-                <a16:creationId xmlns:a16="http://schemas.microsoft.com/office/drawing/2014/main" id="{437157F4-56EA-50A8-A2C2-D9E866EAAFA8}"/>
-              </a:ext>
-            </a:extLst>
-          </p:cNvPr>
-          <p:cNvSpPr>
-            <a:spLocks noGrp="1"/>
-          </p:cNvSpPr>
-          <p:nvPr>
-            <p:ph type="title"/>
-          </p:nvPr>
-        </p:nvSpPr>
-        <p:spPr/>
-        <p:txBody>
-          <a:bodyPr/>
-          <a:lstStyle/>
-          <a:p>
-            <a:endParaRPr lang="en-GB"/>
-          </a:p>
-        </p:txBody>
-      </p:sp>
-      <p:sp>
-        <p:nvSpPr>
-          <p:cNvPr id="3" name="Espace réservé du contenu 2">
-            <a:extLst>
-              <a:ext uri="{FF2B5EF4-FFF2-40B4-BE49-F238E27FC236}">
-                <a16:creationId xmlns:a16="http://schemas.microsoft.com/office/drawing/2014/main" id="{2631C6BD-98A6-CB83-0471-200BFA098EE7}"/>
-              </a:ext>
-            </a:extLst>
-          </p:cNvPr>
-          <p:cNvSpPr>
-            <a:spLocks noGrp="1"/>
-          </p:cNvSpPr>
-          <p:nvPr>
-            <p:ph idx="1"/>
-          </p:nvPr>
-        </p:nvSpPr>
-        <p:spPr/>
-        <p:txBody>
-          <a:bodyPr/>
-          <a:lstStyle/>
-          <a:p>
-            <a:endParaRPr lang="en-GB"/>
-          </a:p>
-        </p:txBody>
-      </p:sp>
       <p:pic>
         <p:nvPicPr>
-          <p:cNvPr id="5" name="Image 4">
-            <a:extLst>
-              <a:ext uri="{FF2B5EF4-FFF2-40B4-BE49-F238E27FC236}">
-                <a16:creationId xmlns:a16="http://schemas.microsoft.com/office/drawing/2014/main" id="{0A6EA9DF-2B90-F5B3-2215-1C8F8542877C}"/>
+          <p:cNvPr id="2" name="Picture 1">
+            <a:extLst>
+              <a:ext uri="{FF2B5EF4-FFF2-40B4-BE49-F238E27FC236}">
+                <a16:creationId xmlns:a16="http://schemas.microsoft.com/office/drawing/2014/main" id="{DA0FF511-3B67-EE64-EFA6-E121FD2F9903}"/>
               </a:ext>
             </a:extLst>
           </p:cNvPr>
@@ -9340,20 +8813,15 @@
           <p:nvPr/>
         </p:nvPicPr>
         <p:blipFill>
-          <a:blip r:embed="rId2">
-            <a:extLst>
-              <a:ext uri="{28A0092B-C50C-407E-A947-70E740481C1C}">
-                <a14:useLocalDpi xmlns:a14="http://schemas.microsoft.com/office/drawing/2010/main" val="0"/>
-              </a:ext>
-            </a:extLst>
-          </a:blip>
-          <a:srcRect/>
-          <a:stretch/>
+          <a:blip r:embed="rId2"/>
+          <a:stretch>
+            <a:fillRect/>
+          </a:stretch>
         </p:blipFill>
         <p:spPr>
           <a:xfrm>
-            <a:off x="0" y="189103"/>
-            <a:ext cx="12192000" cy="5790882"/>
+            <a:off x="0" y="1149764"/>
+            <a:ext cx="12192000" cy="4558471"/>
           </a:xfrm>
           <a:prstGeom prst="rect">
             <a:avLst/>
@@ -9362,10 +8830,10 @@
       </p:pic>
       <p:sp>
         <p:nvSpPr>
-          <p:cNvPr id="4" name="Rectangle : coins arrondis 3">
-            <a:extLst>
-              <a:ext uri="{FF2B5EF4-FFF2-40B4-BE49-F238E27FC236}">
-                <a16:creationId xmlns:a16="http://schemas.microsoft.com/office/drawing/2014/main" id="{49D461A6-878D-4464-F54A-CC428DB7F39E}"/>
+          <p:cNvPr id="3" name="Rectangle : coins arrondis 3">
+            <a:extLst>
+              <a:ext uri="{FF2B5EF4-FFF2-40B4-BE49-F238E27FC236}">
+                <a16:creationId xmlns:a16="http://schemas.microsoft.com/office/drawing/2014/main" id="{1879CFFB-BDA5-E126-4453-4BFB5A2F726B}"/>
               </a:ext>
             </a:extLst>
           </p:cNvPr>
@@ -9374,7 +8842,7 @@
         </p:nvSpPr>
         <p:spPr>
           <a:xfrm>
-            <a:off x="737420" y="1115954"/>
+            <a:off x="609830" y="2054208"/>
             <a:ext cx="3598606" cy="550606"/>
           </a:xfrm>
           <a:prstGeom prst="roundRect">
@@ -9410,419 +8878,10 @@
           </a:p>
         </p:txBody>
       </p:sp>
-      <p:sp>
-        <p:nvSpPr>
-          <p:cNvPr id="6" name="Rectangle : coins arrondis 5">
-            <a:extLst>
-              <a:ext uri="{FF2B5EF4-FFF2-40B4-BE49-F238E27FC236}">
-                <a16:creationId xmlns:a16="http://schemas.microsoft.com/office/drawing/2014/main" id="{CDDFE01D-562E-A785-7C32-54A848CBC0C4}"/>
-              </a:ext>
-            </a:extLst>
-          </p:cNvPr>
-          <p:cNvSpPr/>
-          <p:nvPr/>
-        </p:nvSpPr>
-        <p:spPr>
-          <a:xfrm>
-            <a:off x="10795818" y="2172928"/>
-            <a:ext cx="1184787" cy="314625"/>
-          </a:xfrm>
-          <a:prstGeom prst="roundRect">
-            <a:avLst/>
-          </a:prstGeom>
-          <a:noFill/>
-          <a:ln w="57150">
-            <a:solidFill>
-              <a:srgbClr val="FF0000"/>
-            </a:solidFill>
-          </a:ln>
-        </p:spPr>
-        <p:style>
-          <a:lnRef idx="2">
-            <a:schemeClr val="accent2"/>
-          </a:lnRef>
-          <a:fillRef idx="1">
-            <a:schemeClr val="lt1"/>
-          </a:fillRef>
-          <a:effectRef idx="0">
-            <a:schemeClr val="accent2"/>
-          </a:effectRef>
-          <a:fontRef idx="minor">
-            <a:schemeClr val="dk1"/>
-          </a:fontRef>
-        </p:style>
-        <p:txBody>
-          <a:bodyPr rtlCol="0" anchor="ctr"/>
-          <a:lstStyle/>
-          <a:p>
-            <a:pPr algn="ctr"/>
-            <a:endParaRPr lang="en-GB"/>
-          </a:p>
-        </p:txBody>
-      </p:sp>
-      <p:pic>
-        <p:nvPicPr>
-          <p:cNvPr id="7" name="Graphique 6" descr="Badge 1 contour">
-            <a:extLst>
-              <a:ext uri="{FF2B5EF4-FFF2-40B4-BE49-F238E27FC236}">
-                <a16:creationId xmlns:a16="http://schemas.microsoft.com/office/drawing/2014/main" id="{5B16E118-8596-6B8E-7D2F-6DC36782A345}"/>
-              </a:ext>
-            </a:extLst>
-          </p:cNvPr>
-          <p:cNvPicPr>
-            <a:picLocks noChangeAspect="1"/>
-          </p:cNvPicPr>
-          <p:nvPr/>
-        </p:nvPicPr>
-        <p:blipFill>
-          <a:blip r:embed="rId3">
-            <a:extLst>
-              <a:ext uri="{96DAC541-7B7A-43D3-8B79-37D633B846F1}">
-                <asvg:svgBlip xmlns:asvg="http://schemas.microsoft.com/office/drawing/2016/SVG/main" r:embed="rId4"/>
-              </a:ext>
-            </a:extLst>
-          </a:blip>
-          <a:stretch>
-            <a:fillRect/>
-          </a:stretch>
-        </p:blipFill>
-        <p:spPr>
-          <a:xfrm>
-            <a:off x="4336026" y="1048757"/>
-            <a:ext cx="641386" cy="641386"/>
-          </a:xfrm>
-          <a:prstGeom prst="rect">
-            <a:avLst/>
-          </a:prstGeom>
-        </p:spPr>
-      </p:pic>
-      <p:pic>
-        <p:nvPicPr>
-          <p:cNvPr id="8" name="Graphique 7" descr="Badge contour">
-            <a:extLst>
-              <a:ext uri="{FF2B5EF4-FFF2-40B4-BE49-F238E27FC236}">
-                <a16:creationId xmlns:a16="http://schemas.microsoft.com/office/drawing/2014/main" id="{F6E3D0D7-B950-E697-BC09-1A2CEDA3F27C}"/>
-              </a:ext>
-            </a:extLst>
-          </p:cNvPr>
-          <p:cNvPicPr>
-            <a:picLocks noChangeAspect="1"/>
-          </p:cNvPicPr>
-          <p:nvPr/>
-        </p:nvPicPr>
-        <p:blipFill>
-          <a:blip r:embed="rId5">
-            <a:extLst>
-              <a:ext uri="{96DAC541-7B7A-43D3-8B79-37D633B846F1}">
-                <asvg:svgBlip xmlns:asvg="http://schemas.microsoft.com/office/drawing/2016/SVG/main" r:embed="rId6"/>
-              </a:ext>
-            </a:extLst>
-          </a:blip>
-          <a:stretch>
-            <a:fillRect/>
-          </a:stretch>
-        </p:blipFill>
-        <p:spPr>
-          <a:xfrm>
-            <a:off x="10056025" y="2008818"/>
-            <a:ext cx="641387" cy="641387"/>
-          </a:xfrm>
-          <a:prstGeom prst="rect">
-            <a:avLst/>
-          </a:prstGeom>
-        </p:spPr>
-      </p:pic>
     </p:spTree>
     <p:extLst>
       <p:ext uri="{BB962C8B-B14F-4D97-AF65-F5344CB8AC3E}">
-        <p14:creationId xmlns:p14="http://schemas.microsoft.com/office/powerpoint/2010/main" val="2229429141"/>
-      </p:ext>
-    </p:extLst>
-  </p:cSld>
-  <p:clrMapOvr>
-    <a:masterClrMapping/>
-  </p:clrMapOvr>
-</p:sld>
-</file>
-
-<file path=ppt/slides/slide30.xml><?xml version="1.0" encoding="utf-8"?>
-<p:sld xmlns:a="http://schemas.openxmlformats.org/drawingml/2006/main" xmlns:r="http://schemas.openxmlformats.org/officeDocument/2006/relationships" xmlns:p="http://schemas.openxmlformats.org/presentationml/2006/main">
-  <p:cSld>
-    <p:spTree>
-      <p:nvGrpSpPr>
-        <p:cNvPr id="1" name=""/>
-        <p:cNvGrpSpPr/>
-        <p:nvPr/>
-      </p:nvGrpSpPr>
-      <p:grpSpPr>
-        <a:xfrm>
-          <a:off x="0" y="0"/>
-          <a:ext cx="0" cy="0"/>
-          <a:chOff x="0" y="0"/>
-          <a:chExt cx="0" cy="0"/>
-        </a:xfrm>
-      </p:grpSpPr>
-      <p:sp>
-        <p:nvSpPr>
-          <p:cNvPr id="2" name="Titre 1">
-            <a:extLst>
-              <a:ext uri="{FF2B5EF4-FFF2-40B4-BE49-F238E27FC236}">
-                <a16:creationId xmlns:a16="http://schemas.microsoft.com/office/drawing/2014/main" id="{4779A3C4-6043-2AE7-B0C9-2E52465CBCCA}"/>
-              </a:ext>
-            </a:extLst>
-          </p:cNvPr>
-          <p:cNvSpPr>
-            <a:spLocks noGrp="1"/>
-          </p:cNvSpPr>
-          <p:nvPr>
-            <p:ph type="title"/>
-          </p:nvPr>
-        </p:nvSpPr>
-        <p:spPr/>
-        <p:txBody>
-          <a:bodyPr/>
-          <a:lstStyle/>
-          <a:p>
-            <a:endParaRPr lang="en-GB"/>
-          </a:p>
-        </p:txBody>
-      </p:sp>
-      <p:sp>
-        <p:nvSpPr>
-          <p:cNvPr id="3" name="Espace réservé du contenu 2">
-            <a:extLst>
-              <a:ext uri="{FF2B5EF4-FFF2-40B4-BE49-F238E27FC236}">
-                <a16:creationId xmlns:a16="http://schemas.microsoft.com/office/drawing/2014/main" id="{7066BA8E-4DD8-A7E9-2B89-A56A97F5DB00}"/>
-              </a:ext>
-            </a:extLst>
-          </p:cNvPr>
-          <p:cNvSpPr>
-            <a:spLocks noGrp="1"/>
-          </p:cNvSpPr>
-          <p:nvPr>
-            <p:ph idx="1"/>
-          </p:nvPr>
-        </p:nvSpPr>
-        <p:spPr/>
-        <p:txBody>
-          <a:bodyPr/>
-          <a:lstStyle/>
-          <a:p>
-            <a:endParaRPr lang="en-GB"/>
-          </a:p>
-        </p:txBody>
-      </p:sp>
-      <p:pic>
-        <p:nvPicPr>
-          <p:cNvPr id="5" name="Image 4">
-            <a:extLst>
-              <a:ext uri="{FF2B5EF4-FFF2-40B4-BE49-F238E27FC236}">
-                <a16:creationId xmlns:a16="http://schemas.microsoft.com/office/drawing/2014/main" id="{2E0F38B3-ABB4-CED9-3DAF-5A6CCF92B6B6}"/>
-              </a:ext>
-            </a:extLst>
-          </p:cNvPr>
-          <p:cNvPicPr>
-            <a:picLocks noChangeAspect="1"/>
-          </p:cNvPicPr>
-          <p:nvPr/>
-        </p:nvPicPr>
-        <p:blipFill>
-          <a:blip r:embed="rId2">
-            <a:extLst>
-              <a:ext uri="{28A0092B-C50C-407E-A947-70E740481C1C}">
-                <a14:useLocalDpi xmlns:a14="http://schemas.microsoft.com/office/drawing/2010/main" val="0"/>
-              </a:ext>
-            </a:extLst>
-          </a:blip>
-          <a:srcRect/>
-          <a:stretch/>
-        </p:blipFill>
-        <p:spPr>
-          <a:xfrm>
-            <a:off x="0" y="365125"/>
-            <a:ext cx="12192000" cy="5771813"/>
-          </a:xfrm>
-          <a:prstGeom prst="rect">
-            <a:avLst/>
-          </a:prstGeom>
-        </p:spPr>
-      </p:pic>
-      <p:sp>
-        <p:nvSpPr>
-          <p:cNvPr id="4" name="Rectangle : coins arrondis 3">
-            <a:extLst>
-              <a:ext uri="{FF2B5EF4-FFF2-40B4-BE49-F238E27FC236}">
-                <a16:creationId xmlns:a16="http://schemas.microsoft.com/office/drawing/2014/main" id="{FB2D6B45-03EE-9ED7-82DE-8613C376FFBC}"/>
-              </a:ext>
-            </a:extLst>
-          </p:cNvPr>
-          <p:cNvSpPr/>
-          <p:nvPr/>
-        </p:nvSpPr>
-        <p:spPr>
-          <a:xfrm>
-            <a:off x="3647768" y="2006415"/>
-            <a:ext cx="4896464" cy="3503565"/>
-          </a:xfrm>
-          <a:prstGeom prst="roundRect">
-            <a:avLst/>
-          </a:prstGeom>
-          <a:noFill/>
-          <a:ln w="57150">
-            <a:solidFill>
-              <a:srgbClr val="FF0000"/>
-            </a:solidFill>
-          </a:ln>
-        </p:spPr>
-        <p:style>
-          <a:lnRef idx="2">
-            <a:schemeClr val="accent2"/>
-          </a:lnRef>
-          <a:fillRef idx="1">
-            <a:schemeClr val="lt1"/>
-          </a:fillRef>
-          <a:effectRef idx="0">
-            <a:schemeClr val="accent2"/>
-          </a:effectRef>
-          <a:fontRef idx="minor">
-            <a:schemeClr val="dk1"/>
-          </a:fontRef>
-        </p:style>
-        <p:txBody>
-          <a:bodyPr rtlCol="0" anchor="ctr"/>
-          <a:lstStyle/>
-          <a:p>
-            <a:pPr algn="ctr"/>
-            <a:endParaRPr lang="en-GB"/>
-          </a:p>
-        </p:txBody>
-      </p:sp>
-      <p:sp>
-        <p:nvSpPr>
-          <p:cNvPr id="6" name="Rectangle : coins arrondis 5">
-            <a:extLst>
-              <a:ext uri="{FF2B5EF4-FFF2-40B4-BE49-F238E27FC236}">
-                <a16:creationId xmlns:a16="http://schemas.microsoft.com/office/drawing/2014/main" id="{7A13AAD2-177F-B20F-203B-CEB4ABAED529}"/>
-              </a:ext>
-            </a:extLst>
-          </p:cNvPr>
-          <p:cNvSpPr/>
-          <p:nvPr/>
-        </p:nvSpPr>
-        <p:spPr>
-          <a:xfrm>
-            <a:off x="8544232" y="2004512"/>
-            <a:ext cx="3228061" cy="3505468"/>
-          </a:xfrm>
-          <a:prstGeom prst="roundRect">
-            <a:avLst/>
-          </a:prstGeom>
-          <a:noFill/>
-          <a:ln w="57150">
-            <a:solidFill>
-              <a:srgbClr val="FF0000"/>
-            </a:solidFill>
-          </a:ln>
-        </p:spPr>
-        <p:style>
-          <a:lnRef idx="2">
-            <a:schemeClr val="accent2"/>
-          </a:lnRef>
-          <a:fillRef idx="1">
-            <a:schemeClr val="lt1"/>
-          </a:fillRef>
-          <a:effectRef idx="0">
-            <a:schemeClr val="accent2"/>
-          </a:effectRef>
-          <a:fontRef idx="minor">
-            <a:schemeClr val="dk1"/>
-          </a:fontRef>
-        </p:style>
-        <p:txBody>
-          <a:bodyPr rtlCol="0" anchor="ctr"/>
-          <a:lstStyle/>
-          <a:p>
-            <a:pPr algn="ctr"/>
-            <a:endParaRPr lang="en-GB"/>
-          </a:p>
-        </p:txBody>
-      </p:sp>
-      <p:pic>
-        <p:nvPicPr>
-          <p:cNvPr id="7" name="Graphique 6" descr="Badge contour">
-            <a:extLst>
-              <a:ext uri="{FF2B5EF4-FFF2-40B4-BE49-F238E27FC236}">
-                <a16:creationId xmlns:a16="http://schemas.microsoft.com/office/drawing/2014/main" id="{CC654531-4432-B8CE-A9A1-3CDC3EA06FEF}"/>
-              </a:ext>
-            </a:extLst>
-          </p:cNvPr>
-          <p:cNvPicPr>
-            <a:picLocks noChangeAspect="1"/>
-          </p:cNvPicPr>
-          <p:nvPr/>
-        </p:nvPicPr>
-        <p:blipFill>
-          <a:blip r:embed="rId3">
-            <a:extLst>
-              <a:ext uri="{96DAC541-7B7A-43D3-8B79-37D633B846F1}">
-                <asvg:svgBlip xmlns:asvg="http://schemas.microsoft.com/office/drawing/2016/SVG/main" r:embed="rId4"/>
-              </a:ext>
-            </a:extLst>
-          </a:blip>
-          <a:stretch>
-            <a:fillRect/>
-          </a:stretch>
-        </p:blipFill>
-        <p:spPr>
-          <a:xfrm>
-            <a:off x="9837568" y="1348020"/>
-            <a:ext cx="641387" cy="641387"/>
-          </a:xfrm>
-          <a:prstGeom prst="rect">
-            <a:avLst/>
-          </a:prstGeom>
-        </p:spPr>
-      </p:pic>
-      <p:pic>
-        <p:nvPicPr>
-          <p:cNvPr id="8" name="Graphique 7" descr="Badge 1 contour">
-            <a:extLst>
-              <a:ext uri="{FF2B5EF4-FFF2-40B4-BE49-F238E27FC236}">
-                <a16:creationId xmlns:a16="http://schemas.microsoft.com/office/drawing/2014/main" id="{3B06E1EC-6CEC-DFC2-B85C-2BEE46CB56C5}"/>
-              </a:ext>
-            </a:extLst>
-          </p:cNvPr>
-          <p:cNvPicPr>
-            <a:picLocks noChangeAspect="1"/>
-          </p:cNvPicPr>
-          <p:nvPr/>
-        </p:nvPicPr>
-        <p:blipFill>
-          <a:blip r:embed="rId5">
-            <a:extLst>
-              <a:ext uri="{96DAC541-7B7A-43D3-8B79-37D633B846F1}">
-                <asvg:svgBlip xmlns:asvg="http://schemas.microsoft.com/office/drawing/2016/SVG/main" r:embed="rId6"/>
-              </a:ext>
-            </a:extLst>
-          </a:blip>
-          <a:stretch>
-            <a:fillRect/>
-          </a:stretch>
-        </p:blipFill>
-        <p:spPr>
-          <a:xfrm>
-            <a:off x="5775307" y="1371898"/>
-            <a:ext cx="641386" cy="641386"/>
-          </a:xfrm>
-          <a:prstGeom prst="rect">
-            <a:avLst/>
-          </a:prstGeom>
-        </p:spPr>
-      </p:pic>
-    </p:spTree>
-    <p:extLst>
-      <p:ext uri="{BB962C8B-B14F-4D97-AF65-F5344CB8AC3E}">
-        <p14:creationId xmlns:p14="http://schemas.microsoft.com/office/powerpoint/2010/main" val="704837830"/>
+        <p14:creationId xmlns:p14="http://schemas.microsoft.com/office/powerpoint/2010/main" val="4141423006"/>
       </p:ext>
     </p:extLst>
   </p:cSld>
@@ -10429,62 +9488,12 @@
           <a:chExt cx="0" cy="0"/>
         </a:xfrm>
       </p:grpSpPr>
-      <p:sp>
-        <p:nvSpPr>
-          <p:cNvPr id="2" name="Titre 1">
-            <a:extLst>
-              <a:ext uri="{FF2B5EF4-FFF2-40B4-BE49-F238E27FC236}">
-                <a16:creationId xmlns:a16="http://schemas.microsoft.com/office/drawing/2014/main" id="{7DF59341-B8F2-21D6-1909-B3A58FDD29F7}"/>
-              </a:ext>
-            </a:extLst>
-          </p:cNvPr>
-          <p:cNvSpPr>
-            <a:spLocks noGrp="1"/>
-          </p:cNvSpPr>
-          <p:nvPr>
-            <p:ph type="title"/>
-          </p:nvPr>
-        </p:nvSpPr>
-        <p:spPr/>
-        <p:txBody>
-          <a:bodyPr/>
-          <a:lstStyle/>
-          <a:p>
-            <a:endParaRPr lang="en-GB" dirty="0"/>
-          </a:p>
-        </p:txBody>
-      </p:sp>
-      <p:sp>
-        <p:nvSpPr>
-          <p:cNvPr id="3" name="Espace réservé du contenu 2">
-            <a:extLst>
-              <a:ext uri="{FF2B5EF4-FFF2-40B4-BE49-F238E27FC236}">
-                <a16:creationId xmlns:a16="http://schemas.microsoft.com/office/drawing/2014/main" id="{88FA37FF-E947-053E-AE80-BEFD2A39E13E}"/>
-              </a:ext>
-            </a:extLst>
-          </p:cNvPr>
-          <p:cNvSpPr>
-            <a:spLocks noGrp="1"/>
-          </p:cNvSpPr>
-          <p:nvPr>
-            <p:ph idx="1"/>
-          </p:nvPr>
-        </p:nvSpPr>
-        <p:spPr/>
-        <p:txBody>
-          <a:bodyPr/>
-          <a:lstStyle/>
-          <a:p>
-            <a:endParaRPr lang="en-GB" dirty="0"/>
-          </a:p>
-        </p:txBody>
-      </p:sp>
       <p:pic>
         <p:nvPicPr>
-          <p:cNvPr id="7" name="Image 6">
-            <a:extLst>
-              <a:ext uri="{FF2B5EF4-FFF2-40B4-BE49-F238E27FC236}">
-                <a16:creationId xmlns:a16="http://schemas.microsoft.com/office/drawing/2014/main" id="{5A6DE68F-6722-97F9-D3CE-5766B556825C}"/>
+          <p:cNvPr id="2" name="Picture 1">
+            <a:extLst>
+              <a:ext uri="{FF2B5EF4-FFF2-40B4-BE49-F238E27FC236}">
+                <a16:creationId xmlns:a16="http://schemas.microsoft.com/office/drawing/2014/main" id="{15885AFF-A61E-31E2-75CB-9F5211BEF818}"/>
               </a:ext>
             </a:extLst>
           </p:cNvPr>
@@ -10494,20 +9503,15 @@
           <p:nvPr/>
         </p:nvPicPr>
         <p:blipFill>
-          <a:blip r:embed="rId2">
-            <a:extLst>
-              <a:ext uri="{28A0092B-C50C-407E-A947-70E740481C1C}">
-                <a14:useLocalDpi xmlns:a14="http://schemas.microsoft.com/office/drawing/2010/main" val="0"/>
-              </a:ext>
-            </a:extLst>
-          </a:blip>
-          <a:srcRect/>
-          <a:stretch/>
+          <a:blip r:embed="rId2"/>
+          <a:stretch>
+            <a:fillRect/>
+          </a:stretch>
         </p:blipFill>
         <p:spPr>
           <a:xfrm>
-            <a:off x="0" y="229637"/>
-            <a:ext cx="12192000" cy="5768463"/>
+            <a:off x="0" y="1174883"/>
+            <a:ext cx="12192000" cy="4508234"/>
           </a:xfrm>
           <a:prstGeom prst="rect">
             <a:avLst/>
@@ -10516,10 +9520,10 @@
       </p:pic>
       <p:sp>
         <p:nvSpPr>
-          <p:cNvPr id="4" name="Rectangle : coins arrondis 3">
-            <a:extLst>
-              <a:ext uri="{FF2B5EF4-FFF2-40B4-BE49-F238E27FC236}">
-                <a16:creationId xmlns:a16="http://schemas.microsoft.com/office/drawing/2014/main" id="{A2E2A534-15A7-5234-8922-857F128107E5}"/>
+          <p:cNvPr id="3" name="Rectangle : coins arrondis 4">
+            <a:extLst>
+              <a:ext uri="{FF2B5EF4-FFF2-40B4-BE49-F238E27FC236}">
+                <a16:creationId xmlns:a16="http://schemas.microsoft.com/office/drawing/2014/main" id="{6369FC7A-B71E-EE1F-BC8F-D3DA0DDC8CFB}"/>
               </a:ext>
             </a:extLst>
           </p:cNvPr>
@@ -10528,7 +9532,7 @@
         </p:nvSpPr>
         <p:spPr>
           <a:xfrm>
-            <a:off x="11444750" y="3547922"/>
+            <a:off x="11057177" y="3975433"/>
             <a:ext cx="412956" cy="410497"/>
           </a:xfrm>
           <a:prstGeom prst="roundRect">
@@ -10566,10 +9570,10 @@
       </p:sp>
       <p:sp>
         <p:nvSpPr>
-          <p:cNvPr id="5" name="Rectangle : coins arrondis 4">
-            <a:extLst>
-              <a:ext uri="{FF2B5EF4-FFF2-40B4-BE49-F238E27FC236}">
-                <a16:creationId xmlns:a16="http://schemas.microsoft.com/office/drawing/2014/main" id="{751417E7-64FC-8409-D5D3-80D8C69372D8}"/>
+          <p:cNvPr id="4" name="Rectangle : coins arrondis 4">
+            <a:extLst>
+              <a:ext uri="{FF2B5EF4-FFF2-40B4-BE49-F238E27FC236}">
+                <a16:creationId xmlns:a16="http://schemas.microsoft.com/office/drawing/2014/main" id="{4028CD3A-5FD2-AFD1-1597-02831F2FB7A7}"/>
               </a:ext>
             </a:extLst>
           </p:cNvPr>
@@ -10578,7 +9582,7 @@
         </p:nvSpPr>
         <p:spPr>
           <a:xfrm>
-            <a:off x="11031794" y="3018503"/>
+            <a:off x="11470133" y="4531870"/>
             <a:ext cx="412956" cy="410497"/>
           </a:xfrm>
           <a:prstGeom prst="roundRect">
@@ -10616,10 +9620,10 @@
       </p:sp>
       <p:pic>
         <p:nvPicPr>
-          <p:cNvPr id="6" name="Graphique 5" descr="Badge 1 contour">
-            <a:extLst>
-              <a:ext uri="{FF2B5EF4-FFF2-40B4-BE49-F238E27FC236}">
-                <a16:creationId xmlns:a16="http://schemas.microsoft.com/office/drawing/2014/main" id="{E639EAD0-4FF9-E1A2-8CD1-6AB238AFC8AD}"/>
+          <p:cNvPr id="7" name="Graphique 23" descr="Badge 1 contour">
+            <a:extLst>
+              <a:ext uri="{FF2B5EF4-FFF2-40B4-BE49-F238E27FC236}">
+                <a16:creationId xmlns:a16="http://schemas.microsoft.com/office/drawing/2014/main" id="{0F11A8E1-38C0-095B-16D8-AA2299DB2E22}"/>
               </a:ext>
             </a:extLst>
           </p:cNvPr>
@@ -10642,7 +9646,7 @@
         </p:blipFill>
         <p:spPr>
           <a:xfrm>
-            <a:off x="10376718" y="2903058"/>
+            <a:off x="10415791" y="3859988"/>
             <a:ext cx="641386" cy="641386"/>
           </a:xfrm>
           <a:prstGeom prst="rect">
@@ -10652,10 +9656,10 @@
       </p:pic>
       <p:pic>
         <p:nvPicPr>
-          <p:cNvPr id="8" name="Graphique 7" descr="Badge contour">
-            <a:extLst>
-              <a:ext uri="{FF2B5EF4-FFF2-40B4-BE49-F238E27FC236}">
-                <a16:creationId xmlns:a16="http://schemas.microsoft.com/office/drawing/2014/main" id="{54B6420A-D81F-C202-CC24-98D57BA7085A}"/>
+          <p:cNvPr id="8" name="Graphique 25" descr="Badge contour">
+            <a:extLst>
+              <a:ext uri="{FF2B5EF4-FFF2-40B4-BE49-F238E27FC236}">
+                <a16:creationId xmlns:a16="http://schemas.microsoft.com/office/drawing/2014/main" id="{BBE1D107-F046-FF0A-B0FD-240B0C51368A}"/>
               </a:ext>
             </a:extLst>
           </p:cNvPr>
@@ -10678,7 +9682,7 @@
         </p:blipFill>
         <p:spPr>
           <a:xfrm>
-            <a:off x="10810819" y="3432476"/>
+            <a:off x="11241702" y="4942367"/>
             <a:ext cx="641387" cy="641387"/>
           </a:xfrm>
           <a:prstGeom prst="rect">
@@ -10689,7 +9693,7 @@
     </p:spTree>
     <p:extLst>
       <p:ext uri="{BB962C8B-B14F-4D97-AF65-F5344CB8AC3E}">
-        <p14:creationId xmlns:p14="http://schemas.microsoft.com/office/powerpoint/2010/main" val="4008318008"/>
+        <p14:creationId xmlns:p14="http://schemas.microsoft.com/office/powerpoint/2010/main" val="2477569334"/>
       </p:ext>
     </p:extLst>
   </p:cSld>
@@ -10716,62 +9720,12 @@
           <a:chExt cx="0" cy="0"/>
         </a:xfrm>
       </p:grpSpPr>
-      <p:sp>
-        <p:nvSpPr>
-          <p:cNvPr id="2" name="Titre 1">
-            <a:extLst>
-              <a:ext uri="{FF2B5EF4-FFF2-40B4-BE49-F238E27FC236}">
-                <a16:creationId xmlns:a16="http://schemas.microsoft.com/office/drawing/2014/main" id="{1BAF7383-A480-D17F-814E-1BD0B270EF7C}"/>
-              </a:ext>
-            </a:extLst>
-          </p:cNvPr>
-          <p:cNvSpPr>
-            <a:spLocks noGrp="1"/>
-          </p:cNvSpPr>
-          <p:nvPr>
-            <p:ph type="title"/>
-          </p:nvPr>
-        </p:nvSpPr>
-        <p:spPr/>
-        <p:txBody>
-          <a:bodyPr/>
-          <a:lstStyle/>
-          <a:p>
-            <a:endParaRPr lang="en-GB"/>
-          </a:p>
-        </p:txBody>
-      </p:sp>
-      <p:sp>
-        <p:nvSpPr>
-          <p:cNvPr id="3" name="Espace réservé du contenu 2">
-            <a:extLst>
-              <a:ext uri="{FF2B5EF4-FFF2-40B4-BE49-F238E27FC236}">
-                <a16:creationId xmlns:a16="http://schemas.microsoft.com/office/drawing/2014/main" id="{C7842E26-3DB5-CB6D-B241-9F55A0DD7206}"/>
-              </a:ext>
-            </a:extLst>
-          </p:cNvPr>
-          <p:cNvSpPr>
-            <a:spLocks noGrp="1"/>
-          </p:cNvSpPr>
-          <p:nvPr>
-            <p:ph idx="1"/>
-          </p:nvPr>
-        </p:nvSpPr>
-        <p:spPr/>
-        <p:txBody>
-          <a:bodyPr/>
-          <a:lstStyle/>
-          <a:p>
-            <a:endParaRPr lang="en-GB"/>
-          </a:p>
-        </p:txBody>
-      </p:sp>
       <p:pic>
         <p:nvPicPr>
-          <p:cNvPr id="5" name="Image 4">
-            <a:extLst>
-              <a:ext uri="{FF2B5EF4-FFF2-40B4-BE49-F238E27FC236}">
-                <a16:creationId xmlns:a16="http://schemas.microsoft.com/office/drawing/2014/main" id="{FF26727C-FAEF-17C2-DCF0-75AD1D5900C5}"/>
+          <p:cNvPr id="2" name="Picture 1">
+            <a:extLst>
+              <a:ext uri="{FF2B5EF4-FFF2-40B4-BE49-F238E27FC236}">
+                <a16:creationId xmlns:a16="http://schemas.microsoft.com/office/drawing/2014/main" id="{03E845D1-59BB-42A7-5AC2-0797F10C804A}"/>
               </a:ext>
             </a:extLst>
           </p:cNvPr>
@@ -10781,20 +9735,15 @@
           <p:nvPr/>
         </p:nvPicPr>
         <p:blipFill>
-          <a:blip r:embed="rId2">
-            <a:extLst>
-              <a:ext uri="{28A0092B-C50C-407E-A947-70E740481C1C}">
-                <a14:useLocalDpi xmlns:a14="http://schemas.microsoft.com/office/drawing/2010/main" val="0"/>
-              </a:ext>
-            </a:extLst>
-          </a:blip>
-          <a:srcRect/>
-          <a:stretch/>
+          <a:blip r:embed="rId2"/>
+          <a:stretch>
+            <a:fillRect/>
+          </a:stretch>
         </p:blipFill>
         <p:spPr>
           <a:xfrm>
-            <a:off x="0" y="188144"/>
-            <a:ext cx="12192000" cy="5768463"/>
+            <a:off x="0" y="1230338"/>
+            <a:ext cx="12192000" cy="4397325"/>
           </a:xfrm>
           <a:prstGeom prst="rect">
             <a:avLst/>
@@ -10803,10 +9752,10 @@
       </p:pic>
       <p:sp>
         <p:nvSpPr>
-          <p:cNvPr id="4" name="Rectangle : coins arrondis 3">
-            <a:extLst>
-              <a:ext uri="{FF2B5EF4-FFF2-40B4-BE49-F238E27FC236}">
-                <a16:creationId xmlns:a16="http://schemas.microsoft.com/office/drawing/2014/main" id="{40405C1B-01E1-AA12-BF16-EBD4177B48A7}"/>
+          <p:cNvPr id="3" name="Rectangle : coins arrondis 3">
+            <a:extLst>
+              <a:ext uri="{FF2B5EF4-FFF2-40B4-BE49-F238E27FC236}">
+                <a16:creationId xmlns:a16="http://schemas.microsoft.com/office/drawing/2014/main" id="{B2208C1B-EA38-8315-9D81-1E5BACD2A819}"/>
               </a:ext>
             </a:extLst>
           </p:cNvPr>
@@ -10815,8 +9764,8 @@
         </p:nvSpPr>
         <p:spPr>
           <a:xfrm>
-            <a:off x="10717162" y="2143431"/>
-            <a:ext cx="1229032" cy="314634"/>
+            <a:off x="10747272" y="3199998"/>
+            <a:ext cx="1228576" cy="290224"/>
           </a:xfrm>
           <a:prstGeom prst="roundRect">
             <a:avLst/>
@@ -10854,7 +9803,7 @@
     </p:spTree>
     <p:extLst>
       <p:ext uri="{BB962C8B-B14F-4D97-AF65-F5344CB8AC3E}">
-        <p14:creationId xmlns:p14="http://schemas.microsoft.com/office/powerpoint/2010/main" val="199186547"/>
+        <p14:creationId xmlns:p14="http://schemas.microsoft.com/office/powerpoint/2010/main" val="2288164673"/>
       </p:ext>
     </p:extLst>
   </p:cSld>
@@ -11254,62 +10203,12 @@
           <a:chExt cx="0" cy="0"/>
         </a:xfrm>
       </p:grpSpPr>
-      <p:sp>
-        <p:nvSpPr>
-          <p:cNvPr id="2" name="Titre 1">
-            <a:extLst>
-              <a:ext uri="{FF2B5EF4-FFF2-40B4-BE49-F238E27FC236}">
-                <a16:creationId xmlns:a16="http://schemas.microsoft.com/office/drawing/2014/main" id="{CE698B4C-D442-2AB9-55D9-BDD44F65FCF5}"/>
-              </a:ext>
-            </a:extLst>
-          </p:cNvPr>
-          <p:cNvSpPr>
-            <a:spLocks noGrp="1"/>
-          </p:cNvSpPr>
-          <p:nvPr>
-            <p:ph type="title"/>
-          </p:nvPr>
-        </p:nvSpPr>
-        <p:spPr/>
-        <p:txBody>
-          <a:bodyPr/>
-          <a:lstStyle/>
-          <a:p>
-            <a:endParaRPr lang="en-GB"/>
-          </a:p>
-        </p:txBody>
-      </p:sp>
-      <p:sp>
-        <p:nvSpPr>
-          <p:cNvPr id="3" name="Espace réservé du contenu 2">
-            <a:extLst>
-              <a:ext uri="{FF2B5EF4-FFF2-40B4-BE49-F238E27FC236}">
-                <a16:creationId xmlns:a16="http://schemas.microsoft.com/office/drawing/2014/main" id="{47CFC49D-E55D-B9A1-9E42-B99201D83FCF}"/>
-              </a:ext>
-            </a:extLst>
-          </p:cNvPr>
-          <p:cNvSpPr>
-            <a:spLocks noGrp="1"/>
-          </p:cNvSpPr>
-          <p:nvPr>
-            <p:ph idx="1"/>
-          </p:nvPr>
-        </p:nvSpPr>
-        <p:spPr/>
-        <p:txBody>
-          <a:bodyPr/>
-          <a:lstStyle/>
-          <a:p>
-            <a:endParaRPr lang="en-GB"/>
-          </a:p>
-        </p:txBody>
-      </p:sp>
       <p:pic>
         <p:nvPicPr>
-          <p:cNvPr id="5" name="Image 4">
-            <a:extLst>
-              <a:ext uri="{FF2B5EF4-FFF2-40B4-BE49-F238E27FC236}">
-                <a16:creationId xmlns:a16="http://schemas.microsoft.com/office/drawing/2014/main" id="{5812658F-CFDF-52A3-6A4B-FF9CF8D558B8}"/>
+          <p:cNvPr id="2" name="Picture 1">
+            <a:extLst>
+              <a:ext uri="{FF2B5EF4-FFF2-40B4-BE49-F238E27FC236}">
+                <a16:creationId xmlns:a16="http://schemas.microsoft.com/office/drawing/2014/main" id="{521C0F09-EBF7-1488-8A55-74E192124B6B}"/>
               </a:ext>
             </a:extLst>
           </p:cNvPr>
@@ -11319,20 +10218,15 @@
           <p:nvPr/>
         </p:nvPicPr>
         <p:blipFill>
-          <a:blip r:embed="rId2">
-            <a:extLst>
-              <a:ext uri="{28A0092B-C50C-407E-A947-70E740481C1C}">
-                <a14:useLocalDpi xmlns:a14="http://schemas.microsoft.com/office/drawing/2010/main" val="0"/>
-              </a:ext>
-            </a:extLst>
-          </a:blip>
-          <a:srcRect/>
-          <a:stretch/>
+          <a:blip r:embed="rId2"/>
+          <a:stretch>
+            <a:fillRect/>
+          </a:stretch>
         </p:blipFill>
         <p:spPr>
           <a:xfrm>
-            <a:off x="0" y="176419"/>
-            <a:ext cx="12192000" cy="5797239"/>
+            <a:off x="0" y="666223"/>
+            <a:ext cx="12192000" cy="4351096"/>
           </a:xfrm>
           <a:prstGeom prst="rect">
             <a:avLst/>
@@ -11341,10 +10235,10 @@
       </p:pic>
       <p:sp>
         <p:nvSpPr>
-          <p:cNvPr id="4" name="Rectangle : coins arrondis 3">
-            <a:extLst>
-              <a:ext uri="{FF2B5EF4-FFF2-40B4-BE49-F238E27FC236}">
-                <a16:creationId xmlns:a16="http://schemas.microsoft.com/office/drawing/2014/main" id="{10A114E7-4076-F30E-1973-05323702706B}"/>
+          <p:cNvPr id="3" name="Rectangle : coins arrondis 3">
+            <a:extLst>
+              <a:ext uri="{FF2B5EF4-FFF2-40B4-BE49-F238E27FC236}">
+                <a16:creationId xmlns:a16="http://schemas.microsoft.com/office/drawing/2014/main" id="{AC481620-D568-B212-5A48-3E1F663ED1BB}"/>
               </a:ext>
             </a:extLst>
           </p:cNvPr>
@@ -11353,7 +10247,7 @@
         </p:nvSpPr>
         <p:spPr>
           <a:xfrm>
-            <a:off x="10785986" y="2113935"/>
+            <a:off x="10794375" y="2583719"/>
             <a:ext cx="1160207" cy="344130"/>
           </a:xfrm>
           <a:prstGeom prst="roundRect">
@@ -11392,7 +10286,7 @@
     </p:spTree>
     <p:extLst>
       <p:ext uri="{BB962C8B-B14F-4D97-AF65-F5344CB8AC3E}">
-        <p14:creationId xmlns:p14="http://schemas.microsoft.com/office/powerpoint/2010/main" val="2652995854"/>
+        <p14:creationId xmlns:p14="http://schemas.microsoft.com/office/powerpoint/2010/main" val="72275164"/>
       </p:ext>
     </p:extLst>
   </p:cSld>
@@ -11424,7 +10318,7 @@
           <p:cNvPr id="2" name="Titre 1">
             <a:extLst>
               <a:ext uri="{FF2B5EF4-FFF2-40B4-BE49-F238E27FC236}">
-                <a16:creationId xmlns:a16="http://schemas.microsoft.com/office/drawing/2014/main" id="{A27C1B2B-7379-F0ED-0512-6CF69F8E8B7A}"/>
+                <a16:creationId xmlns:a16="http://schemas.microsoft.com/office/drawing/2014/main" id="{CE698B4C-D442-2AB9-55D9-BDD44F65FCF5}"/>
               </a:ext>
             </a:extLst>
           </p:cNvPr>
@@ -11449,7 +10343,7 @@
           <p:cNvPr id="3" name="Espace réservé du contenu 2">
             <a:extLst>
               <a:ext uri="{FF2B5EF4-FFF2-40B4-BE49-F238E27FC236}">
-                <a16:creationId xmlns:a16="http://schemas.microsoft.com/office/drawing/2014/main" id="{6130CE15-D0D2-C310-95E7-D25A9CC0AC2B}"/>
+                <a16:creationId xmlns:a16="http://schemas.microsoft.com/office/drawing/2014/main" id="{47CFC49D-E55D-B9A1-9E42-B99201D83FCF}"/>
               </a:ext>
             </a:extLst>
           </p:cNvPr>
@@ -11474,7 +10368,7 @@
           <p:cNvPr id="5" name="Image 4">
             <a:extLst>
               <a:ext uri="{FF2B5EF4-FFF2-40B4-BE49-F238E27FC236}">
-                <a16:creationId xmlns:a16="http://schemas.microsoft.com/office/drawing/2014/main" id="{EF3EF153-B87B-8030-A193-604B638A15C9}"/>
+                <a16:creationId xmlns:a16="http://schemas.microsoft.com/office/drawing/2014/main" id="{5812658F-CFDF-52A3-6A4B-FF9CF8D558B8}"/>
               </a:ext>
             </a:extLst>
           </p:cNvPr>
@@ -11496,8 +10390,8 @@
         </p:blipFill>
         <p:spPr>
           <a:xfrm>
-            <a:off x="-35558" y="589150"/>
-            <a:ext cx="12227558" cy="5782271"/>
+            <a:off x="0" y="176419"/>
+            <a:ext cx="12192000" cy="5797239"/>
           </a:xfrm>
           <a:prstGeom prst="rect">
             <a:avLst/>
@@ -11509,7 +10403,7 @@
           <p:cNvPr id="4" name="Rectangle : coins arrondis 3">
             <a:extLst>
               <a:ext uri="{FF2B5EF4-FFF2-40B4-BE49-F238E27FC236}">
-                <a16:creationId xmlns:a16="http://schemas.microsoft.com/office/drawing/2014/main" id="{993EAA36-3A30-AA8A-64A9-3B03878A0378}"/>
+                <a16:creationId xmlns:a16="http://schemas.microsoft.com/office/drawing/2014/main" id="{10A114E7-4076-F30E-1973-05323702706B}"/>
               </a:ext>
             </a:extLst>
           </p:cNvPr>
@@ -11518,8 +10412,8 @@
         </p:nvSpPr>
         <p:spPr>
           <a:xfrm>
-            <a:off x="5574889" y="1140317"/>
-            <a:ext cx="6331976" cy="673870"/>
+            <a:off x="10785986" y="2113935"/>
+            <a:ext cx="1160207" cy="344130"/>
           </a:xfrm>
           <a:prstGeom prst="roundRect">
             <a:avLst/>
@@ -11554,218 +10448,10 @@
           </a:p>
         </p:txBody>
       </p:sp>
-      <p:sp>
-        <p:nvSpPr>
-          <p:cNvPr id="6" name="Rectangle : coins arrondis 5">
-            <a:extLst>
-              <a:ext uri="{FF2B5EF4-FFF2-40B4-BE49-F238E27FC236}">
-                <a16:creationId xmlns:a16="http://schemas.microsoft.com/office/drawing/2014/main" id="{C443BA1D-8DA0-5FC7-AAF4-75565CC5DB92}"/>
-              </a:ext>
-            </a:extLst>
-          </p:cNvPr>
-          <p:cNvSpPr/>
-          <p:nvPr/>
-        </p:nvSpPr>
-        <p:spPr>
-          <a:xfrm>
-            <a:off x="5574889" y="1835656"/>
-            <a:ext cx="2045111" cy="525581"/>
-          </a:xfrm>
-          <a:prstGeom prst="roundRect">
-            <a:avLst/>
-          </a:prstGeom>
-          <a:noFill/>
-          <a:ln w="57150">
-            <a:solidFill>
-              <a:srgbClr val="FF0000"/>
-            </a:solidFill>
-          </a:ln>
-        </p:spPr>
-        <p:style>
-          <a:lnRef idx="2">
-            <a:schemeClr val="accent2"/>
-          </a:lnRef>
-          <a:fillRef idx="1">
-            <a:schemeClr val="lt1"/>
-          </a:fillRef>
-          <a:effectRef idx="0">
-            <a:schemeClr val="accent2"/>
-          </a:effectRef>
-          <a:fontRef idx="minor">
-            <a:schemeClr val="dk1"/>
-          </a:fontRef>
-        </p:style>
-        <p:txBody>
-          <a:bodyPr rtlCol="0" anchor="ctr"/>
-          <a:lstStyle/>
-          <a:p>
-            <a:pPr algn="ctr"/>
-            <a:endParaRPr lang="en-GB"/>
-          </a:p>
-        </p:txBody>
-      </p:sp>
-      <p:pic>
-        <p:nvPicPr>
-          <p:cNvPr id="7" name="Graphique 6" descr="Badge 1 contour">
-            <a:extLst>
-              <a:ext uri="{FF2B5EF4-FFF2-40B4-BE49-F238E27FC236}">
-                <a16:creationId xmlns:a16="http://schemas.microsoft.com/office/drawing/2014/main" id="{050EE2DE-BDAA-19F4-22F1-AE5A98FF002E}"/>
-              </a:ext>
-            </a:extLst>
-          </p:cNvPr>
-          <p:cNvPicPr>
-            <a:picLocks noChangeAspect="1"/>
-          </p:cNvPicPr>
-          <p:nvPr/>
-        </p:nvPicPr>
-        <p:blipFill>
-          <a:blip r:embed="rId3">
-            <a:extLst>
-              <a:ext uri="{96DAC541-7B7A-43D3-8B79-37D633B846F1}">
-                <asvg:svgBlip xmlns:asvg="http://schemas.microsoft.com/office/drawing/2016/SVG/main" r:embed="rId4"/>
-              </a:ext>
-            </a:extLst>
-          </a:blip>
-          <a:stretch>
-            <a:fillRect/>
-          </a:stretch>
-        </p:blipFill>
-        <p:spPr>
-          <a:xfrm>
-            <a:off x="4933503" y="1239524"/>
-            <a:ext cx="641386" cy="641386"/>
-          </a:xfrm>
-          <a:prstGeom prst="rect">
-            <a:avLst/>
-          </a:prstGeom>
-        </p:spPr>
-      </p:pic>
-      <p:pic>
-        <p:nvPicPr>
-          <p:cNvPr id="8" name="Graphique 7" descr="Badge contour">
-            <a:extLst>
-              <a:ext uri="{FF2B5EF4-FFF2-40B4-BE49-F238E27FC236}">
-                <a16:creationId xmlns:a16="http://schemas.microsoft.com/office/drawing/2014/main" id="{E06806AA-B4E5-D4A9-9E6B-EBF4E98B7633}"/>
-              </a:ext>
-            </a:extLst>
-          </p:cNvPr>
-          <p:cNvPicPr>
-            <a:picLocks noChangeAspect="1"/>
-          </p:cNvPicPr>
-          <p:nvPr/>
-        </p:nvPicPr>
-        <p:blipFill>
-          <a:blip r:embed="rId5">
-            <a:extLst>
-              <a:ext uri="{96DAC541-7B7A-43D3-8B79-37D633B846F1}">
-                <asvg:svgBlip xmlns:asvg="http://schemas.microsoft.com/office/drawing/2016/SVG/main" r:embed="rId6"/>
-              </a:ext>
-            </a:extLst>
-          </a:blip>
-          <a:stretch>
-            <a:fillRect/>
-          </a:stretch>
-        </p:blipFill>
-        <p:spPr>
-          <a:xfrm>
-            <a:off x="6276750" y="2361237"/>
-            <a:ext cx="641387" cy="641387"/>
-          </a:xfrm>
-          <a:prstGeom prst="rect">
-            <a:avLst/>
-          </a:prstGeom>
-        </p:spPr>
-      </p:pic>
-      <p:sp>
-        <p:nvSpPr>
-          <p:cNvPr id="9" name="Rectangle : coins arrondis 8">
-            <a:extLst>
-              <a:ext uri="{FF2B5EF4-FFF2-40B4-BE49-F238E27FC236}">
-                <a16:creationId xmlns:a16="http://schemas.microsoft.com/office/drawing/2014/main" id="{10AE07AC-165A-FD1A-AD76-301D8D6870BE}"/>
-              </a:ext>
-            </a:extLst>
-          </p:cNvPr>
-          <p:cNvSpPr/>
-          <p:nvPr/>
-        </p:nvSpPr>
-        <p:spPr>
-          <a:xfrm>
-            <a:off x="7659328" y="1835656"/>
-            <a:ext cx="2045111" cy="525581"/>
-          </a:xfrm>
-          <a:prstGeom prst="roundRect">
-            <a:avLst/>
-          </a:prstGeom>
-          <a:noFill/>
-          <a:ln w="57150">
-            <a:solidFill>
-              <a:srgbClr val="FF0000"/>
-            </a:solidFill>
-          </a:ln>
-        </p:spPr>
-        <p:style>
-          <a:lnRef idx="2">
-            <a:schemeClr val="accent2"/>
-          </a:lnRef>
-          <a:fillRef idx="1">
-            <a:schemeClr val="lt1"/>
-          </a:fillRef>
-          <a:effectRef idx="0">
-            <a:schemeClr val="accent2"/>
-          </a:effectRef>
-          <a:fontRef idx="minor">
-            <a:schemeClr val="dk1"/>
-          </a:fontRef>
-        </p:style>
-        <p:txBody>
-          <a:bodyPr rtlCol="0" anchor="ctr"/>
-          <a:lstStyle/>
-          <a:p>
-            <a:pPr algn="ctr"/>
-            <a:endParaRPr lang="en-GB"/>
-          </a:p>
-        </p:txBody>
-      </p:sp>
-      <p:pic>
-        <p:nvPicPr>
-          <p:cNvPr id="10" name="Graphique 9" descr="Badge 3 contour">
-            <a:extLst>
-              <a:ext uri="{FF2B5EF4-FFF2-40B4-BE49-F238E27FC236}">
-                <a16:creationId xmlns:a16="http://schemas.microsoft.com/office/drawing/2014/main" id="{77667AD4-901E-D011-3C2C-CC33B8507E78}"/>
-              </a:ext>
-            </a:extLst>
-          </p:cNvPr>
-          <p:cNvPicPr>
-            <a:picLocks noChangeAspect="1"/>
-          </p:cNvPicPr>
-          <p:nvPr/>
-        </p:nvPicPr>
-        <p:blipFill>
-          <a:blip r:embed="rId7">
-            <a:extLst>
-              <a:ext uri="{96DAC541-7B7A-43D3-8B79-37D633B846F1}">
-                <asvg:svgBlip xmlns:asvg="http://schemas.microsoft.com/office/drawing/2016/SVG/main" r:embed="rId8"/>
-              </a:ext>
-            </a:extLst>
-          </a:blip>
-          <a:stretch>
-            <a:fillRect/>
-          </a:stretch>
-        </p:blipFill>
-        <p:spPr>
-          <a:xfrm>
-            <a:off x="8361190" y="2371268"/>
-            <a:ext cx="641386" cy="641386"/>
-          </a:xfrm>
-          <a:prstGeom prst="rect">
-            <a:avLst/>
-          </a:prstGeom>
-        </p:spPr>
-      </p:pic>
     </p:spTree>
     <p:extLst>
       <p:ext uri="{BB962C8B-B14F-4D97-AF65-F5344CB8AC3E}">
-        <p14:creationId xmlns:p14="http://schemas.microsoft.com/office/powerpoint/2010/main" val="2387715804"/>
+        <p14:creationId xmlns:p14="http://schemas.microsoft.com/office/powerpoint/2010/main" val="2652995854"/>
       </p:ext>
     </p:extLst>
   </p:cSld>

--- a/services/documentation/content/1-getting-started/1-getting-started-as-a-user/1-module-digital-service/media/screenshot.pptx
+++ b/services/documentation/content/1-getting-started/1-getting-started-as-a-user/1-module-digital-service/media/screenshot.pptx
@@ -13,27 +13,26 @@
     <p:sldId id="292" r:id="rId7"/>
     <p:sldId id="262" r:id="rId8"/>
     <p:sldId id="293" r:id="rId9"/>
-    <p:sldId id="263" r:id="rId10"/>
-    <p:sldId id="264" r:id="rId11"/>
-    <p:sldId id="265" r:id="rId12"/>
-    <p:sldId id="267" r:id="rId13"/>
-    <p:sldId id="266" r:id="rId14"/>
-    <p:sldId id="268" r:id="rId15"/>
-    <p:sldId id="270" r:id="rId16"/>
-    <p:sldId id="269" r:id="rId17"/>
-    <p:sldId id="294" r:id="rId18"/>
-    <p:sldId id="282" r:id="rId19"/>
-    <p:sldId id="295" r:id="rId20"/>
-    <p:sldId id="296" r:id="rId21"/>
-    <p:sldId id="297" r:id="rId22"/>
-    <p:sldId id="286" r:id="rId23"/>
-    <p:sldId id="276" r:id="rId24"/>
-    <p:sldId id="300" r:id="rId25"/>
-    <p:sldId id="279" r:id="rId26"/>
-    <p:sldId id="301" r:id="rId27"/>
-    <p:sldId id="280" r:id="rId28"/>
-    <p:sldId id="284" r:id="rId29"/>
-    <p:sldId id="285" r:id="rId30"/>
+    <p:sldId id="264" r:id="rId10"/>
+    <p:sldId id="265" r:id="rId11"/>
+    <p:sldId id="267" r:id="rId12"/>
+    <p:sldId id="266" r:id="rId13"/>
+    <p:sldId id="268" r:id="rId14"/>
+    <p:sldId id="270" r:id="rId15"/>
+    <p:sldId id="269" r:id="rId16"/>
+    <p:sldId id="294" r:id="rId17"/>
+    <p:sldId id="282" r:id="rId18"/>
+    <p:sldId id="295" r:id="rId19"/>
+    <p:sldId id="296" r:id="rId20"/>
+    <p:sldId id="297" r:id="rId21"/>
+    <p:sldId id="286" r:id="rId22"/>
+    <p:sldId id="276" r:id="rId23"/>
+    <p:sldId id="300" r:id="rId24"/>
+    <p:sldId id="279" r:id="rId25"/>
+    <p:sldId id="301" r:id="rId26"/>
+    <p:sldId id="280" r:id="rId27"/>
+    <p:sldId id="284" r:id="rId28"/>
+    <p:sldId id="285" r:id="rId29"/>
   </p:sldIdLst>
   <p:sldSz cx="12192000" cy="6858000"/>
   <p:notesSz cx="6858000" cy="9144000"/>
@@ -3538,7 +3537,7 @@
           <p:cNvPr id="2" name="Titre 1">
             <a:extLst>
               <a:ext uri="{FF2B5EF4-FFF2-40B4-BE49-F238E27FC236}">
-                <a16:creationId xmlns:a16="http://schemas.microsoft.com/office/drawing/2014/main" id="{A27C1B2B-7379-F0ED-0512-6CF69F8E8B7A}"/>
+                <a16:creationId xmlns:a16="http://schemas.microsoft.com/office/drawing/2014/main" id="{A1124309-CB4D-EF49-696F-6E59BC4CF83A}"/>
               </a:ext>
             </a:extLst>
           </p:cNvPr>
@@ -3563,7 +3562,7 @@
           <p:cNvPr id="3" name="Espace réservé du contenu 2">
             <a:extLst>
               <a:ext uri="{FF2B5EF4-FFF2-40B4-BE49-F238E27FC236}">
-                <a16:creationId xmlns:a16="http://schemas.microsoft.com/office/drawing/2014/main" id="{6130CE15-D0D2-C310-95E7-D25A9CC0AC2B}"/>
+                <a16:creationId xmlns:a16="http://schemas.microsoft.com/office/drawing/2014/main" id="{1171007C-E0EE-9794-9AE2-9EA62753892D}"/>
               </a:ext>
             </a:extLst>
           </p:cNvPr>
@@ -3588,7 +3587,7 @@
           <p:cNvPr id="5" name="Image 4">
             <a:extLst>
               <a:ext uri="{FF2B5EF4-FFF2-40B4-BE49-F238E27FC236}">
-                <a16:creationId xmlns:a16="http://schemas.microsoft.com/office/drawing/2014/main" id="{EF3EF153-B87B-8030-A193-604B638A15C9}"/>
+                <a16:creationId xmlns:a16="http://schemas.microsoft.com/office/drawing/2014/main" id="{C190A28D-6F73-01FB-4C84-22CCAD4241AD}"/>
               </a:ext>
             </a:extLst>
           </p:cNvPr>
@@ -3610,8 +3609,8 @@
         </p:blipFill>
         <p:spPr>
           <a:xfrm>
-            <a:off x="-35558" y="589150"/>
-            <a:ext cx="12227558" cy="5782271"/>
+            <a:off x="-68826" y="655646"/>
+            <a:ext cx="12260826" cy="5791611"/>
           </a:xfrm>
           <a:prstGeom prst="rect">
             <a:avLst/>
@@ -3623,7 +3622,7 @@
           <p:cNvPr id="4" name="Rectangle : coins arrondis 3">
             <a:extLst>
               <a:ext uri="{FF2B5EF4-FFF2-40B4-BE49-F238E27FC236}">
-                <a16:creationId xmlns:a16="http://schemas.microsoft.com/office/drawing/2014/main" id="{993EAA36-3A30-AA8A-64A9-3B03878A0378}"/>
+                <a16:creationId xmlns:a16="http://schemas.microsoft.com/office/drawing/2014/main" id="{0E256310-8F6E-D0DF-7365-49498E7E9216}"/>
               </a:ext>
             </a:extLst>
           </p:cNvPr>
@@ -3632,7 +3631,7 @@
         </p:nvSpPr>
         <p:spPr>
           <a:xfrm>
-            <a:off x="5574889" y="1140317"/>
+            <a:off x="5574889" y="1359008"/>
             <a:ext cx="6331976" cy="673870"/>
           </a:xfrm>
           <a:prstGeom prst="roundRect">
@@ -3673,7 +3672,7 @@
           <p:cNvPr id="6" name="Rectangle : coins arrondis 5">
             <a:extLst>
               <a:ext uri="{FF2B5EF4-FFF2-40B4-BE49-F238E27FC236}">
-                <a16:creationId xmlns:a16="http://schemas.microsoft.com/office/drawing/2014/main" id="{C443BA1D-8DA0-5FC7-AAF4-75565CC5DB92}"/>
+                <a16:creationId xmlns:a16="http://schemas.microsoft.com/office/drawing/2014/main" id="{9480E477-AE13-8CB1-3688-80CBA3543FD2}"/>
               </a:ext>
             </a:extLst>
           </p:cNvPr>
@@ -3682,8 +3681,8 @@
         </p:nvSpPr>
         <p:spPr>
           <a:xfrm>
-            <a:off x="5574889" y="1835656"/>
-            <a:ext cx="2045111" cy="525581"/>
+            <a:off x="5574889" y="2263588"/>
+            <a:ext cx="3087330" cy="597599"/>
           </a:xfrm>
           <a:prstGeom prst="roundRect">
             <a:avLst/>
@@ -3723,7 +3722,7 @@
           <p:cNvPr id="7" name="Graphique 6" descr="Badge 1 contour">
             <a:extLst>
               <a:ext uri="{FF2B5EF4-FFF2-40B4-BE49-F238E27FC236}">
-                <a16:creationId xmlns:a16="http://schemas.microsoft.com/office/drawing/2014/main" id="{050EE2DE-BDAA-19F4-22F1-AE5A98FF002E}"/>
+                <a16:creationId xmlns:a16="http://schemas.microsoft.com/office/drawing/2014/main" id="{A9886F1C-DC4D-A28A-B993-4F6A405A2183}"/>
               </a:ext>
             </a:extLst>
           </p:cNvPr>
@@ -3746,7 +3745,7 @@
         </p:blipFill>
         <p:spPr>
           <a:xfrm>
-            <a:off x="4933503" y="1239524"/>
+            <a:off x="4933503" y="1375250"/>
             <a:ext cx="641386" cy="641386"/>
           </a:xfrm>
           <a:prstGeom prst="rect">
@@ -3754,48 +3753,12 @@
           </a:prstGeom>
         </p:spPr>
       </p:pic>
-      <p:pic>
-        <p:nvPicPr>
-          <p:cNvPr id="8" name="Graphique 7" descr="Badge contour">
-            <a:extLst>
-              <a:ext uri="{FF2B5EF4-FFF2-40B4-BE49-F238E27FC236}">
-                <a16:creationId xmlns:a16="http://schemas.microsoft.com/office/drawing/2014/main" id="{E06806AA-B4E5-D4A9-9E6B-EBF4E98B7633}"/>
-              </a:ext>
-            </a:extLst>
-          </p:cNvPr>
-          <p:cNvPicPr>
-            <a:picLocks noChangeAspect="1"/>
-          </p:cNvPicPr>
-          <p:nvPr/>
-        </p:nvPicPr>
-        <p:blipFill>
-          <a:blip r:embed="rId5">
-            <a:extLst>
-              <a:ext uri="{96DAC541-7B7A-43D3-8B79-37D633B846F1}">
-                <asvg:svgBlip xmlns:asvg="http://schemas.microsoft.com/office/drawing/2016/SVG/main" r:embed="rId6"/>
-              </a:ext>
-            </a:extLst>
-          </a:blip>
-          <a:stretch>
-            <a:fillRect/>
-          </a:stretch>
-        </p:blipFill>
-        <p:spPr>
-          <a:xfrm>
-            <a:off x="6276750" y="2361237"/>
-            <a:ext cx="641387" cy="641387"/>
-          </a:xfrm>
-          <a:prstGeom prst="rect">
-            <a:avLst/>
-          </a:prstGeom>
-        </p:spPr>
-      </p:pic>
-      <p:sp>
-        <p:nvSpPr>
-          <p:cNvPr id="9" name="Rectangle : coins arrondis 8">
-            <a:extLst>
-              <a:ext uri="{FF2B5EF4-FFF2-40B4-BE49-F238E27FC236}">
-                <a16:creationId xmlns:a16="http://schemas.microsoft.com/office/drawing/2014/main" id="{10AE07AC-165A-FD1A-AD76-301D8D6870BE}"/>
+      <p:sp>
+        <p:nvSpPr>
+          <p:cNvPr id="8" name="Rectangle : coins arrondis 7">
+            <a:extLst>
+              <a:ext uri="{FF2B5EF4-FFF2-40B4-BE49-F238E27FC236}">
+                <a16:creationId xmlns:a16="http://schemas.microsoft.com/office/drawing/2014/main" id="{3B0C626A-66D6-C090-208E-D68DB492AB78}"/>
               </a:ext>
             </a:extLst>
           </p:cNvPr>
@@ -3804,8 +3767,8 @@
         </p:nvSpPr>
         <p:spPr>
           <a:xfrm>
-            <a:off x="7659328" y="1835656"/>
-            <a:ext cx="2045111" cy="525581"/>
+            <a:off x="8705323" y="2263588"/>
+            <a:ext cx="1500562" cy="597599"/>
           </a:xfrm>
           <a:prstGeom prst="roundRect">
             <a:avLst/>
@@ -3842,10 +3805,10 @@
       </p:sp>
       <p:pic>
         <p:nvPicPr>
-          <p:cNvPr id="10" name="Graphique 9" descr="Badge 3 contour">
-            <a:extLst>
-              <a:ext uri="{FF2B5EF4-FFF2-40B4-BE49-F238E27FC236}">
-                <a16:creationId xmlns:a16="http://schemas.microsoft.com/office/drawing/2014/main" id="{77667AD4-901E-D011-3C2C-CC33B8507E78}"/>
+          <p:cNvPr id="9" name="Graphique 8" descr="Badge 3 contour">
+            <a:extLst>
+              <a:ext uri="{FF2B5EF4-FFF2-40B4-BE49-F238E27FC236}">
+                <a16:creationId xmlns:a16="http://schemas.microsoft.com/office/drawing/2014/main" id="{CC9274A5-080F-C3B1-AD45-A262220DEA04}"/>
               </a:ext>
             </a:extLst>
           </p:cNvPr>
@@ -3855,10 +3818,10 @@
           <p:nvPr/>
         </p:nvPicPr>
         <p:blipFill>
-          <a:blip r:embed="rId7">
+          <a:blip r:embed="rId5">
             <a:extLst>
               <a:ext uri="{96DAC541-7B7A-43D3-8B79-37D633B846F1}">
-                <asvg:svgBlip xmlns:asvg="http://schemas.microsoft.com/office/drawing/2016/SVG/main" r:embed="rId8"/>
+                <asvg:svgBlip xmlns:asvg="http://schemas.microsoft.com/office/drawing/2016/SVG/main" r:embed="rId6"/>
               </a:ext>
             </a:extLst>
           </a:blip>
@@ -3868,7 +3831,215 @@
         </p:blipFill>
         <p:spPr>
           <a:xfrm>
-            <a:off x="8361190" y="2371268"/>
+            <a:off x="10241450" y="2236043"/>
+            <a:ext cx="641386" cy="641386"/>
+          </a:xfrm>
+          <a:prstGeom prst="rect">
+            <a:avLst/>
+          </a:prstGeom>
+        </p:spPr>
+      </p:pic>
+      <p:sp>
+        <p:nvSpPr>
+          <p:cNvPr id="10" name="Rectangle : coins arrondis 9">
+            <a:extLst>
+              <a:ext uri="{FF2B5EF4-FFF2-40B4-BE49-F238E27FC236}">
+                <a16:creationId xmlns:a16="http://schemas.microsoft.com/office/drawing/2014/main" id="{C865320F-15AE-955B-CDAA-EB5AE85A8898}"/>
+              </a:ext>
+            </a:extLst>
+          </p:cNvPr>
+          <p:cNvSpPr/>
+          <p:nvPr/>
+        </p:nvSpPr>
+        <p:spPr>
+          <a:xfrm>
+            <a:off x="5568832" y="2861187"/>
+            <a:ext cx="6259374" cy="1135627"/>
+          </a:xfrm>
+          <a:prstGeom prst="roundRect">
+            <a:avLst/>
+          </a:prstGeom>
+          <a:noFill/>
+          <a:ln w="57150">
+            <a:solidFill>
+              <a:srgbClr val="FF0000"/>
+            </a:solidFill>
+          </a:ln>
+        </p:spPr>
+        <p:style>
+          <a:lnRef idx="2">
+            <a:schemeClr val="accent2"/>
+          </a:lnRef>
+          <a:fillRef idx="1">
+            <a:schemeClr val="lt1"/>
+          </a:fillRef>
+          <a:effectRef idx="0">
+            <a:schemeClr val="accent2"/>
+          </a:effectRef>
+          <a:fontRef idx="minor">
+            <a:schemeClr val="dk1"/>
+          </a:fontRef>
+        </p:style>
+        <p:txBody>
+          <a:bodyPr rtlCol="0" anchor="ctr"/>
+          <a:lstStyle/>
+          <a:p>
+            <a:pPr algn="ctr"/>
+            <a:endParaRPr lang="en-GB"/>
+          </a:p>
+        </p:txBody>
+      </p:sp>
+      <p:pic>
+        <p:nvPicPr>
+          <p:cNvPr id="11" name="Graphique 10" descr="Badge contour">
+            <a:extLst>
+              <a:ext uri="{FF2B5EF4-FFF2-40B4-BE49-F238E27FC236}">
+                <a16:creationId xmlns:a16="http://schemas.microsoft.com/office/drawing/2014/main" id="{5420150C-EB6B-DB09-0C9A-41453697CCC6}"/>
+              </a:ext>
+            </a:extLst>
+          </p:cNvPr>
+          <p:cNvPicPr>
+            <a:picLocks noChangeAspect="1"/>
+          </p:cNvPicPr>
+          <p:nvPr/>
+        </p:nvPicPr>
+        <p:blipFill>
+          <a:blip r:embed="rId7">
+            <a:extLst>
+              <a:ext uri="{96DAC541-7B7A-43D3-8B79-37D633B846F1}">
+                <asvg:svgBlip xmlns:asvg="http://schemas.microsoft.com/office/drawing/2016/SVG/main" r:embed="rId8"/>
+              </a:ext>
+            </a:extLst>
+          </a:blip>
+          <a:stretch>
+            <a:fillRect/>
+          </a:stretch>
+        </p:blipFill>
+        <p:spPr>
+          <a:xfrm>
+            <a:off x="4930473" y="2241693"/>
+            <a:ext cx="641387" cy="641387"/>
+          </a:xfrm>
+          <a:prstGeom prst="rect">
+            <a:avLst/>
+          </a:prstGeom>
+        </p:spPr>
+      </p:pic>
+      <p:sp>
+        <p:nvSpPr>
+          <p:cNvPr id="12" name="Rectangle : coins arrondis 11">
+            <a:extLst>
+              <a:ext uri="{FF2B5EF4-FFF2-40B4-BE49-F238E27FC236}">
+                <a16:creationId xmlns:a16="http://schemas.microsoft.com/office/drawing/2014/main" id="{8106CF95-0622-847D-E2C8-D684B137F1AB}"/>
+              </a:ext>
+            </a:extLst>
+          </p:cNvPr>
+          <p:cNvSpPr/>
+          <p:nvPr/>
+        </p:nvSpPr>
+        <p:spPr>
+          <a:xfrm>
+            <a:off x="8933264" y="5861320"/>
+            <a:ext cx="3077497" cy="582408"/>
+          </a:xfrm>
+          <a:prstGeom prst="roundRect">
+            <a:avLst/>
+          </a:prstGeom>
+          <a:noFill/>
+          <a:ln w="57150">
+            <a:solidFill>
+              <a:srgbClr val="FF0000"/>
+            </a:solidFill>
+          </a:ln>
+        </p:spPr>
+        <p:style>
+          <a:lnRef idx="2">
+            <a:schemeClr val="accent2"/>
+          </a:lnRef>
+          <a:fillRef idx="1">
+            <a:schemeClr val="lt1"/>
+          </a:fillRef>
+          <a:effectRef idx="0">
+            <a:schemeClr val="accent2"/>
+          </a:effectRef>
+          <a:fontRef idx="minor">
+            <a:schemeClr val="dk1"/>
+          </a:fontRef>
+        </p:style>
+        <p:txBody>
+          <a:bodyPr rtlCol="0" anchor="ctr"/>
+          <a:lstStyle/>
+          <a:p>
+            <a:pPr algn="ctr"/>
+            <a:endParaRPr lang="en-GB"/>
+          </a:p>
+        </p:txBody>
+      </p:sp>
+      <p:pic>
+        <p:nvPicPr>
+          <p:cNvPr id="14" name="Graphique 13" descr="Badge 5 contour">
+            <a:extLst>
+              <a:ext uri="{FF2B5EF4-FFF2-40B4-BE49-F238E27FC236}">
+                <a16:creationId xmlns:a16="http://schemas.microsoft.com/office/drawing/2014/main" id="{8BC6C037-4BEF-D888-B50A-B04FA80511FA}"/>
+              </a:ext>
+            </a:extLst>
+          </p:cNvPr>
+          <p:cNvPicPr>
+            <a:picLocks noChangeAspect="1"/>
+          </p:cNvPicPr>
+          <p:nvPr/>
+        </p:nvPicPr>
+        <p:blipFill>
+          <a:blip r:embed="rId9">
+            <a:extLst>
+              <a:ext uri="{96DAC541-7B7A-43D3-8B79-37D633B846F1}">
+                <asvg:svgBlip xmlns:asvg="http://schemas.microsoft.com/office/drawing/2016/SVG/main" r:embed="rId10"/>
+              </a:ext>
+            </a:extLst>
+          </a:blip>
+          <a:stretch>
+            <a:fillRect/>
+          </a:stretch>
+        </p:blipFill>
+        <p:spPr>
+          <a:xfrm>
+            <a:off x="8138164" y="5782528"/>
+            <a:ext cx="641387" cy="641387"/>
+          </a:xfrm>
+          <a:prstGeom prst="rect">
+            <a:avLst/>
+          </a:prstGeom>
+        </p:spPr>
+      </p:pic>
+      <p:pic>
+        <p:nvPicPr>
+          <p:cNvPr id="15" name="Graphique 14" descr="Badge 4 contour">
+            <a:extLst>
+              <a:ext uri="{FF2B5EF4-FFF2-40B4-BE49-F238E27FC236}">
+                <a16:creationId xmlns:a16="http://schemas.microsoft.com/office/drawing/2014/main" id="{9978FA1B-B03C-BC7A-268B-058871A2BC6B}"/>
+              </a:ext>
+            </a:extLst>
+          </p:cNvPr>
+          <p:cNvPicPr>
+            <a:picLocks noChangeAspect="1"/>
+          </p:cNvPicPr>
+          <p:nvPr/>
+        </p:nvPicPr>
+        <p:blipFill>
+          <a:blip r:embed="rId11">
+            <a:extLst>
+              <a:ext uri="{96DAC541-7B7A-43D3-8B79-37D633B846F1}">
+                <asvg:svgBlip xmlns:asvg="http://schemas.microsoft.com/office/drawing/2016/SVG/main" r:embed="rId12"/>
+              </a:ext>
+            </a:extLst>
+          </a:blip>
+          <a:stretch>
+            <a:fillRect/>
+          </a:stretch>
+        </p:blipFill>
+        <p:spPr>
+          <a:xfrm>
+            <a:off x="4930473" y="3108137"/>
             <a:ext cx="641386" cy="641386"/>
           </a:xfrm>
           <a:prstGeom prst="rect">
@@ -3879,7 +4050,7 @@
     </p:spTree>
     <p:extLst>
       <p:ext uri="{BB962C8B-B14F-4D97-AF65-F5344CB8AC3E}">
-        <p14:creationId xmlns:p14="http://schemas.microsoft.com/office/powerpoint/2010/main" val="2387715804"/>
+        <p14:creationId xmlns:p14="http://schemas.microsoft.com/office/powerpoint/2010/main" val="3158169879"/>
       </p:ext>
     </p:extLst>
   </p:cSld>
@@ -3911,7 +4082,7 @@
           <p:cNvPr id="2" name="Titre 1">
             <a:extLst>
               <a:ext uri="{FF2B5EF4-FFF2-40B4-BE49-F238E27FC236}">
-                <a16:creationId xmlns:a16="http://schemas.microsoft.com/office/drawing/2014/main" id="{A1124309-CB4D-EF49-696F-6E59BC4CF83A}"/>
+                <a16:creationId xmlns:a16="http://schemas.microsoft.com/office/drawing/2014/main" id="{7B44C756-F6B6-B06D-DD3A-4155DCE69B62}"/>
               </a:ext>
             </a:extLst>
           </p:cNvPr>
@@ -3936,7 +4107,7 @@
           <p:cNvPr id="3" name="Espace réservé du contenu 2">
             <a:extLst>
               <a:ext uri="{FF2B5EF4-FFF2-40B4-BE49-F238E27FC236}">
-                <a16:creationId xmlns:a16="http://schemas.microsoft.com/office/drawing/2014/main" id="{1171007C-E0EE-9794-9AE2-9EA62753892D}"/>
+                <a16:creationId xmlns:a16="http://schemas.microsoft.com/office/drawing/2014/main" id="{BCF3FE82-A5F6-CAD4-B30E-2CCA675C3568}"/>
               </a:ext>
             </a:extLst>
           </p:cNvPr>
@@ -3961,7 +4132,7 @@
           <p:cNvPr id="5" name="Image 4">
             <a:extLst>
               <a:ext uri="{FF2B5EF4-FFF2-40B4-BE49-F238E27FC236}">
-                <a16:creationId xmlns:a16="http://schemas.microsoft.com/office/drawing/2014/main" id="{C190A28D-6F73-01FB-4C84-22CCAD4241AD}"/>
+                <a16:creationId xmlns:a16="http://schemas.microsoft.com/office/drawing/2014/main" id="{0CEF68E0-6356-4F2A-E968-3180F5BF0050}"/>
               </a:ext>
             </a:extLst>
           </p:cNvPr>
@@ -3983,8 +4154,8 @@
         </p:blipFill>
         <p:spPr>
           <a:xfrm>
-            <a:off x="-68826" y="655646"/>
-            <a:ext cx="12260826" cy="5791611"/>
+            <a:off x="0" y="690724"/>
+            <a:ext cx="12192000" cy="5771812"/>
           </a:xfrm>
           <a:prstGeom prst="rect">
             <a:avLst/>
@@ -3996,7 +4167,7 @@
           <p:cNvPr id="4" name="Rectangle : coins arrondis 3">
             <a:extLst>
               <a:ext uri="{FF2B5EF4-FFF2-40B4-BE49-F238E27FC236}">
-                <a16:creationId xmlns:a16="http://schemas.microsoft.com/office/drawing/2014/main" id="{0E256310-8F6E-D0DF-7365-49498E7E9216}"/>
+                <a16:creationId xmlns:a16="http://schemas.microsoft.com/office/drawing/2014/main" id="{8EAF49F8-C3FB-CE0B-BA09-F06BF47773C3}"/>
               </a:ext>
             </a:extLst>
           </p:cNvPr>
@@ -4005,8 +4176,8 @@
         </p:nvSpPr>
         <p:spPr>
           <a:xfrm>
-            <a:off x="5574889" y="1359008"/>
-            <a:ext cx="6331976" cy="673870"/>
+            <a:off x="5513526" y="1190343"/>
+            <a:ext cx="6259374" cy="1325563"/>
           </a:xfrm>
           <a:prstGeom prst="roundRect">
             <a:avLst/>
@@ -4041,390 +4212,10 @@
           </a:p>
         </p:txBody>
       </p:sp>
-      <p:sp>
-        <p:nvSpPr>
-          <p:cNvPr id="6" name="Rectangle : coins arrondis 5">
-            <a:extLst>
-              <a:ext uri="{FF2B5EF4-FFF2-40B4-BE49-F238E27FC236}">
-                <a16:creationId xmlns:a16="http://schemas.microsoft.com/office/drawing/2014/main" id="{9480E477-AE13-8CB1-3688-80CBA3543FD2}"/>
-              </a:ext>
-            </a:extLst>
-          </p:cNvPr>
-          <p:cNvSpPr/>
-          <p:nvPr/>
-        </p:nvSpPr>
-        <p:spPr>
-          <a:xfrm>
-            <a:off x="5574889" y="2263588"/>
-            <a:ext cx="3087330" cy="597599"/>
-          </a:xfrm>
-          <a:prstGeom prst="roundRect">
-            <a:avLst/>
-          </a:prstGeom>
-          <a:noFill/>
-          <a:ln w="57150">
-            <a:solidFill>
-              <a:srgbClr val="FF0000"/>
-            </a:solidFill>
-          </a:ln>
-        </p:spPr>
-        <p:style>
-          <a:lnRef idx="2">
-            <a:schemeClr val="accent2"/>
-          </a:lnRef>
-          <a:fillRef idx="1">
-            <a:schemeClr val="lt1"/>
-          </a:fillRef>
-          <a:effectRef idx="0">
-            <a:schemeClr val="accent2"/>
-          </a:effectRef>
-          <a:fontRef idx="minor">
-            <a:schemeClr val="dk1"/>
-          </a:fontRef>
-        </p:style>
-        <p:txBody>
-          <a:bodyPr rtlCol="0" anchor="ctr"/>
-          <a:lstStyle/>
-          <a:p>
-            <a:pPr algn="ctr"/>
-            <a:endParaRPr lang="en-GB"/>
-          </a:p>
-        </p:txBody>
-      </p:sp>
-      <p:pic>
-        <p:nvPicPr>
-          <p:cNvPr id="7" name="Graphique 6" descr="Badge 1 contour">
-            <a:extLst>
-              <a:ext uri="{FF2B5EF4-FFF2-40B4-BE49-F238E27FC236}">
-                <a16:creationId xmlns:a16="http://schemas.microsoft.com/office/drawing/2014/main" id="{A9886F1C-DC4D-A28A-B993-4F6A405A2183}"/>
-              </a:ext>
-            </a:extLst>
-          </p:cNvPr>
-          <p:cNvPicPr>
-            <a:picLocks noChangeAspect="1"/>
-          </p:cNvPicPr>
-          <p:nvPr/>
-        </p:nvPicPr>
-        <p:blipFill>
-          <a:blip r:embed="rId3">
-            <a:extLst>
-              <a:ext uri="{96DAC541-7B7A-43D3-8B79-37D633B846F1}">
-                <asvg:svgBlip xmlns:asvg="http://schemas.microsoft.com/office/drawing/2016/SVG/main" r:embed="rId4"/>
-              </a:ext>
-            </a:extLst>
-          </a:blip>
-          <a:stretch>
-            <a:fillRect/>
-          </a:stretch>
-        </p:blipFill>
-        <p:spPr>
-          <a:xfrm>
-            <a:off x="4933503" y="1375250"/>
-            <a:ext cx="641386" cy="641386"/>
-          </a:xfrm>
-          <a:prstGeom prst="rect">
-            <a:avLst/>
-          </a:prstGeom>
-        </p:spPr>
-      </p:pic>
-      <p:sp>
-        <p:nvSpPr>
-          <p:cNvPr id="8" name="Rectangle : coins arrondis 7">
-            <a:extLst>
-              <a:ext uri="{FF2B5EF4-FFF2-40B4-BE49-F238E27FC236}">
-                <a16:creationId xmlns:a16="http://schemas.microsoft.com/office/drawing/2014/main" id="{3B0C626A-66D6-C090-208E-D68DB492AB78}"/>
-              </a:ext>
-            </a:extLst>
-          </p:cNvPr>
-          <p:cNvSpPr/>
-          <p:nvPr/>
-        </p:nvSpPr>
-        <p:spPr>
-          <a:xfrm>
-            <a:off x="8705323" y="2263588"/>
-            <a:ext cx="1500562" cy="597599"/>
-          </a:xfrm>
-          <a:prstGeom prst="roundRect">
-            <a:avLst/>
-          </a:prstGeom>
-          <a:noFill/>
-          <a:ln w="57150">
-            <a:solidFill>
-              <a:srgbClr val="FF0000"/>
-            </a:solidFill>
-          </a:ln>
-        </p:spPr>
-        <p:style>
-          <a:lnRef idx="2">
-            <a:schemeClr val="accent2"/>
-          </a:lnRef>
-          <a:fillRef idx="1">
-            <a:schemeClr val="lt1"/>
-          </a:fillRef>
-          <a:effectRef idx="0">
-            <a:schemeClr val="accent2"/>
-          </a:effectRef>
-          <a:fontRef idx="minor">
-            <a:schemeClr val="dk1"/>
-          </a:fontRef>
-        </p:style>
-        <p:txBody>
-          <a:bodyPr rtlCol="0" anchor="ctr"/>
-          <a:lstStyle/>
-          <a:p>
-            <a:pPr algn="ctr"/>
-            <a:endParaRPr lang="en-GB"/>
-          </a:p>
-        </p:txBody>
-      </p:sp>
-      <p:pic>
-        <p:nvPicPr>
-          <p:cNvPr id="9" name="Graphique 8" descr="Badge 3 contour">
-            <a:extLst>
-              <a:ext uri="{FF2B5EF4-FFF2-40B4-BE49-F238E27FC236}">
-                <a16:creationId xmlns:a16="http://schemas.microsoft.com/office/drawing/2014/main" id="{CC9274A5-080F-C3B1-AD45-A262220DEA04}"/>
-              </a:ext>
-            </a:extLst>
-          </p:cNvPr>
-          <p:cNvPicPr>
-            <a:picLocks noChangeAspect="1"/>
-          </p:cNvPicPr>
-          <p:nvPr/>
-        </p:nvPicPr>
-        <p:blipFill>
-          <a:blip r:embed="rId5">
-            <a:extLst>
-              <a:ext uri="{96DAC541-7B7A-43D3-8B79-37D633B846F1}">
-                <asvg:svgBlip xmlns:asvg="http://schemas.microsoft.com/office/drawing/2016/SVG/main" r:embed="rId6"/>
-              </a:ext>
-            </a:extLst>
-          </a:blip>
-          <a:stretch>
-            <a:fillRect/>
-          </a:stretch>
-        </p:blipFill>
-        <p:spPr>
-          <a:xfrm>
-            <a:off x="10241450" y="2236043"/>
-            <a:ext cx="641386" cy="641386"/>
-          </a:xfrm>
-          <a:prstGeom prst="rect">
-            <a:avLst/>
-          </a:prstGeom>
-        </p:spPr>
-      </p:pic>
-      <p:sp>
-        <p:nvSpPr>
-          <p:cNvPr id="10" name="Rectangle : coins arrondis 9">
-            <a:extLst>
-              <a:ext uri="{FF2B5EF4-FFF2-40B4-BE49-F238E27FC236}">
-                <a16:creationId xmlns:a16="http://schemas.microsoft.com/office/drawing/2014/main" id="{C865320F-15AE-955B-CDAA-EB5AE85A8898}"/>
-              </a:ext>
-            </a:extLst>
-          </p:cNvPr>
-          <p:cNvSpPr/>
-          <p:nvPr/>
-        </p:nvSpPr>
-        <p:spPr>
-          <a:xfrm>
-            <a:off x="5568832" y="2861187"/>
-            <a:ext cx="6259374" cy="1135627"/>
-          </a:xfrm>
-          <a:prstGeom prst="roundRect">
-            <a:avLst/>
-          </a:prstGeom>
-          <a:noFill/>
-          <a:ln w="57150">
-            <a:solidFill>
-              <a:srgbClr val="FF0000"/>
-            </a:solidFill>
-          </a:ln>
-        </p:spPr>
-        <p:style>
-          <a:lnRef idx="2">
-            <a:schemeClr val="accent2"/>
-          </a:lnRef>
-          <a:fillRef idx="1">
-            <a:schemeClr val="lt1"/>
-          </a:fillRef>
-          <a:effectRef idx="0">
-            <a:schemeClr val="accent2"/>
-          </a:effectRef>
-          <a:fontRef idx="minor">
-            <a:schemeClr val="dk1"/>
-          </a:fontRef>
-        </p:style>
-        <p:txBody>
-          <a:bodyPr rtlCol="0" anchor="ctr"/>
-          <a:lstStyle/>
-          <a:p>
-            <a:pPr algn="ctr"/>
-            <a:endParaRPr lang="en-GB"/>
-          </a:p>
-        </p:txBody>
-      </p:sp>
-      <p:pic>
-        <p:nvPicPr>
-          <p:cNvPr id="11" name="Graphique 10" descr="Badge contour">
-            <a:extLst>
-              <a:ext uri="{FF2B5EF4-FFF2-40B4-BE49-F238E27FC236}">
-                <a16:creationId xmlns:a16="http://schemas.microsoft.com/office/drawing/2014/main" id="{5420150C-EB6B-DB09-0C9A-41453697CCC6}"/>
-              </a:ext>
-            </a:extLst>
-          </p:cNvPr>
-          <p:cNvPicPr>
-            <a:picLocks noChangeAspect="1"/>
-          </p:cNvPicPr>
-          <p:nvPr/>
-        </p:nvPicPr>
-        <p:blipFill>
-          <a:blip r:embed="rId7">
-            <a:extLst>
-              <a:ext uri="{96DAC541-7B7A-43D3-8B79-37D633B846F1}">
-                <asvg:svgBlip xmlns:asvg="http://schemas.microsoft.com/office/drawing/2016/SVG/main" r:embed="rId8"/>
-              </a:ext>
-            </a:extLst>
-          </a:blip>
-          <a:stretch>
-            <a:fillRect/>
-          </a:stretch>
-        </p:blipFill>
-        <p:spPr>
-          <a:xfrm>
-            <a:off x="4930473" y="2241693"/>
-            <a:ext cx="641387" cy="641387"/>
-          </a:xfrm>
-          <a:prstGeom prst="rect">
-            <a:avLst/>
-          </a:prstGeom>
-        </p:spPr>
-      </p:pic>
-      <p:sp>
-        <p:nvSpPr>
-          <p:cNvPr id="12" name="Rectangle : coins arrondis 11">
-            <a:extLst>
-              <a:ext uri="{FF2B5EF4-FFF2-40B4-BE49-F238E27FC236}">
-                <a16:creationId xmlns:a16="http://schemas.microsoft.com/office/drawing/2014/main" id="{8106CF95-0622-847D-E2C8-D684B137F1AB}"/>
-              </a:ext>
-            </a:extLst>
-          </p:cNvPr>
-          <p:cNvSpPr/>
-          <p:nvPr/>
-        </p:nvSpPr>
-        <p:spPr>
-          <a:xfrm>
-            <a:off x="8933264" y="5861320"/>
-            <a:ext cx="3077497" cy="582408"/>
-          </a:xfrm>
-          <a:prstGeom prst="roundRect">
-            <a:avLst/>
-          </a:prstGeom>
-          <a:noFill/>
-          <a:ln w="57150">
-            <a:solidFill>
-              <a:srgbClr val="FF0000"/>
-            </a:solidFill>
-          </a:ln>
-        </p:spPr>
-        <p:style>
-          <a:lnRef idx="2">
-            <a:schemeClr val="accent2"/>
-          </a:lnRef>
-          <a:fillRef idx="1">
-            <a:schemeClr val="lt1"/>
-          </a:fillRef>
-          <a:effectRef idx="0">
-            <a:schemeClr val="accent2"/>
-          </a:effectRef>
-          <a:fontRef idx="minor">
-            <a:schemeClr val="dk1"/>
-          </a:fontRef>
-        </p:style>
-        <p:txBody>
-          <a:bodyPr rtlCol="0" anchor="ctr"/>
-          <a:lstStyle/>
-          <a:p>
-            <a:pPr algn="ctr"/>
-            <a:endParaRPr lang="en-GB"/>
-          </a:p>
-        </p:txBody>
-      </p:sp>
-      <p:pic>
-        <p:nvPicPr>
-          <p:cNvPr id="14" name="Graphique 13" descr="Badge 5 contour">
-            <a:extLst>
-              <a:ext uri="{FF2B5EF4-FFF2-40B4-BE49-F238E27FC236}">
-                <a16:creationId xmlns:a16="http://schemas.microsoft.com/office/drawing/2014/main" id="{8BC6C037-4BEF-D888-B50A-B04FA80511FA}"/>
-              </a:ext>
-            </a:extLst>
-          </p:cNvPr>
-          <p:cNvPicPr>
-            <a:picLocks noChangeAspect="1"/>
-          </p:cNvPicPr>
-          <p:nvPr/>
-        </p:nvPicPr>
-        <p:blipFill>
-          <a:blip r:embed="rId9">
-            <a:extLst>
-              <a:ext uri="{96DAC541-7B7A-43D3-8B79-37D633B846F1}">
-                <asvg:svgBlip xmlns:asvg="http://schemas.microsoft.com/office/drawing/2016/SVG/main" r:embed="rId10"/>
-              </a:ext>
-            </a:extLst>
-          </a:blip>
-          <a:stretch>
-            <a:fillRect/>
-          </a:stretch>
-        </p:blipFill>
-        <p:spPr>
-          <a:xfrm>
-            <a:off x="8138164" y="5782528"/>
-            <a:ext cx="641387" cy="641387"/>
-          </a:xfrm>
-          <a:prstGeom prst="rect">
-            <a:avLst/>
-          </a:prstGeom>
-        </p:spPr>
-      </p:pic>
-      <p:pic>
-        <p:nvPicPr>
-          <p:cNvPr id="15" name="Graphique 14" descr="Badge 4 contour">
-            <a:extLst>
-              <a:ext uri="{FF2B5EF4-FFF2-40B4-BE49-F238E27FC236}">
-                <a16:creationId xmlns:a16="http://schemas.microsoft.com/office/drawing/2014/main" id="{9978FA1B-B03C-BC7A-268B-058871A2BC6B}"/>
-              </a:ext>
-            </a:extLst>
-          </p:cNvPr>
-          <p:cNvPicPr>
-            <a:picLocks noChangeAspect="1"/>
-          </p:cNvPicPr>
-          <p:nvPr/>
-        </p:nvPicPr>
-        <p:blipFill>
-          <a:blip r:embed="rId11">
-            <a:extLst>
-              <a:ext uri="{96DAC541-7B7A-43D3-8B79-37D633B846F1}">
-                <asvg:svgBlip xmlns:asvg="http://schemas.microsoft.com/office/drawing/2016/SVG/main" r:embed="rId12"/>
-              </a:ext>
-            </a:extLst>
-          </a:blip>
-          <a:stretch>
-            <a:fillRect/>
-          </a:stretch>
-        </p:blipFill>
-        <p:spPr>
-          <a:xfrm>
-            <a:off x="4930473" y="3108137"/>
-            <a:ext cx="641386" cy="641386"/>
-          </a:xfrm>
-          <a:prstGeom prst="rect">
-            <a:avLst/>
-          </a:prstGeom>
-        </p:spPr>
-      </p:pic>
     </p:spTree>
     <p:extLst>
       <p:ext uri="{BB962C8B-B14F-4D97-AF65-F5344CB8AC3E}">
-        <p14:creationId xmlns:p14="http://schemas.microsoft.com/office/powerpoint/2010/main" val="3158169879"/>
+        <p14:creationId xmlns:p14="http://schemas.microsoft.com/office/powerpoint/2010/main" val="3547061875"/>
       </p:ext>
     </p:extLst>
   </p:cSld>
@@ -4456,7 +4247,7 @@
           <p:cNvPr id="2" name="Titre 1">
             <a:extLst>
               <a:ext uri="{FF2B5EF4-FFF2-40B4-BE49-F238E27FC236}">
-                <a16:creationId xmlns:a16="http://schemas.microsoft.com/office/drawing/2014/main" id="{7B44C756-F6B6-B06D-DD3A-4155DCE69B62}"/>
+                <a16:creationId xmlns:a16="http://schemas.microsoft.com/office/drawing/2014/main" id="{6A045CE4-F60B-02E1-962A-F3DCBAD71D53}"/>
               </a:ext>
             </a:extLst>
           </p:cNvPr>
@@ -4481,7 +4272,7 @@
           <p:cNvPr id="3" name="Espace réservé du contenu 2">
             <a:extLst>
               <a:ext uri="{FF2B5EF4-FFF2-40B4-BE49-F238E27FC236}">
-                <a16:creationId xmlns:a16="http://schemas.microsoft.com/office/drawing/2014/main" id="{BCF3FE82-A5F6-CAD4-B30E-2CCA675C3568}"/>
+                <a16:creationId xmlns:a16="http://schemas.microsoft.com/office/drawing/2014/main" id="{324004F2-ABE4-0CEA-B801-92D7613189D6}"/>
               </a:ext>
             </a:extLst>
           </p:cNvPr>
@@ -4506,7 +4297,7 @@
           <p:cNvPr id="5" name="Image 4">
             <a:extLst>
               <a:ext uri="{FF2B5EF4-FFF2-40B4-BE49-F238E27FC236}">
-                <a16:creationId xmlns:a16="http://schemas.microsoft.com/office/drawing/2014/main" id="{0CEF68E0-6356-4F2A-E968-3180F5BF0050}"/>
+                <a16:creationId xmlns:a16="http://schemas.microsoft.com/office/drawing/2014/main" id="{DF9415E4-9E2E-A9F2-92F3-A6B426418838}"/>
               </a:ext>
             </a:extLst>
           </p:cNvPr>
@@ -4516,80 +4307,55 @@
           <p:nvPr/>
         </p:nvPicPr>
         <p:blipFill>
-          <a:blip r:embed="rId2">
-            <a:extLst>
-              <a:ext uri="{28A0092B-C50C-407E-A947-70E740481C1C}">
-                <a14:useLocalDpi xmlns:a14="http://schemas.microsoft.com/office/drawing/2010/main" val="0"/>
-              </a:ext>
-            </a:extLst>
-          </a:blip>
-          <a:srcRect/>
-          <a:stretch/>
+          <a:blip r:embed="rId2"/>
+          <a:stretch>
+            <a:fillRect/>
+          </a:stretch>
         </p:blipFill>
         <p:spPr>
           <a:xfrm>
-            <a:off x="0" y="690724"/>
-            <a:ext cx="12192000" cy="5771812"/>
+            <a:off x="0" y="667048"/>
+            <a:ext cx="12192000" cy="5523904"/>
           </a:xfrm>
           <a:prstGeom prst="rect">
             <a:avLst/>
           </a:prstGeom>
         </p:spPr>
       </p:pic>
-      <p:sp>
-        <p:nvSpPr>
-          <p:cNvPr id="4" name="Rectangle : coins arrondis 3">
-            <a:extLst>
-              <a:ext uri="{FF2B5EF4-FFF2-40B4-BE49-F238E27FC236}">
-                <a16:creationId xmlns:a16="http://schemas.microsoft.com/office/drawing/2014/main" id="{8EAF49F8-C3FB-CE0B-BA09-F06BF47773C3}"/>
-              </a:ext>
-            </a:extLst>
-          </p:cNvPr>
-          <p:cNvSpPr/>
-          <p:nvPr/>
-        </p:nvSpPr>
-        <p:spPr>
-          <a:xfrm>
-            <a:off x="5513526" y="1190343"/>
-            <a:ext cx="6259374" cy="1325563"/>
-          </a:xfrm>
-          <a:prstGeom prst="roundRect">
-            <a:avLst/>
-          </a:prstGeom>
-          <a:noFill/>
-          <a:ln w="57150">
-            <a:solidFill>
-              <a:srgbClr val="FF0000"/>
-            </a:solidFill>
-          </a:ln>
-        </p:spPr>
-        <p:style>
-          <a:lnRef idx="2">
-            <a:schemeClr val="accent2"/>
-          </a:lnRef>
-          <a:fillRef idx="1">
-            <a:schemeClr val="lt1"/>
-          </a:fillRef>
-          <a:effectRef idx="0">
-            <a:schemeClr val="accent2"/>
-          </a:effectRef>
-          <a:fontRef idx="minor">
-            <a:schemeClr val="dk1"/>
-          </a:fontRef>
-        </p:style>
-        <p:txBody>
-          <a:bodyPr rtlCol="0" anchor="ctr"/>
-          <a:lstStyle/>
-          <a:p>
-            <a:pPr algn="ctr"/>
-            <a:endParaRPr lang="en-GB"/>
-          </a:p>
-        </p:txBody>
-      </p:sp>
+      <p:pic>
+        <p:nvPicPr>
+          <p:cNvPr id="6" name="Picture 5">
+            <a:extLst>
+              <a:ext uri="{FF2B5EF4-FFF2-40B4-BE49-F238E27FC236}">
+                <a16:creationId xmlns:a16="http://schemas.microsoft.com/office/drawing/2014/main" id="{0A02150C-68BF-BA3E-57B0-7A38A7B62F13}"/>
+              </a:ext>
+            </a:extLst>
+          </p:cNvPr>
+          <p:cNvPicPr>
+            <a:picLocks noChangeAspect="1"/>
+          </p:cNvPicPr>
+          <p:nvPr/>
+        </p:nvPicPr>
+        <p:blipFill>
+          <a:blip r:embed="rId3"/>
+          <a:stretch>
+            <a:fillRect/>
+          </a:stretch>
+        </p:blipFill>
+        <p:spPr>
+          <a:xfrm>
+            <a:off x="0" y="546272"/>
+            <a:ext cx="12192000" cy="5765456"/>
+          </a:xfrm>
+          <a:prstGeom prst="rect">
+            <a:avLst/>
+          </a:prstGeom>
+        </p:spPr>
+      </p:pic>
     </p:spTree>
     <p:extLst>
       <p:ext uri="{BB962C8B-B14F-4D97-AF65-F5344CB8AC3E}">
-        <p14:creationId xmlns:p14="http://schemas.microsoft.com/office/powerpoint/2010/main" val="3547061875"/>
+        <p14:creationId xmlns:p14="http://schemas.microsoft.com/office/powerpoint/2010/main" val="1215158441"/>
       </p:ext>
     </p:extLst>
   </p:cSld>
@@ -4621,7 +4387,7 @@
           <p:cNvPr id="2" name="Titre 1">
             <a:extLst>
               <a:ext uri="{FF2B5EF4-FFF2-40B4-BE49-F238E27FC236}">
-                <a16:creationId xmlns:a16="http://schemas.microsoft.com/office/drawing/2014/main" id="{6A045CE4-F60B-02E1-962A-F3DCBAD71D53}"/>
+                <a16:creationId xmlns:a16="http://schemas.microsoft.com/office/drawing/2014/main" id="{FC170120-3033-ADD7-DADB-77188F726619}"/>
               </a:ext>
             </a:extLst>
           </p:cNvPr>
@@ -4646,7 +4412,7 @@
           <p:cNvPr id="3" name="Espace réservé du contenu 2">
             <a:extLst>
               <a:ext uri="{FF2B5EF4-FFF2-40B4-BE49-F238E27FC236}">
-                <a16:creationId xmlns:a16="http://schemas.microsoft.com/office/drawing/2014/main" id="{324004F2-ABE4-0CEA-B801-92D7613189D6}"/>
+                <a16:creationId xmlns:a16="http://schemas.microsoft.com/office/drawing/2014/main" id="{67472E4D-39F7-9DE4-1B92-48284A4AEC3E}"/>
               </a:ext>
             </a:extLst>
           </p:cNvPr>
@@ -4671,7 +4437,7 @@
           <p:cNvPr id="5" name="Image 4">
             <a:extLst>
               <a:ext uri="{FF2B5EF4-FFF2-40B4-BE49-F238E27FC236}">
-                <a16:creationId xmlns:a16="http://schemas.microsoft.com/office/drawing/2014/main" id="{DF9415E4-9E2E-A9F2-92F3-A6B426418838}"/>
+                <a16:creationId xmlns:a16="http://schemas.microsoft.com/office/drawing/2014/main" id="{58120F2F-9F3D-A37F-BB1C-AB68B2D3D202}"/>
               </a:ext>
             </a:extLst>
           </p:cNvPr>
@@ -4688,38 +4454,8 @@
         </p:blipFill>
         <p:spPr>
           <a:xfrm>
-            <a:off x="0" y="667048"/>
-            <a:ext cx="12192000" cy="5523904"/>
-          </a:xfrm>
-          <a:prstGeom prst="rect">
-            <a:avLst/>
-          </a:prstGeom>
-        </p:spPr>
-      </p:pic>
-      <p:pic>
-        <p:nvPicPr>
-          <p:cNvPr id="6" name="Picture 5">
-            <a:extLst>
-              <a:ext uri="{FF2B5EF4-FFF2-40B4-BE49-F238E27FC236}">
-                <a16:creationId xmlns:a16="http://schemas.microsoft.com/office/drawing/2014/main" id="{0A02150C-68BF-BA3E-57B0-7A38A7B62F13}"/>
-              </a:ext>
-            </a:extLst>
-          </p:cNvPr>
-          <p:cNvPicPr>
-            <a:picLocks noChangeAspect="1"/>
-          </p:cNvPicPr>
-          <p:nvPr/>
-        </p:nvPicPr>
-        <p:blipFill>
-          <a:blip r:embed="rId3"/>
-          <a:stretch>
-            <a:fillRect/>
-          </a:stretch>
-        </p:blipFill>
-        <p:spPr>
-          <a:xfrm>
-            <a:off x="0" y="546272"/>
-            <a:ext cx="12192000" cy="5765456"/>
+            <a:off x="0" y="681507"/>
+            <a:ext cx="12192000" cy="5494986"/>
           </a:xfrm>
           <a:prstGeom prst="rect">
             <a:avLst/>
@@ -4729,7 +4465,7 @@
     </p:spTree>
     <p:extLst>
       <p:ext uri="{BB962C8B-B14F-4D97-AF65-F5344CB8AC3E}">
-        <p14:creationId xmlns:p14="http://schemas.microsoft.com/office/powerpoint/2010/main" val="1215158441"/>
+        <p14:creationId xmlns:p14="http://schemas.microsoft.com/office/powerpoint/2010/main" val="697752615"/>
       </p:ext>
     </p:extLst>
   </p:cSld>
@@ -4761,7 +4497,7 @@
           <p:cNvPr id="2" name="Titre 1">
             <a:extLst>
               <a:ext uri="{FF2B5EF4-FFF2-40B4-BE49-F238E27FC236}">
-                <a16:creationId xmlns:a16="http://schemas.microsoft.com/office/drawing/2014/main" id="{FC170120-3033-ADD7-DADB-77188F726619}"/>
+                <a16:creationId xmlns:a16="http://schemas.microsoft.com/office/drawing/2014/main" id="{A29BACC0-02F6-BF61-3420-1D9A2BCBDBDF}"/>
               </a:ext>
             </a:extLst>
           </p:cNvPr>
@@ -4786,7 +4522,7 @@
           <p:cNvPr id="3" name="Espace réservé du contenu 2">
             <a:extLst>
               <a:ext uri="{FF2B5EF4-FFF2-40B4-BE49-F238E27FC236}">
-                <a16:creationId xmlns:a16="http://schemas.microsoft.com/office/drawing/2014/main" id="{67472E4D-39F7-9DE4-1B92-48284A4AEC3E}"/>
+                <a16:creationId xmlns:a16="http://schemas.microsoft.com/office/drawing/2014/main" id="{F480BCE8-C15C-7570-D795-45918B211DD9}"/>
               </a:ext>
             </a:extLst>
           </p:cNvPr>
@@ -4811,7 +4547,7 @@
           <p:cNvPr id="5" name="Image 4">
             <a:extLst>
               <a:ext uri="{FF2B5EF4-FFF2-40B4-BE49-F238E27FC236}">
-                <a16:creationId xmlns:a16="http://schemas.microsoft.com/office/drawing/2014/main" id="{58120F2F-9F3D-A37F-BB1C-AB68B2D3D202}"/>
+                <a16:creationId xmlns:a16="http://schemas.microsoft.com/office/drawing/2014/main" id="{51E668E8-A080-DA2B-5FCD-2009C72A4E4B}"/>
               </a:ext>
             </a:extLst>
           </p:cNvPr>
@@ -4828,8 +4564,266 @@
         </p:blipFill>
         <p:spPr>
           <a:xfrm>
-            <a:off x="0" y="681507"/>
-            <a:ext cx="12192000" cy="5494986"/>
+            <a:off x="0" y="693900"/>
+            <a:ext cx="12192000" cy="5470199"/>
+          </a:xfrm>
+          <a:prstGeom prst="rect">
+            <a:avLst/>
+          </a:prstGeom>
+        </p:spPr>
+      </p:pic>
+      <p:sp>
+        <p:nvSpPr>
+          <p:cNvPr id="4" name="Rectangle : coins arrondis 3">
+            <a:extLst>
+              <a:ext uri="{FF2B5EF4-FFF2-40B4-BE49-F238E27FC236}">
+                <a16:creationId xmlns:a16="http://schemas.microsoft.com/office/drawing/2014/main" id="{A832729D-5211-B208-952C-0AFDD720BE9A}"/>
+              </a:ext>
+            </a:extLst>
+          </p:cNvPr>
+          <p:cNvSpPr/>
+          <p:nvPr/>
+        </p:nvSpPr>
+        <p:spPr>
+          <a:xfrm>
+            <a:off x="5624052" y="1248697"/>
+            <a:ext cx="6148847" cy="678425"/>
+          </a:xfrm>
+          <a:prstGeom prst="roundRect">
+            <a:avLst/>
+          </a:prstGeom>
+          <a:noFill/>
+          <a:ln w="57150">
+            <a:solidFill>
+              <a:srgbClr val="FF0000"/>
+            </a:solidFill>
+          </a:ln>
+        </p:spPr>
+        <p:style>
+          <a:lnRef idx="2">
+            <a:schemeClr val="accent2"/>
+          </a:lnRef>
+          <a:fillRef idx="1">
+            <a:schemeClr val="lt1"/>
+          </a:fillRef>
+          <a:effectRef idx="0">
+            <a:schemeClr val="accent2"/>
+          </a:effectRef>
+          <a:fontRef idx="minor">
+            <a:schemeClr val="dk1"/>
+          </a:fontRef>
+        </p:style>
+        <p:txBody>
+          <a:bodyPr rtlCol="0" anchor="ctr"/>
+          <a:lstStyle/>
+          <a:p>
+            <a:pPr algn="ctr"/>
+            <a:endParaRPr lang="en-GB"/>
+          </a:p>
+        </p:txBody>
+      </p:sp>
+      <p:sp>
+        <p:nvSpPr>
+          <p:cNvPr id="6" name="Rectangle : coins arrondis 5">
+            <a:extLst>
+              <a:ext uri="{FF2B5EF4-FFF2-40B4-BE49-F238E27FC236}">
+                <a16:creationId xmlns:a16="http://schemas.microsoft.com/office/drawing/2014/main" id="{EF56D352-E674-067E-01C4-C031C48D67A8}"/>
+              </a:ext>
+            </a:extLst>
+          </p:cNvPr>
+          <p:cNvSpPr/>
+          <p:nvPr/>
+        </p:nvSpPr>
+        <p:spPr>
+          <a:xfrm>
+            <a:off x="5624051" y="2255897"/>
+            <a:ext cx="6148847" cy="678425"/>
+          </a:xfrm>
+          <a:prstGeom prst="roundRect">
+            <a:avLst/>
+          </a:prstGeom>
+          <a:noFill/>
+          <a:ln w="57150">
+            <a:solidFill>
+              <a:srgbClr val="FF0000"/>
+            </a:solidFill>
+          </a:ln>
+        </p:spPr>
+        <p:style>
+          <a:lnRef idx="2">
+            <a:schemeClr val="accent2"/>
+          </a:lnRef>
+          <a:fillRef idx="1">
+            <a:schemeClr val="lt1"/>
+          </a:fillRef>
+          <a:effectRef idx="0">
+            <a:schemeClr val="accent2"/>
+          </a:effectRef>
+          <a:fontRef idx="minor">
+            <a:schemeClr val="dk1"/>
+          </a:fontRef>
+        </p:style>
+        <p:txBody>
+          <a:bodyPr rtlCol="0" anchor="ctr"/>
+          <a:lstStyle/>
+          <a:p>
+            <a:pPr algn="ctr"/>
+            <a:endParaRPr lang="en-GB"/>
+          </a:p>
+        </p:txBody>
+      </p:sp>
+      <p:sp>
+        <p:nvSpPr>
+          <p:cNvPr id="7" name="Rectangle : coins arrondis 6">
+            <a:extLst>
+              <a:ext uri="{FF2B5EF4-FFF2-40B4-BE49-F238E27FC236}">
+                <a16:creationId xmlns:a16="http://schemas.microsoft.com/office/drawing/2014/main" id="{EAA5EE6C-0E56-2992-3871-EC31B81FCAD7}"/>
+              </a:ext>
+            </a:extLst>
+          </p:cNvPr>
+          <p:cNvSpPr/>
+          <p:nvPr/>
+        </p:nvSpPr>
+        <p:spPr>
+          <a:xfrm>
+            <a:off x="10097729" y="5492106"/>
+            <a:ext cx="1940639" cy="678425"/>
+          </a:xfrm>
+          <a:prstGeom prst="roundRect">
+            <a:avLst/>
+          </a:prstGeom>
+          <a:noFill/>
+          <a:ln w="57150">
+            <a:solidFill>
+              <a:srgbClr val="FF0000"/>
+            </a:solidFill>
+          </a:ln>
+        </p:spPr>
+        <p:style>
+          <a:lnRef idx="2">
+            <a:schemeClr val="accent2"/>
+          </a:lnRef>
+          <a:fillRef idx="1">
+            <a:schemeClr val="lt1"/>
+          </a:fillRef>
+          <a:effectRef idx="0">
+            <a:schemeClr val="accent2"/>
+          </a:effectRef>
+          <a:fontRef idx="minor">
+            <a:schemeClr val="dk1"/>
+          </a:fontRef>
+        </p:style>
+        <p:txBody>
+          <a:bodyPr rtlCol="0" anchor="ctr"/>
+          <a:lstStyle/>
+          <a:p>
+            <a:pPr algn="ctr"/>
+            <a:endParaRPr lang="en-GB"/>
+          </a:p>
+        </p:txBody>
+      </p:sp>
+      <p:pic>
+        <p:nvPicPr>
+          <p:cNvPr id="8" name="Graphique 7" descr="Badge 1 contour">
+            <a:extLst>
+              <a:ext uri="{FF2B5EF4-FFF2-40B4-BE49-F238E27FC236}">
+                <a16:creationId xmlns:a16="http://schemas.microsoft.com/office/drawing/2014/main" id="{7C22598A-C75A-5F92-4214-F377C5793A6D}"/>
+              </a:ext>
+            </a:extLst>
+          </p:cNvPr>
+          <p:cNvPicPr>
+            <a:picLocks noChangeAspect="1"/>
+          </p:cNvPicPr>
+          <p:nvPr/>
+        </p:nvPicPr>
+        <p:blipFill>
+          <a:blip r:embed="rId3">
+            <a:extLst>
+              <a:ext uri="{96DAC541-7B7A-43D3-8B79-37D633B846F1}">
+                <asvg:svgBlip xmlns:asvg="http://schemas.microsoft.com/office/drawing/2016/SVG/main" r:embed="rId4"/>
+              </a:ext>
+            </a:extLst>
+          </a:blip>
+          <a:stretch>
+            <a:fillRect/>
+          </a:stretch>
+        </p:blipFill>
+        <p:spPr>
+          <a:xfrm>
+            <a:off x="4933503" y="1375250"/>
+            <a:ext cx="641386" cy="641386"/>
+          </a:xfrm>
+          <a:prstGeom prst="rect">
+            <a:avLst/>
+          </a:prstGeom>
+        </p:spPr>
+      </p:pic>
+      <p:pic>
+        <p:nvPicPr>
+          <p:cNvPr id="9" name="Graphique 8" descr="Badge 3 contour">
+            <a:extLst>
+              <a:ext uri="{FF2B5EF4-FFF2-40B4-BE49-F238E27FC236}">
+                <a16:creationId xmlns:a16="http://schemas.microsoft.com/office/drawing/2014/main" id="{14142F1E-1F88-EC07-C91F-EA014E080F89}"/>
+              </a:ext>
+            </a:extLst>
+          </p:cNvPr>
+          <p:cNvPicPr>
+            <a:picLocks noChangeAspect="1"/>
+          </p:cNvPicPr>
+          <p:nvPr/>
+        </p:nvPicPr>
+        <p:blipFill>
+          <a:blip r:embed="rId5">
+            <a:extLst>
+              <a:ext uri="{96DAC541-7B7A-43D3-8B79-37D633B846F1}">
+                <asvg:svgBlip xmlns:asvg="http://schemas.microsoft.com/office/drawing/2016/SVG/main" r:embed="rId6"/>
+              </a:ext>
+            </a:extLst>
+          </a:blip>
+          <a:stretch>
+            <a:fillRect/>
+          </a:stretch>
+        </p:blipFill>
+        <p:spPr>
+          <a:xfrm>
+            <a:off x="9413161" y="5510625"/>
+            <a:ext cx="641386" cy="641386"/>
+          </a:xfrm>
+          <a:prstGeom prst="rect">
+            <a:avLst/>
+          </a:prstGeom>
+        </p:spPr>
+      </p:pic>
+      <p:pic>
+        <p:nvPicPr>
+          <p:cNvPr id="10" name="Graphique 9" descr="Badge contour">
+            <a:extLst>
+              <a:ext uri="{FF2B5EF4-FFF2-40B4-BE49-F238E27FC236}">
+                <a16:creationId xmlns:a16="http://schemas.microsoft.com/office/drawing/2014/main" id="{A750B93F-8243-7D3D-9BF4-F1118D55B9D2}"/>
+              </a:ext>
+            </a:extLst>
+          </p:cNvPr>
+          <p:cNvPicPr>
+            <a:picLocks noChangeAspect="1"/>
+          </p:cNvPicPr>
+          <p:nvPr/>
+        </p:nvPicPr>
+        <p:blipFill>
+          <a:blip r:embed="rId7">
+            <a:extLst>
+              <a:ext uri="{96DAC541-7B7A-43D3-8B79-37D633B846F1}">
+                <asvg:svgBlip xmlns:asvg="http://schemas.microsoft.com/office/drawing/2016/SVG/main" r:embed="rId8"/>
+              </a:ext>
+            </a:extLst>
+          </a:blip>
+          <a:stretch>
+            <a:fillRect/>
+          </a:stretch>
+        </p:blipFill>
+        <p:spPr>
+          <a:xfrm>
+            <a:off x="4930473" y="2241693"/>
+            <a:ext cx="641387" cy="641387"/>
           </a:xfrm>
           <a:prstGeom prst="rect">
             <a:avLst/>
@@ -4839,7 +4833,7 @@
     </p:spTree>
     <p:extLst>
       <p:ext uri="{BB962C8B-B14F-4D97-AF65-F5344CB8AC3E}">
-        <p14:creationId xmlns:p14="http://schemas.microsoft.com/office/powerpoint/2010/main" val="697752615"/>
+        <p14:creationId xmlns:p14="http://schemas.microsoft.com/office/powerpoint/2010/main" val="218115422"/>
       </p:ext>
     </p:extLst>
   </p:cSld>
@@ -4871,7 +4865,7 @@
           <p:cNvPr id="2" name="Titre 1">
             <a:extLst>
               <a:ext uri="{FF2B5EF4-FFF2-40B4-BE49-F238E27FC236}">
-                <a16:creationId xmlns:a16="http://schemas.microsoft.com/office/drawing/2014/main" id="{A29BACC0-02F6-BF61-3420-1D9A2BCBDBDF}"/>
+                <a16:creationId xmlns:a16="http://schemas.microsoft.com/office/drawing/2014/main" id="{62562062-0C6B-B935-FD67-4294E43578FD}"/>
               </a:ext>
             </a:extLst>
           </p:cNvPr>
@@ -4896,7 +4890,7 @@
           <p:cNvPr id="3" name="Espace réservé du contenu 2">
             <a:extLst>
               <a:ext uri="{FF2B5EF4-FFF2-40B4-BE49-F238E27FC236}">
-                <a16:creationId xmlns:a16="http://schemas.microsoft.com/office/drawing/2014/main" id="{F480BCE8-C15C-7570-D795-45918B211DD9}"/>
+                <a16:creationId xmlns:a16="http://schemas.microsoft.com/office/drawing/2014/main" id="{57CA57A1-869F-0195-C491-D58561733D28}"/>
               </a:ext>
             </a:extLst>
           </p:cNvPr>
@@ -4921,7 +4915,7 @@
           <p:cNvPr id="5" name="Image 4">
             <a:extLst>
               <a:ext uri="{FF2B5EF4-FFF2-40B4-BE49-F238E27FC236}">
-                <a16:creationId xmlns:a16="http://schemas.microsoft.com/office/drawing/2014/main" id="{51E668E8-A080-DA2B-5FCD-2009C72A4E4B}"/>
+                <a16:creationId xmlns:a16="http://schemas.microsoft.com/office/drawing/2014/main" id="{89AB6004-26BA-E2E6-7756-9C405E04924A}"/>
               </a:ext>
             </a:extLst>
           </p:cNvPr>
@@ -4931,15 +4925,20 @@
           <p:nvPr/>
         </p:nvPicPr>
         <p:blipFill>
-          <a:blip r:embed="rId2"/>
-          <a:stretch>
-            <a:fillRect/>
-          </a:stretch>
+          <a:blip r:embed="rId2">
+            <a:extLst>
+              <a:ext uri="{28A0092B-C50C-407E-A947-70E740481C1C}">
+                <a14:useLocalDpi xmlns:a14="http://schemas.microsoft.com/office/drawing/2010/main" val="0"/>
+              </a:ext>
+            </a:extLst>
+          </a:blip>
+          <a:srcRect/>
+          <a:stretch/>
         </p:blipFill>
         <p:spPr>
           <a:xfrm>
-            <a:off x="0" y="693900"/>
-            <a:ext cx="12192000" cy="5470199"/>
+            <a:off x="-48547" y="681037"/>
+            <a:ext cx="12192000" cy="5783548"/>
           </a:xfrm>
           <a:prstGeom prst="rect">
             <a:avLst/>
@@ -4951,7 +4950,7 @@
           <p:cNvPr id="4" name="Rectangle : coins arrondis 3">
             <a:extLst>
               <a:ext uri="{FF2B5EF4-FFF2-40B4-BE49-F238E27FC236}">
-                <a16:creationId xmlns:a16="http://schemas.microsoft.com/office/drawing/2014/main" id="{A832729D-5211-B208-952C-0AFDD720BE9A}"/>
+                <a16:creationId xmlns:a16="http://schemas.microsoft.com/office/drawing/2014/main" id="{81D630D7-73CF-07D2-FF61-BAD57A8AF6A3}"/>
               </a:ext>
             </a:extLst>
           </p:cNvPr>
@@ -4960,8 +4959,8 @@
         </p:nvSpPr>
         <p:spPr>
           <a:xfrm>
-            <a:off x="5624052" y="1248697"/>
-            <a:ext cx="6148847" cy="678425"/>
+            <a:off x="10943302" y="1435510"/>
+            <a:ext cx="829597" cy="390115"/>
           </a:xfrm>
           <a:prstGeom prst="roundRect">
             <a:avLst/>
@@ -5001,7 +5000,7 @@
           <p:cNvPr id="6" name="Rectangle : coins arrondis 5">
             <a:extLst>
               <a:ext uri="{FF2B5EF4-FFF2-40B4-BE49-F238E27FC236}">
-                <a16:creationId xmlns:a16="http://schemas.microsoft.com/office/drawing/2014/main" id="{EF56D352-E674-067E-01C4-C031C48D67A8}"/>
+                <a16:creationId xmlns:a16="http://schemas.microsoft.com/office/drawing/2014/main" id="{DDB924C3-9855-3C58-A349-B687CABE3151}"/>
               </a:ext>
             </a:extLst>
           </p:cNvPr>
@@ -5010,8 +5009,8 @@
         </p:nvSpPr>
         <p:spPr>
           <a:xfrm>
-            <a:off x="5624051" y="2255897"/>
-            <a:ext cx="6148847" cy="678425"/>
+            <a:off x="10859728" y="2349911"/>
+            <a:ext cx="829597" cy="415558"/>
           </a:xfrm>
           <a:prstGeom prst="roundRect">
             <a:avLst/>
@@ -5051,7 +5050,7 @@
           <p:cNvPr id="7" name="Rectangle : coins arrondis 6">
             <a:extLst>
               <a:ext uri="{FF2B5EF4-FFF2-40B4-BE49-F238E27FC236}">
-                <a16:creationId xmlns:a16="http://schemas.microsoft.com/office/drawing/2014/main" id="{EAA5EE6C-0E56-2992-3871-EC31B81FCAD7}"/>
+                <a16:creationId xmlns:a16="http://schemas.microsoft.com/office/drawing/2014/main" id="{85557EFE-9100-711F-BA8A-3CE699C12222}"/>
               </a:ext>
             </a:extLst>
           </p:cNvPr>
@@ -5060,8 +5059,8 @@
         </p:nvSpPr>
         <p:spPr>
           <a:xfrm>
-            <a:off x="10097729" y="5492106"/>
-            <a:ext cx="1940639" cy="678425"/>
+            <a:off x="8809702" y="5789317"/>
+            <a:ext cx="3156155" cy="618493"/>
           </a:xfrm>
           <a:prstGeom prst="roundRect">
             <a:avLst/>
@@ -5101,7 +5100,7 @@
           <p:cNvPr id="8" name="Graphique 7" descr="Badge 1 contour">
             <a:extLst>
               <a:ext uri="{FF2B5EF4-FFF2-40B4-BE49-F238E27FC236}">
-                <a16:creationId xmlns:a16="http://schemas.microsoft.com/office/drawing/2014/main" id="{7C22598A-C75A-5F92-4214-F377C5793A6D}"/>
+                <a16:creationId xmlns:a16="http://schemas.microsoft.com/office/drawing/2014/main" id="{4D1F35E6-476C-DA19-510C-230712AE0545}"/>
               </a:ext>
             </a:extLst>
           </p:cNvPr>
@@ -5124,7 +5123,7 @@
         </p:blipFill>
         <p:spPr>
           <a:xfrm>
-            <a:off x="4933503" y="1375250"/>
+            <a:off x="10301916" y="1306238"/>
             <a:ext cx="641386" cy="641386"/>
           </a:xfrm>
           <a:prstGeom prst="rect">
@@ -5137,7 +5136,7 @@
           <p:cNvPr id="9" name="Graphique 8" descr="Badge 3 contour">
             <a:extLst>
               <a:ext uri="{FF2B5EF4-FFF2-40B4-BE49-F238E27FC236}">
-                <a16:creationId xmlns:a16="http://schemas.microsoft.com/office/drawing/2014/main" id="{14142F1E-1F88-EC07-C91F-EA014E080F89}"/>
+                <a16:creationId xmlns:a16="http://schemas.microsoft.com/office/drawing/2014/main" id="{CF3AA8AF-A99F-CED0-4E64-479C3E13BA31}"/>
               </a:ext>
             </a:extLst>
           </p:cNvPr>
@@ -5160,7 +5159,7 @@
         </p:blipFill>
         <p:spPr>
           <a:xfrm>
-            <a:off x="9413161" y="5510625"/>
+            <a:off x="8069910" y="5766424"/>
             <a:ext cx="641386" cy="641386"/>
           </a:xfrm>
           <a:prstGeom prst="rect">
@@ -5173,7 +5172,7 @@
           <p:cNvPr id="10" name="Graphique 9" descr="Badge contour">
             <a:extLst>
               <a:ext uri="{FF2B5EF4-FFF2-40B4-BE49-F238E27FC236}">
-                <a16:creationId xmlns:a16="http://schemas.microsoft.com/office/drawing/2014/main" id="{A750B93F-8243-7D3D-9BF4-F1118D55B9D2}"/>
+                <a16:creationId xmlns:a16="http://schemas.microsoft.com/office/drawing/2014/main" id="{DC56DBC4-3535-B3BE-62CD-DE4DB87AAA86}"/>
               </a:ext>
             </a:extLst>
           </p:cNvPr>
@@ -5196,7 +5195,7 @@
         </p:blipFill>
         <p:spPr>
           <a:xfrm>
-            <a:off x="4930473" y="2241693"/>
+            <a:off x="10203509" y="2236996"/>
             <a:ext cx="641387" cy="641387"/>
           </a:xfrm>
           <a:prstGeom prst="rect">
@@ -5207,7 +5206,7 @@
     </p:spTree>
     <p:extLst>
       <p:ext uri="{BB962C8B-B14F-4D97-AF65-F5344CB8AC3E}">
-        <p14:creationId xmlns:p14="http://schemas.microsoft.com/office/powerpoint/2010/main" val="218115422"/>
+        <p14:creationId xmlns:p14="http://schemas.microsoft.com/office/powerpoint/2010/main" val="3181194094"/>
       </p:ext>
     </p:extLst>
   </p:cSld>
@@ -5234,62 +5233,12 @@
           <a:chExt cx="0" cy="0"/>
         </a:xfrm>
       </p:grpSpPr>
-      <p:sp>
-        <p:nvSpPr>
-          <p:cNvPr id="2" name="Titre 1">
-            <a:extLst>
-              <a:ext uri="{FF2B5EF4-FFF2-40B4-BE49-F238E27FC236}">
-                <a16:creationId xmlns:a16="http://schemas.microsoft.com/office/drawing/2014/main" id="{62562062-0C6B-B935-FD67-4294E43578FD}"/>
-              </a:ext>
-            </a:extLst>
-          </p:cNvPr>
-          <p:cNvSpPr>
-            <a:spLocks noGrp="1"/>
-          </p:cNvSpPr>
-          <p:nvPr>
-            <p:ph type="title"/>
-          </p:nvPr>
-        </p:nvSpPr>
-        <p:spPr/>
-        <p:txBody>
-          <a:bodyPr/>
-          <a:lstStyle/>
-          <a:p>
-            <a:endParaRPr lang="en-GB"/>
-          </a:p>
-        </p:txBody>
-      </p:sp>
-      <p:sp>
-        <p:nvSpPr>
-          <p:cNvPr id="3" name="Espace réservé du contenu 2">
-            <a:extLst>
-              <a:ext uri="{FF2B5EF4-FFF2-40B4-BE49-F238E27FC236}">
-                <a16:creationId xmlns:a16="http://schemas.microsoft.com/office/drawing/2014/main" id="{57CA57A1-869F-0195-C491-D58561733D28}"/>
-              </a:ext>
-            </a:extLst>
-          </p:cNvPr>
-          <p:cNvSpPr>
-            <a:spLocks noGrp="1"/>
-          </p:cNvSpPr>
-          <p:nvPr>
-            <p:ph idx="1"/>
-          </p:nvPr>
-        </p:nvSpPr>
-        <p:spPr/>
-        <p:txBody>
-          <a:bodyPr/>
-          <a:lstStyle/>
-          <a:p>
-            <a:endParaRPr lang="en-GB"/>
-          </a:p>
-        </p:txBody>
-      </p:sp>
       <p:pic>
         <p:nvPicPr>
-          <p:cNvPr id="5" name="Image 4">
-            <a:extLst>
-              <a:ext uri="{FF2B5EF4-FFF2-40B4-BE49-F238E27FC236}">
-                <a16:creationId xmlns:a16="http://schemas.microsoft.com/office/drawing/2014/main" id="{89AB6004-26BA-E2E6-7756-9C405E04924A}"/>
+          <p:cNvPr id="2" name="Picture 1">
+            <a:extLst>
+              <a:ext uri="{FF2B5EF4-FFF2-40B4-BE49-F238E27FC236}">
+                <a16:creationId xmlns:a16="http://schemas.microsoft.com/office/drawing/2014/main" id="{6C1F6C14-8B3C-4990-C8C6-636AA25A7DC6}"/>
               </a:ext>
             </a:extLst>
           </p:cNvPr>
@@ -5299,20 +5248,15 @@
           <p:nvPr/>
         </p:nvPicPr>
         <p:blipFill>
-          <a:blip r:embed="rId2">
-            <a:extLst>
-              <a:ext uri="{28A0092B-C50C-407E-A947-70E740481C1C}">
-                <a14:useLocalDpi xmlns:a14="http://schemas.microsoft.com/office/drawing/2010/main" val="0"/>
-              </a:ext>
-            </a:extLst>
-          </a:blip>
-          <a:srcRect/>
-          <a:stretch/>
+          <a:blip r:embed="rId2"/>
+          <a:stretch>
+            <a:fillRect/>
+          </a:stretch>
         </p:blipFill>
         <p:spPr>
           <a:xfrm>
-            <a:off x="-48547" y="681037"/>
-            <a:ext cx="12192000" cy="5783548"/>
+            <a:off x="0" y="1150211"/>
+            <a:ext cx="12192000" cy="4557577"/>
           </a:xfrm>
           <a:prstGeom prst="rect">
             <a:avLst/>
@@ -5321,10 +5265,10 @@
       </p:pic>
       <p:sp>
         <p:nvSpPr>
-          <p:cNvPr id="4" name="Rectangle : coins arrondis 3">
-            <a:extLst>
-              <a:ext uri="{FF2B5EF4-FFF2-40B4-BE49-F238E27FC236}">
-                <a16:creationId xmlns:a16="http://schemas.microsoft.com/office/drawing/2014/main" id="{81D630D7-73CF-07D2-FF61-BAD57A8AF6A3}"/>
+          <p:cNvPr id="3" name="Rectangle : coins arrondis 7">
+            <a:extLst>
+              <a:ext uri="{FF2B5EF4-FFF2-40B4-BE49-F238E27FC236}">
+                <a16:creationId xmlns:a16="http://schemas.microsoft.com/office/drawing/2014/main" id="{76958C85-1923-7B6E-2075-8D0832944B36}"/>
               </a:ext>
             </a:extLst>
           </p:cNvPr>
@@ -5333,8 +5277,8 @@
         </p:nvSpPr>
         <p:spPr>
           <a:xfrm>
-            <a:off x="10943302" y="1435510"/>
-            <a:ext cx="829597" cy="390115"/>
+            <a:off x="10403703" y="3045541"/>
+            <a:ext cx="1573160" cy="383458"/>
           </a:xfrm>
           <a:prstGeom prst="roundRect">
             <a:avLst/>
@@ -5369,218 +5313,10 @@
           </a:p>
         </p:txBody>
       </p:sp>
-      <p:sp>
-        <p:nvSpPr>
-          <p:cNvPr id="6" name="Rectangle : coins arrondis 5">
-            <a:extLst>
-              <a:ext uri="{FF2B5EF4-FFF2-40B4-BE49-F238E27FC236}">
-                <a16:creationId xmlns:a16="http://schemas.microsoft.com/office/drawing/2014/main" id="{DDB924C3-9855-3C58-A349-B687CABE3151}"/>
-              </a:ext>
-            </a:extLst>
-          </p:cNvPr>
-          <p:cNvSpPr/>
-          <p:nvPr/>
-        </p:nvSpPr>
-        <p:spPr>
-          <a:xfrm>
-            <a:off x="10859728" y="2349911"/>
-            <a:ext cx="829597" cy="415558"/>
-          </a:xfrm>
-          <a:prstGeom prst="roundRect">
-            <a:avLst/>
-          </a:prstGeom>
-          <a:noFill/>
-          <a:ln w="57150">
-            <a:solidFill>
-              <a:srgbClr val="FF0000"/>
-            </a:solidFill>
-          </a:ln>
-        </p:spPr>
-        <p:style>
-          <a:lnRef idx="2">
-            <a:schemeClr val="accent2"/>
-          </a:lnRef>
-          <a:fillRef idx="1">
-            <a:schemeClr val="lt1"/>
-          </a:fillRef>
-          <a:effectRef idx="0">
-            <a:schemeClr val="accent2"/>
-          </a:effectRef>
-          <a:fontRef idx="minor">
-            <a:schemeClr val="dk1"/>
-          </a:fontRef>
-        </p:style>
-        <p:txBody>
-          <a:bodyPr rtlCol="0" anchor="ctr"/>
-          <a:lstStyle/>
-          <a:p>
-            <a:pPr algn="ctr"/>
-            <a:endParaRPr lang="en-GB"/>
-          </a:p>
-        </p:txBody>
-      </p:sp>
-      <p:sp>
-        <p:nvSpPr>
-          <p:cNvPr id="7" name="Rectangle : coins arrondis 6">
-            <a:extLst>
-              <a:ext uri="{FF2B5EF4-FFF2-40B4-BE49-F238E27FC236}">
-                <a16:creationId xmlns:a16="http://schemas.microsoft.com/office/drawing/2014/main" id="{85557EFE-9100-711F-BA8A-3CE699C12222}"/>
-              </a:ext>
-            </a:extLst>
-          </p:cNvPr>
-          <p:cNvSpPr/>
-          <p:nvPr/>
-        </p:nvSpPr>
-        <p:spPr>
-          <a:xfrm>
-            <a:off x="8809702" y="5789317"/>
-            <a:ext cx="3156155" cy="618493"/>
-          </a:xfrm>
-          <a:prstGeom prst="roundRect">
-            <a:avLst/>
-          </a:prstGeom>
-          <a:noFill/>
-          <a:ln w="57150">
-            <a:solidFill>
-              <a:srgbClr val="FF0000"/>
-            </a:solidFill>
-          </a:ln>
-        </p:spPr>
-        <p:style>
-          <a:lnRef idx="2">
-            <a:schemeClr val="accent2"/>
-          </a:lnRef>
-          <a:fillRef idx="1">
-            <a:schemeClr val="lt1"/>
-          </a:fillRef>
-          <a:effectRef idx="0">
-            <a:schemeClr val="accent2"/>
-          </a:effectRef>
-          <a:fontRef idx="minor">
-            <a:schemeClr val="dk1"/>
-          </a:fontRef>
-        </p:style>
-        <p:txBody>
-          <a:bodyPr rtlCol="0" anchor="ctr"/>
-          <a:lstStyle/>
-          <a:p>
-            <a:pPr algn="ctr"/>
-            <a:endParaRPr lang="en-GB"/>
-          </a:p>
-        </p:txBody>
-      </p:sp>
-      <p:pic>
-        <p:nvPicPr>
-          <p:cNvPr id="8" name="Graphique 7" descr="Badge 1 contour">
-            <a:extLst>
-              <a:ext uri="{FF2B5EF4-FFF2-40B4-BE49-F238E27FC236}">
-                <a16:creationId xmlns:a16="http://schemas.microsoft.com/office/drawing/2014/main" id="{4D1F35E6-476C-DA19-510C-230712AE0545}"/>
-              </a:ext>
-            </a:extLst>
-          </p:cNvPr>
-          <p:cNvPicPr>
-            <a:picLocks noChangeAspect="1"/>
-          </p:cNvPicPr>
-          <p:nvPr/>
-        </p:nvPicPr>
-        <p:blipFill>
-          <a:blip r:embed="rId3">
-            <a:extLst>
-              <a:ext uri="{96DAC541-7B7A-43D3-8B79-37D633B846F1}">
-                <asvg:svgBlip xmlns:asvg="http://schemas.microsoft.com/office/drawing/2016/SVG/main" r:embed="rId4"/>
-              </a:ext>
-            </a:extLst>
-          </a:blip>
-          <a:stretch>
-            <a:fillRect/>
-          </a:stretch>
-        </p:blipFill>
-        <p:spPr>
-          <a:xfrm>
-            <a:off x="10301916" y="1306238"/>
-            <a:ext cx="641386" cy="641386"/>
-          </a:xfrm>
-          <a:prstGeom prst="rect">
-            <a:avLst/>
-          </a:prstGeom>
-        </p:spPr>
-      </p:pic>
-      <p:pic>
-        <p:nvPicPr>
-          <p:cNvPr id="9" name="Graphique 8" descr="Badge 3 contour">
-            <a:extLst>
-              <a:ext uri="{FF2B5EF4-FFF2-40B4-BE49-F238E27FC236}">
-                <a16:creationId xmlns:a16="http://schemas.microsoft.com/office/drawing/2014/main" id="{CF3AA8AF-A99F-CED0-4E64-479C3E13BA31}"/>
-              </a:ext>
-            </a:extLst>
-          </p:cNvPr>
-          <p:cNvPicPr>
-            <a:picLocks noChangeAspect="1"/>
-          </p:cNvPicPr>
-          <p:nvPr/>
-        </p:nvPicPr>
-        <p:blipFill>
-          <a:blip r:embed="rId5">
-            <a:extLst>
-              <a:ext uri="{96DAC541-7B7A-43D3-8B79-37D633B846F1}">
-                <asvg:svgBlip xmlns:asvg="http://schemas.microsoft.com/office/drawing/2016/SVG/main" r:embed="rId6"/>
-              </a:ext>
-            </a:extLst>
-          </a:blip>
-          <a:stretch>
-            <a:fillRect/>
-          </a:stretch>
-        </p:blipFill>
-        <p:spPr>
-          <a:xfrm>
-            <a:off x="8069910" y="5766424"/>
-            <a:ext cx="641386" cy="641386"/>
-          </a:xfrm>
-          <a:prstGeom prst="rect">
-            <a:avLst/>
-          </a:prstGeom>
-        </p:spPr>
-      </p:pic>
-      <p:pic>
-        <p:nvPicPr>
-          <p:cNvPr id="10" name="Graphique 9" descr="Badge contour">
-            <a:extLst>
-              <a:ext uri="{FF2B5EF4-FFF2-40B4-BE49-F238E27FC236}">
-                <a16:creationId xmlns:a16="http://schemas.microsoft.com/office/drawing/2014/main" id="{DC56DBC4-3535-B3BE-62CD-DE4DB87AAA86}"/>
-              </a:ext>
-            </a:extLst>
-          </p:cNvPr>
-          <p:cNvPicPr>
-            <a:picLocks noChangeAspect="1"/>
-          </p:cNvPicPr>
-          <p:nvPr/>
-        </p:nvPicPr>
-        <p:blipFill>
-          <a:blip r:embed="rId7">
-            <a:extLst>
-              <a:ext uri="{96DAC541-7B7A-43D3-8B79-37D633B846F1}">
-                <asvg:svgBlip xmlns:asvg="http://schemas.microsoft.com/office/drawing/2016/SVG/main" r:embed="rId8"/>
-              </a:ext>
-            </a:extLst>
-          </a:blip>
-          <a:stretch>
-            <a:fillRect/>
-          </a:stretch>
-        </p:blipFill>
-        <p:spPr>
-          <a:xfrm>
-            <a:off x="10203509" y="2236996"/>
-            <a:ext cx="641387" cy="641387"/>
-          </a:xfrm>
-          <a:prstGeom prst="rect">
-            <a:avLst/>
-          </a:prstGeom>
-        </p:spPr>
-      </p:pic>
     </p:spTree>
     <p:extLst>
       <p:ext uri="{BB962C8B-B14F-4D97-AF65-F5344CB8AC3E}">
-        <p14:creationId xmlns:p14="http://schemas.microsoft.com/office/powerpoint/2010/main" val="3181194094"/>
+        <p14:creationId xmlns:p14="http://schemas.microsoft.com/office/powerpoint/2010/main" val="4092732045"/>
       </p:ext>
     </p:extLst>
   </p:cSld>
@@ -5607,12 +5343,62 @@
           <a:chExt cx="0" cy="0"/>
         </a:xfrm>
       </p:grpSpPr>
+      <p:sp>
+        <p:nvSpPr>
+          <p:cNvPr id="2" name="Titre 1">
+            <a:extLst>
+              <a:ext uri="{FF2B5EF4-FFF2-40B4-BE49-F238E27FC236}">
+                <a16:creationId xmlns:a16="http://schemas.microsoft.com/office/drawing/2014/main" id="{E67910DE-C7F8-AC78-EECE-46173FE49B0D}"/>
+              </a:ext>
+            </a:extLst>
+          </p:cNvPr>
+          <p:cNvSpPr>
+            <a:spLocks noGrp="1"/>
+          </p:cNvSpPr>
+          <p:nvPr>
+            <p:ph type="title"/>
+          </p:nvPr>
+        </p:nvSpPr>
+        <p:spPr/>
+        <p:txBody>
+          <a:bodyPr/>
+          <a:lstStyle/>
+          <a:p>
+            <a:endParaRPr lang="en-GB"/>
+          </a:p>
+        </p:txBody>
+      </p:sp>
+      <p:sp>
+        <p:nvSpPr>
+          <p:cNvPr id="3" name="Espace réservé du contenu 2">
+            <a:extLst>
+              <a:ext uri="{FF2B5EF4-FFF2-40B4-BE49-F238E27FC236}">
+                <a16:creationId xmlns:a16="http://schemas.microsoft.com/office/drawing/2014/main" id="{CDC0AFEF-E982-A1ED-C4C3-F21AFF2371B1}"/>
+              </a:ext>
+            </a:extLst>
+          </p:cNvPr>
+          <p:cNvSpPr>
+            <a:spLocks noGrp="1"/>
+          </p:cNvSpPr>
+          <p:nvPr>
+            <p:ph idx="1"/>
+          </p:nvPr>
+        </p:nvSpPr>
+        <p:spPr/>
+        <p:txBody>
+          <a:bodyPr/>
+          <a:lstStyle/>
+          <a:p>
+            <a:endParaRPr lang="en-GB"/>
+          </a:p>
+        </p:txBody>
+      </p:sp>
       <p:pic>
         <p:nvPicPr>
-          <p:cNvPr id="2" name="Picture 1">
-            <a:extLst>
-              <a:ext uri="{FF2B5EF4-FFF2-40B4-BE49-F238E27FC236}">
-                <a16:creationId xmlns:a16="http://schemas.microsoft.com/office/drawing/2014/main" id="{6C1F6C14-8B3C-4990-C8C6-636AA25A7DC6}"/>
+          <p:cNvPr id="5" name="Image 4">
+            <a:extLst>
+              <a:ext uri="{FF2B5EF4-FFF2-40B4-BE49-F238E27FC236}">
+                <a16:creationId xmlns:a16="http://schemas.microsoft.com/office/drawing/2014/main" id="{38A796F4-9A3A-A05A-644E-6886B9EBB263}"/>
               </a:ext>
             </a:extLst>
           </p:cNvPr>
@@ -5622,15 +5408,20 @@
           <p:nvPr/>
         </p:nvPicPr>
         <p:blipFill>
-          <a:blip r:embed="rId2"/>
-          <a:stretch>
-            <a:fillRect/>
-          </a:stretch>
+          <a:blip r:embed="rId2">
+            <a:extLst>
+              <a:ext uri="{28A0092B-C50C-407E-A947-70E740481C1C}">
+                <a14:useLocalDpi xmlns:a14="http://schemas.microsoft.com/office/drawing/2010/main" val="0"/>
+              </a:ext>
+            </a:extLst>
+          </a:blip>
+          <a:srcRect/>
+          <a:stretch/>
         </p:blipFill>
         <p:spPr>
           <a:xfrm>
-            <a:off x="0" y="1150211"/>
-            <a:ext cx="12192000" cy="4557577"/>
+            <a:off x="0" y="504822"/>
+            <a:ext cx="11861826" cy="5646427"/>
           </a:xfrm>
           <a:prstGeom prst="rect">
             <a:avLst/>
@@ -5639,10 +5430,10 @@
       </p:pic>
       <p:sp>
         <p:nvSpPr>
-          <p:cNvPr id="3" name="Rectangle : coins arrondis 7">
-            <a:extLst>
-              <a:ext uri="{FF2B5EF4-FFF2-40B4-BE49-F238E27FC236}">
-                <a16:creationId xmlns:a16="http://schemas.microsoft.com/office/drawing/2014/main" id="{76958C85-1923-7B6E-2075-8D0832944B36}"/>
+          <p:cNvPr id="6" name="Rectangle : coins arrondis 5">
+            <a:extLst>
+              <a:ext uri="{FF2B5EF4-FFF2-40B4-BE49-F238E27FC236}">
+                <a16:creationId xmlns:a16="http://schemas.microsoft.com/office/drawing/2014/main" id="{3237653E-38BA-FE7C-FC59-176DD1D48CE4}"/>
               </a:ext>
             </a:extLst>
           </p:cNvPr>
@@ -5651,8 +5442,8 @@
         </p:nvSpPr>
         <p:spPr>
           <a:xfrm>
-            <a:off x="10403703" y="3045541"/>
-            <a:ext cx="1573160" cy="383458"/>
+            <a:off x="8104069" y="939102"/>
+            <a:ext cx="3445072" cy="1695944"/>
           </a:xfrm>
           <a:prstGeom prst="roundRect">
             <a:avLst/>
@@ -5687,10 +5478,218 @@
           </a:p>
         </p:txBody>
       </p:sp>
+      <p:sp>
+        <p:nvSpPr>
+          <p:cNvPr id="8" name="Rectangle : coins arrondis 7">
+            <a:extLst>
+              <a:ext uri="{FF2B5EF4-FFF2-40B4-BE49-F238E27FC236}">
+                <a16:creationId xmlns:a16="http://schemas.microsoft.com/office/drawing/2014/main" id="{76A11BD6-E90F-96EA-22C0-60AF19639941}"/>
+              </a:ext>
+            </a:extLst>
+          </p:cNvPr>
+          <p:cNvSpPr/>
+          <p:nvPr/>
+        </p:nvSpPr>
+        <p:spPr>
+          <a:xfrm>
+            <a:off x="8104069" y="2797124"/>
+            <a:ext cx="3501777" cy="1961689"/>
+          </a:xfrm>
+          <a:prstGeom prst="roundRect">
+            <a:avLst/>
+          </a:prstGeom>
+          <a:noFill/>
+          <a:ln w="57150">
+            <a:solidFill>
+              <a:srgbClr val="FF0000"/>
+            </a:solidFill>
+          </a:ln>
+        </p:spPr>
+        <p:style>
+          <a:lnRef idx="2">
+            <a:schemeClr val="accent2"/>
+          </a:lnRef>
+          <a:fillRef idx="1">
+            <a:schemeClr val="lt1"/>
+          </a:fillRef>
+          <a:effectRef idx="0">
+            <a:schemeClr val="accent2"/>
+          </a:effectRef>
+          <a:fontRef idx="minor">
+            <a:schemeClr val="dk1"/>
+          </a:fontRef>
+        </p:style>
+        <p:txBody>
+          <a:bodyPr rtlCol="0" anchor="ctr"/>
+          <a:lstStyle/>
+          <a:p>
+            <a:pPr algn="ctr"/>
+            <a:endParaRPr lang="en-GB"/>
+          </a:p>
+        </p:txBody>
+      </p:sp>
+      <p:sp>
+        <p:nvSpPr>
+          <p:cNvPr id="9" name="Rectangle : coins arrondis 8">
+            <a:extLst>
+              <a:ext uri="{FF2B5EF4-FFF2-40B4-BE49-F238E27FC236}">
+                <a16:creationId xmlns:a16="http://schemas.microsoft.com/office/drawing/2014/main" id="{40102D43-82E3-E9C1-9FBC-7FA7D7C62D96}"/>
+              </a:ext>
+            </a:extLst>
+          </p:cNvPr>
+          <p:cNvSpPr/>
+          <p:nvPr/>
+        </p:nvSpPr>
+        <p:spPr>
+          <a:xfrm>
+            <a:off x="9953185" y="4773480"/>
+            <a:ext cx="1498285" cy="560617"/>
+          </a:xfrm>
+          <a:prstGeom prst="roundRect">
+            <a:avLst/>
+          </a:prstGeom>
+          <a:noFill/>
+          <a:ln w="57150">
+            <a:solidFill>
+              <a:srgbClr val="FF0000"/>
+            </a:solidFill>
+          </a:ln>
+        </p:spPr>
+        <p:style>
+          <a:lnRef idx="2">
+            <a:schemeClr val="accent2"/>
+          </a:lnRef>
+          <a:fillRef idx="1">
+            <a:schemeClr val="lt1"/>
+          </a:fillRef>
+          <a:effectRef idx="0">
+            <a:schemeClr val="accent2"/>
+          </a:effectRef>
+          <a:fontRef idx="minor">
+            <a:schemeClr val="dk1"/>
+          </a:fontRef>
+        </p:style>
+        <p:txBody>
+          <a:bodyPr rtlCol="0" anchor="ctr"/>
+          <a:lstStyle/>
+          <a:p>
+            <a:pPr algn="ctr"/>
+            <a:endParaRPr lang="en-GB"/>
+          </a:p>
+        </p:txBody>
+      </p:sp>
+      <p:pic>
+        <p:nvPicPr>
+          <p:cNvPr id="10" name="Graphique 9" descr="Badge 1 contour">
+            <a:extLst>
+              <a:ext uri="{FF2B5EF4-FFF2-40B4-BE49-F238E27FC236}">
+                <a16:creationId xmlns:a16="http://schemas.microsoft.com/office/drawing/2014/main" id="{3E37B15B-B63D-56DE-90AC-A202A0D67425}"/>
+              </a:ext>
+            </a:extLst>
+          </p:cNvPr>
+          <p:cNvPicPr>
+            <a:picLocks noChangeAspect="1"/>
+          </p:cNvPicPr>
+          <p:nvPr/>
+        </p:nvPicPr>
+        <p:blipFill>
+          <a:blip r:embed="rId3">
+            <a:extLst>
+              <a:ext uri="{96DAC541-7B7A-43D3-8B79-37D633B846F1}">
+                <asvg:svgBlip xmlns:asvg="http://schemas.microsoft.com/office/drawing/2016/SVG/main" r:embed="rId4"/>
+              </a:ext>
+            </a:extLst>
+          </a:blip>
+          <a:stretch>
+            <a:fillRect/>
+          </a:stretch>
+        </p:blipFill>
+        <p:spPr>
+          <a:xfrm>
+            <a:off x="7519387" y="1686707"/>
+            <a:ext cx="641386" cy="641386"/>
+          </a:xfrm>
+          <a:prstGeom prst="rect">
+            <a:avLst/>
+          </a:prstGeom>
+        </p:spPr>
+      </p:pic>
+      <p:pic>
+        <p:nvPicPr>
+          <p:cNvPr id="11" name="Graphique 10" descr="Badge 3 contour">
+            <a:extLst>
+              <a:ext uri="{FF2B5EF4-FFF2-40B4-BE49-F238E27FC236}">
+                <a16:creationId xmlns:a16="http://schemas.microsoft.com/office/drawing/2014/main" id="{23AE59F6-7B2F-6771-ADDA-2C50E9F6C0C3}"/>
+              </a:ext>
+            </a:extLst>
+          </p:cNvPr>
+          <p:cNvPicPr>
+            <a:picLocks noChangeAspect="1"/>
+          </p:cNvPicPr>
+          <p:nvPr/>
+        </p:nvPicPr>
+        <p:blipFill>
+          <a:blip r:embed="rId5">
+            <a:extLst>
+              <a:ext uri="{96DAC541-7B7A-43D3-8B79-37D633B846F1}">
+                <asvg:svgBlip xmlns:asvg="http://schemas.microsoft.com/office/drawing/2016/SVG/main" r:embed="rId6"/>
+              </a:ext>
+            </a:extLst>
+          </a:blip>
+          <a:stretch>
+            <a:fillRect/>
+          </a:stretch>
+        </p:blipFill>
+        <p:spPr>
+          <a:xfrm>
+            <a:off x="9336356" y="4919912"/>
+            <a:ext cx="641386" cy="641386"/>
+          </a:xfrm>
+          <a:prstGeom prst="rect">
+            <a:avLst/>
+          </a:prstGeom>
+        </p:spPr>
+      </p:pic>
+      <p:pic>
+        <p:nvPicPr>
+          <p:cNvPr id="12" name="Graphique 11" descr="Badge contour">
+            <a:extLst>
+              <a:ext uri="{FF2B5EF4-FFF2-40B4-BE49-F238E27FC236}">
+                <a16:creationId xmlns:a16="http://schemas.microsoft.com/office/drawing/2014/main" id="{37826475-8B11-7063-5B5D-6077004543ED}"/>
+              </a:ext>
+            </a:extLst>
+          </p:cNvPr>
+          <p:cNvPicPr>
+            <a:picLocks noChangeAspect="1"/>
+          </p:cNvPicPr>
+          <p:nvPr/>
+        </p:nvPicPr>
+        <p:blipFill>
+          <a:blip r:embed="rId7">
+            <a:extLst>
+              <a:ext uri="{96DAC541-7B7A-43D3-8B79-37D633B846F1}">
+                <asvg:svgBlip xmlns:asvg="http://schemas.microsoft.com/office/drawing/2016/SVG/main" r:embed="rId8"/>
+              </a:ext>
+            </a:extLst>
+          </a:blip>
+          <a:stretch>
+            <a:fillRect/>
+          </a:stretch>
+        </p:blipFill>
+        <p:spPr>
+          <a:xfrm>
+            <a:off x="7519386" y="3691484"/>
+            <a:ext cx="641387" cy="641387"/>
+          </a:xfrm>
+          <a:prstGeom prst="rect">
+            <a:avLst/>
+          </a:prstGeom>
+        </p:spPr>
+      </p:pic>
     </p:spTree>
     <p:extLst>
       <p:ext uri="{BB962C8B-B14F-4D97-AF65-F5344CB8AC3E}">
-        <p14:creationId xmlns:p14="http://schemas.microsoft.com/office/powerpoint/2010/main" val="4092732045"/>
+        <p14:creationId xmlns:p14="http://schemas.microsoft.com/office/powerpoint/2010/main" val="2591367837"/>
       </p:ext>
     </p:extLst>
   </p:cSld>
@@ -5717,62 +5716,12 @@
           <a:chExt cx="0" cy="0"/>
         </a:xfrm>
       </p:grpSpPr>
-      <p:sp>
-        <p:nvSpPr>
-          <p:cNvPr id="2" name="Titre 1">
-            <a:extLst>
-              <a:ext uri="{FF2B5EF4-FFF2-40B4-BE49-F238E27FC236}">
-                <a16:creationId xmlns:a16="http://schemas.microsoft.com/office/drawing/2014/main" id="{E67910DE-C7F8-AC78-EECE-46173FE49B0D}"/>
-              </a:ext>
-            </a:extLst>
-          </p:cNvPr>
-          <p:cNvSpPr>
-            <a:spLocks noGrp="1"/>
-          </p:cNvSpPr>
-          <p:nvPr>
-            <p:ph type="title"/>
-          </p:nvPr>
-        </p:nvSpPr>
-        <p:spPr/>
-        <p:txBody>
-          <a:bodyPr/>
-          <a:lstStyle/>
-          <a:p>
-            <a:endParaRPr lang="en-GB"/>
-          </a:p>
-        </p:txBody>
-      </p:sp>
-      <p:sp>
-        <p:nvSpPr>
-          <p:cNvPr id="3" name="Espace réservé du contenu 2">
-            <a:extLst>
-              <a:ext uri="{FF2B5EF4-FFF2-40B4-BE49-F238E27FC236}">
-                <a16:creationId xmlns:a16="http://schemas.microsoft.com/office/drawing/2014/main" id="{CDC0AFEF-E982-A1ED-C4C3-F21AFF2371B1}"/>
-              </a:ext>
-            </a:extLst>
-          </p:cNvPr>
-          <p:cNvSpPr>
-            <a:spLocks noGrp="1"/>
-          </p:cNvSpPr>
-          <p:nvPr>
-            <p:ph idx="1"/>
-          </p:nvPr>
-        </p:nvSpPr>
-        <p:spPr/>
-        <p:txBody>
-          <a:bodyPr/>
-          <a:lstStyle/>
-          <a:p>
-            <a:endParaRPr lang="en-GB"/>
-          </a:p>
-        </p:txBody>
-      </p:sp>
       <p:pic>
         <p:nvPicPr>
-          <p:cNvPr id="5" name="Image 4">
-            <a:extLst>
-              <a:ext uri="{FF2B5EF4-FFF2-40B4-BE49-F238E27FC236}">
-                <a16:creationId xmlns:a16="http://schemas.microsoft.com/office/drawing/2014/main" id="{38A796F4-9A3A-A05A-644E-6886B9EBB263}"/>
+          <p:cNvPr id="4" name="Picture 3">
+            <a:extLst>
+              <a:ext uri="{FF2B5EF4-FFF2-40B4-BE49-F238E27FC236}">
+                <a16:creationId xmlns:a16="http://schemas.microsoft.com/office/drawing/2014/main" id="{AC2D2C0A-9C87-1C9C-C8DC-C692A9F134DE}"/>
               </a:ext>
             </a:extLst>
           </p:cNvPr>
@@ -5782,20 +5731,15 @@
           <p:nvPr/>
         </p:nvPicPr>
         <p:blipFill>
-          <a:blip r:embed="rId2">
-            <a:extLst>
-              <a:ext uri="{28A0092B-C50C-407E-A947-70E740481C1C}">
-                <a14:useLocalDpi xmlns:a14="http://schemas.microsoft.com/office/drawing/2010/main" val="0"/>
-              </a:ext>
-            </a:extLst>
-          </a:blip>
-          <a:srcRect/>
-          <a:stretch/>
+          <a:blip r:embed="rId2"/>
+          <a:stretch>
+            <a:fillRect/>
+          </a:stretch>
         </p:blipFill>
         <p:spPr>
           <a:xfrm>
-            <a:off x="0" y="504822"/>
-            <a:ext cx="11861826" cy="5646427"/>
+            <a:off x="0" y="1253452"/>
+            <a:ext cx="12192000" cy="4351096"/>
           </a:xfrm>
           <a:prstGeom prst="rect">
             <a:avLst/>
@@ -5804,10 +5748,10 @@
       </p:pic>
       <p:sp>
         <p:nvSpPr>
-          <p:cNvPr id="6" name="Rectangle : coins arrondis 5">
-            <a:extLst>
-              <a:ext uri="{FF2B5EF4-FFF2-40B4-BE49-F238E27FC236}">
-                <a16:creationId xmlns:a16="http://schemas.microsoft.com/office/drawing/2014/main" id="{3237653E-38BA-FE7C-FC59-176DD1D48CE4}"/>
+          <p:cNvPr id="3" name="Rectangle : coins arrondis 3">
+            <a:extLst>
+              <a:ext uri="{FF2B5EF4-FFF2-40B4-BE49-F238E27FC236}">
+                <a16:creationId xmlns:a16="http://schemas.microsoft.com/office/drawing/2014/main" id="{F61A23C4-2871-AF03-E8F3-6A2E4323A84B}"/>
               </a:ext>
             </a:extLst>
           </p:cNvPr>
@@ -5816,8 +5760,8 @@
         </p:nvSpPr>
         <p:spPr>
           <a:xfrm>
-            <a:off x="8104069" y="939102"/>
-            <a:ext cx="3445072" cy="1695944"/>
+            <a:off x="9907398" y="1988452"/>
+            <a:ext cx="1217118" cy="528245"/>
           </a:xfrm>
           <a:prstGeom prst="roundRect">
             <a:avLst/>
@@ -5852,218 +5796,10 @@
           </a:p>
         </p:txBody>
       </p:sp>
-      <p:sp>
-        <p:nvSpPr>
-          <p:cNvPr id="8" name="Rectangle : coins arrondis 7">
-            <a:extLst>
-              <a:ext uri="{FF2B5EF4-FFF2-40B4-BE49-F238E27FC236}">
-                <a16:creationId xmlns:a16="http://schemas.microsoft.com/office/drawing/2014/main" id="{76A11BD6-E90F-96EA-22C0-60AF19639941}"/>
-              </a:ext>
-            </a:extLst>
-          </p:cNvPr>
-          <p:cNvSpPr/>
-          <p:nvPr/>
-        </p:nvSpPr>
-        <p:spPr>
-          <a:xfrm>
-            <a:off x="8104069" y="2797124"/>
-            <a:ext cx="3501777" cy="1961689"/>
-          </a:xfrm>
-          <a:prstGeom prst="roundRect">
-            <a:avLst/>
-          </a:prstGeom>
-          <a:noFill/>
-          <a:ln w="57150">
-            <a:solidFill>
-              <a:srgbClr val="FF0000"/>
-            </a:solidFill>
-          </a:ln>
-        </p:spPr>
-        <p:style>
-          <a:lnRef idx="2">
-            <a:schemeClr val="accent2"/>
-          </a:lnRef>
-          <a:fillRef idx="1">
-            <a:schemeClr val="lt1"/>
-          </a:fillRef>
-          <a:effectRef idx="0">
-            <a:schemeClr val="accent2"/>
-          </a:effectRef>
-          <a:fontRef idx="minor">
-            <a:schemeClr val="dk1"/>
-          </a:fontRef>
-        </p:style>
-        <p:txBody>
-          <a:bodyPr rtlCol="0" anchor="ctr"/>
-          <a:lstStyle/>
-          <a:p>
-            <a:pPr algn="ctr"/>
-            <a:endParaRPr lang="en-GB"/>
-          </a:p>
-        </p:txBody>
-      </p:sp>
-      <p:sp>
-        <p:nvSpPr>
-          <p:cNvPr id="9" name="Rectangle : coins arrondis 8">
-            <a:extLst>
-              <a:ext uri="{FF2B5EF4-FFF2-40B4-BE49-F238E27FC236}">
-                <a16:creationId xmlns:a16="http://schemas.microsoft.com/office/drawing/2014/main" id="{40102D43-82E3-E9C1-9FBC-7FA7D7C62D96}"/>
-              </a:ext>
-            </a:extLst>
-          </p:cNvPr>
-          <p:cNvSpPr/>
-          <p:nvPr/>
-        </p:nvSpPr>
-        <p:spPr>
-          <a:xfrm>
-            <a:off x="9953185" y="4773480"/>
-            <a:ext cx="1498285" cy="560617"/>
-          </a:xfrm>
-          <a:prstGeom prst="roundRect">
-            <a:avLst/>
-          </a:prstGeom>
-          <a:noFill/>
-          <a:ln w="57150">
-            <a:solidFill>
-              <a:srgbClr val="FF0000"/>
-            </a:solidFill>
-          </a:ln>
-        </p:spPr>
-        <p:style>
-          <a:lnRef idx="2">
-            <a:schemeClr val="accent2"/>
-          </a:lnRef>
-          <a:fillRef idx="1">
-            <a:schemeClr val="lt1"/>
-          </a:fillRef>
-          <a:effectRef idx="0">
-            <a:schemeClr val="accent2"/>
-          </a:effectRef>
-          <a:fontRef idx="minor">
-            <a:schemeClr val="dk1"/>
-          </a:fontRef>
-        </p:style>
-        <p:txBody>
-          <a:bodyPr rtlCol="0" anchor="ctr"/>
-          <a:lstStyle/>
-          <a:p>
-            <a:pPr algn="ctr"/>
-            <a:endParaRPr lang="en-GB"/>
-          </a:p>
-        </p:txBody>
-      </p:sp>
-      <p:pic>
-        <p:nvPicPr>
-          <p:cNvPr id="10" name="Graphique 9" descr="Badge 1 contour">
-            <a:extLst>
-              <a:ext uri="{FF2B5EF4-FFF2-40B4-BE49-F238E27FC236}">
-                <a16:creationId xmlns:a16="http://schemas.microsoft.com/office/drawing/2014/main" id="{3E37B15B-B63D-56DE-90AC-A202A0D67425}"/>
-              </a:ext>
-            </a:extLst>
-          </p:cNvPr>
-          <p:cNvPicPr>
-            <a:picLocks noChangeAspect="1"/>
-          </p:cNvPicPr>
-          <p:nvPr/>
-        </p:nvPicPr>
-        <p:blipFill>
-          <a:blip r:embed="rId3">
-            <a:extLst>
-              <a:ext uri="{96DAC541-7B7A-43D3-8B79-37D633B846F1}">
-                <asvg:svgBlip xmlns:asvg="http://schemas.microsoft.com/office/drawing/2016/SVG/main" r:embed="rId4"/>
-              </a:ext>
-            </a:extLst>
-          </a:blip>
-          <a:stretch>
-            <a:fillRect/>
-          </a:stretch>
-        </p:blipFill>
-        <p:spPr>
-          <a:xfrm>
-            <a:off x="7519387" y="1686707"/>
-            <a:ext cx="641386" cy="641386"/>
-          </a:xfrm>
-          <a:prstGeom prst="rect">
-            <a:avLst/>
-          </a:prstGeom>
-        </p:spPr>
-      </p:pic>
-      <p:pic>
-        <p:nvPicPr>
-          <p:cNvPr id="11" name="Graphique 10" descr="Badge 3 contour">
-            <a:extLst>
-              <a:ext uri="{FF2B5EF4-FFF2-40B4-BE49-F238E27FC236}">
-                <a16:creationId xmlns:a16="http://schemas.microsoft.com/office/drawing/2014/main" id="{23AE59F6-7B2F-6771-ADDA-2C50E9F6C0C3}"/>
-              </a:ext>
-            </a:extLst>
-          </p:cNvPr>
-          <p:cNvPicPr>
-            <a:picLocks noChangeAspect="1"/>
-          </p:cNvPicPr>
-          <p:nvPr/>
-        </p:nvPicPr>
-        <p:blipFill>
-          <a:blip r:embed="rId5">
-            <a:extLst>
-              <a:ext uri="{96DAC541-7B7A-43D3-8B79-37D633B846F1}">
-                <asvg:svgBlip xmlns:asvg="http://schemas.microsoft.com/office/drawing/2016/SVG/main" r:embed="rId6"/>
-              </a:ext>
-            </a:extLst>
-          </a:blip>
-          <a:stretch>
-            <a:fillRect/>
-          </a:stretch>
-        </p:blipFill>
-        <p:spPr>
-          <a:xfrm>
-            <a:off x="9336356" y="4919912"/>
-            <a:ext cx="641386" cy="641386"/>
-          </a:xfrm>
-          <a:prstGeom prst="rect">
-            <a:avLst/>
-          </a:prstGeom>
-        </p:spPr>
-      </p:pic>
-      <p:pic>
-        <p:nvPicPr>
-          <p:cNvPr id="12" name="Graphique 11" descr="Badge contour">
-            <a:extLst>
-              <a:ext uri="{FF2B5EF4-FFF2-40B4-BE49-F238E27FC236}">
-                <a16:creationId xmlns:a16="http://schemas.microsoft.com/office/drawing/2014/main" id="{37826475-8B11-7063-5B5D-6077004543ED}"/>
-              </a:ext>
-            </a:extLst>
-          </p:cNvPr>
-          <p:cNvPicPr>
-            <a:picLocks noChangeAspect="1"/>
-          </p:cNvPicPr>
-          <p:nvPr/>
-        </p:nvPicPr>
-        <p:blipFill>
-          <a:blip r:embed="rId7">
-            <a:extLst>
-              <a:ext uri="{96DAC541-7B7A-43D3-8B79-37D633B846F1}">
-                <asvg:svgBlip xmlns:asvg="http://schemas.microsoft.com/office/drawing/2016/SVG/main" r:embed="rId8"/>
-              </a:ext>
-            </a:extLst>
-          </a:blip>
-          <a:stretch>
-            <a:fillRect/>
-          </a:stretch>
-        </p:blipFill>
-        <p:spPr>
-          <a:xfrm>
-            <a:off x="7519386" y="3691484"/>
-            <a:ext cx="641387" cy="641387"/>
-          </a:xfrm>
-          <a:prstGeom prst="rect">
-            <a:avLst/>
-          </a:prstGeom>
-        </p:spPr>
-      </p:pic>
     </p:spTree>
     <p:extLst>
       <p:ext uri="{BB962C8B-B14F-4D97-AF65-F5344CB8AC3E}">
-        <p14:creationId xmlns:p14="http://schemas.microsoft.com/office/powerpoint/2010/main" val="2591367837"/>
+        <p14:creationId xmlns:p14="http://schemas.microsoft.com/office/powerpoint/2010/main" val="880254573"/>
       </p:ext>
     </p:extLst>
   </p:cSld>
@@ -6092,10 +5828,10 @@
       </p:grpSpPr>
       <p:pic>
         <p:nvPicPr>
-          <p:cNvPr id="4" name="Picture 3">
-            <a:extLst>
-              <a:ext uri="{FF2B5EF4-FFF2-40B4-BE49-F238E27FC236}">
-                <a16:creationId xmlns:a16="http://schemas.microsoft.com/office/drawing/2014/main" id="{AC2D2C0A-9C87-1C9C-C8DC-C692A9F134DE}"/>
+          <p:cNvPr id="2" name="Picture 1">
+            <a:extLst>
+              <a:ext uri="{FF2B5EF4-FFF2-40B4-BE49-F238E27FC236}">
+                <a16:creationId xmlns:a16="http://schemas.microsoft.com/office/drawing/2014/main" id="{2421E4B7-C62F-D99F-FDBC-80E4E3CA7062}"/>
               </a:ext>
             </a:extLst>
           </p:cNvPr>
@@ -6112,8 +5848,8 @@
         </p:blipFill>
         <p:spPr>
           <a:xfrm>
-            <a:off x="0" y="1253452"/>
-            <a:ext cx="12192000" cy="4351096"/>
+            <a:off x="0" y="576772"/>
+            <a:ext cx="12192000" cy="5704455"/>
           </a:xfrm>
           <a:prstGeom prst="rect">
             <a:avLst/>
@@ -6125,7 +5861,7 @@
           <p:cNvPr id="3" name="Rectangle : coins arrondis 3">
             <a:extLst>
               <a:ext uri="{FF2B5EF4-FFF2-40B4-BE49-F238E27FC236}">
-                <a16:creationId xmlns:a16="http://schemas.microsoft.com/office/drawing/2014/main" id="{F61A23C4-2871-AF03-E8F3-6A2E4323A84B}"/>
+                <a16:creationId xmlns:a16="http://schemas.microsoft.com/office/drawing/2014/main" id="{266A90DA-F055-6778-853D-969DCD19CE58}"/>
               </a:ext>
             </a:extLst>
           </p:cNvPr>
@@ -6134,8 +5870,8 @@
         </p:nvSpPr>
         <p:spPr>
           <a:xfrm>
-            <a:off x="9907398" y="1988452"/>
-            <a:ext cx="1217118" cy="528245"/>
+            <a:off x="3117527" y="2670238"/>
+            <a:ext cx="5898654" cy="1557633"/>
           </a:xfrm>
           <a:prstGeom prst="roundRect">
             <a:avLst/>
@@ -6173,7 +5909,7 @@
     </p:spTree>
     <p:extLst>
       <p:ext uri="{BB962C8B-B14F-4D97-AF65-F5344CB8AC3E}">
-        <p14:creationId xmlns:p14="http://schemas.microsoft.com/office/powerpoint/2010/main" val="880254573"/>
+        <p14:creationId xmlns:p14="http://schemas.microsoft.com/office/powerpoint/2010/main" val="2763015643"/>
       </p:ext>
     </p:extLst>
   </p:cSld>
@@ -6318,10 +6054,10 @@
       </p:grpSpPr>
       <p:pic>
         <p:nvPicPr>
-          <p:cNvPr id="2" name="Picture 1">
-            <a:extLst>
-              <a:ext uri="{FF2B5EF4-FFF2-40B4-BE49-F238E27FC236}">
-                <a16:creationId xmlns:a16="http://schemas.microsoft.com/office/drawing/2014/main" id="{2421E4B7-C62F-D99F-FDBC-80E4E3CA7062}"/>
+          <p:cNvPr id="2" name="Picture 1" descr="A screenshot of a computer&#10;&#10;AI-generated content may be incorrect.">
+            <a:extLst>
+              <a:ext uri="{FF2B5EF4-FFF2-40B4-BE49-F238E27FC236}">
+                <a16:creationId xmlns:a16="http://schemas.microsoft.com/office/drawing/2014/main" id="{C6082588-48AA-46A9-97DE-E301AC2B964C}"/>
               </a:ext>
             </a:extLst>
           </p:cNvPr>
@@ -6338,8 +6074,8 @@
         </p:blipFill>
         <p:spPr>
           <a:xfrm>
-            <a:off x="0" y="576772"/>
-            <a:ext cx="12192000" cy="5704455"/>
+            <a:off x="0" y="549979"/>
+            <a:ext cx="12192000" cy="5758042"/>
           </a:xfrm>
           <a:prstGeom prst="rect">
             <a:avLst/>
@@ -6348,10 +6084,10 @@
       </p:pic>
       <p:sp>
         <p:nvSpPr>
-          <p:cNvPr id="3" name="Rectangle : coins arrondis 3">
-            <a:extLst>
-              <a:ext uri="{FF2B5EF4-FFF2-40B4-BE49-F238E27FC236}">
-                <a16:creationId xmlns:a16="http://schemas.microsoft.com/office/drawing/2014/main" id="{266A90DA-F055-6778-853D-969DCD19CE58}"/>
+          <p:cNvPr id="4" name="Rectangle : coins arrondis 3">
+            <a:extLst>
+              <a:ext uri="{FF2B5EF4-FFF2-40B4-BE49-F238E27FC236}">
+                <a16:creationId xmlns:a16="http://schemas.microsoft.com/office/drawing/2014/main" id="{972B079F-838A-5ED3-8389-D5C1AA4C1F6E}"/>
               </a:ext>
             </a:extLst>
           </p:cNvPr>
@@ -6360,8 +6096,8 @@
         </p:nvSpPr>
         <p:spPr>
           <a:xfrm>
-            <a:off x="3117527" y="2670238"/>
-            <a:ext cx="5898654" cy="1557633"/>
+            <a:off x="537417" y="2181138"/>
+            <a:ext cx="3076796" cy="3556752"/>
           </a:xfrm>
           <a:prstGeom prst="roundRect">
             <a:avLst/>
@@ -6396,10 +6132,404 @@
           </a:p>
         </p:txBody>
       </p:sp>
+      <p:sp>
+        <p:nvSpPr>
+          <p:cNvPr id="5" name="Rectangle : coins arrondis 3">
+            <a:extLst>
+              <a:ext uri="{FF2B5EF4-FFF2-40B4-BE49-F238E27FC236}">
+                <a16:creationId xmlns:a16="http://schemas.microsoft.com/office/drawing/2014/main" id="{FC3D19D0-426C-9C04-DF18-0911F5999605}"/>
+              </a:ext>
+            </a:extLst>
+          </p:cNvPr>
+          <p:cNvSpPr/>
+          <p:nvPr/>
+        </p:nvSpPr>
+        <p:spPr>
+          <a:xfrm>
+            <a:off x="3614213" y="2181138"/>
+            <a:ext cx="5074073" cy="3556752"/>
+          </a:xfrm>
+          <a:prstGeom prst="roundRect">
+            <a:avLst/>
+          </a:prstGeom>
+          <a:noFill/>
+          <a:ln w="57150">
+            <a:solidFill>
+              <a:srgbClr val="FF0000"/>
+            </a:solidFill>
+          </a:ln>
+        </p:spPr>
+        <p:style>
+          <a:lnRef idx="2">
+            <a:schemeClr val="accent2"/>
+          </a:lnRef>
+          <a:fillRef idx="1">
+            <a:schemeClr val="lt1"/>
+          </a:fillRef>
+          <a:effectRef idx="0">
+            <a:schemeClr val="accent2"/>
+          </a:effectRef>
+          <a:fontRef idx="minor">
+            <a:schemeClr val="dk1"/>
+          </a:fontRef>
+        </p:style>
+        <p:txBody>
+          <a:bodyPr rtlCol="0" anchor="ctr"/>
+          <a:lstStyle/>
+          <a:p>
+            <a:pPr algn="ctr"/>
+            <a:endParaRPr lang="en-GB"/>
+          </a:p>
+        </p:txBody>
+      </p:sp>
+      <p:sp>
+        <p:nvSpPr>
+          <p:cNvPr id="6" name="Rectangle : coins arrondis 3">
+            <a:extLst>
+              <a:ext uri="{FF2B5EF4-FFF2-40B4-BE49-F238E27FC236}">
+                <a16:creationId xmlns:a16="http://schemas.microsoft.com/office/drawing/2014/main" id="{755AC438-13BA-D355-DCB3-60B8EE2FB346}"/>
+              </a:ext>
+            </a:extLst>
+          </p:cNvPr>
+          <p:cNvSpPr/>
+          <p:nvPr/>
+        </p:nvSpPr>
+        <p:spPr>
+          <a:xfrm>
+            <a:off x="8688286" y="2582714"/>
+            <a:ext cx="3205861" cy="3070191"/>
+          </a:xfrm>
+          <a:prstGeom prst="roundRect">
+            <a:avLst/>
+          </a:prstGeom>
+          <a:noFill/>
+          <a:ln w="57150">
+            <a:solidFill>
+              <a:srgbClr val="FF0000"/>
+            </a:solidFill>
+          </a:ln>
+        </p:spPr>
+        <p:style>
+          <a:lnRef idx="2">
+            <a:schemeClr val="accent2"/>
+          </a:lnRef>
+          <a:fillRef idx="1">
+            <a:schemeClr val="lt1"/>
+          </a:fillRef>
+          <a:effectRef idx="0">
+            <a:schemeClr val="accent2"/>
+          </a:effectRef>
+          <a:fontRef idx="minor">
+            <a:schemeClr val="dk1"/>
+          </a:fontRef>
+        </p:style>
+        <p:txBody>
+          <a:bodyPr rtlCol="0" anchor="ctr"/>
+          <a:lstStyle/>
+          <a:p>
+            <a:pPr algn="ctr"/>
+            <a:endParaRPr lang="en-GB"/>
+          </a:p>
+        </p:txBody>
+      </p:sp>
+      <p:sp>
+        <p:nvSpPr>
+          <p:cNvPr id="7" name="Rectangle : coins arrondis 3">
+            <a:extLst>
+              <a:ext uri="{FF2B5EF4-FFF2-40B4-BE49-F238E27FC236}">
+                <a16:creationId xmlns:a16="http://schemas.microsoft.com/office/drawing/2014/main" id="{25B6FA9A-2C0C-EB93-3FF9-90B4C57DDA3E}"/>
+              </a:ext>
+            </a:extLst>
+          </p:cNvPr>
+          <p:cNvSpPr/>
+          <p:nvPr/>
+        </p:nvSpPr>
+        <p:spPr>
+          <a:xfrm>
+            <a:off x="7506706" y="2364731"/>
+            <a:ext cx="1071082" cy="435966"/>
+          </a:xfrm>
+          <a:prstGeom prst="roundRect">
+            <a:avLst/>
+          </a:prstGeom>
+          <a:noFill/>
+          <a:ln w="57150">
+            <a:solidFill>
+              <a:srgbClr val="FF0000"/>
+            </a:solidFill>
+          </a:ln>
+        </p:spPr>
+        <p:style>
+          <a:lnRef idx="2">
+            <a:schemeClr val="accent2"/>
+          </a:lnRef>
+          <a:fillRef idx="1">
+            <a:schemeClr val="lt1"/>
+          </a:fillRef>
+          <a:effectRef idx="0">
+            <a:schemeClr val="accent2"/>
+          </a:effectRef>
+          <a:fontRef idx="minor">
+            <a:schemeClr val="dk1"/>
+          </a:fontRef>
+        </p:style>
+        <p:txBody>
+          <a:bodyPr rtlCol="0" anchor="ctr"/>
+          <a:lstStyle/>
+          <a:p>
+            <a:pPr algn="ctr"/>
+            <a:endParaRPr lang="en-GB">
+              <a:solidFill>
+                <a:srgbClr val="C00000"/>
+              </a:solidFill>
+              <a:highlight>
+                <a:srgbClr val="800000"/>
+              </a:highlight>
+            </a:endParaRPr>
+          </a:p>
+        </p:txBody>
+      </p:sp>
+      <p:pic>
+        <p:nvPicPr>
+          <p:cNvPr id="8" name="Graphique 8" descr="Badge 1 contour">
+            <a:extLst>
+              <a:ext uri="{FF2B5EF4-FFF2-40B4-BE49-F238E27FC236}">
+                <a16:creationId xmlns:a16="http://schemas.microsoft.com/office/drawing/2014/main" id="{876BA99D-06CA-3245-A9CC-F2647C16F823}"/>
+              </a:ext>
+            </a:extLst>
+          </p:cNvPr>
+          <p:cNvPicPr>
+            <a:picLocks noChangeAspect="1"/>
+          </p:cNvPicPr>
+          <p:nvPr/>
+        </p:nvPicPr>
+        <p:blipFill>
+          <a:blip r:embed="rId3">
+            <a:extLst>
+              <a:ext uri="{96DAC541-7B7A-43D3-8B79-37D633B846F1}">
+                <asvg:svgBlip xmlns:asvg="http://schemas.microsoft.com/office/drawing/2016/SVG/main" r:embed="rId4"/>
+              </a:ext>
+            </a:extLst>
+          </a:blip>
+          <a:stretch>
+            <a:fillRect/>
+          </a:stretch>
+        </p:blipFill>
+        <p:spPr>
+          <a:xfrm>
+            <a:off x="1503452" y="5702263"/>
+            <a:ext cx="641386" cy="641386"/>
+          </a:xfrm>
+          <a:prstGeom prst="rect">
+            <a:avLst/>
+          </a:prstGeom>
+        </p:spPr>
+      </p:pic>
+      <p:pic>
+        <p:nvPicPr>
+          <p:cNvPr id="9" name="Graphique 10" descr="Badge contour">
+            <a:extLst>
+              <a:ext uri="{FF2B5EF4-FFF2-40B4-BE49-F238E27FC236}">
+                <a16:creationId xmlns:a16="http://schemas.microsoft.com/office/drawing/2014/main" id="{C8F7EF9D-5B90-CD15-979D-329D1AA4B512}"/>
+              </a:ext>
+            </a:extLst>
+          </p:cNvPr>
+          <p:cNvPicPr>
+            <a:picLocks noChangeAspect="1"/>
+          </p:cNvPicPr>
+          <p:nvPr/>
+        </p:nvPicPr>
+        <p:blipFill>
+          <a:blip r:embed="rId5">
+            <a:extLst>
+              <a:ext uri="{96DAC541-7B7A-43D3-8B79-37D633B846F1}">
+                <asvg:svgBlip xmlns:asvg="http://schemas.microsoft.com/office/drawing/2016/SVG/main" r:embed="rId6"/>
+              </a:ext>
+            </a:extLst>
+          </a:blip>
+          <a:stretch>
+            <a:fillRect/>
+          </a:stretch>
+        </p:blipFill>
+        <p:spPr>
+          <a:xfrm>
+            <a:off x="5775306" y="5737890"/>
+            <a:ext cx="641387" cy="641387"/>
+          </a:xfrm>
+          <a:prstGeom prst="rect">
+            <a:avLst/>
+          </a:prstGeom>
+        </p:spPr>
+      </p:pic>
+      <p:pic>
+        <p:nvPicPr>
+          <p:cNvPr id="10" name="Graphique 9" descr="Badge 3 contour">
+            <a:extLst>
+              <a:ext uri="{FF2B5EF4-FFF2-40B4-BE49-F238E27FC236}">
+                <a16:creationId xmlns:a16="http://schemas.microsoft.com/office/drawing/2014/main" id="{1AD3A701-DD04-D6D0-F77C-1C2DEF653A7D}"/>
+              </a:ext>
+            </a:extLst>
+          </p:cNvPr>
+          <p:cNvPicPr>
+            <a:picLocks noChangeAspect="1"/>
+          </p:cNvPicPr>
+          <p:nvPr/>
+        </p:nvPicPr>
+        <p:blipFill>
+          <a:blip r:embed="rId7">
+            <a:extLst>
+              <a:ext uri="{96DAC541-7B7A-43D3-8B79-37D633B846F1}">
+                <asvg:svgBlip xmlns:asvg="http://schemas.microsoft.com/office/drawing/2016/SVG/main" r:embed="rId8"/>
+              </a:ext>
+            </a:extLst>
+          </a:blip>
+          <a:stretch>
+            <a:fillRect/>
+          </a:stretch>
+        </p:blipFill>
+        <p:spPr>
+          <a:xfrm>
+            <a:off x="9836968" y="5652905"/>
+            <a:ext cx="641386" cy="641386"/>
+          </a:xfrm>
+          <a:prstGeom prst="rect">
+            <a:avLst/>
+          </a:prstGeom>
+        </p:spPr>
+      </p:pic>
+      <p:pic>
+        <p:nvPicPr>
+          <p:cNvPr id="11" name="Graphique 13" descr="Badge 5 contour">
+            <a:extLst>
+              <a:ext uri="{FF2B5EF4-FFF2-40B4-BE49-F238E27FC236}">
+                <a16:creationId xmlns:a16="http://schemas.microsoft.com/office/drawing/2014/main" id="{687D2445-C2A4-E891-57C2-31542D755007}"/>
+              </a:ext>
+            </a:extLst>
+          </p:cNvPr>
+          <p:cNvPicPr>
+            <a:picLocks noChangeAspect="1"/>
+          </p:cNvPicPr>
+          <p:nvPr/>
+        </p:nvPicPr>
+        <p:blipFill>
+          <a:blip r:embed="rId9">
+            <a:extLst>
+              <a:ext uri="{96DAC541-7B7A-43D3-8B79-37D633B846F1}">
+                <asvg:svgBlip xmlns:asvg="http://schemas.microsoft.com/office/drawing/2016/SVG/main" r:embed="rId10"/>
+              </a:ext>
+            </a:extLst>
+          </a:blip>
+          <a:stretch>
+            <a:fillRect/>
+          </a:stretch>
+        </p:blipFill>
+        <p:spPr>
+          <a:xfrm>
+            <a:off x="7721553" y="2765069"/>
+            <a:ext cx="641387" cy="641387"/>
+          </a:xfrm>
+          <a:prstGeom prst="rect">
+            <a:avLst/>
+          </a:prstGeom>
+        </p:spPr>
+      </p:pic>
+      <p:pic>
+        <p:nvPicPr>
+          <p:cNvPr id="12" name="Graphique 11" descr="Badge 4 contour">
+            <a:extLst>
+              <a:ext uri="{FF2B5EF4-FFF2-40B4-BE49-F238E27FC236}">
+                <a16:creationId xmlns:a16="http://schemas.microsoft.com/office/drawing/2014/main" id="{E155D1BC-E82C-BDE2-165F-50FC5DA441B9}"/>
+              </a:ext>
+            </a:extLst>
+          </p:cNvPr>
+          <p:cNvPicPr>
+            <a:picLocks noChangeAspect="1"/>
+          </p:cNvPicPr>
+          <p:nvPr/>
+        </p:nvPicPr>
+        <p:blipFill>
+          <a:blip r:embed="rId11">
+            <a:extLst>
+              <a:ext uri="{96DAC541-7B7A-43D3-8B79-37D633B846F1}">
+                <asvg:svgBlip xmlns:asvg="http://schemas.microsoft.com/office/drawing/2016/SVG/main" r:embed="rId12"/>
+              </a:ext>
+            </a:extLst>
+          </a:blip>
+          <a:stretch>
+            <a:fillRect/>
+          </a:stretch>
+        </p:blipFill>
+        <p:spPr>
+          <a:xfrm>
+            <a:off x="10826274" y="1740540"/>
+            <a:ext cx="641386" cy="641386"/>
+          </a:xfrm>
+          <a:prstGeom prst="rect">
+            <a:avLst/>
+          </a:prstGeom>
+        </p:spPr>
+      </p:pic>
+      <p:sp>
+        <p:nvSpPr>
+          <p:cNvPr id="13" name="Rectangle : coins arrondis 3">
+            <a:extLst>
+              <a:ext uri="{FF2B5EF4-FFF2-40B4-BE49-F238E27FC236}">
+                <a16:creationId xmlns:a16="http://schemas.microsoft.com/office/drawing/2014/main" id="{3ECF850E-E015-7B1D-A9B5-3DF2A01EDCB2}"/>
+              </a:ext>
+            </a:extLst>
+          </p:cNvPr>
+          <p:cNvSpPr/>
+          <p:nvPr/>
+        </p:nvSpPr>
+        <p:spPr>
+          <a:xfrm>
+            <a:off x="11467660" y="1865612"/>
+            <a:ext cx="571461" cy="240025"/>
+          </a:xfrm>
+          <a:prstGeom prst="roundRect">
+            <a:avLst/>
+          </a:prstGeom>
+          <a:noFill/>
+          <a:ln w="57150">
+            <a:solidFill>
+              <a:srgbClr val="FF0000"/>
+            </a:solidFill>
+          </a:ln>
+        </p:spPr>
+        <p:style>
+          <a:lnRef idx="2">
+            <a:schemeClr val="accent2"/>
+          </a:lnRef>
+          <a:fillRef idx="1">
+            <a:schemeClr val="lt1"/>
+          </a:fillRef>
+          <a:effectRef idx="0">
+            <a:schemeClr val="accent2"/>
+          </a:effectRef>
+          <a:fontRef idx="minor">
+            <a:schemeClr val="dk1"/>
+          </a:fontRef>
+        </p:style>
+        <p:txBody>
+          <a:bodyPr rtlCol="0" anchor="ctr"/>
+          <a:lstStyle/>
+          <a:p>
+            <a:pPr algn="ctr"/>
+            <a:endParaRPr lang="en-GB">
+              <a:solidFill>
+                <a:srgbClr val="C00000"/>
+              </a:solidFill>
+              <a:highlight>
+                <a:srgbClr val="800000"/>
+              </a:highlight>
+            </a:endParaRPr>
+          </a:p>
+        </p:txBody>
+      </p:sp>
     </p:spTree>
     <p:extLst>
       <p:ext uri="{BB962C8B-B14F-4D97-AF65-F5344CB8AC3E}">
-        <p14:creationId xmlns:p14="http://schemas.microsoft.com/office/powerpoint/2010/main" val="2763015643"/>
+        <p14:creationId xmlns:p14="http://schemas.microsoft.com/office/powerpoint/2010/main" val="1243950819"/>
       </p:ext>
     </p:extLst>
   </p:cSld>
@@ -6428,10 +6558,10 @@
       </p:grpSpPr>
       <p:pic>
         <p:nvPicPr>
-          <p:cNvPr id="2" name="Picture 1" descr="A screenshot of a computer&#10;&#10;AI-generated content may be incorrect.">
-            <a:extLst>
-              <a:ext uri="{FF2B5EF4-FFF2-40B4-BE49-F238E27FC236}">
-                <a16:creationId xmlns:a16="http://schemas.microsoft.com/office/drawing/2014/main" id="{C6082588-48AA-46A9-97DE-E301AC2B964C}"/>
+          <p:cNvPr id="7" name="Picture 6">
+            <a:extLst>
+              <a:ext uri="{FF2B5EF4-FFF2-40B4-BE49-F238E27FC236}">
+                <a16:creationId xmlns:a16="http://schemas.microsoft.com/office/drawing/2014/main" id="{671330C1-9E04-E106-A957-B001670E9FAF}"/>
               </a:ext>
             </a:extLst>
           </p:cNvPr>
@@ -6448,8 +6578,8 @@
         </p:blipFill>
         <p:spPr>
           <a:xfrm>
-            <a:off x="0" y="549979"/>
-            <a:ext cx="12192000" cy="5758042"/>
+            <a:off x="0" y="551128"/>
+            <a:ext cx="12192000" cy="5755743"/>
           </a:xfrm>
           <a:prstGeom prst="rect">
             <a:avLst/>
@@ -6461,7 +6591,7 @@
           <p:cNvPr id="4" name="Rectangle : coins arrondis 3">
             <a:extLst>
               <a:ext uri="{FF2B5EF4-FFF2-40B4-BE49-F238E27FC236}">
-                <a16:creationId xmlns:a16="http://schemas.microsoft.com/office/drawing/2014/main" id="{972B079F-838A-5ED3-8389-D5C1AA4C1F6E}"/>
+                <a16:creationId xmlns:a16="http://schemas.microsoft.com/office/drawing/2014/main" id="{04D714A2-3009-1C10-0E2E-C7AC6B9067F7}"/>
               </a:ext>
             </a:extLst>
           </p:cNvPr>
@@ -6470,8 +6600,8 @@
         </p:nvSpPr>
         <p:spPr>
           <a:xfrm>
-            <a:off x="537417" y="2181138"/>
-            <a:ext cx="3076796" cy="3556752"/>
+            <a:off x="3647768" y="2139192"/>
+            <a:ext cx="4896464" cy="3238149"/>
           </a:xfrm>
           <a:prstGeom prst="roundRect">
             <a:avLst/>
@@ -6508,10 +6638,10 @@
       </p:sp>
       <p:sp>
         <p:nvSpPr>
-          <p:cNvPr id="5" name="Rectangle : coins arrondis 3">
-            <a:extLst>
-              <a:ext uri="{FF2B5EF4-FFF2-40B4-BE49-F238E27FC236}">
-                <a16:creationId xmlns:a16="http://schemas.microsoft.com/office/drawing/2014/main" id="{FC3D19D0-426C-9C04-DF18-0911F5999605}"/>
+          <p:cNvPr id="6" name="Rectangle : coins arrondis 5">
+            <a:extLst>
+              <a:ext uri="{FF2B5EF4-FFF2-40B4-BE49-F238E27FC236}">
+                <a16:creationId xmlns:a16="http://schemas.microsoft.com/office/drawing/2014/main" id="{CF30937C-E796-D539-9EE8-2E4231EBCEC0}"/>
               </a:ext>
             </a:extLst>
           </p:cNvPr>
@@ -6520,8 +6650,8 @@
         </p:nvSpPr>
         <p:spPr>
           <a:xfrm>
-            <a:off x="3614213" y="2181138"/>
-            <a:ext cx="5074073" cy="3556752"/>
+            <a:off x="8544232" y="2137289"/>
+            <a:ext cx="3228061" cy="3240053"/>
           </a:xfrm>
           <a:prstGeom prst="roundRect">
             <a:avLst/>
@@ -6556,119 +6686,12 @@
           </a:p>
         </p:txBody>
       </p:sp>
-      <p:sp>
-        <p:nvSpPr>
-          <p:cNvPr id="6" name="Rectangle : coins arrondis 3">
-            <a:extLst>
-              <a:ext uri="{FF2B5EF4-FFF2-40B4-BE49-F238E27FC236}">
-                <a16:creationId xmlns:a16="http://schemas.microsoft.com/office/drawing/2014/main" id="{755AC438-13BA-D355-DCB3-60B8EE2FB346}"/>
-              </a:ext>
-            </a:extLst>
-          </p:cNvPr>
-          <p:cNvSpPr/>
-          <p:nvPr/>
-        </p:nvSpPr>
-        <p:spPr>
-          <a:xfrm>
-            <a:off x="8688286" y="2582714"/>
-            <a:ext cx="3205861" cy="3070191"/>
-          </a:xfrm>
-          <a:prstGeom prst="roundRect">
-            <a:avLst/>
-          </a:prstGeom>
-          <a:noFill/>
-          <a:ln w="57150">
-            <a:solidFill>
-              <a:srgbClr val="FF0000"/>
-            </a:solidFill>
-          </a:ln>
-        </p:spPr>
-        <p:style>
-          <a:lnRef idx="2">
-            <a:schemeClr val="accent2"/>
-          </a:lnRef>
-          <a:fillRef idx="1">
-            <a:schemeClr val="lt1"/>
-          </a:fillRef>
-          <a:effectRef idx="0">
-            <a:schemeClr val="accent2"/>
-          </a:effectRef>
-          <a:fontRef idx="minor">
-            <a:schemeClr val="dk1"/>
-          </a:fontRef>
-        </p:style>
-        <p:txBody>
-          <a:bodyPr rtlCol="0" anchor="ctr"/>
-          <a:lstStyle/>
-          <a:p>
-            <a:pPr algn="ctr"/>
-            <a:endParaRPr lang="en-GB"/>
-          </a:p>
-        </p:txBody>
-      </p:sp>
-      <p:sp>
-        <p:nvSpPr>
-          <p:cNvPr id="7" name="Rectangle : coins arrondis 3">
-            <a:extLst>
-              <a:ext uri="{FF2B5EF4-FFF2-40B4-BE49-F238E27FC236}">
-                <a16:creationId xmlns:a16="http://schemas.microsoft.com/office/drawing/2014/main" id="{25B6FA9A-2C0C-EB93-3FF9-90B4C57DDA3E}"/>
-              </a:ext>
-            </a:extLst>
-          </p:cNvPr>
-          <p:cNvSpPr/>
-          <p:nvPr/>
-        </p:nvSpPr>
-        <p:spPr>
-          <a:xfrm>
-            <a:off x="7506706" y="2364731"/>
-            <a:ext cx="1071082" cy="435966"/>
-          </a:xfrm>
-          <a:prstGeom prst="roundRect">
-            <a:avLst/>
-          </a:prstGeom>
-          <a:noFill/>
-          <a:ln w="57150">
-            <a:solidFill>
-              <a:srgbClr val="FF0000"/>
-            </a:solidFill>
-          </a:ln>
-        </p:spPr>
-        <p:style>
-          <a:lnRef idx="2">
-            <a:schemeClr val="accent2"/>
-          </a:lnRef>
-          <a:fillRef idx="1">
-            <a:schemeClr val="lt1"/>
-          </a:fillRef>
-          <a:effectRef idx="0">
-            <a:schemeClr val="accent2"/>
-          </a:effectRef>
-          <a:fontRef idx="minor">
-            <a:schemeClr val="dk1"/>
-          </a:fontRef>
-        </p:style>
-        <p:txBody>
-          <a:bodyPr rtlCol="0" anchor="ctr"/>
-          <a:lstStyle/>
-          <a:p>
-            <a:pPr algn="ctr"/>
-            <a:endParaRPr lang="en-GB">
-              <a:solidFill>
-                <a:srgbClr val="C00000"/>
-              </a:solidFill>
-              <a:highlight>
-                <a:srgbClr val="800000"/>
-              </a:highlight>
-            </a:endParaRPr>
-          </a:p>
-        </p:txBody>
-      </p:sp>
       <p:pic>
         <p:nvPicPr>
-          <p:cNvPr id="8" name="Graphique 8" descr="Badge 1 contour">
-            <a:extLst>
-              <a:ext uri="{FF2B5EF4-FFF2-40B4-BE49-F238E27FC236}">
-                <a16:creationId xmlns:a16="http://schemas.microsoft.com/office/drawing/2014/main" id="{876BA99D-06CA-3245-A9CC-F2647C16F823}"/>
+          <p:cNvPr id="8" name="Graphique 7" descr="Badge contour">
+            <a:extLst>
+              <a:ext uri="{FF2B5EF4-FFF2-40B4-BE49-F238E27FC236}">
+                <a16:creationId xmlns:a16="http://schemas.microsoft.com/office/drawing/2014/main" id="{05E853C7-77C9-5D72-B56B-D490D3568AE1}"/>
               </a:ext>
             </a:extLst>
           </p:cNvPr>
@@ -6691,8 +6714,8 @@
         </p:blipFill>
         <p:spPr>
           <a:xfrm>
-            <a:off x="1503452" y="5702263"/>
-            <a:ext cx="641386" cy="641386"/>
+            <a:off x="9853541" y="5330931"/>
+            <a:ext cx="641387" cy="641387"/>
           </a:xfrm>
           <a:prstGeom prst="rect">
             <a:avLst/>
@@ -6701,10 +6724,10 @@
       </p:pic>
       <p:pic>
         <p:nvPicPr>
-          <p:cNvPr id="9" name="Graphique 10" descr="Badge contour">
-            <a:extLst>
-              <a:ext uri="{FF2B5EF4-FFF2-40B4-BE49-F238E27FC236}">
-                <a16:creationId xmlns:a16="http://schemas.microsoft.com/office/drawing/2014/main" id="{C8F7EF9D-5B90-CD15-979D-329D1AA4B512}"/>
+          <p:cNvPr id="9" name="Graphique 8" descr="Badge 1 contour">
+            <a:extLst>
+              <a:ext uri="{FF2B5EF4-FFF2-40B4-BE49-F238E27FC236}">
+                <a16:creationId xmlns:a16="http://schemas.microsoft.com/office/drawing/2014/main" id="{6D1F9231-9785-F9EC-0169-78F6F2CA799C}"/>
               </a:ext>
             </a:extLst>
           </p:cNvPr>
@@ -6727,183 +6750,18 @@
         </p:blipFill>
         <p:spPr>
           <a:xfrm>
-            <a:off x="5775306" y="5737890"/>
-            <a:ext cx="641387" cy="641387"/>
+            <a:off x="5775307" y="5344793"/>
+            <a:ext cx="641386" cy="641386"/>
           </a:xfrm>
           <a:prstGeom prst="rect">
             <a:avLst/>
           </a:prstGeom>
         </p:spPr>
       </p:pic>
-      <p:pic>
-        <p:nvPicPr>
-          <p:cNvPr id="10" name="Graphique 9" descr="Badge 3 contour">
-            <a:extLst>
-              <a:ext uri="{FF2B5EF4-FFF2-40B4-BE49-F238E27FC236}">
-                <a16:creationId xmlns:a16="http://schemas.microsoft.com/office/drawing/2014/main" id="{1AD3A701-DD04-D6D0-F77C-1C2DEF653A7D}"/>
-              </a:ext>
-            </a:extLst>
-          </p:cNvPr>
-          <p:cNvPicPr>
-            <a:picLocks noChangeAspect="1"/>
-          </p:cNvPicPr>
-          <p:nvPr/>
-        </p:nvPicPr>
-        <p:blipFill>
-          <a:blip r:embed="rId7">
-            <a:extLst>
-              <a:ext uri="{96DAC541-7B7A-43D3-8B79-37D633B846F1}">
-                <asvg:svgBlip xmlns:asvg="http://schemas.microsoft.com/office/drawing/2016/SVG/main" r:embed="rId8"/>
-              </a:ext>
-            </a:extLst>
-          </a:blip>
-          <a:stretch>
-            <a:fillRect/>
-          </a:stretch>
-        </p:blipFill>
-        <p:spPr>
-          <a:xfrm>
-            <a:off x="9836968" y="5652905"/>
-            <a:ext cx="641386" cy="641386"/>
-          </a:xfrm>
-          <a:prstGeom prst="rect">
-            <a:avLst/>
-          </a:prstGeom>
-        </p:spPr>
-      </p:pic>
-      <p:pic>
-        <p:nvPicPr>
-          <p:cNvPr id="11" name="Graphique 13" descr="Badge 5 contour">
-            <a:extLst>
-              <a:ext uri="{FF2B5EF4-FFF2-40B4-BE49-F238E27FC236}">
-                <a16:creationId xmlns:a16="http://schemas.microsoft.com/office/drawing/2014/main" id="{687D2445-C2A4-E891-57C2-31542D755007}"/>
-              </a:ext>
-            </a:extLst>
-          </p:cNvPr>
-          <p:cNvPicPr>
-            <a:picLocks noChangeAspect="1"/>
-          </p:cNvPicPr>
-          <p:nvPr/>
-        </p:nvPicPr>
-        <p:blipFill>
-          <a:blip r:embed="rId9">
-            <a:extLst>
-              <a:ext uri="{96DAC541-7B7A-43D3-8B79-37D633B846F1}">
-                <asvg:svgBlip xmlns:asvg="http://schemas.microsoft.com/office/drawing/2016/SVG/main" r:embed="rId10"/>
-              </a:ext>
-            </a:extLst>
-          </a:blip>
-          <a:stretch>
-            <a:fillRect/>
-          </a:stretch>
-        </p:blipFill>
-        <p:spPr>
-          <a:xfrm>
-            <a:off x="7721553" y="2765069"/>
-            <a:ext cx="641387" cy="641387"/>
-          </a:xfrm>
-          <a:prstGeom prst="rect">
-            <a:avLst/>
-          </a:prstGeom>
-        </p:spPr>
-      </p:pic>
-      <p:pic>
-        <p:nvPicPr>
-          <p:cNvPr id="12" name="Graphique 11" descr="Badge 4 contour">
-            <a:extLst>
-              <a:ext uri="{FF2B5EF4-FFF2-40B4-BE49-F238E27FC236}">
-                <a16:creationId xmlns:a16="http://schemas.microsoft.com/office/drawing/2014/main" id="{E155D1BC-E82C-BDE2-165F-50FC5DA441B9}"/>
-              </a:ext>
-            </a:extLst>
-          </p:cNvPr>
-          <p:cNvPicPr>
-            <a:picLocks noChangeAspect="1"/>
-          </p:cNvPicPr>
-          <p:nvPr/>
-        </p:nvPicPr>
-        <p:blipFill>
-          <a:blip r:embed="rId11">
-            <a:extLst>
-              <a:ext uri="{96DAC541-7B7A-43D3-8B79-37D633B846F1}">
-                <asvg:svgBlip xmlns:asvg="http://schemas.microsoft.com/office/drawing/2016/SVG/main" r:embed="rId12"/>
-              </a:ext>
-            </a:extLst>
-          </a:blip>
-          <a:stretch>
-            <a:fillRect/>
-          </a:stretch>
-        </p:blipFill>
-        <p:spPr>
-          <a:xfrm>
-            <a:off x="10826274" y="1740540"/>
-            <a:ext cx="641386" cy="641386"/>
-          </a:xfrm>
-          <a:prstGeom prst="rect">
-            <a:avLst/>
-          </a:prstGeom>
-        </p:spPr>
-      </p:pic>
-      <p:sp>
-        <p:nvSpPr>
-          <p:cNvPr id="13" name="Rectangle : coins arrondis 3">
-            <a:extLst>
-              <a:ext uri="{FF2B5EF4-FFF2-40B4-BE49-F238E27FC236}">
-                <a16:creationId xmlns:a16="http://schemas.microsoft.com/office/drawing/2014/main" id="{3ECF850E-E015-7B1D-A9B5-3DF2A01EDCB2}"/>
-              </a:ext>
-            </a:extLst>
-          </p:cNvPr>
-          <p:cNvSpPr/>
-          <p:nvPr/>
-        </p:nvSpPr>
-        <p:spPr>
-          <a:xfrm>
-            <a:off x="11467660" y="1865612"/>
-            <a:ext cx="571461" cy="240025"/>
-          </a:xfrm>
-          <a:prstGeom prst="roundRect">
-            <a:avLst/>
-          </a:prstGeom>
-          <a:noFill/>
-          <a:ln w="57150">
-            <a:solidFill>
-              <a:srgbClr val="FF0000"/>
-            </a:solidFill>
-          </a:ln>
-        </p:spPr>
-        <p:style>
-          <a:lnRef idx="2">
-            <a:schemeClr val="accent2"/>
-          </a:lnRef>
-          <a:fillRef idx="1">
-            <a:schemeClr val="lt1"/>
-          </a:fillRef>
-          <a:effectRef idx="0">
-            <a:schemeClr val="accent2"/>
-          </a:effectRef>
-          <a:fontRef idx="minor">
-            <a:schemeClr val="dk1"/>
-          </a:fontRef>
-        </p:style>
-        <p:txBody>
-          <a:bodyPr rtlCol="0" anchor="ctr"/>
-          <a:lstStyle/>
-          <a:p>
-            <a:pPr algn="ctr"/>
-            <a:endParaRPr lang="en-GB">
-              <a:solidFill>
-                <a:srgbClr val="C00000"/>
-              </a:solidFill>
-              <a:highlight>
-                <a:srgbClr val="800000"/>
-              </a:highlight>
-            </a:endParaRPr>
-          </a:p>
-        </p:txBody>
-      </p:sp>
     </p:spTree>
     <p:extLst>
       <p:ext uri="{BB962C8B-B14F-4D97-AF65-F5344CB8AC3E}">
-        <p14:creationId xmlns:p14="http://schemas.microsoft.com/office/powerpoint/2010/main" val="1243950819"/>
+        <p14:creationId xmlns:p14="http://schemas.microsoft.com/office/powerpoint/2010/main" val="1548587592"/>
       </p:ext>
     </p:extLst>
   </p:cSld>
@@ -6932,238 +6790,6 @@
       </p:grpSpPr>
       <p:pic>
         <p:nvPicPr>
-          <p:cNvPr id="7" name="Picture 6">
-            <a:extLst>
-              <a:ext uri="{FF2B5EF4-FFF2-40B4-BE49-F238E27FC236}">
-                <a16:creationId xmlns:a16="http://schemas.microsoft.com/office/drawing/2014/main" id="{671330C1-9E04-E106-A957-B001670E9FAF}"/>
-              </a:ext>
-            </a:extLst>
-          </p:cNvPr>
-          <p:cNvPicPr>
-            <a:picLocks noChangeAspect="1"/>
-          </p:cNvPicPr>
-          <p:nvPr/>
-        </p:nvPicPr>
-        <p:blipFill>
-          <a:blip r:embed="rId2"/>
-          <a:stretch>
-            <a:fillRect/>
-          </a:stretch>
-        </p:blipFill>
-        <p:spPr>
-          <a:xfrm>
-            <a:off x="0" y="551128"/>
-            <a:ext cx="12192000" cy="5755743"/>
-          </a:xfrm>
-          <a:prstGeom prst="rect">
-            <a:avLst/>
-          </a:prstGeom>
-        </p:spPr>
-      </p:pic>
-      <p:sp>
-        <p:nvSpPr>
-          <p:cNvPr id="4" name="Rectangle : coins arrondis 3">
-            <a:extLst>
-              <a:ext uri="{FF2B5EF4-FFF2-40B4-BE49-F238E27FC236}">
-                <a16:creationId xmlns:a16="http://schemas.microsoft.com/office/drawing/2014/main" id="{04D714A2-3009-1C10-0E2E-C7AC6B9067F7}"/>
-              </a:ext>
-            </a:extLst>
-          </p:cNvPr>
-          <p:cNvSpPr/>
-          <p:nvPr/>
-        </p:nvSpPr>
-        <p:spPr>
-          <a:xfrm>
-            <a:off x="3647768" y="2139192"/>
-            <a:ext cx="4896464" cy="3238149"/>
-          </a:xfrm>
-          <a:prstGeom prst="roundRect">
-            <a:avLst/>
-          </a:prstGeom>
-          <a:noFill/>
-          <a:ln w="57150">
-            <a:solidFill>
-              <a:srgbClr val="FF0000"/>
-            </a:solidFill>
-          </a:ln>
-        </p:spPr>
-        <p:style>
-          <a:lnRef idx="2">
-            <a:schemeClr val="accent2"/>
-          </a:lnRef>
-          <a:fillRef idx="1">
-            <a:schemeClr val="lt1"/>
-          </a:fillRef>
-          <a:effectRef idx="0">
-            <a:schemeClr val="accent2"/>
-          </a:effectRef>
-          <a:fontRef idx="minor">
-            <a:schemeClr val="dk1"/>
-          </a:fontRef>
-        </p:style>
-        <p:txBody>
-          <a:bodyPr rtlCol="0" anchor="ctr"/>
-          <a:lstStyle/>
-          <a:p>
-            <a:pPr algn="ctr"/>
-            <a:endParaRPr lang="en-GB"/>
-          </a:p>
-        </p:txBody>
-      </p:sp>
-      <p:sp>
-        <p:nvSpPr>
-          <p:cNvPr id="6" name="Rectangle : coins arrondis 5">
-            <a:extLst>
-              <a:ext uri="{FF2B5EF4-FFF2-40B4-BE49-F238E27FC236}">
-                <a16:creationId xmlns:a16="http://schemas.microsoft.com/office/drawing/2014/main" id="{CF30937C-E796-D539-9EE8-2E4231EBCEC0}"/>
-              </a:ext>
-            </a:extLst>
-          </p:cNvPr>
-          <p:cNvSpPr/>
-          <p:nvPr/>
-        </p:nvSpPr>
-        <p:spPr>
-          <a:xfrm>
-            <a:off x="8544232" y="2137289"/>
-            <a:ext cx="3228061" cy="3240053"/>
-          </a:xfrm>
-          <a:prstGeom prst="roundRect">
-            <a:avLst/>
-          </a:prstGeom>
-          <a:noFill/>
-          <a:ln w="57150">
-            <a:solidFill>
-              <a:srgbClr val="FF0000"/>
-            </a:solidFill>
-          </a:ln>
-        </p:spPr>
-        <p:style>
-          <a:lnRef idx="2">
-            <a:schemeClr val="accent2"/>
-          </a:lnRef>
-          <a:fillRef idx="1">
-            <a:schemeClr val="lt1"/>
-          </a:fillRef>
-          <a:effectRef idx="0">
-            <a:schemeClr val="accent2"/>
-          </a:effectRef>
-          <a:fontRef idx="minor">
-            <a:schemeClr val="dk1"/>
-          </a:fontRef>
-        </p:style>
-        <p:txBody>
-          <a:bodyPr rtlCol="0" anchor="ctr"/>
-          <a:lstStyle/>
-          <a:p>
-            <a:pPr algn="ctr"/>
-            <a:endParaRPr lang="en-GB"/>
-          </a:p>
-        </p:txBody>
-      </p:sp>
-      <p:pic>
-        <p:nvPicPr>
-          <p:cNvPr id="8" name="Graphique 7" descr="Badge contour">
-            <a:extLst>
-              <a:ext uri="{FF2B5EF4-FFF2-40B4-BE49-F238E27FC236}">
-                <a16:creationId xmlns:a16="http://schemas.microsoft.com/office/drawing/2014/main" id="{05E853C7-77C9-5D72-B56B-D490D3568AE1}"/>
-              </a:ext>
-            </a:extLst>
-          </p:cNvPr>
-          <p:cNvPicPr>
-            <a:picLocks noChangeAspect="1"/>
-          </p:cNvPicPr>
-          <p:nvPr/>
-        </p:nvPicPr>
-        <p:blipFill>
-          <a:blip r:embed="rId3">
-            <a:extLst>
-              <a:ext uri="{96DAC541-7B7A-43D3-8B79-37D633B846F1}">
-                <asvg:svgBlip xmlns:asvg="http://schemas.microsoft.com/office/drawing/2016/SVG/main" r:embed="rId4"/>
-              </a:ext>
-            </a:extLst>
-          </a:blip>
-          <a:stretch>
-            <a:fillRect/>
-          </a:stretch>
-        </p:blipFill>
-        <p:spPr>
-          <a:xfrm>
-            <a:off x="9853541" y="5330931"/>
-            <a:ext cx="641387" cy="641387"/>
-          </a:xfrm>
-          <a:prstGeom prst="rect">
-            <a:avLst/>
-          </a:prstGeom>
-        </p:spPr>
-      </p:pic>
-      <p:pic>
-        <p:nvPicPr>
-          <p:cNvPr id="9" name="Graphique 8" descr="Badge 1 contour">
-            <a:extLst>
-              <a:ext uri="{FF2B5EF4-FFF2-40B4-BE49-F238E27FC236}">
-                <a16:creationId xmlns:a16="http://schemas.microsoft.com/office/drawing/2014/main" id="{6D1F9231-9785-F9EC-0169-78F6F2CA799C}"/>
-              </a:ext>
-            </a:extLst>
-          </p:cNvPr>
-          <p:cNvPicPr>
-            <a:picLocks noChangeAspect="1"/>
-          </p:cNvPicPr>
-          <p:nvPr/>
-        </p:nvPicPr>
-        <p:blipFill>
-          <a:blip r:embed="rId5">
-            <a:extLst>
-              <a:ext uri="{96DAC541-7B7A-43D3-8B79-37D633B846F1}">
-                <asvg:svgBlip xmlns:asvg="http://schemas.microsoft.com/office/drawing/2016/SVG/main" r:embed="rId6"/>
-              </a:ext>
-            </a:extLst>
-          </a:blip>
-          <a:stretch>
-            <a:fillRect/>
-          </a:stretch>
-        </p:blipFill>
-        <p:spPr>
-          <a:xfrm>
-            <a:off x="5775307" y="5344793"/>
-            <a:ext cx="641386" cy="641386"/>
-          </a:xfrm>
-          <a:prstGeom prst="rect">
-            <a:avLst/>
-          </a:prstGeom>
-        </p:spPr>
-      </p:pic>
-    </p:spTree>
-    <p:extLst>
-      <p:ext uri="{BB962C8B-B14F-4D97-AF65-F5344CB8AC3E}">
-        <p14:creationId xmlns:p14="http://schemas.microsoft.com/office/powerpoint/2010/main" val="1548587592"/>
-      </p:ext>
-    </p:extLst>
-  </p:cSld>
-  <p:clrMapOvr>
-    <a:masterClrMapping/>
-  </p:clrMapOvr>
-</p:sld>
-</file>
-
-<file path=ppt/slides/slide23.xml><?xml version="1.0" encoding="utf-8"?>
-<p:sld xmlns:a="http://schemas.openxmlformats.org/drawingml/2006/main" xmlns:r="http://schemas.openxmlformats.org/officeDocument/2006/relationships" xmlns:p="http://schemas.openxmlformats.org/presentationml/2006/main">
-  <p:cSld>
-    <p:spTree>
-      <p:nvGrpSpPr>
-        <p:cNvPr id="1" name=""/>
-        <p:cNvGrpSpPr/>
-        <p:nvPr/>
-      </p:nvGrpSpPr>
-      <p:grpSpPr>
-        <a:xfrm>
-          <a:off x="0" y="0"/>
-          <a:ext cx="0" cy="0"/>
-          <a:chOff x="0" y="0"/>
-          <a:chExt cx="0" cy="0"/>
-        </a:xfrm>
-      </p:grpSpPr>
-      <p:pic>
-        <p:nvPicPr>
           <p:cNvPr id="9" name="Picture 8">
             <a:extLst>
               <a:ext uri="{FF2B5EF4-FFF2-40B4-BE49-F238E27FC236}">
@@ -7377,7 +7003,7 @@
 </p:sld>
 </file>
 
-<file path=ppt/slides/slide24.xml><?xml version="1.0" encoding="utf-8"?>
+<file path=ppt/slides/slide23.xml><?xml version="1.0" encoding="utf-8"?>
 <p:sld xmlns:a="http://schemas.openxmlformats.org/drawingml/2006/main" xmlns:r="http://schemas.openxmlformats.org/officeDocument/2006/relationships" xmlns:p="http://schemas.openxmlformats.org/presentationml/2006/main">
   <p:cSld>
     <p:spTree>
@@ -7615,7 +7241,7 @@
 </p:sld>
 </file>
 
-<file path=ppt/slides/slide25.xml><?xml version="1.0" encoding="utf-8"?>
+<file path=ppt/slides/slide24.xml><?xml version="1.0" encoding="utf-8"?>
 <p:sld xmlns:a="http://schemas.openxmlformats.org/drawingml/2006/main" xmlns:r="http://schemas.openxmlformats.org/officeDocument/2006/relationships" xmlns:p="http://schemas.openxmlformats.org/presentationml/2006/main">
   <p:cSld>
     <p:spTree>
@@ -7847,7 +7473,7 @@
 </p:sld>
 </file>
 
-<file path=ppt/slides/slide26.xml><?xml version="1.0" encoding="utf-8"?>
+<file path=ppt/slides/slide25.xml><?xml version="1.0" encoding="utf-8"?>
 <p:sld xmlns:a="http://schemas.openxmlformats.org/drawingml/2006/main" xmlns:r="http://schemas.openxmlformats.org/officeDocument/2006/relationships" xmlns:p="http://schemas.openxmlformats.org/presentationml/2006/main">
   <p:cSld>
     <p:spTree>
@@ -8076,6 +7702,238 @@
     <p:extLst>
       <p:ext uri="{BB962C8B-B14F-4D97-AF65-F5344CB8AC3E}">
         <p14:creationId xmlns:p14="http://schemas.microsoft.com/office/powerpoint/2010/main" val="3630745803"/>
+      </p:ext>
+    </p:extLst>
+  </p:cSld>
+  <p:clrMapOvr>
+    <a:masterClrMapping/>
+  </p:clrMapOvr>
+</p:sld>
+</file>
+
+<file path=ppt/slides/slide26.xml><?xml version="1.0" encoding="utf-8"?>
+<p:sld xmlns:a="http://schemas.openxmlformats.org/drawingml/2006/main" xmlns:r="http://schemas.openxmlformats.org/officeDocument/2006/relationships" xmlns:p="http://schemas.openxmlformats.org/presentationml/2006/main">
+  <p:cSld>
+    <p:spTree>
+      <p:nvGrpSpPr>
+        <p:cNvPr id="1" name=""/>
+        <p:cNvGrpSpPr/>
+        <p:nvPr/>
+      </p:nvGrpSpPr>
+      <p:grpSpPr>
+        <a:xfrm>
+          <a:off x="0" y="0"/>
+          <a:ext cx="0" cy="0"/>
+          <a:chOff x="0" y="0"/>
+          <a:chExt cx="0" cy="0"/>
+        </a:xfrm>
+      </p:grpSpPr>
+      <p:pic>
+        <p:nvPicPr>
+          <p:cNvPr id="10" name="Picture 9">
+            <a:extLst>
+              <a:ext uri="{FF2B5EF4-FFF2-40B4-BE49-F238E27FC236}">
+                <a16:creationId xmlns:a16="http://schemas.microsoft.com/office/drawing/2014/main" id="{E0E4B985-8ECD-BE09-79CD-6C8AD393CDDB}"/>
+              </a:ext>
+            </a:extLst>
+          </p:cNvPr>
+          <p:cNvPicPr>
+            <a:picLocks noChangeAspect="1"/>
+          </p:cNvPicPr>
+          <p:nvPr/>
+        </p:nvPicPr>
+        <p:blipFill>
+          <a:blip r:embed="rId2"/>
+          <a:stretch>
+            <a:fillRect/>
+          </a:stretch>
+        </p:blipFill>
+        <p:spPr>
+          <a:xfrm>
+            <a:off x="0" y="562164"/>
+            <a:ext cx="12192000" cy="5733673"/>
+          </a:xfrm>
+          <a:prstGeom prst="rect">
+            <a:avLst/>
+          </a:prstGeom>
+        </p:spPr>
+      </p:pic>
+      <p:sp>
+        <p:nvSpPr>
+          <p:cNvPr id="4" name="Rectangle : coins arrondis 3">
+            <a:extLst>
+              <a:ext uri="{FF2B5EF4-FFF2-40B4-BE49-F238E27FC236}">
+                <a16:creationId xmlns:a16="http://schemas.microsoft.com/office/drawing/2014/main" id="{38B92505-83E4-F681-7882-C3A96DF76D88}"/>
+              </a:ext>
+            </a:extLst>
+          </p:cNvPr>
+          <p:cNvSpPr/>
+          <p:nvPr/>
+        </p:nvSpPr>
+        <p:spPr>
+          <a:xfrm>
+            <a:off x="3573710" y="2006415"/>
+            <a:ext cx="4970522" cy="4134326"/>
+          </a:xfrm>
+          <a:prstGeom prst="roundRect">
+            <a:avLst/>
+          </a:prstGeom>
+          <a:noFill/>
+          <a:ln w="57150">
+            <a:solidFill>
+              <a:srgbClr val="FF0000"/>
+            </a:solidFill>
+          </a:ln>
+        </p:spPr>
+        <p:style>
+          <a:lnRef idx="2">
+            <a:schemeClr val="accent2"/>
+          </a:lnRef>
+          <a:fillRef idx="1">
+            <a:schemeClr val="lt1"/>
+          </a:fillRef>
+          <a:effectRef idx="0">
+            <a:schemeClr val="accent2"/>
+          </a:effectRef>
+          <a:fontRef idx="minor">
+            <a:schemeClr val="dk1"/>
+          </a:fontRef>
+        </p:style>
+        <p:txBody>
+          <a:bodyPr rtlCol="0" anchor="ctr"/>
+          <a:lstStyle/>
+          <a:p>
+            <a:pPr algn="ctr"/>
+            <a:endParaRPr lang="en-GB"/>
+          </a:p>
+        </p:txBody>
+      </p:sp>
+      <p:sp>
+        <p:nvSpPr>
+          <p:cNvPr id="6" name="Rectangle : coins arrondis 5">
+            <a:extLst>
+              <a:ext uri="{FF2B5EF4-FFF2-40B4-BE49-F238E27FC236}">
+                <a16:creationId xmlns:a16="http://schemas.microsoft.com/office/drawing/2014/main" id="{D6F3ADCD-E53E-3351-C048-DB03C3E18C95}"/>
+              </a:ext>
+            </a:extLst>
+          </p:cNvPr>
+          <p:cNvSpPr/>
+          <p:nvPr/>
+        </p:nvSpPr>
+        <p:spPr>
+          <a:xfrm>
+            <a:off x="8544232" y="2004511"/>
+            <a:ext cx="3228061" cy="3886787"/>
+          </a:xfrm>
+          <a:prstGeom prst="roundRect">
+            <a:avLst/>
+          </a:prstGeom>
+          <a:noFill/>
+          <a:ln w="57150">
+            <a:solidFill>
+              <a:srgbClr val="FF0000"/>
+            </a:solidFill>
+          </a:ln>
+        </p:spPr>
+        <p:style>
+          <a:lnRef idx="2">
+            <a:schemeClr val="accent2"/>
+          </a:lnRef>
+          <a:fillRef idx="1">
+            <a:schemeClr val="lt1"/>
+          </a:fillRef>
+          <a:effectRef idx="0">
+            <a:schemeClr val="accent2"/>
+          </a:effectRef>
+          <a:fontRef idx="minor">
+            <a:schemeClr val="dk1"/>
+          </a:fontRef>
+        </p:style>
+        <p:txBody>
+          <a:bodyPr rtlCol="0" anchor="ctr"/>
+          <a:lstStyle/>
+          <a:p>
+            <a:pPr algn="ctr"/>
+            <a:endParaRPr lang="en-GB"/>
+          </a:p>
+        </p:txBody>
+      </p:sp>
+      <p:pic>
+        <p:nvPicPr>
+          <p:cNvPr id="7" name="Graphique 6" descr="Badge contour">
+            <a:extLst>
+              <a:ext uri="{FF2B5EF4-FFF2-40B4-BE49-F238E27FC236}">
+                <a16:creationId xmlns:a16="http://schemas.microsoft.com/office/drawing/2014/main" id="{C259EAB0-FFDA-27EA-6876-1D5054AF0263}"/>
+              </a:ext>
+            </a:extLst>
+          </p:cNvPr>
+          <p:cNvPicPr>
+            <a:picLocks noChangeAspect="1"/>
+          </p:cNvPicPr>
+          <p:nvPr/>
+        </p:nvPicPr>
+        <p:blipFill>
+          <a:blip r:embed="rId3">
+            <a:extLst>
+              <a:ext uri="{96DAC541-7B7A-43D3-8B79-37D633B846F1}">
+                <asvg:svgBlip xmlns:asvg="http://schemas.microsoft.com/office/drawing/2016/SVG/main" r:embed="rId4"/>
+              </a:ext>
+            </a:extLst>
+          </a:blip>
+          <a:stretch>
+            <a:fillRect/>
+          </a:stretch>
+        </p:blipFill>
+        <p:spPr>
+          <a:xfrm>
+            <a:off x="10047422" y="1434374"/>
+            <a:ext cx="641387" cy="641387"/>
+          </a:xfrm>
+          <a:prstGeom prst="rect">
+            <a:avLst/>
+          </a:prstGeom>
+        </p:spPr>
+      </p:pic>
+      <p:pic>
+        <p:nvPicPr>
+          <p:cNvPr id="8" name="Graphique 7" descr="Badge 1 contour">
+            <a:extLst>
+              <a:ext uri="{FF2B5EF4-FFF2-40B4-BE49-F238E27FC236}">
+                <a16:creationId xmlns:a16="http://schemas.microsoft.com/office/drawing/2014/main" id="{BBD44A37-7465-5D29-32C4-CF4808977FF2}"/>
+              </a:ext>
+            </a:extLst>
+          </p:cNvPr>
+          <p:cNvPicPr>
+            <a:picLocks noChangeAspect="1"/>
+          </p:cNvPicPr>
+          <p:nvPr/>
+        </p:nvPicPr>
+        <p:blipFill>
+          <a:blip r:embed="rId5">
+            <a:extLst>
+              <a:ext uri="{96DAC541-7B7A-43D3-8B79-37D633B846F1}">
+                <asvg:svgBlip xmlns:asvg="http://schemas.microsoft.com/office/drawing/2016/SVG/main" r:embed="rId6"/>
+              </a:ext>
+            </a:extLst>
+          </a:blip>
+          <a:stretch>
+            <a:fillRect/>
+          </a:stretch>
+        </p:blipFill>
+        <p:spPr>
+          <a:xfrm>
+            <a:off x="5775307" y="1371898"/>
+            <a:ext cx="641386" cy="641386"/>
+          </a:xfrm>
+          <a:prstGeom prst="rect">
+            <a:avLst/>
+          </a:prstGeom>
+        </p:spPr>
+      </p:pic>
+    </p:spTree>
+    <p:extLst>
+      <p:ext uri="{BB962C8B-B14F-4D97-AF65-F5344CB8AC3E}">
+        <p14:creationId xmlns:p14="http://schemas.microsoft.com/office/powerpoint/2010/main" val="1485860441"/>
       </p:ext>
     </p:extLst>
   </p:cSld>
@@ -8104,238 +7962,6 @@
       </p:grpSpPr>
       <p:pic>
         <p:nvPicPr>
-          <p:cNvPr id="10" name="Picture 9">
-            <a:extLst>
-              <a:ext uri="{FF2B5EF4-FFF2-40B4-BE49-F238E27FC236}">
-                <a16:creationId xmlns:a16="http://schemas.microsoft.com/office/drawing/2014/main" id="{E0E4B985-8ECD-BE09-79CD-6C8AD393CDDB}"/>
-              </a:ext>
-            </a:extLst>
-          </p:cNvPr>
-          <p:cNvPicPr>
-            <a:picLocks noChangeAspect="1"/>
-          </p:cNvPicPr>
-          <p:nvPr/>
-        </p:nvPicPr>
-        <p:blipFill>
-          <a:blip r:embed="rId2"/>
-          <a:stretch>
-            <a:fillRect/>
-          </a:stretch>
-        </p:blipFill>
-        <p:spPr>
-          <a:xfrm>
-            <a:off x="0" y="562164"/>
-            <a:ext cx="12192000" cy="5733673"/>
-          </a:xfrm>
-          <a:prstGeom prst="rect">
-            <a:avLst/>
-          </a:prstGeom>
-        </p:spPr>
-      </p:pic>
-      <p:sp>
-        <p:nvSpPr>
-          <p:cNvPr id="4" name="Rectangle : coins arrondis 3">
-            <a:extLst>
-              <a:ext uri="{FF2B5EF4-FFF2-40B4-BE49-F238E27FC236}">
-                <a16:creationId xmlns:a16="http://schemas.microsoft.com/office/drawing/2014/main" id="{38B92505-83E4-F681-7882-C3A96DF76D88}"/>
-              </a:ext>
-            </a:extLst>
-          </p:cNvPr>
-          <p:cNvSpPr/>
-          <p:nvPr/>
-        </p:nvSpPr>
-        <p:spPr>
-          <a:xfrm>
-            <a:off x="3573710" y="2006415"/>
-            <a:ext cx="4970522" cy="4134326"/>
-          </a:xfrm>
-          <a:prstGeom prst="roundRect">
-            <a:avLst/>
-          </a:prstGeom>
-          <a:noFill/>
-          <a:ln w="57150">
-            <a:solidFill>
-              <a:srgbClr val="FF0000"/>
-            </a:solidFill>
-          </a:ln>
-        </p:spPr>
-        <p:style>
-          <a:lnRef idx="2">
-            <a:schemeClr val="accent2"/>
-          </a:lnRef>
-          <a:fillRef idx="1">
-            <a:schemeClr val="lt1"/>
-          </a:fillRef>
-          <a:effectRef idx="0">
-            <a:schemeClr val="accent2"/>
-          </a:effectRef>
-          <a:fontRef idx="minor">
-            <a:schemeClr val="dk1"/>
-          </a:fontRef>
-        </p:style>
-        <p:txBody>
-          <a:bodyPr rtlCol="0" anchor="ctr"/>
-          <a:lstStyle/>
-          <a:p>
-            <a:pPr algn="ctr"/>
-            <a:endParaRPr lang="en-GB"/>
-          </a:p>
-        </p:txBody>
-      </p:sp>
-      <p:sp>
-        <p:nvSpPr>
-          <p:cNvPr id="6" name="Rectangle : coins arrondis 5">
-            <a:extLst>
-              <a:ext uri="{FF2B5EF4-FFF2-40B4-BE49-F238E27FC236}">
-                <a16:creationId xmlns:a16="http://schemas.microsoft.com/office/drawing/2014/main" id="{D6F3ADCD-E53E-3351-C048-DB03C3E18C95}"/>
-              </a:ext>
-            </a:extLst>
-          </p:cNvPr>
-          <p:cNvSpPr/>
-          <p:nvPr/>
-        </p:nvSpPr>
-        <p:spPr>
-          <a:xfrm>
-            <a:off x="8544232" y="2004511"/>
-            <a:ext cx="3228061" cy="3886787"/>
-          </a:xfrm>
-          <a:prstGeom prst="roundRect">
-            <a:avLst/>
-          </a:prstGeom>
-          <a:noFill/>
-          <a:ln w="57150">
-            <a:solidFill>
-              <a:srgbClr val="FF0000"/>
-            </a:solidFill>
-          </a:ln>
-        </p:spPr>
-        <p:style>
-          <a:lnRef idx="2">
-            <a:schemeClr val="accent2"/>
-          </a:lnRef>
-          <a:fillRef idx="1">
-            <a:schemeClr val="lt1"/>
-          </a:fillRef>
-          <a:effectRef idx="0">
-            <a:schemeClr val="accent2"/>
-          </a:effectRef>
-          <a:fontRef idx="minor">
-            <a:schemeClr val="dk1"/>
-          </a:fontRef>
-        </p:style>
-        <p:txBody>
-          <a:bodyPr rtlCol="0" anchor="ctr"/>
-          <a:lstStyle/>
-          <a:p>
-            <a:pPr algn="ctr"/>
-            <a:endParaRPr lang="en-GB"/>
-          </a:p>
-        </p:txBody>
-      </p:sp>
-      <p:pic>
-        <p:nvPicPr>
-          <p:cNvPr id="7" name="Graphique 6" descr="Badge contour">
-            <a:extLst>
-              <a:ext uri="{FF2B5EF4-FFF2-40B4-BE49-F238E27FC236}">
-                <a16:creationId xmlns:a16="http://schemas.microsoft.com/office/drawing/2014/main" id="{C259EAB0-FFDA-27EA-6876-1D5054AF0263}"/>
-              </a:ext>
-            </a:extLst>
-          </p:cNvPr>
-          <p:cNvPicPr>
-            <a:picLocks noChangeAspect="1"/>
-          </p:cNvPicPr>
-          <p:nvPr/>
-        </p:nvPicPr>
-        <p:blipFill>
-          <a:blip r:embed="rId3">
-            <a:extLst>
-              <a:ext uri="{96DAC541-7B7A-43D3-8B79-37D633B846F1}">
-                <asvg:svgBlip xmlns:asvg="http://schemas.microsoft.com/office/drawing/2016/SVG/main" r:embed="rId4"/>
-              </a:ext>
-            </a:extLst>
-          </a:blip>
-          <a:stretch>
-            <a:fillRect/>
-          </a:stretch>
-        </p:blipFill>
-        <p:spPr>
-          <a:xfrm>
-            <a:off x="10047422" y="1434374"/>
-            <a:ext cx="641387" cy="641387"/>
-          </a:xfrm>
-          <a:prstGeom prst="rect">
-            <a:avLst/>
-          </a:prstGeom>
-        </p:spPr>
-      </p:pic>
-      <p:pic>
-        <p:nvPicPr>
-          <p:cNvPr id="8" name="Graphique 7" descr="Badge 1 contour">
-            <a:extLst>
-              <a:ext uri="{FF2B5EF4-FFF2-40B4-BE49-F238E27FC236}">
-                <a16:creationId xmlns:a16="http://schemas.microsoft.com/office/drawing/2014/main" id="{BBD44A37-7465-5D29-32C4-CF4808977FF2}"/>
-              </a:ext>
-            </a:extLst>
-          </p:cNvPr>
-          <p:cNvPicPr>
-            <a:picLocks noChangeAspect="1"/>
-          </p:cNvPicPr>
-          <p:nvPr/>
-        </p:nvPicPr>
-        <p:blipFill>
-          <a:blip r:embed="rId5">
-            <a:extLst>
-              <a:ext uri="{96DAC541-7B7A-43D3-8B79-37D633B846F1}">
-                <asvg:svgBlip xmlns:asvg="http://schemas.microsoft.com/office/drawing/2016/SVG/main" r:embed="rId6"/>
-              </a:ext>
-            </a:extLst>
-          </a:blip>
-          <a:stretch>
-            <a:fillRect/>
-          </a:stretch>
-        </p:blipFill>
-        <p:spPr>
-          <a:xfrm>
-            <a:off x="5775307" y="1371898"/>
-            <a:ext cx="641386" cy="641386"/>
-          </a:xfrm>
-          <a:prstGeom prst="rect">
-            <a:avLst/>
-          </a:prstGeom>
-        </p:spPr>
-      </p:pic>
-    </p:spTree>
-    <p:extLst>
-      <p:ext uri="{BB962C8B-B14F-4D97-AF65-F5344CB8AC3E}">
-        <p14:creationId xmlns:p14="http://schemas.microsoft.com/office/powerpoint/2010/main" val="1485860441"/>
-      </p:ext>
-    </p:extLst>
-  </p:cSld>
-  <p:clrMapOvr>
-    <a:masterClrMapping/>
-  </p:clrMapOvr>
-</p:sld>
-</file>
-
-<file path=ppt/slides/slide28.xml><?xml version="1.0" encoding="utf-8"?>
-<p:sld xmlns:a="http://schemas.openxmlformats.org/drawingml/2006/main" xmlns:r="http://schemas.openxmlformats.org/officeDocument/2006/relationships" xmlns:p="http://schemas.openxmlformats.org/presentationml/2006/main">
-  <p:cSld>
-    <p:spTree>
-      <p:nvGrpSpPr>
-        <p:cNvPr id="1" name=""/>
-        <p:cNvGrpSpPr/>
-        <p:nvPr/>
-      </p:nvGrpSpPr>
-      <p:grpSpPr>
-        <a:xfrm>
-          <a:off x="0" y="0"/>
-          <a:ext cx="0" cy="0"/>
-          <a:chOff x="0" y="0"/>
-          <a:chExt cx="0" cy="0"/>
-        </a:xfrm>
-      </p:grpSpPr>
-      <p:pic>
-        <p:nvPicPr>
           <p:cNvPr id="9" name="Picture 8">
             <a:extLst>
               <a:ext uri="{FF2B5EF4-FFF2-40B4-BE49-F238E27FC236}">
@@ -8549,7 +8175,7 @@
 </p:sld>
 </file>
 
-<file path=ppt/slides/slide29.xml><?xml version="1.0" encoding="utf-8"?>
+<file path=ppt/slides/slide28.xml><?xml version="1.0" encoding="utf-8"?>
 <p:sld xmlns:a="http://schemas.openxmlformats.org/drawingml/2006/main" xmlns:r="http://schemas.openxmlformats.org/officeDocument/2006/relationships" xmlns:p="http://schemas.openxmlformats.org/presentationml/2006/main">
   <p:cSld>
     <p:spTree>
@@ -8878,6 +8504,128 @@
           </a:p>
         </p:txBody>
       </p:sp>
+      <p:pic>
+        <p:nvPicPr>
+          <p:cNvPr id="4" name="Graphique 23" descr="Badge 1 contour">
+            <a:extLst>
+              <a:ext uri="{FF2B5EF4-FFF2-40B4-BE49-F238E27FC236}">
+                <a16:creationId xmlns:a16="http://schemas.microsoft.com/office/drawing/2014/main" id="{142A79F0-83ED-445D-8585-01801B3D5316}"/>
+              </a:ext>
+            </a:extLst>
+          </p:cNvPr>
+          <p:cNvPicPr>
+            <a:picLocks noChangeAspect="1"/>
+          </p:cNvPicPr>
+          <p:nvPr/>
+        </p:nvPicPr>
+        <p:blipFill>
+          <a:blip r:embed="rId3">
+            <a:extLst>
+              <a:ext uri="{96DAC541-7B7A-43D3-8B79-37D633B846F1}">
+                <asvg:svgBlip xmlns:asvg="http://schemas.microsoft.com/office/drawing/2016/SVG/main" r:embed="rId4"/>
+              </a:ext>
+            </a:extLst>
+          </a:blip>
+          <a:stretch>
+            <a:fillRect/>
+          </a:stretch>
+        </p:blipFill>
+        <p:spPr>
+          <a:xfrm>
+            <a:off x="4208436" y="1963428"/>
+            <a:ext cx="641386" cy="641386"/>
+          </a:xfrm>
+          <a:prstGeom prst="rect">
+            <a:avLst/>
+          </a:prstGeom>
+        </p:spPr>
+      </p:pic>
+      <p:pic>
+        <p:nvPicPr>
+          <p:cNvPr id="5" name="Graphique 25" descr="Badge contour">
+            <a:extLst>
+              <a:ext uri="{FF2B5EF4-FFF2-40B4-BE49-F238E27FC236}">
+                <a16:creationId xmlns:a16="http://schemas.microsoft.com/office/drawing/2014/main" id="{C3B4BC32-228F-8260-C445-3C38ADA2D764}"/>
+              </a:ext>
+            </a:extLst>
+          </p:cNvPr>
+          <p:cNvPicPr>
+            <a:picLocks noChangeAspect="1"/>
+          </p:cNvPicPr>
+          <p:nvPr/>
+        </p:nvPicPr>
+        <p:blipFill>
+          <a:blip r:embed="rId5">
+            <a:extLst>
+              <a:ext uri="{96DAC541-7B7A-43D3-8B79-37D633B846F1}">
+                <asvg:svgBlip xmlns:asvg="http://schemas.microsoft.com/office/drawing/2016/SVG/main" r:embed="rId6"/>
+              </a:ext>
+            </a:extLst>
+          </a:blip>
+          <a:stretch>
+            <a:fillRect/>
+          </a:stretch>
+        </p:blipFill>
+        <p:spPr>
+          <a:xfrm>
+            <a:off x="10109588" y="2950281"/>
+            <a:ext cx="641387" cy="641387"/>
+          </a:xfrm>
+          <a:prstGeom prst="rect">
+            <a:avLst/>
+          </a:prstGeom>
+        </p:spPr>
+      </p:pic>
+      <p:sp>
+        <p:nvSpPr>
+          <p:cNvPr id="6" name="Rectangle : coins arrondis 3">
+            <a:extLst>
+              <a:ext uri="{FF2B5EF4-FFF2-40B4-BE49-F238E27FC236}">
+                <a16:creationId xmlns:a16="http://schemas.microsoft.com/office/drawing/2014/main" id="{40145BBF-28CA-1584-6E2D-05BC0EA9A2A5}"/>
+              </a:ext>
+            </a:extLst>
+          </p:cNvPr>
+          <p:cNvSpPr/>
+          <p:nvPr/>
+        </p:nvSpPr>
+        <p:spPr>
+          <a:xfrm>
+            <a:off x="10842171" y="3113313"/>
+            <a:ext cx="1099458" cy="391887"/>
+          </a:xfrm>
+          <a:prstGeom prst="roundRect">
+            <a:avLst/>
+          </a:prstGeom>
+          <a:noFill/>
+          <a:ln w="57150">
+            <a:solidFill>
+              <a:srgbClr val="FF0000"/>
+            </a:solidFill>
+          </a:ln>
+        </p:spPr>
+        <p:style>
+          <a:lnRef idx="2">
+            <a:schemeClr val="accent2"/>
+          </a:lnRef>
+          <a:fillRef idx="1">
+            <a:schemeClr val="lt1"/>
+          </a:fillRef>
+          <a:effectRef idx="0">
+            <a:schemeClr val="accent2"/>
+          </a:effectRef>
+          <a:fontRef idx="minor">
+            <a:schemeClr val="dk1"/>
+          </a:fontRef>
+        </p:style>
+        <p:txBody>
+          <a:bodyPr rtlCol="0" anchor="ctr"/>
+          <a:lstStyle/>
+          <a:p>
+            <a:pPr algn="ctr"/>
+            <a:endParaRPr lang="en-GB"/>
+          </a:p>
+        </p:txBody>
+      </p:sp>
     </p:spTree>
     <p:extLst>
       <p:ext uri="{BB962C8B-B14F-4D97-AF65-F5344CB8AC3E}">
@@ -10318,7 +10066,7 @@
           <p:cNvPr id="2" name="Titre 1">
             <a:extLst>
               <a:ext uri="{FF2B5EF4-FFF2-40B4-BE49-F238E27FC236}">
-                <a16:creationId xmlns:a16="http://schemas.microsoft.com/office/drawing/2014/main" id="{CE698B4C-D442-2AB9-55D9-BDD44F65FCF5}"/>
+                <a16:creationId xmlns:a16="http://schemas.microsoft.com/office/drawing/2014/main" id="{A27C1B2B-7379-F0ED-0512-6CF69F8E8B7A}"/>
               </a:ext>
             </a:extLst>
           </p:cNvPr>
@@ -10343,7 +10091,7 @@
           <p:cNvPr id="3" name="Espace réservé du contenu 2">
             <a:extLst>
               <a:ext uri="{FF2B5EF4-FFF2-40B4-BE49-F238E27FC236}">
-                <a16:creationId xmlns:a16="http://schemas.microsoft.com/office/drawing/2014/main" id="{47CFC49D-E55D-B9A1-9E42-B99201D83FCF}"/>
+                <a16:creationId xmlns:a16="http://schemas.microsoft.com/office/drawing/2014/main" id="{6130CE15-D0D2-C310-95E7-D25A9CC0AC2B}"/>
               </a:ext>
             </a:extLst>
           </p:cNvPr>
@@ -10368,7 +10116,7 @@
           <p:cNvPr id="5" name="Image 4">
             <a:extLst>
               <a:ext uri="{FF2B5EF4-FFF2-40B4-BE49-F238E27FC236}">
-                <a16:creationId xmlns:a16="http://schemas.microsoft.com/office/drawing/2014/main" id="{5812658F-CFDF-52A3-6A4B-FF9CF8D558B8}"/>
+                <a16:creationId xmlns:a16="http://schemas.microsoft.com/office/drawing/2014/main" id="{EF3EF153-B87B-8030-A193-604B638A15C9}"/>
               </a:ext>
             </a:extLst>
           </p:cNvPr>
@@ -10390,8 +10138,8 @@
         </p:blipFill>
         <p:spPr>
           <a:xfrm>
-            <a:off x="0" y="176419"/>
-            <a:ext cx="12192000" cy="5797239"/>
+            <a:off x="-35558" y="589150"/>
+            <a:ext cx="12227558" cy="5782271"/>
           </a:xfrm>
           <a:prstGeom prst="rect">
             <a:avLst/>
@@ -10403,7 +10151,7 @@
           <p:cNvPr id="4" name="Rectangle : coins arrondis 3">
             <a:extLst>
               <a:ext uri="{FF2B5EF4-FFF2-40B4-BE49-F238E27FC236}">
-                <a16:creationId xmlns:a16="http://schemas.microsoft.com/office/drawing/2014/main" id="{10A114E7-4076-F30E-1973-05323702706B}"/>
+                <a16:creationId xmlns:a16="http://schemas.microsoft.com/office/drawing/2014/main" id="{993EAA36-3A30-AA8A-64A9-3B03878A0378}"/>
               </a:ext>
             </a:extLst>
           </p:cNvPr>
@@ -10412,8 +10160,8 @@
         </p:nvSpPr>
         <p:spPr>
           <a:xfrm>
-            <a:off x="10785986" y="2113935"/>
-            <a:ext cx="1160207" cy="344130"/>
+            <a:off x="5574889" y="1140317"/>
+            <a:ext cx="6331976" cy="673870"/>
           </a:xfrm>
           <a:prstGeom prst="roundRect">
             <a:avLst/>
@@ -10448,10 +10196,218 @@
           </a:p>
         </p:txBody>
       </p:sp>
+      <p:sp>
+        <p:nvSpPr>
+          <p:cNvPr id="6" name="Rectangle : coins arrondis 5">
+            <a:extLst>
+              <a:ext uri="{FF2B5EF4-FFF2-40B4-BE49-F238E27FC236}">
+                <a16:creationId xmlns:a16="http://schemas.microsoft.com/office/drawing/2014/main" id="{C443BA1D-8DA0-5FC7-AAF4-75565CC5DB92}"/>
+              </a:ext>
+            </a:extLst>
+          </p:cNvPr>
+          <p:cNvSpPr/>
+          <p:nvPr/>
+        </p:nvSpPr>
+        <p:spPr>
+          <a:xfrm>
+            <a:off x="5574889" y="1835656"/>
+            <a:ext cx="2045111" cy="525581"/>
+          </a:xfrm>
+          <a:prstGeom prst="roundRect">
+            <a:avLst/>
+          </a:prstGeom>
+          <a:noFill/>
+          <a:ln w="57150">
+            <a:solidFill>
+              <a:srgbClr val="FF0000"/>
+            </a:solidFill>
+          </a:ln>
+        </p:spPr>
+        <p:style>
+          <a:lnRef idx="2">
+            <a:schemeClr val="accent2"/>
+          </a:lnRef>
+          <a:fillRef idx="1">
+            <a:schemeClr val="lt1"/>
+          </a:fillRef>
+          <a:effectRef idx="0">
+            <a:schemeClr val="accent2"/>
+          </a:effectRef>
+          <a:fontRef idx="minor">
+            <a:schemeClr val="dk1"/>
+          </a:fontRef>
+        </p:style>
+        <p:txBody>
+          <a:bodyPr rtlCol="0" anchor="ctr"/>
+          <a:lstStyle/>
+          <a:p>
+            <a:pPr algn="ctr"/>
+            <a:endParaRPr lang="en-GB"/>
+          </a:p>
+        </p:txBody>
+      </p:sp>
+      <p:pic>
+        <p:nvPicPr>
+          <p:cNvPr id="7" name="Graphique 6" descr="Badge 1 contour">
+            <a:extLst>
+              <a:ext uri="{FF2B5EF4-FFF2-40B4-BE49-F238E27FC236}">
+                <a16:creationId xmlns:a16="http://schemas.microsoft.com/office/drawing/2014/main" id="{050EE2DE-BDAA-19F4-22F1-AE5A98FF002E}"/>
+              </a:ext>
+            </a:extLst>
+          </p:cNvPr>
+          <p:cNvPicPr>
+            <a:picLocks noChangeAspect="1"/>
+          </p:cNvPicPr>
+          <p:nvPr/>
+        </p:nvPicPr>
+        <p:blipFill>
+          <a:blip r:embed="rId3">
+            <a:extLst>
+              <a:ext uri="{96DAC541-7B7A-43D3-8B79-37D633B846F1}">
+                <asvg:svgBlip xmlns:asvg="http://schemas.microsoft.com/office/drawing/2016/SVG/main" r:embed="rId4"/>
+              </a:ext>
+            </a:extLst>
+          </a:blip>
+          <a:stretch>
+            <a:fillRect/>
+          </a:stretch>
+        </p:blipFill>
+        <p:spPr>
+          <a:xfrm>
+            <a:off x="4933503" y="1239524"/>
+            <a:ext cx="641386" cy="641386"/>
+          </a:xfrm>
+          <a:prstGeom prst="rect">
+            <a:avLst/>
+          </a:prstGeom>
+        </p:spPr>
+      </p:pic>
+      <p:pic>
+        <p:nvPicPr>
+          <p:cNvPr id="8" name="Graphique 7" descr="Badge contour">
+            <a:extLst>
+              <a:ext uri="{FF2B5EF4-FFF2-40B4-BE49-F238E27FC236}">
+                <a16:creationId xmlns:a16="http://schemas.microsoft.com/office/drawing/2014/main" id="{E06806AA-B4E5-D4A9-9E6B-EBF4E98B7633}"/>
+              </a:ext>
+            </a:extLst>
+          </p:cNvPr>
+          <p:cNvPicPr>
+            <a:picLocks noChangeAspect="1"/>
+          </p:cNvPicPr>
+          <p:nvPr/>
+        </p:nvPicPr>
+        <p:blipFill>
+          <a:blip r:embed="rId5">
+            <a:extLst>
+              <a:ext uri="{96DAC541-7B7A-43D3-8B79-37D633B846F1}">
+                <asvg:svgBlip xmlns:asvg="http://schemas.microsoft.com/office/drawing/2016/SVG/main" r:embed="rId6"/>
+              </a:ext>
+            </a:extLst>
+          </a:blip>
+          <a:stretch>
+            <a:fillRect/>
+          </a:stretch>
+        </p:blipFill>
+        <p:spPr>
+          <a:xfrm>
+            <a:off x="6276750" y="2361237"/>
+            <a:ext cx="641387" cy="641387"/>
+          </a:xfrm>
+          <a:prstGeom prst="rect">
+            <a:avLst/>
+          </a:prstGeom>
+        </p:spPr>
+      </p:pic>
+      <p:sp>
+        <p:nvSpPr>
+          <p:cNvPr id="9" name="Rectangle : coins arrondis 8">
+            <a:extLst>
+              <a:ext uri="{FF2B5EF4-FFF2-40B4-BE49-F238E27FC236}">
+                <a16:creationId xmlns:a16="http://schemas.microsoft.com/office/drawing/2014/main" id="{10AE07AC-165A-FD1A-AD76-301D8D6870BE}"/>
+              </a:ext>
+            </a:extLst>
+          </p:cNvPr>
+          <p:cNvSpPr/>
+          <p:nvPr/>
+        </p:nvSpPr>
+        <p:spPr>
+          <a:xfrm>
+            <a:off x="7659328" y="1835656"/>
+            <a:ext cx="2045111" cy="525581"/>
+          </a:xfrm>
+          <a:prstGeom prst="roundRect">
+            <a:avLst/>
+          </a:prstGeom>
+          <a:noFill/>
+          <a:ln w="57150">
+            <a:solidFill>
+              <a:srgbClr val="FF0000"/>
+            </a:solidFill>
+          </a:ln>
+        </p:spPr>
+        <p:style>
+          <a:lnRef idx="2">
+            <a:schemeClr val="accent2"/>
+          </a:lnRef>
+          <a:fillRef idx="1">
+            <a:schemeClr val="lt1"/>
+          </a:fillRef>
+          <a:effectRef idx="0">
+            <a:schemeClr val="accent2"/>
+          </a:effectRef>
+          <a:fontRef idx="minor">
+            <a:schemeClr val="dk1"/>
+          </a:fontRef>
+        </p:style>
+        <p:txBody>
+          <a:bodyPr rtlCol="0" anchor="ctr"/>
+          <a:lstStyle/>
+          <a:p>
+            <a:pPr algn="ctr"/>
+            <a:endParaRPr lang="en-GB"/>
+          </a:p>
+        </p:txBody>
+      </p:sp>
+      <p:pic>
+        <p:nvPicPr>
+          <p:cNvPr id="10" name="Graphique 9" descr="Badge 3 contour">
+            <a:extLst>
+              <a:ext uri="{FF2B5EF4-FFF2-40B4-BE49-F238E27FC236}">
+                <a16:creationId xmlns:a16="http://schemas.microsoft.com/office/drawing/2014/main" id="{77667AD4-901E-D011-3C2C-CC33B8507E78}"/>
+              </a:ext>
+            </a:extLst>
+          </p:cNvPr>
+          <p:cNvPicPr>
+            <a:picLocks noChangeAspect="1"/>
+          </p:cNvPicPr>
+          <p:nvPr/>
+        </p:nvPicPr>
+        <p:blipFill>
+          <a:blip r:embed="rId7">
+            <a:extLst>
+              <a:ext uri="{96DAC541-7B7A-43D3-8B79-37D633B846F1}">
+                <asvg:svgBlip xmlns:asvg="http://schemas.microsoft.com/office/drawing/2016/SVG/main" r:embed="rId8"/>
+              </a:ext>
+            </a:extLst>
+          </a:blip>
+          <a:stretch>
+            <a:fillRect/>
+          </a:stretch>
+        </p:blipFill>
+        <p:spPr>
+          <a:xfrm>
+            <a:off x="8361190" y="2371268"/>
+            <a:ext cx="641386" cy="641386"/>
+          </a:xfrm>
+          <a:prstGeom prst="rect">
+            <a:avLst/>
+          </a:prstGeom>
+        </p:spPr>
+      </p:pic>
     </p:spTree>
     <p:extLst>
       <p:ext uri="{BB962C8B-B14F-4D97-AF65-F5344CB8AC3E}">
-        <p14:creationId xmlns:p14="http://schemas.microsoft.com/office/powerpoint/2010/main" val="2652995854"/>
+        <p14:creationId xmlns:p14="http://schemas.microsoft.com/office/powerpoint/2010/main" val="2387715804"/>
       </p:ext>
     </p:extLst>
   </p:cSld>
